--- a/img/preintegration/preintegration_v2.pptx
+++ b/img/preintegration/preintegration_v2.pptx
@@ -3458,10 +3458,10 @@
       </p:grpSpPr>
       <p:grpSp>
         <p:nvGrpSpPr>
-          <p:cNvPr id="30" name="그룹 29">
+          <p:cNvPr id="2" name="Group 1">
             <a:extLst>
               <a:ext uri="{FF2B5EF4-FFF2-40B4-BE49-F238E27FC236}">
-                <a16:creationId xmlns:a16="http://schemas.microsoft.com/office/drawing/2014/main" id="{EAA244A4-89EA-4E9D-BAD2-5039B3C6BE3C}"/>
+                <a16:creationId xmlns:a16="http://schemas.microsoft.com/office/drawing/2014/main" id="{E9AE41F3-AA83-A246-B316-5B6C8BD8DB1A}"/>
               </a:ext>
             </a:extLst>
           </p:cNvPr>
@@ -3470,10 +3470,10 @@
         </p:nvGrpSpPr>
         <p:grpSpPr>
           <a:xfrm>
-            <a:off x="37177" y="0"/>
-            <a:ext cx="12173873" cy="9000328"/>
-            <a:chOff x="37177" y="0"/>
-            <a:chExt cx="12173873" cy="9000328"/>
+            <a:off x="338760" y="4465"/>
+            <a:ext cx="11772900" cy="8538663"/>
+            <a:chOff x="338760" y="4465"/>
+            <a:chExt cx="11772900" cy="8538663"/>
           </a:xfrm>
         </p:grpSpPr>
         <p:pic>
@@ -3497,7 +3497,7 @@
           </p:blipFill>
           <p:spPr>
             <a:xfrm>
-              <a:off x="742950" y="461665"/>
+              <a:off x="643560" y="4465"/>
               <a:ext cx="9677400" cy="2342758"/>
             </a:xfrm>
             <a:prstGeom prst="rect">
@@ -3526,7 +3526,7 @@
           </p:blipFill>
           <p:spPr>
             <a:xfrm>
-              <a:off x="438150" y="2804423"/>
+              <a:off x="338760" y="2347223"/>
               <a:ext cx="11772900" cy="2342759"/>
             </a:xfrm>
             <a:prstGeom prst="rect">
@@ -3536,50 +3536,6 @@
         </p:pic>
         <p:sp>
           <p:nvSpPr>
-            <p:cNvPr id="6" name="TextBox 5">
-              <a:extLst>
-                <a:ext uri="{FF2B5EF4-FFF2-40B4-BE49-F238E27FC236}">
-                  <a16:creationId xmlns:a16="http://schemas.microsoft.com/office/drawing/2014/main" id="{33148725-618F-4248-B5D0-83C84F8983F3}"/>
-                </a:ext>
-              </a:extLst>
-            </p:cNvPr>
-            <p:cNvSpPr txBox="1"/>
-            <p:nvPr/>
-          </p:nvSpPr>
-          <p:spPr>
-            <a:xfrm>
-              <a:off x="37177" y="0"/>
-              <a:ext cx="5372100" cy="461665"/>
-            </a:xfrm>
-            <a:prstGeom prst="rect">
-              <a:avLst/>
-            </a:prstGeom>
-            <a:noFill/>
-          </p:spPr>
-          <p:txBody>
-            <a:bodyPr wrap="square" rtlCol="0">
-              <a:spAutoFit/>
-            </a:bodyPr>
-            <a:lstStyle/>
-            <a:p>
-              <a:r>
-                <a:rPr lang="en-US" altLang="ko-KR" sz="2400" dirty="0"/>
-                <a:t>3. </a:t>
-              </a:r>
-              <a:r>
-                <a:rPr lang="en-US" altLang="ko-KR" sz="2400" dirty="0" err="1"/>
-                <a:t>Preintegrated</a:t>
-              </a:r>
-              <a:r>
-                <a:rPr lang="en-US" altLang="ko-KR" sz="2400" dirty="0"/>
-                <a:t> position measurements </a:t>
-              </a:r>
-              <a:endParaRPr lang="ko-KR" altLang="en-US" sz="2400" dirty="0"/>
-            </a:p>
-          </p:txBody>
-        </p:sp>
-        <p:sp>
-          <p:nvSpPr>
             <p:cNvPr id="8" name="직사각형 7">
               <a:extLst>
                 <a:ext uri="{FF2B5EF4-FFF2-40B4-BE49-F238E27FC236}">
@@ -3592,7 +3548,7 @@
           </p:nvSpPr>
           <p:spPr>
             <a:xfrm>
-              <a:off x="5079379" y="1815429"/>
+              <a:off x="4979989" y="1358229"/>
               <a:ext cx="850097" cy="400110"/>
             </a:xfrm>
             <a:prstGeom prst="rect">
@@ -3644,7 +3600,7 @@
           </p:nvSpPr>
           <p:spPr>
             <a:xfrm>
-              <a:off x="2974417" y="1815429"/>
+              <a:off x="2875027" y="1358229"/>
               <a:ext cx="850097" cy="400110"/>
             </a:xfrm>
             <a:prstGeom prst="rect">
@@ -3696,7 +3652,7 @@
           </p:nvSpPr>
           <p:spPr>
             <a:xfrm>
-              <a:off x="3037779" y="3228945"/>
+              <a:off x="2938389" y="2771745"/>
               <a:ext cx="2467671" cy="526372"/>
             </a:xfrm>
             <a:prstGeom prst="rect">
@@ -3748,7 +3704,7 @@
           </p:nvSpPr>
           <p:spPr>
             <a:xfrm>
-              <a:off x="6729578" y="3228945"/>
+              <a:off x="6630188" y="2771745"/>
               <a:ext cx="2643022" cy="526372"/>
             </a:xfrm>
             <a:prstGeom prst="rect">
@@ -3800,7 +3756,7 @@
           </p:nvSpPr>
           <p:spPr>
             <a:xfrm rot="20471268">
-              <a:off x="3650600" y="2332324"/>
+              <a:off x="3551210" y="1875124"/>
               <a:ext cx="347828" cy="828645"/>
             </a:xfrm>
             <a:prstGeom prst="upDownArrow">
@@ -3852,7 +3808,7 @@
           </p:nvSpPr>
           <p:spPr>
             <a:xfrm rot="18710801">
-              <a:off x="6277369" y="2052881"/>
+              <a:off x="6177979" y="1595681"/>
               <a:ext cx="319349" cy="1313663"/>
             </a:xfrm>
             <a:prstGeom prst="upDownArrow">
@@ -3904,7 +3860,7 @@
           </p:nvSpPr>
           <p:spPr>
             <a:xfrm>
-              <a:off x="4019932" y="2472838"/>
+              <a:off x="3920542" y="2015638"/>
               <a:ext cx="1342329" cy="461665"/>
             </a:xfrm>
             <a:prstGeom prst="rect">
@@ -3940,7 +3896,7 @@
           </p:nvSpPr>
           <p:spPr>
             <a:xfrm>
-              <a:off x="6840661" y="2509653"/>
+              <a:off x="6741271" y="2052453"/>
               <a:ext cx="1342329" cy="461665"/>
             </a:xfrm>
             <a:prstGeom prst="rect">
@@ -3983,7 +3939,7 @@
           </p:blipFill>
           <p:spPr>
             <a:xfrm>
-              <a:off x="438150" y="5979552"/>
+              <a:off x="338760" y="5522352"/>
               <a:ext cx="11772900" cy="3020776"/>
             </a:xfrm>
             <a:prstGeom prst="rect">
@@ -4023,7 +3979,7 @@
           </p:blipFill>
           <p:spPr>
             <a:xfrm>
-              <a:off x="2169614" y="5340964"/>
+              <a:off x="2070224" y="4883764"/>
               <a:ext cx="8534858" cy="498285"/>
             </a:xfrm>
             <a:prstGeom prst="rect">
@@ -4045,7 +4001,7 @@
           </p:nvSpPr>
           <p:spPr>
             <a:xfrm>
-              <a:off x="1690914" y="5147181"/>
+              <a:off x="1591524" y="4689981"/>
               <a:ext cx="499836" cy="900178"/>
             </a:xfrm>
             <a:prstGeom prst="downArrow">
@@ -6472,115 +6428,6 @@
           <a:chExt cx="0" cy="0"/>
         </a:xfrm>
       </p:grpSpPr>
-      <p:sp>
-        <p:nvSpPr>
-          <p:cNvPr id="95" name="Right Arrow 94">
-            <a:extLst>
-              <a:ext uri="{FF2B5EF4-FFF2-40B4-BE49-F238E27FC236}">
-                <a16:creationId xmlns:a16="http://schemas.microsoft.com/office/drawing/2014/main" id="{337F2E3A-F746-644C-BC95-D4ACF6CA2CD6}"/>
-              </a:ext>
-            </a:extLst>
-          </p:cNvPr>
-          <p:cNvSpPr/>
-          <p:nvPr/>
-        </p:nvSpPr>
-        <p:spPr>
-          <a:xfrm>
-            <a:off x="5154222" y="2126165"/>
-            <a:ext cx="745480" cy="322175"/>
-          </a:xfrm>
-          <a:prstGeom prst="rightArrow">
-            <a:avLst/>
-          </a:prstGeom>
-          <a:solidFill>
-            <a:schemeClr val="bg2"/>
-          </a:solidFill>
-          <a:ln w="28575">
-            <a:solidFill>
-              <a:srgbClr val="00B050"/>
-            </a:solidFill>
-            <a:prstDash val="dash"/>
-          </a:ln>
-        </p:spPr>
-        <p:style>
-          <a:lnRef idx="2">
-            <a:schemeClr val="accent1">
-              <a:shade val="50000"/>
-            </a:schemeClr>
-          </a:lnRef>
-          <a:fillRef idx="1">
-            <a:schemeClr val="accent1"/>
-          </a:fillRef>
-          <a:effectRef idx="0">
-            <a:schemeClr val="accent1"/>
-          </a:effectRef>
-          <a:fontRef idx="minor">
-            <a:schemeClr val="lt1"/>
-          </a:fontRef>
-        </p:style>
-        <p:txBody>
-          <a:bodyPr rtlCol="0" anchor="ctr"/>
-          <a:lstStyle/>
-          <a:p>
-            <a:pPr algn="ctr"/>
-            <a:endParaRPr lang="en-KR"/>
-          </a:p>
-        </p:txBody>
-      </p:sp>
-      <p:sp>
-        <p:nvSpPr>
-          <p:cNvPr id="31" name="Right Arrow 30">
-            <a:extLst>
-              <a:ext uri="{FF2B5EF4-FFF2-40B4-BE49-F238E27FC236}">
-                <a16:creationId xmlns:a16="http://schemas.microsoft.com/office/drawing/2014/main" id="{57954683-09D8-A540-B8B3-9095A6E42FAD}"/>
-              </a:ext>
-            </a:extLst>
-          </p:cNvPr>
-          <p:cNvSpPr/>
-          <p:nvPr/>
-        </p:nvSpPr>
-        <p:spPr>
-          <a:xfrm rot="18900000">
-            <a:off x="5057467" y="1726083"/>
-            <a:ext cx="1030929" cy="322175"/>
-          </a:xfrm>
-          <a:prstGeom prst="rightArrow">
-            <a:avLst/>
-          </a:prstGeom>
-          <a:solidFill>
-            <a:srgbClr val="FF8300"/>
-          </a:solidFill>
-          <a:ln>
-            <a:solidFill>
-              <a:schemeClr val="tx1"/>
-            </a:solidFill>
-          </a:ln>
-        </p:spPr>
-        <p:style>
-          <a:lnRef idx="2">
-            <a:schemeClr val="accent1">
-              <a:shade val="50000"/>
-            </a:schemeClr>
-          </a:lnRef>
-          <a:fillRef idx="1">
-            <a:schemeClr val="accent1"/>
-          </a:fillRef>
-          <a:effectRef idx="0">
-            <a:schemeClr val="accent1"/>
-          </a:effectRef>
-          <a:fontRef idx="minor">
-            <a:schemeClr val="lt1"/>
-          </a:fontRef>
-        </p:style>
-        <p:txBody>
-          <a:bodyPr rtlCol="0" anchor="ctr"/>
-          <a:lstStyle/>
-          <a:p>
-            <a:pPr algn="ctr"/>
-            <a:endParaRPr lang="en-KR" dirty="0"/>
-          </a:p>
-        </p:txBody>
-      </p:sp>
       <p:pic>
         <p:nvPicPr>
           <p:cNvPr id="8" name="그림 7">
@@ -6596,7 +6443,7 @@
           <p:nvPr/>
         </p:nvPicPr>
         <p:blipFill>
-          <a:blip r:embed="rId13"/>
+          <a:blip r:embed="rId14"/>
           <a:stretch>
             <a:fillRect/>
           </a:stretch>
@@ -6626,7 +6473,7 @@
           <p:nvPr/>
         </p:nvPicPr>
         <p:blipFill>
-          <a:blip r:embed="rId14"/>
+          <a:blip r:embed="rId15"/>
           <a:stretch>
             <a:fillRect/>
           </a:stretch>
@@ -6728,7 +6575,7 @@
             <p:nvPr/>
           </p:nvPicPr>
           <p:blipFill>
-            <a:blip r:embed="rId15"/>
+            <a:blip r:embed="rId16"/>
             <a:stretch>
               <a:fillRect/>
             </a:stretch>
@@ -7077,7 +6924,7 @@
           </p:nvPr>
         </p:nvPicPr>
         <p:blipFill>
-          <a:blip r:embed="rId16">
+          <a:blip r:embed="rId17">
             <a:extLst>
               <a:ext uri="{28A0092B-C50C-407E-A947-70E740481C1C}">
                 <a14:useLocalDpi xmlns:a14="http://schemas.microsoft.com/office/drawing/2010/main" val="0"/>
@@ -7117,7 +6964,7 @@
           </p:nvPr>
         </p:nvPicPr>
         <p:blipFill>
-          <a:blip r:embed="rId17">
+          <a:blip r:embed="rId18">
             <a:extLst>
               <a:ext uri="{28A0092B-C50C-407E-A947-70E740481C1C}">
                 <a14:useLocalDpi xmlns:a14="http://schemas.microsoft.com/office/drawing/2010/main" val="0"/>
@@ -7573,6 +7420,169 @@
       </p:sp>
       <p:sp>
         <p:nvSpPr>
+          <p:cNvPr id="48" name="Arc 47">
+            <a:extLst>
+              <a:ext uri="{FF2B5EF4-FFF2-40B4-BE49-F238E27FC236}">
+                <a16:creationId xmlns:a16="http://schemas.microsoft.com/office/drawing/2014/main" id="{D59DA0C6-DCFB-6C46-A0FF-A2D52D0F721E}"/>
+              </a:ext>
+            </a:extLst>
+          </p:cNvPr>
+          <p:cNvSpPr/>
+          <p:nvPr/>
+        </p:nvSpPr>
+        <p:spPr>
+          <a:xfrm rot="17855398">
+            <a:off x="2064303" y="1827273"/>
+            <a:ext cx="3562889" cy="3318732"/>
+          </a:xfrm>
+          <a:prstGeom prst="arc">
+            <a:avLst>
+              <a:gd name="adj1" fmla="val 15423850"/>
+              <a:gd name="adj2" fmla="val 1135230"/>
+            </a:avLst>
+          </a:prstGeom>
+          <a:ln w="38100">
+            <a:solidFill>
+              <a:schemeClr val="tx1"/>
+            </a:solidFill>
+            <a:headEnd type="none" w="med" len="med"/>
+            <a:tailEnd type="triangle" w="med" len="med"/>
+          </a:ln>
+        </p:spPr>
+        <p:style>
+          <a:lnRef idx="1">
+            <a:schemeClr val="dk1"/>
+          </a:lnRef>
+          <a:fillRef idx="0">
+            <a:schemeClr val="dk1"/>
+          </a:fillRef>
+          <a:effectRef idx="0">
+            <a:schemeClr val="dk1"/>
+          </a:effectRef>
+          <a:fontRef idx="minor">
+            <a:schemeClr val="tx1"/>
+          </a:fontRef>
+        </p:style>
+        <p:txBody>
+          <a:bodyPr rtlCol="0" anchor="ctr"/>
+          <a:lstStyle/>
+          <a:p>
+            <a:pPr algn="ctr"/>
+            <a:endParaRPr lang="en-KR"/>
+          </a:p>
+        </p:txBody>
+      </p:sp>
+      <p:sp>
+        <p:nvSpPr>
+          <p:cNvPr id="95" name="Right Arrow 94">
+            <a:extLst>
+              <a:ext uri="{FF2B5EF4-FFF2-40B4-BE49-F238E27FC236}">
+                <a16:creationId xmlns:a16="http://schemas.microsoft.com/office/drawing/2014/main" id="{337F2E3A-F746-644C-BC95-D4ACF6CA2CD6}"/>
+              </a:ext>
+            </a:extLst>
+          </p:cNvPr>
+          <p:cNvSpPr/>
+          <p:nvPr/>
+        </p:nvSpPr>
+        <p:spPr>
+          <a:xfrm>
+            <a:off x="5154222" y="2126165"/>
+            <a:ext cx="745480" cy="322175"/>
+          </a:xfrm>
+          <a:prstGeom prst="rightArrow">
+            <a:avLst/>
+          </a:prstGeom>
+          <a:solidFill>
+            <a:schemeClr val="bg2"/>
+          </a:solidFill>
+          <a:ln w="28575">
+            <a:solidFill>
+              <a:srgbClr val="00B050"/>
+            </a:solidFill>
+            <a:prstDash val="dash"/>
+          </a:ln>
+        </p:spPr>
+        <p:style>
+          <a:lnRef idx="2">
+            <a:schemeClr val="accent1">
+              <a:shade val="50000"/>
+            </a:schemeClr>
+          </a:lnRef>
+          <a:fillRef idx="1">
+            <a:schemeClr val="accent1"/>
+          </a:fillRef>
+          <a:effectRef idx="0">
+            <a:schemeClr val="accent1"/>
+          </a:effectRef>
+          <a:fontRef idx="minor">
+            <a:schemeClr val="lt1"/>
+          </a:fontRef>
+        </p:style>
+        <p:txBody>
+          <a:bodyPr rtlCol="0" anchor="ctr"/>
+          <a:lstStyle/>
+          <a:p>
+            <a:pPr algn="ctr"/>
+            <a:endParaRPr lang="en-KR"/>
+          </a:p>
+        </p:txBody>
+      </p:sp>
+      <p:sp>
+        <p:nvSpPr>
+          <p:cNvPr id="31" name="Right Arrow 30">
+            <a:extLst>
+              <a:ext uri="{FF2B5EF4-FFF2-40B4-BE49-F238E27FC236}">
+                <a16:creationId xmlns:a16="http://schemas.microsoft.com/office/drawing/2014/main" id="{57954683-09D8-A540-B8B3-9095A6E42FAD}"/>
+              </a:ext>
+            </a:extLst>
+          </p:cNvPr>
+          <p:cNvSpPr/>
+          <p:nvPr/>
+        </p:nvSpPr>
+        <p:spPr>
+          <a:xfrm rot="18900000">
+            <a:off x="5057467" y="1726083"/>
+            <a:ext cx="1030929" cy="322175"/>
+          </a:xfrm>
+          <a:prstGeom prst="rightArrow">
+            <a:avLst/>
+          </a:prstGeom>
+          <a:solidFill>
+            <a:srgbClr val="FF8300"/>
+          </a:solidFill>
+          <a:ln>
+            <a:solidFill>
+              <a:schemeClr val="tx1"/>
+            </a:solidFill>
+          </a:ln>
+        </p:spPr>
+        <p:style>
+          <a:lnRef idx="2">
+            <a:schemeClr val="accent1">
+              <a:shade val="50000"/>
+            </a:schemeClr>
+          </a:lnRef>
+          <a:fillRef idx="1">
+            <a:schemeClr val="accent1"/>
+          </a:fillRef>
+          <a:effectRef idx="0">
+            <a:schemeClr val="accent1"/>
+          </a:effectRef>
+          <a:fontRef idx="minor">
+            <a:schemeClr val="lt1"/>
+          </a:fontRef>
+        </p:style>
+        <p:txBody>
+          <a:bodyPr rtlCol="0" anchor="ctr"/>
+          <a:lstStyle/>
+          <a:p>
+            <a:pPr algn="ctr"/>
+            <a:endParaRPr lang="en-KR" dirty="0"/>
+          </a:p>
+        </p:txBody>
+      </p:sp>
+      <p:sp>
+        <p:nvSpPr>
           <p:cNvPr id="37" name="TextBox 36">
             <a:extLst>
               <a:ext uri="{FF2B5EF4-FFF2-40B4-BE49-F238E27FC236}">
@@ -7733,7 +7743,7 @@
           </p:nvPr>
         </p:nvPicPr>
         <p:blipFill>
-          <a:blip r:embed="rId18">
+          <a:blip r:embed="rId19">
             <a:extLst>
               <a:ext uri="{28A0092B-C50C-407E-A947-70E740481C1C}">
                 <a14:useLocalDpi xmlns:a14="http://schemas.microsoft.com/office/drawing/2010/main" val="0"/>
@@ -7773,7 +7783,7 @@
           </p:nvPr>
         </p:nvPicPr>
         <p:blipFill>
-          <a:blip r:embed="rId19">
+          <a:blip r:embed="rId20">
             <a:extLst>
               <a:ext uri="{28A0092B-C50C-407E-A947-70E740481C1C}">
                 <a14:useLocalDpi xmlns:a14="http://schemas.microsoft.com/office/drawing/2010/main" val="0"/>
@@ -8327,7 +8337,7 @@
           </p:nvPr>
         </p:nvPicPr>
         <p:blipFill>
-          <a:blip r:embed="rId20">
+          <a:blip r:embed="rId21">
             <a:extLst>
               <a:ext uri="{28A0092B-C50C-407E-A947-70E740481C1C}">
                 <a14:useLocalDpi xmlns:a14="http://schemas.microsoft.com/office/drawing/2010/main" val="0"/>
@@ -8367,7 +8377,7 @@
           </p:nvPr>
         </p:nvPicPr>
         <p:blipFill>
-          <a:blip r:embed="rId21">
+          <a:blip r:embed="rId22">
             <a:extLst>
               <a:ext uri="{28A0092B-C50C-407E-A947-70E740481C1C}">
                 <a14:useLocalDpi xmlns:a14="http://schemas.microsoft.com/office/drawing/2010/main" val="0"/>
@@ -8407,7 +8417,7 @@
           </p:nvPr>
         </p:nvPicPr>
         <p:blipFill>
-          <a:blip r:embed="rId22">
+          <a:blip r:embed="rId23">
             <a:extLst>
               <a:ext uri="{28A0092B-C50C-407E-A947-70E740481C1C}">
                 <a14:useLocalDpi xmlns:a14="http://schemas.microsoft.com/office/drawing/2010/main" val="0"/>
@@ -8428,153 +8438,172 @@
           </a:prstGeom>
         </p:spPr>
       </p:pic>
-      <p:grpSp>
-        <p:nvGrpSpPr>
-          <p:cNvPr id="62" name="Group 61">
+      <p:pic>
+        <p:nvPicPr>
+          <p:cNvPr id="36" name="Picture 35">
             <a:extLst>
               <a:ext uri="{FF2B5EF4-FFF2-40B4-BE49-F238E27FC236}">
-                <a16:creationId xmlns:a16="http://schemas.microsoft.com/office/drawing/2014/main" id="{FE92CAF5-8BF9-3349-B1ED-B3EF6F70D6C7}"/>
+                <a16:creationId xmlns:a16="http://schemas.microsoft.com/office/drawing/2014/main" id="{0325C544-0766-804A-9899-FA91F3CF37E0}"/>
               </a:ext>
             </a:extLst>
           </p:cNvPr>
-          <p:cNvGrpSpPr/>
-          <p:nvPr/>
-        </p:nvGrpSpPr>
-        <p:grpSpPr>
+          <p:cNvPicPr>
+            <a:picLocks noChangeAspect="1"/>
+          </p:cNvPicPr>
+          <p:nvPr>
+            <p:custDataLst>
+              <p:tags r:id="rId8"/>
+            </p:custDataLst>
+          </p:nvPr>
+        </p:nvPicPr>
+        <p:blipFill>
+          <a:blip r:embed="rId24">
+            <a:extLst>
+              <a:ext uri="{28A0092B-C50C-407E-A947-70E740481C1C}">
+                <a14:useLocalDpi xmlns:a14="http://schemas.microsoft.com/office/drawing/2010/main" val="0"/>
+              </a:ext>
+            </a:extLst>
+          </a:blip>
+          <a:stretch>
+            <a:fillRect/>
+          </a:stretch>
+        </p:blipFill>
+        <p:spPr>
+          <a:xfrm>
+            <a:off x="6729788" y="2447036"/>
+            <a:ext cx="5017008" cy="922528"/>
+          </a:xfrm>
+          <a:prstGeom prst="rect">
+            <a:avLst/>
+          </a:prstGeom>
+        </p:spPr>
+      </p:pic>
+      <p:pic>
+        <p:nvPicPr>
+          <p:cNvPr id="57" name="Picture 56">
+            <a:extLst>
+              <a:ext uri="{FF2B5EF4-FFF2-40B4-BE49-F238E27FC236}">
+                <a16:creationId xmlns:a16="http://schemas.microsoft.com/office/drawing/2014/main" id="{F3B466EF-E034-7D45-87D0-4EA48F405034}"/>
+              </a:ext>
+            </a:extLst>
+          </p:cNvPr>
+          <p:cNvPicPr>
+            <a:picLocks noChangeAspect="1"/>
+          </p:cNvPicPr>
+          <p:nvPr>
+            <p:custDataLst>
+              <p:tags r:id="rId9"/>
+            </p:custDataLst>
+          </p:nvPr>
+        </p:nvPicPr>
+        <p:blipFill>
+          <a:blip r:embed="rId25">
+            <a:extLst>
+              <a:ext uri="{28A0092B-C50C-407E-A947-70E740481C1C}">
+                <a14:useLocalDpi xmlns:a14="http://schemas.microsoft.com/office/drawing/2010/main" val="0"/>
+              </a:ext>
+            </a:extLst>
+          </a:blip>
+          <a:stretch>
+            <a:fillRect/>
+          </a:stretch>
+        </p:blipFill>
+        <p:spPr>
           <a:xfrm>
             <a:off x="6077586" y="2131329"/>
-            <a:ext cx="5669210" cy="1609460"/>
-            <a:chOff x="6303401" y="2119222"/>
-            <a:chExt cx="5669210" cy="1609460"/>
+            <a:ext cx="2893568" cy="274320"/>
           </a:xfrm>
-        </p:grpSpPr>
-        <p:pic>
-          <p:nvPicPr>
-            <p:cNvPr id="36" name="Picture 35">
-              <a:extLst>
-                <a:ext uri="{FF2B5EF4-FFF2-40B4-BE49-F238E27FC236}">
-                  <a16:creationId xmlns:a16="http://schemas.microsoft.com/office/drawing/2014/main" id="{0325C544-0766-804A-9899-FA91F3CF37E0}"/>
-                </a:ext>
-              </a:extLst>
-            </p:cNvPr>
-            <p:cNvPicPr>
-              <a:picLocks noChangeAspect="1"/>
-            </p:cNvPicPr>
-            <p:nvPr>
-              <p:custDataLst>
-                <p:tags r:id="rId9"/>
-              </p:custDataLst>
-            </p:nvPr>
-          </p:nvPicPr>
-          <p:blipFill>
-            <a:blip r:embed="rId23">
-              <a:extLst>
-                <a:ext uri="{28A0092B-C50C-407E-A947-70E740481C1C}">
-                  <a14:useLocalDpi xmlns:a14="http://schemas.microsoft.com/office/drawing/2010/main" val="0"/>
-                </a:ext>
-              </a:extLst>
-            </a:blip>
-            <a:stretch>
-              <a:fillRect/>
-            </a:stretch>
-          </p:blipFill>
-          <p:spPr>
-            <a:xfrm>
-              <a:off x="6955603" y="2434929"/>
-              <a:ext cx="5017008" cy="922528"/>
-            </a:xfrm>
-            <a:prstGeom prst="rect">
-              <a:avLst/>
-            </a:prstGeom>
-          </p:spPr>
-        </p:pic>
-        <p:pic>
-          <p:nvPicPr>
-            <p:cNvPr id="57" name="Picture 56">
-              <a:extLst>
-                <a:ext uri="{FF2B5EF4-FFF2-40B4-BE49-F238E27FC236}">
-                  <a16:creationId xmlns:a16="http://schemas.microsoft.com/office/drawing/2014/main" id="{F3B466EF-E034-7D45-87D0-4EA48F405034}"/>
-                </a:ext>
-              </a:extLst>
-            </p:cNvPr>
-            <p:cNvPicPr>
-              <a:picLocks noChangeAspect="1"/>
-            </p:cNvPicPr>
-            <p:nvPr>
-              <p:custDataLst>
-                <p:tags r:id="rId10"/>
-              </p:custDataLst>
-            </p:nvPr>
-          </p:nvPicPr>
-          <p:blipFill>
-            <a:blip r:embed="rId24">
-              <a:extLst>
-                <a:ext uri="{28A0092B-C50C-407E-A947-70E740481C1C}">
-                  <a14:useLocalDpi xmlns:a14="http://schemas.microsoft.com/office/drawing/2010/main" val="0"/>
-                </a:ext>
-              </a:extLst>
-            </a:blip>
-            <a:stretch>
-              <a:fillRect/>
-            </a:stretch>
-          </p:blipFill>
-          <p:spPr>
-            <a:xfrm>
-              <a:off x="6303401" y="2119222"/>
-              <a:ext cx="2893568" cy="274320"/>
-            </a:xfrm>
-            <a:prstGeom prst="rect">
-              <a:avLst/>
-            </a:prstGeom>
-          </p:spPr>
-        </p:pic>
-        <p:pic>
-          <p:nvPicPr>
-            <p:cNvPr id="43" name="Picture 42">
-              <a:extLst>
-                <a:ext uri="{FF2B5EF4-FFF2-40B4-BE49-F238E27FC236}">
-                  <a16:creationId xmlns:a16="http://schemas.microsoft.com/office/drawing/2014/main" id="{B8AAD82D-6DD1-6B42-B373-D6CBB27F096B}"/>
-                </a:ext>
-              </a:extLst>
-            </p:cNvPr>
-            <p:cNvPicPr>
-              <a:picLocks noChangeAspect="1"/>
-            </p:cNvPicPr>
-            <p:nvPr>
-              <p:custDataLst>
-                <p:tags r:id="rId11"/>
-              </p:custDataLst>
-            </p:nvPr>
-          </p:nvPicPr>
-          <p:blipFill>
-            <a:blip r:embed="rId25">
-              <a:extLst>
-                <a:ext uri="{28A0092B-C50C-407E-A947-70E740481C1C}">
-                  <a14:useLocalDpi xmlns:a14="http://schemas.microsoft.com/office/drawing/2010/main" val="0"/>
-                </a:ext>
-              </a:extLst>
-            </a:blip>
-            <a:stretch>
-              <a:fillRect/>
-            </a:stretch>
-          </p:blipFill>
-          <p:spPr>
-            <a:xfrm>
-              <a:off x="6955603" y="3474682"/>
-              <a:ext cx="2334768" cy="254000"/>
-            </a:xfrm>
-            <a:prstGeom prst="rect">
-              <a:avLst/>
-            </a:prstGeom>
-          </p:spPr>
-        </p:pic>
-      </p:grpSp>
+          <a:prstGeom prst="rect">
+            <a:avLst/>
+          </a:prstGeom>
+        </p:spPr>
+      </p:pic>
+      <p:pic>
+        <p:nvPicPr>
+          <p:cNvPr id="43" name="Picture 42">
+            <a:extLst>
+              <a:ext uri="{FF2B5EF4-FFF2-40B4-BE49-F238E27FC236}">
+                <a16:creationId xmlns:a16="http://schemas.microsoft.com/office/drawing/2014/main" id="{B8AAD82D-6DD1-6B42-B373-D6CBB27F096B}"/>
+              </a:ext>
+            </a:extLst>
+          </p:cNvPr>
+          <p:cNvPicPr>
+            <a:picLocks noChangeAspect="1"/>
+          </p:cNvPicPr>
+          <p:nvPr>
+            <p:custDataLst>
+              <p:tags r:id="rId10"/>
+            </p:custDataLst>
+          </p:nvPr>
+        </p:nvPicPr>
+        <p:blipFill>
+          <a:blip r:embed="rId26">
+            <a:extLst>
+              <a:ext uri="{28A0092B-C50C-407E-A947-70E740481C1C}">
+                <a14:useLocalDpi xmlns:a14="http://schemas.microsoft.com/office/drawing/2010/main" val="0"/>
+              </a:ext>
+            </a:extLst>
+          </a:blip>
+          <a:stretch>
+            <a:fillRect/>
+          </a:stretch>
+        </p:blipFill>
+        <p:spPr>
+          <a:xfrm>
+            <a:off x="6729788" y="3486789"/>
+            <a:ext cx="2334768" cy="254000"/>
+          </a:xfrm>
+          <a:prstGeom prst="rect">
+            <a:avLst/>
+          </a:prstGeom>
+        </p:spPr>
+      </p:pic>
+      <p:pic>
+        <p:nvPicPr>
+          <p:cNvPr id="55" name="Picture 54">
+            <a:extLst>
+              <a:ext uri="{FF2B5EF4-FFF2-40B4-BE49-F238E27FC236}">
+                <a16:creationId xmlns:a16="http://schemas.microsoft.com/office/drawing/2014/main" id="{03EDE236-D6FB-8C43-89DC-252130666A1F}"/>
+              </a:ext>
+            </a:extLst>
+          </p:cNvPr>
+          <p:cNvPicPr>
+            <a:picLocks noChangeAspect="1"/>
+          </p:cNvPicPr>
+          <p:nvPr>
+            <p:custDataLst>
+              <p:tags r:id="rId11"/>
+            </p:custDataLst>
+          </p:nvPr>
+        </p:nvPicPr>
+        <p:blipFill>
+          <a:blip r:embed="rId27">
+            <a:extLst>
+              <a:ext uri="{28A0092B-C50C-407E-A947-70E740481C1C}">
+                <a14:useLocalDpi xmlns:a14="http://schemas.microsoft.com/office/drawing/2010/main" val="0"/>
+              </a:ext>
+            </a:extLst>
+          </a:blip>
+          <a:stretch>
+            <a:fillRect/>
+          </a:stretch>
+        </p:blipFill>
+        <p:spPr>
+          <a:xfrm>
+            <a:off x="2899170" y="1602972"/>
+            <a:ext cx="461264" cy="195072"/>
+          </a:xfrm>
+          <a:prstGeom prst="rect">
+            <a:avLst/>
+          </a:prstGeom>
+        </p:spPr>
+      </p:pic>
       <p:sp>
         <p:nvSpPr>
-          <p:cNvPr id="48" name="Arc 47">
+          <p:cNvPr id="83" name="Arc 82">
             <a:extLst>
               <a:ext uri="{FF2B5EF4-FFF2-40B4-BE49-F238E27FC236}">
-                <a16:creationId xmlns:a16="http://schemas.microsoft.com/office/drawing/2014/main" id="{D59DA0C6-DCFB-6C46-A0FF-A2D52D0F721E}"/>
+                <a16:creationId xmlns:a16="http://schemas.microsoft.com/office/drawing/2014/main" id="{E182815B-2AAB-D24A-A9B8-51C9CE16F9A5}"/>
               </a:ext>
             </a:extLst>
           </p:cNvPr>
@@ -8582,14 +8611,14 @@
           <p:nvPr/>
         </p:nvSpPr>
         <p:spPr>
-          <a:xfrm rot="17855398">
-            <a:off x="2064303" y="1827273"/>
-            <a:ext cx="3562889" cy="3318732"/>
+          <a:xfrm rot="1179919">
+            <a:off x="4755983" y="1809751"/>
+            <a:ext cx="853200" cy="851374"/>
           </a:xfrm>
           <a:prstGeom prst="arc">
             <a:avLst>
-              <a:gd name="adj1" fmla="val 15423850"/>
-              <a:gd name="adj2" fmla="val 1135230"/>
+              <a:gd name="adj1" fmla="val 17881207"/>
+              <a:gd name="adj2" fmla="val 20867857"/>
             </a:avLst>
           </a:prstGeom>
           <a:ln w="38100">
@@ -8597,7 +8626,7 @@
               <a:schemeClr val="tx1"/>
             </a:solidFill>
             <a:headEnd type="none" w="med" len="med"/>
-            <a:tailEnd type="triangle" w="med" len="med"/>
+            <a:tailEnd type="none" w="med" len="med"/>
           </a:ln>
         </p:spPr>
         <p:style>
@@ -8625,10 +8654,10 @@
       </p:sp>
       <p:pic>
         <p:nvPicPr>
-          <p:cNvPr id="55" name="Picture 54">
+          <p:cNvPr id="64" name="Picture 63">
             <a:extLst>
               <a:ext uri="{FF2B5EF4-FFF2-40B4-BE49-F238E27FC236}">
-                <a16:creationId xmlns:a16="http://schemas.microsoft.com/office/drawing/2014/main" id="{03EDE236-D6FB-8C43-89DC-252130666A1F}"/>
+                <a16:creationId xmlns:a16="http://schemas.microsoft.com/office/drawing/2014/main" id="{293BE928-6FAE-3944-91AD-998E2200C68C}"/>
               </a:ext>
             </a:extLst>
           </p:cNvPr>
@@ -8637,12 +8666,12 @@
           </p:cNvPicPr>
           <p:nvPr>
             <p:custDataLst>
-              <p:tags r:id="rId8"/>
+              <p:tags r:id="rId12"/>
             </p:custDataLst>
           </p:nvPr>
         </p:nvPicPr>
         <p:blipFill>
-          <a:blip r:embed="rId26">
+          <a:blip r:embed="rId28">
             <a:extLst>
               <a:ext uri="{28A0092B-C50C-407E-A947-70E740481C1C}">
                 <a14:useLocalDpi xmlns:a14="http://schemas.microsoft.com/office/drawing/2010/main" val="0"/>
@@ -8655,8 +8684,8 @@
         </p:blipFill>
         <p:spPr>
           <a:xfrm>
-            <a:off x="2899170" y="1602972"/>
-            <a:ext cx="461264" cy="195072"/>
+            <a:off x="5686431" y="1902429"/>
+            <a:ext cx="335280" cy="178816"/>
           </a:xfrm>
           <a:prstGeom prst="rect">
             <a:avLst/>
@@ -12055,10 +12084,10 @@
       </p:grpSpPr>
       <p:grpSp>
         <p:nvGrpSpPr>
-          <p:cNvPr id="108" name="그룹 107">
+          <p:cNvPr id="3" name="Group 2">
             <a:extLst>
               <a:ext uri="{FF2B5EF4-FFF2-40B4-BE49-F238E27FC236}">
-                <a16:creationId xmlns:a16="http://schemas.microsoft.com/office/drawing/2014/main" id="{ECC96C4E-56A8-48C9-AE35-47B211EF13B5}"/>
+                <a16:creationId xmlns:a16="http://schemas.microsoft.com/office/drawing/2014/main" id="{7E6712EA-3341-6E4E-9682-6C341EF0C5D1}"/>
               </a:ext>
             </a:extLst>
           </p:cNvPr>
@@ -12067,10 +12096,10 @@
         </p:nvGrpSpPr>
         <p:grpSpPr>
           <a:xfrm>
-            <a:off x="0" y="118550"/>
-            <a:ext cx="15381165" cy="10238721"/>
-            <a:chOff x="0" y="118550"/>
-            <a:chExt cx="15381165" cy="10238721"/>
+            <a:off x="312787" y="118550"/>
+            <a:ext cx="11665206" cy="721502"/>
+            <a:chOff x="312787" y="118550"/>
+            <a:chExt cx="11665206" cy="721502"/>
           </a:xfrm>
         </p:grpSpPr>
         <p:pic>
@@ -12139,6 +12168,27 @@
             </a:p>
           </p:txBody>
         </p:sp>
+      </p:grpSp>
+      <p:grpSp>
+        <p:nvGrpSpPr>
+          <p:cNvPr id="2" name="Group 1">
+            <a:extLst>
+              <a:ext uri="{FF2B5EF4-FFF2-40B4-BE49-F238E27FC236}">
+                <a16:creationId xmlns:a16="http://schemas.microsoft.com/office/drawing/2014/main" id="{AECAB368-A844-8445-88C0-06F640D77A2F}"/>
+              </a:ext>
+            </a:extLst>
+          </p:cNvPr>
+          <p:cNvGrpSpPr/>
+          <p:nvPr/>
+        </p:nvGrpSpPr>
+        <p:grpSpPr>
+          <a:xfrm>
+            <a:off x="177894" y="1092167"/>
+            <a:ext cx="15203271" cy="9265104"/>
+            <a:chOff x="177894" y="1092167"/>
+            <a:chExt cx="15203271" cy="9265104"/>
+          </a:xfrm>
+        </p:grpSpPr>
         <p:pic>
           <p:nvPicPr>
             <p:cNvPr id="21" name="그림 20">
@@ -13756,50 +13806,6 @@
             </a:prstGeom>
           </p:spPr>
         </p:pic>
-        <p:sp>
-          <p:nvSpPr>
-            <p:cNvPr id="14" name="TextBox 13">
-              <a:extLst>
-                <a:ext uri="{FF2B5EF4-FFF2-40B4-BE49-F238E27FC236}">
-                  <a16:creationId xmlns:a16="http://schemas.microsoft.com/office/drawing/2014/main" id="{58044748-4B6D-4EB9-A615-BF557801BAE0}"/>
-                </a:ext>
-              </a:extLst>
-            </p:cNvPr>
-            <p:cNvSpPr txBox="1"/>
-            <p:nvPr/>
-          </p:nvSpPr>
-          <p:spPr>
-            <a:xfrm>
-              <a:off x="0" y="840052"/>
-              <a:ext cx="5372100" cy="461665"/>
-            </a:xfrm>
-            <a:prstGeom prst="rect">
-              <a:avLst/>
-            </a:prstGeom>
-            <a:noFill/>
-          </p:spPr>
-          <p:txBody>
-            <a:bodyPr wrap="square" rtlCol="0">
-              <a:spAutoFit/>
-            </a:bodyPr>
-            <a:lstStyle/>
-            <a:p>
-              <a:r>
-                <a:rPr lang="en-US" altLang="ko-KR" sz="2400" dirty="0"/>
-                <a:t>1. </a:t>
-              </a:r>
-              <a:r>
-                <a:rPr lang="en-US" altLang="ko-KR" sz="2400" dirty="0" err="1"/>
-                <a:t>Preintegrated</a:t>
-              </a:r>
-              <a:r>
-                <a:rPr lang="en-US" altLang="ko-KR" sz="2400" dirty="0"/>
-                <a:t> rotation measurements </a:t>
-              </a:r>
-              <a:endParaRPr lang="ko-KR" altLang="en-US" sz="2400" dirty="0"/>
-            </a:p>
-          </p:txBody>
-        </p:sp>
       </p:grpSp>
     </p:spTree>
     <p:extLst>
@@ -13833,10 +13839,10 @@
       </p:grpSpPr>
       <p:grpSp>
         <p:nvGrpSpPr>
-          <p:cNvPr id="90" name="그룹 89">
+          <p:cNvPr id="2" name="Group 1">
             <a:extLst>
               <a:ext uri="{FF2B5EF4-FFF2-40B4-BE49-F238E27FC236}">
-                <a16:creationId xmlns:a16="http://schemas.microsoft.com/office/drawing/2014/main" id="{78C428EB-4519-45C4-B871-F0EA2ED57A66}"/>
+                <a16:creationId xmlns:a16="http://schemas.microsoft.com/office/drawing/2014/main" id="{5068B5D3-7FC5-CC43-948B-DCA0A1B0B366}"/>
               </a:ext>
             </a:extLst>
           </p:cNvPr>
@@ -13845,10 +13851,10 @@
         </p:nvGrpSpPr>
         <p:grpSpPr>
           <a:xfrm>
-            <a:off x="0" y="0"/>
-            <a:ext cx="10387584" cy="7383869"/>
-            <a:chOff x="0" y="0"/>
-            <a:chExt cx="10387584" cy="7383869"/>
+            <a:off x="533400" y="-161185"/>
+            <a:ext cx="9854184" cy="7227004"/>
+            <a:chOff x="533400" y="-161185"/>
+            <a:chExt cx="9854184" cy="7227004"/>
           </a:xfrm>
         </p:grpSpPr>
         <p:pic>
@@ -13872,7 +13878,7 @@
           </p:blipFill>
           <p:spPr>
             <a:xfrm>
-              <a:off x="573129" y="3731152"/>
+              <a:off x="573129" y="3413102"/>
               <a:ext cx="8999764" cy="1132234"/>
             </a:xfrm>
             <a:prstGeom prst="rect">
@@ -13901,7 +13907,7 @@
           </p:blipFill>
           <p:spPr>
             <a:xfrm>
-              <a:off x="533400" y="156865"/>
+              <a:off x="533400" y="-161185"/>
               <a:ext cx="9677400" cy="1499890"/>
             </a:xfrm>
             <a:prstGeom prst="rect">
@@ -13923,7 +13929,7 @@
           </p:nvSpPr>
           <p:spPr>
             <a:xfrm>
-              <a:off x="1481364" y="1487668"/>
+              <a:off x="1481364" y="1169618"/>
               <a:ext cx="499836" cy="2169451"/>
             </a:xfrm>
             <a:prstGeom prst="downArrow">
@@ -13975,7 +13981,7 @@
           </p:nvSpPr>
           <p:spPr>
             <a:xfrm>
-              <a:off x="2034440" y="1487669"/>
+              <a:off x="2034440" y="1169619"/>
               <a:ext cx="5250155" cy="400110"/>
             </a:xfrm>
             <a:prstGeom prst="rect">
@@ -14036,7 +14042,7 @@
           </p:blipFill>
           <p:spPr>
             <a:xfrm>
-              <a:off x="7193088" y="1538157"/>
+              <a:off x="7193088" y="1220107"/>
               <a:ext cx="2803809" cy="278857"/>
             </a:xfrm>
             <a:prstGeom prst="rect">
@@ -14060,7 +14066,7 @@
           </p:nvCxnSpPr>
           <p:spPr>
             <a:xfrm>
-              <a:off x="4513943" y="1935612"/>
+              <a:off x="4513943" y="1617562"/>
               <a:ext cx="0" cy="865645"/>
             </a:xfrm>
             <a:prstGeom prst="straightConnector1">
@@ -14102,7 +14108,7 @@
           </p:nvGrpSpPr>
           <p:grpSpPr>
             <a:xfrm>
-              <a:off x="4185310" y="2048622"/>
+              <a:off x="4185310" y="1730572"/>
               <a:ext cx="4866973" cy="542659"/>
               <a:chOff x="5184988" y="2409498"/>
               <a:chExt cx="5467350" cy="609600"/>
@@ -14226,7 +14232,7 @@
           </p:blipFill>
           <p:spPr>
             <a:xfrm>
-              <a:off x="3259848" y="2887810"/>
+              <a:off x="3259848" y="2569760"/>
               <a:ext cx="2559998" cy="306286"/>
             </a:xfrm>
             <a:prstGeom prst="rect">
@@ -14248,7 +14254,7 @@
           </p:nvSpPr>
           <p:spPr>
             <a:xfrm>
-              <a:off x="2031999" y="3175810"/>
+              <a:off x="2031999" y="2857760"/>
               <a:ext cx="4722639" cy="400110"/>
             </a:xfrm>
             <a:prstGeom prst="rect">
@@ -14301,7 +14307,7 @@
           </p:blipFill>
           <p:spPr>
             <a:xfrm>
-              <a:off x="6748641" y="3231865"/>
+              <a:off x="6748641" y="2913815"/>
               <a:ext cx="1508571" cy="292571"/>
             </a:xfrm>
             <a:prstGeom prst="rect">
@@ -14323,7 +14329,7 @@
           </p:nvSpPr>
           <p:spPr>
             <a:xfrm>
-              <a:off x="8632592" y="1491539"/>
+              <a:off x="8632592" y="1173489"/>
               <a:ext cx="1333828" cy="361990"/>
             </a:xfrm>
             <a:prstGeom prst="rect">
@@ -14375,7 +14381,7 @@
           </p:nvSpPr>
           <p:spPr>
             <a:xfrm>
-              <a:off x="2824564" y="2173878"/>
+              <a:off x="2824564" y="1855828"/>
               <a:ext cx="1072379" cy="374399"/>
             </a:xfrm>
             <a:prstGeom prst="rect">
@@ -14445,7 +14451,7 @@
           </p:blipFill>
           <p:spPr>
             <a:xfrm>
-              <a:off x="2837318" y="2209386"/>
+              <a:off x="2837318" y="1891336"/>
               <a:ext cx="1335238" cy="318095"/>
             </a:xfrm>
             <a:prstGeom prst="rect">
@@ -14467,7 +14473,7 @@
           </p:nvSpPr>
           <p:spPr>
             <a:xfrm>
-              <a:off x="6174817" y="735920"/>
+              <a:off x="6174817" y="417870"/>
               <a:ext cx="850097" cy="400110"/>
             </a:xfrm>
             <a:prstGeom prst="rect">
@@ -14519,7 +14525,7 @@
           </p:nvSpPr>
           <p:spPr>
             <a:xfrm>
-              <a:off x="7181869" y="1467932"/>
+              <a:off x="7181869" y="1149882"/>
               <a:ext cx="549820" cy="400110"/>
             </a:xfrm>
             <a:prstGeom prst="rect">
@@ -14578,7 +14584,7 @@
           </p:blipFill>
           <p:spPr>
             <a:xfrm>
-              <a:off x="624197" y="5783358"/>
+              <a:off x="624197" y="5465308"/>
               <a:ext cx="8623363" cy="1600511"/>
             </a:xfrm>
             <a:prstGeom prst="rect">
@@ -14618,7 +14624,7 @@
           </p:blipFill>
           <p:spPr>
             <a:xfrm>
-              <a:off x="5201067" y="5580552"/>
+              <a:off x="5201067" y="5262502"/>
               <a:ext cx="3647693" cy="320073"/>
             </a:xfrm>
             <a:prstGeom prst="rect">
@@ -14658,7 +14664,7 @@
           </p:blipFill>
           <p:spPr>
             <a:xfrm>
-              <a:off x="1612346" y="4966322"/>
+              <a:off x="1612346" y="4648272"/>
               <a:ext cx="8775238" cy="403810"/>
             </a:xfrm>
             <a:prstGeom prst="rect">
@@ -14680,7 +14686,7 @@
           </p:nvSpPr>
           <p:spPr>
             <a:xfrm>
-              <a:off x="1481364" y="5468474"/>
+              <a:off x="1481364" y="5150424"/>
               <a:ext cx="499836" cy="623061"/>
             </a:xfrm>
             <a:prstGeom prst="downArrow">
@@ -14732,7 +14738,7 @@
           </p:nvSpPr>
           <p:spPr>
             <a:xfrm>
-              <a:off x="1903829" y="4944866"/>
+              <a:off x="1903829" y="4626816"/>
               <a:ext cx="3384000" cy="474687"/>
             </a:xfrm>
             <a:prstGeom prst="rect">
@@ -14784,7 +14790,7 @@
           </p:nvSpPr>
           <p:spPr>
             <a:xfrm>
-              <a:off x="2076213" y="6192167"/>
+              <a:off x="2076213" y="5874117"/>
               <a:ext cx="692228" cy="390061"/>
             </a:xfrm>
             <a:prstGeom prst="rect">
@@ -14836,7 +14842,7 @@
           </p:nvSpPr>
           <p:spPr>
             <a:xfrm>
-              <a:off x="6039689" y="4980874"/>
+              <a:off x="6039689" y="4662824"/>
               <a:ext cx="662094" cy="438420"/>
             </a:xfrm>
             <a:prstGeom prst="rect">
@@ -14888,7 +14894,7 @@
           </p:nvSpPr>
           <p:spPr>
             <a:xfrm>
-              <a:off x="5124180" y="5568115"/>
+              <a:off x="5124180" y="5250065"/>
               <a:ext cx="413088" cy="339831"/>
             </a:xfrm>
             <a:prstGeom prst="rect">
@@ -14940,7 +14946,7 @@
           </p:nvSpPr>
           <p:spPr>
             <a:xfrm>
-              <a:off x="5578660" y="5568115"/>
+              <a:off x="5578660" y="5250065"/>
               <a:ext cx="175189" cy="339831"/>
             </a:xfrm>
             <a:prstGeom prst="rect">
@@ -14992,7 +14998,7 @@
           </p:nvSpPr>
           <p:spPr>
             <a:xfrm>
-              <a:off x="6748641" y="4971910"/>
+              <a:off x="6748641" y="4653860"/>
               <a:ext cx="1284109" cy="447383"/>
             </a:xfrm>
             <a:prstGeom prst="rect">
@@ -15027,50 +15033,6 @@
             <a:p>
               <a:pPr algn="ctr"/>
               <a:endParaRPr lang="ko-KR" altLang="en-US"/>
-            </a:p>
-          </p:txBody>
-        </p:sp>
-        <p:sp>
-          <p:nvSpPr>
-            <p:cNvPr id="3" name="TextBox 2">
-              <a:extLst>
-                <a:ext uri="{FF2B5EF4-FFF2-40B4-BE49-F238E27FC236}">
-                  <a16:creationId xmlns:a16="http://schemas.microsoft.com/office/drawing/2014/main" id="{C2FA3556-9CA8-4184-864D-AF0C699DB52A}"/>
-                </a:ext>
-              </a:extLst>
-            </p:cNvPr>
-            <p:cNvSpPr txBox="1"/>
-            <p:nvPr/>
-          </p:nvSpPr>
-          <p:spPr>
-            <a:xfrm>
-              <a:off x="0" y="0"/>
-              <a:ext cx="5372100" cy="461665"/>
-            </a:xfrm>
-            <a:prstGeom prst="rect">
-              <a:avLst/>
-            </a:prstGeom>
-            <a:noFill/>
-          </p:spPr>
-          <p:txBody>
-            <a:bodyPr wrap="square" rtlCol="0">
-              <a:spAutoFit/>
-            </a:bodyPr>
-            <a:lstStyle/>
-            <a:p>
-              <a:r>
-                <a:rPr lang="en-US" altLang="ko-KR" sz="2400" dirty="0"/>
-                <a:t>2. </a:t>
-              </a:r>
-              <a:r>
-                <a:rPr lang="en-US" altLang="ko-KR" sz="2400" dirty="0" err="1"/>
-                <a:t>Preintegrated</a:t>
-              </a:r>
-              <a:r>
-                <a:rPr lang="en-US" altLang="ko-KR" sz="2400" dirty="0"/>
-                <a:t> velocity measurements </a:t>
-              </a:r>
-              <a:endParaRPr lang="ko-KR" altLang="en-US" sz="2400" dirty="0"/>
             </a:p>
           </p:txBody>
         </p:sp>
@@ -15110,24 +15072,6 @@
 <file path=ppt/tags/tag10.xml><?xml version="1.0" encoding="utf-8"?>
 <p:tagLst xmlns:a="http://schemas.openxmlformats.org/drawingml/2006/main" xmlns:r="http://schemas.openxmlformats.org/officeDocument/2006/relationships" xmlns:p="http://schemas.openxmlformats.org/presentationml/2006/main">
   <p:tag name="OUTPUTDPI" val="1200"/>
-  <p:tag name="ORIGINALHEIGHT" val="135"/>
-  <p:tag name="ORIGINALWIDTH" val="1424"/>
-  <p:tag name="LATEXADDIN" val="\documentclass{article}&#10;\usepackage{amsmath}&#10;\usepackage{amssymb}&#10;\pagestyle{empty}&#10;\begin{document}&#10;&#10;\centering&#10;$_\text{B}\tilde{\mathbf{a}}(t) ={\mathtt{R}_{\text{WB}}^\intercal}({_\text{W}\mathbf{a}(t) - {_\text{W}\mathbf{g}})}$&#10;&#10;\end{document}"/>
-  <p:tag name="IGUANATEXSIZE" val="20"/>
-  <p:tag name="IGUANATEXCURSOR" val="204"/>
-  <p:tag name="TRANSPARENCY" val="True"/>
-  <p:tag name="LATEXENGINEID" val="0"/>
-  <p:tag name="TEMPFOLDER" val="/private/var/folders/wh/6xq4nzn968z6nmj8vyhb88hc0000gn/T/com.microsoft.Powerpoint/TemporaryItems/"/>
-  <p:tag name="LATEXFORMHEIGHT" val="312"/>
-  <p:tag name="LATEXFORMWIDTH" val="384"/>
-  <p:tag name="LATEXFORMWRAP" val="True"/>
-  <p:tag name="BITMAPVECTOR" val="0"/>
-</p:tagLst>
-</file>
-
-<file path=ppt/tags/tag11.xml><?xml version="1.0" encoding="utf-8"?>
-<p:tagLst xmlns:a="http://schemas.openxmlformats.org/drawingml/2006/main" xmlns:r="http://schemas.openxmlformats.org/officeDocument/2006/relationships" xmlns:p="http://schemas.openxmlformats.org/presentationml/2006/main">
-  <p:tag name="OUTPUTDPI" val="1200"/>
   <p:tag name="ORIGINALHEIGHT" val="125"/>
   <p:tag name="ORIGINALWIDTH" val="1149"/>
   <p:tag name="LATEXADDIN" val="\documentclass{article}&#10;\usepackage{amsmath}&#10;\usepackage{amssymb}&#10;\pagestyle{empty}&#10;\begin{document}&#10;&#10;\centering&#10;$=[6.936, \; 0,  \; -6.936]^{\intercal}$&#10;&#10;\end{document}"/>
@@ -15143,7 +15087,43 @@
 </p:tagLst>
 </file>
 
+<file path=ppt/tags/tag11.xml><?xml version="1.0" encoding="utf-8"?>
+<p:tagLst xmlns:a="http://schemas.openxmlformats.org/drawingml/2006/main" xmlns:r="http://schemas.openxmlformats.org/officeDocument/2006/relationships" xmlns:p="http://schemas.openxmlformats.org/presentationml/2006/main">
+  <p:tag name="OUTPUTDPI" val="1200"/>
+  <p:tag name="ORIGINALHEIGHT" val="96"/>
+  <p:tag name="ORIGINALWIDTH" val="227"/>
+  <p:tag name="LATEXADDIN" val="\documentclass{article}&#10;\usepackage{amsmath}&#10;\pagestyle{empty}&#10;\begin{document}&#10;&#10;$\mathtt{R}_{\text{WB}}$&#10;&#10;&#10;\end{document}"/>
+  <p:tag name="IGUANATEXSIZE" val="20"/>
+  <p:tag name="IGUANATEXCURSOR" val="102"/>
+  <p:tag name="TRANSPARENCY" val="True"/>
+  <p:tag name="LATEXENGINEID" val="0"/>
+  <p:tag name="TEMPFOLDER" val="/private/var/folders/wh/6xq4nzn968z6nmj8vyhb88hc0000gn/T/com.microsoft.Powerpoint/TemporaryItems/"/>
+  <p:tag name="LATEXFORMHEIGHT" val="312"/>
+  <p:tag name="LATEXFORMWIDTH" val="384"/>
+  <p:tag name="LATEXFORMWRAP" val="True"/>
+  <p:tag name="BITMAPVECTOR" val="0"/>
+</p:tagLst>
+</file>
+
 <file path=ppt/tags/tag12.xml><?xml version="1.0" encoding="utf-8"?>
+<p:tagLst xmlns:a="http://schemas.openxmlformats.org/drawingml/2006/main" xmlns:r="http://schemas.openxmlformats.org/officeDocument/2006/relationships" xmlns:p="http://schemas.openxmlformats.org/presentationml/2006/main">
+  <p:tag name="OUTPUTDPI" val="1200"/>
+  <p:tag name="ORIGINALHEIGHT" val="88"/>
+  <p:tag name="ORIGINALWIDTH" val="165"/>
+  <p:tag name="LATEXADDIN" val="\documentclass{article}&#10;\usepackage{amsmath}&#10;\pagestyle{empty}&#10;\begin{document}&#10;&#10;45$^\circ$&#10;&#10;&#10;\end{document}"/>
+  <p:tag name="IGUANATEXSIZE" val="20"/>
+  <p:tag name="IGUANATEXCURSOR" val="90"/>
+  <p:tag name="TRANSPARENCY" val="True"/>
+  <p:tag name="LATEXENGINEID" val="0"/>
+  <p:tag name="TEMPFOLDER" val="/private/var/folders/wh/6xq4nzn968z6nmj8vyhb88hc0000gn/T/com.microsoft.Powerpoint/TemporaryItems/"/>
+  <p:tag name="LATEXFORMHEIGHT" val="312"/>
+  <p:tag name="LATEXFORMWIDTH" val="384"/>
+  <p:tag name="LATEXFORMWRAP" val="True"/>
+  <p:tag name="BITMAPVECTOR" val="0"/>
+</p:tagLst>
+</file>
+
+<file path=ppt/tags/tag13.xml><?xml version="1.0" encoding="utf-8"?>
 <p:tagLst xmlns:a="http://schemas.openxmlformats.org/drawingml/2006/main" xmlns:r="http://schemas.openxmlformats.org/officeDocument/2006/relationships" xmlns:p="http://schemas.openxmlformats.org/presentationml/2006/main">
   <p:tag name="OUTPUTDPI" val="1200"/>
   <p:tag name="ORIGINALHEIGHT" val="125.2343"/>
@@ -15162,7 +15142,7 @@
 </p:tagLst>
 </file>
 
-<file path=ppt/tags/tag13.xml><?xml version="1.0" encoding="utf-8"?>
+<file path=ppt/tags/tag14.xml><?xml version="1.0" encoding="utf-8"?>
 <p:tagLst xmlns:a="http://schemas.openxmlformats.org/drawingml/2006/main" xmlns:r="http://schemas.openxmlformats.org/officeDocument/2006/relationships" xmlns:p="http://schemas.openxmlformats.org/presentationml/2006/main">
   <p:tag name="OUTPUTDPI" val="1200"/>
   <p:tag name="ORIGINALHEIGHT" val="125.2343"/>
@@ -15181,7 +15161,7 @@
 </p:tagLst>
 </file>
 
-<file path=ppt/tags/tag14.xml><?xml version="1.0" encoding="utf-8"?>
+<file path=ppt/tags/tag15.xml><?xml version="1.0" encoding="utf-8"?>
 <p:tagLst xmlns:a="http://schemas.openxmlformats.org/drawingml/2006/main" xmlns:r="http://schemas.openxmlformats.org/officeDocument/2006/relationships" xmlns:p="http://schemas.openxmlformats.org/presentationml/2006/main">
   <p:tag name="OUTPUTDPI" val="1200"/>
   <p:tag name="ORIGINALHEIGHT" val="125.9843"/>
@@ -15200,7 +15180,7 @@
 </p:tagLst>
 </file>
 
-<file path=ppt/tags/tag15.xml><?xml version="1.0" encoding="utf-8"?>
+<file path=ppt/tags/tag16.xml><?xml version="1.0" encoding="utf-8"?>
 <p:tagLst xmlns:a="http://schemas.openxmlformats.org/drawingml/2006/main" xmlns:r="http://schemas.openxmlformats.org/officeDocument/2006/relationships" xmlns:p="http://schemas.openxmlformats.org/presentationml/2006/main">
   <p:tag name="OUTPUTDPI" val="1200"/>
   <p:tag name="ORIGINALHEIGHT" val="87.73905"/>
@@ -15219,7 +15199,7 @@
 </p:tagLst>
 </file>
 
-<file path=ppt/tags/tag16.xml><?xml version="1.0" encoding="utf-8"?>
+<file path=ppt/tags/tag17.xml><?xml version="1.0" encoding="utf-8"?>
 <p:tagLst xmlns:a="http://schemas.openxmlformats.org/drawingml/2006/main" xmlns:r="http://schemas.openxmlformats.org/officeDocument/2006/relationships" xmlns:p="http://schemas.openxmlformats.org/presentationml/2006/main">
   <p:tag name="OUTPUTDPI" val="1200"/>
   <p:tag name="ORIGINALHEIGHT" val="111.7361"/>
@@ -15238,7 +15218,7 @@
 </p:tagLst>
 </file>
 
-<file path=ppt/tags/tag17.xml><?xml version="1.0" encoding="utf-8"?>
+<file path=ppt/tags/tag18.xml><?xml version="1.0" encoding="utf-8"?>
 <p:tagLst xmlns:a="http://schemas.openxmlformats.org/drawingml/2006/main" xmlns:r="http://schemas.openxmlformats.org/officeDocument/2006/relationships" xmlns:p="http://schemas.openxmlformats.org/presentationml/2006/main">
   <p:tag name="OUTPUTDPI" val="1200"/>
   <p:tag name="ORIGINALHEIGHT" val="111.7361"/>
@@ -15257,7 +15237,7 @@
 </p:tagLst>
 </file>
 
-<file path=ppt/tags/tag18.xml><?xml version="1.0" encoding="utf-8"?>
+<file path=ppt/tags/tag19.xml><?xml version="1.0" encoding="utf-8"?>
 <p:tagLst xmlns:a="http://schemas.openxmlformats.org/drawingml/2006/main" xmlns:r="http://schemas.openxmlformats.org/officeDocument/2006/relationships" xmlns:p="http://schemas.openxmlformats.org/presentationml/2006/main">
   <p:tag name="OUTPUTDPI" val="1200"/>
   <p:tag name="ORIGINALHEIGHT" val="113.2358"/>
@@ -15265,25 +15245,6 @@
   <p:tag name="LATEXADDIN" val="\documentclass{article}&#10;\usepackage{amsmath}&#10;\pagestyle{empty}&#10;\begin{document}&#10;&#10;Body frame, $\mathrm{B}$&#10;&#10;&#10;\end{document}"/>
   <p:tag name="IGUANATEXSIZE" val="20"/>
   <p:tag name="IGUANATEXCURSOR" val="103"/>
-  <p:tag name="TRANSPARENCY" val="True"/>
-  <p:tag name="FILENAME" val=""/>
-  <p:tag name="LATEXENGINEID" val="0"/>
-  <p:tag name="TEMPFOLDER" val="c:\temp\"/>
-  <p:tag name="LATEXFORMHEIGHT" val="312"/>
-  <p:tag name="LATEXFORMWIDTH" val="384"/>
-  <p:tag name="LATEXFORMWRAP" val="True"/>
-  <p:tag name="BITMAPVECTOR" val="0"/>
-</p:tagLst>
-</file>
-
-<file path=ppt/tags/tag19.xml><?xml version="1.0" encoding="utf-8"?>
-<p:tagLst xmlns:a="http://schemas.openxmlformats.org/drawingml/2006/main" xmlns:r="http://schemas.openxmlformats.org/officeDocument/2006/relationships" xmlns:p="http://schemas.openxmlformats.org/presentationml/2006/main">
-  <p:tag name="OUTPUTDPI" val="1200"/>
-  <p:tag name="ORIGINALHEIGHT" val="87.73905"/>
-  <p:tag name="ORIGINALWIDTH" val="56.99291"/>
-  <p:tag name="LATEXADDIN" val="\documentclass{article}&#10;\usepackage{amsmath}&#10;\pagestyle{empty}&#10;\begin{document}&#10;&#10;$k$&#10;&#10;&#10;\end{document}"/>
-  <p:tag name="IGUANATEXSIZE" val="20"/>
-  <p:tag name="IGUANATEXCURSOR" val="83"/>
   <p:tag name="TRANSPARENCY" val="True"/>
   <p:tag name="FILENAME" val=""/>
   <p:tag name="LATEXENGINEID" val="0"/>
@@ -15317,6 +15278,25 @@
 <file path=ppt/tags/tag20.xml><?xml version="1.0" encoding="utf-8"?>
 <p:tagLst xmlns:a="http://schemas.openxmlformats.org/drawingml/2006/main" xmlns:r="http://schemas.openxmlformats.org/officeDocument/2006/relationships" xmlns:p="http://schemas.openxmlformats.org/presentationml/2006/main">
   <p:tag name="OUTPUTDPI" val="1200"/>
+  <p:tag name="ORIGINALHEIGHT" val="87.73905"/>
+  <p:tag name="ORIGINALWIDTH" val="56.99291"/>
+  <p:tag name="LATEXADDIN" val="\documentclass{article}&#10;\usepackage{amsmath}&#10;\pagestyle{empty}&#10;\begin{document}&#10;&#10;$k$&#10;&#10;&#10;\end{document}"/>
+  <p:tag name="IGUANATEXSIZE" val="20"/>
+  <p:tag name="IGUANATEXCURSOR" val="83"/>
+  <p:tag name="TRANSPARENCY" val="True"/>
+  <p:tag name="FILENAME" val=""/>
+  <p:tag name="LATEXENGINEID" val="0"/>
+  <p:tag name="TEMPFOLDER" val="c:\temp\"/>
+  <p:tag name="LATEXFORMHEIGHT" val="312"/>
+  <p:tag name="LATEXFORMWIDTH" val="384"/>
+  <p:tag name="LATEXFORMWRAP" val="True"/>
+  <p:tag name="BITMAPVECTOR" val="0"/>
+</p:tagLst>
+</file>
+
+<file path=ppt/tags/tag21.xml><?xml version="1.0" encoding="utf-8"?>
+<p:tagLst xmlns:a="http://schemas.openxmlformats.org/drawingml/2006/main" xmlns:r="http://schemas.openxmlformats.org/officeDocument/2006/relationships" xmlns:p="http://schemas.openxmlformats.org/presentationml/2006/main">
+  <p:tag name="OUTPUTDPI" val="1200"/>
   <p:tag name="ORIGINALHEIGHT" val="96.73788"/>
   <p:tag name="ORIGINALWIDTH" val="266.9666"/>
   <p:tag name="LATEXADDIN" val="\documentclass{article}&#10;\usepackage{amsmath}&#10;\pagestyle{empty}&#10;\begin{document}&#10;&#10;$k+1$&#10;&#10;&#10;\end{document}"/>
@@ -15333,7 +15313,7 @@
 </p:tagLst>
 </file>
 
-<file path=ppt/tags/tag21.xml><?xml version="1.0" encoding="utf-8"?>
+<file path=ppt/tags/tag22.xml><?xml version="1.0" encoding="utf-8"?>
 <p:tagLst xmlns:a="http://schemas.openxmlformats.org/drawingml/2006/main" xmlns:r="http://schemas.openxmlformats.org/officeDocument/2006/relationships" xmlns:p="http://schemas.openxmlformats.org/presentationml/2006/main">
   <p:tag name="OUTPUTDPI" val="1200"/>
   <p:tag name="ORIGINALHEIGHT" val="684.6644"/>
@@ -15352,7 +15332,7 @@
 </p:tagLst>
 </file>
 
-<file path=ppt/tags/tag22.xml><?xml version="1.0" encoding="utf-8"?>
+<file path=ppt/tags/tag23.xml><?xml version="1.0" encoding="utf-8"?>
 <p:tagLst xmlns:a="http://schemas.openxmlformats.org/drawingml/2006/main" xmlns:r="http://schemas.openxmlformats.org/officeDocument/2006/relationships" xmlns:p="http://schemas.openxmlformats.org/presentationml/2006/main">
   <p:tag name="OUTPUTDPI" val="1200"/>
   <p:tag name="ORIGINALHEIGHT" val="224.222"/>
@@ -15371,7 +15351,7 @@
 </p:tagLst>
 </file>
 
-<file path=ppt/tags/tag23.xml><?xml version="1.0" encoding="utf-8"?>
+<file path=ppt/tags/tag24.xml><?xml version="1.0" encoding="utf-8"?>
 <p:tagLst xmlns:a="http://schemas.openxmlformats.org/drawingml/2006/main" xmlns:r="http://schemas.openxmlformats.org/officeDocument/2006/relationships" xmlns:p="http://schemas.openxmlformats.org/presentationml/2006/main">
   <p:tag name="OUTPUTDPI" val="1200"/>
   <p:tag name="ORIGINALHEIGHT" val="141.7323"/>
@@ -15390,7 +15370,7 @@
 </p:tagLst>
 </file>
 
-<file path=ppt/tags/tag24.xml><?xml version="1.0" encoding="utf-8"?>
+<file path=ppt/tags/tag25.xml><?xml version="1.0" encoding="utf-8"?>
 <p:tagLst xmlns:a="http://schemas.openxmlformats.org/drawingml/2006/main" xmlns:r="http://schemas.openxmlformats.org/officeDocument/2006/relationships" xmlns:p="http://schemas.openxmlformats.org/presentationml/2006/main">
   <p:tag name="OUTPUTDPI" val="1200"/>
   <p:tag name="ORIGINALHEIGHT" val="142.4822"/>
@@ -15409,7 +15389,7 @@
 </p:tagLst>
 </file>
 
-<file path=ppt/tags/tag25.xml><?xml version="1.0" encoding="utf-8"?>
+<file path=ppt/tags/tag26.xml><?xml version="1.0" encoding="utf-8"?>
 <p:tagLst xmlns:a="http://schemas.openxmlformats.org/drawingml/2006/main" xmlns:r="http://schemas.openxmlformats.org/officeDocument/2006/relationships" xmlns:p="http://schemas.openxmlformats.org/presentationml/2006/main">
   <p:tag name="OUTPUTDPI" val="1200"/>
   <p:tag name="ORIGINALHEIGHT" val="142.4822"/>
@@ -15428,7 +15408,7 @@
 </p:tagLst>
 </file>
 
-<file path=ppt/tags/tag26.xml><?xml version="1.0" encoding="utf-8"?>
+<file path=ppt/tags/tag27.xml><?xml version="1.0" encoding="utf-8"?>
 <p:tagLst xmlns:a="http://schemas.openxmlformats.org/drawingml/2006/main" xmlns:r="http://schemas.openxmlformats.org/officeDocument/2006/relationships" xmlns:p="http://schemas.openxmlformats.org/presentationml/2006/main">
   <p:tag name="OUTPUTDPI" val="1200"/>
   <p:tag name="ORIGINALHEIGHT" val="224.222"/>
@@ -15447,7 +15427,7 @@
 </p:tagLst>
 </file>
 
-<file path=ppt/tags/tag27.xml><?xml version="1.0" encoding="utf-8"?>
+<file path=ppt/tags/tag28.xml><?xml version="1.0" encoding="utf-8"?>
 <p:tagLst xmlns:a="http://schemas.openxmlformats.org/drawingml/2006/main" xmlns:r="http://schemas.openxmlformats.org/officeDocument/2006/relationships" xmlns:p="http://schemas.openxmlformats.org/presentationml/2006/main">
   <p:tag name="OUTPUTDPI" val="1200"/>
   <p:tag name="ORIGINALHEIGHT" val="224.222"/>
@@ -15466,7 +15446,7 @@
 </p:tagLst>
 </file>
 
-<file path=ppt/tags/tag28.xml><?xml version="1.0" encoding="utf-8"?>
+<file path=ppt/tags/tag29.xml><?xml version="1.0" encoding="utf-8"?>
 <p:tagLst xmlns:a="http://schemas.openxmlformats.org/drawingml/2006/main" xmlns:r="http://schemas.openxmlformats.org/officeDocument/2006/relationships" xmlns:p="http://schemas.openxmlformats.org/presentationml/2006/main">
   <p:tag name="OUTPUTDPI" val="1200"/>
   <p:tag name="ORIGINALHEIGHT" val="224.222"/>
@@ -15474,25 +15454,6 @@
   <p:tag name="LATEXADDIN" val="\documentclass{article}&#10;\usepackage{amsmath}&#10;\usepackage{amssymb}&#10;\pagestyle{empty}&#10;\begin{document}&#10;&#10;=$\Delta \tilde{\mathtt{R}}_{i,i+1} \operatorname{Exp}\left(-\mathrm{J}_{r}^{i} \boldsymbol{\eta}_{i}^{g d} \Delta t\right) \cdots&#10;\Delta \tilde{\mathtt{R}}_{j-3,j-2}&#10;\Delta \tilde{\mathtt{R}}_{j-2,j} &#10;\operatorname{Exp}\left(-\Delta \tilde{\mathtt{R}}_{j-2,j}^{\intercal} \mathrm{J}_{r}^{j-3} \boldsymbol{\eta}_{j-3}^{g d} \Delta t\right) &#10;\operatorname{Exp}\left(-\Delta \tilde{\mathtt{R}}_{j-1,j}^{\intercal} \mathrm{J}_{r}^{j-2} \boldsymbol{\eta}_{j-2}^{g d} \Delta t\right) &#10;\operatorname{Exp}\left(-\mathrm{J}_{r}^{j-1} \boldsymbol{\eta}_{j-1}^{g d} \Delta t\right)$&#10;&#10;&#10;\end{document}"/>
   <p:tag name="IGUANATEXSIZE" val="20"/>
   <p:tag name="IGUANATEXCURSOR" val="418"/>
-  <p:tag name="TRANSPARENCY" val="True"/>
-  <p:tag name="FILENAME" val=""/>
-  <p:tag name="LATEXENGINEID" val="0"/>
-  <p:tag name="TEMPFOLDER" val="c:\temp\"/>
-  <p:tag name="LATEXFORMHEIGHT" val="312"/>
-  <p:tag name="LATEXFORMWIDTH" val="384"/>
-  <p:tag name="LATEXFORMWRAP" val="True"/>
-  <p:tag name="BITMAPVECTOR" val="0"/>
-</p:tagLst>
-</file>
-
-<file path=ppt/tags/tag29.xml><?xml version="1.0" encoding="utf-8"?>
-<p:tagLst xmlns:a="http://schemas.openxmlformats.org/drawingml/2006/main" xmlns:r="http://schemas.openxmlformats.org/officeDocument/2006/relationships" xmlns:p="http://schemas.openxmlformats.org/presentationml/2006/main">
-  <p:tag name="OUTPUTDPI" val="1200"/>
-  <p:tag name="ORIGINALHEIGHT" val="224.222"/>
-  <p:tag name="ORIGINALWIDTH" val="6368.204"/>
-  <p:tag name="LATEXADDIN" val="\documentclass{article}&#10;\usepackage{amsmath}&#10;\usepackage{amssymb}&#10;\pagestyle{empty}&#10;\begin{document}&#10;&#10;=$\Delta \tilde{\mathtt{R}}_{i,i+1} \operatorname{Exp}\left(-\mathrm{J}_{r}^{i} \boldsymbol{\eta}_{i}^{g d} \Delta t\right) \cdots&#10;\Delta \tilde{\mathtt{R}}_{j-3,j} &#10;\operatorname{Exp}\left(-\Delta \tilde{\mathtt{R}}_{j-2,j}^{\intercal} \mathrm{J}_{r}^{j-3} \boldsymbol{\eta}_{j-3}^{g d} \Delta t\right) &#10;\operatorname{Exp}\left(-\Delta \tilde{\mathtt{R}}_{j-1,j}^{\intercal} \mathrm{J}_{r}^{j-2} \boldsymbol{\eta}_{j-2}^{g d} \Delta t\right) &#10;\operatorname{Exp}\left(-\mathrm{J}_{r}^{j-1} \boldsymbol{\eta}_{j-1}^{g d} \Delta t\right)$&#10;&#10;&#10;\end{document}"/>
-  <p:tag name="IGUANATEXSIZE" val="20"/>
-  <p:tag name="IGUANATEXCURSOR" val="264"/>
   <p:tag name="TRANSPARENCY" val="True"/>
   <p:tag name="FILENAME" val=""/>
   <p:tag name="LATEXENGINEID" val="0"/>
@@ -15526,6 +15487,25 @@
 <file path=ppt/tags/tag30.xml><?xml version="1.0" encoding="utf-8"?>
 <p:tagLst xmlns:a="http://schemas.openxmlformats.org/drawingml/2006/main" xmlns:r="http://schemas.openxmlformats.org/officeDocument/2006/relationships" xmlns:p="http://schemas.openxmlformats.org/presentationml/2006/main">
   <p:tag name="OUTPUTDPI" val="1200"/>
+  <p:tag name="ORIGINALHEIGHT" val="224.222"/>
+  <p:tag name="ORIGINALWIDTH" val="6368.204"/>
+  <p:tag name="LATEXADDIN" val="\documentclass{article}&#10;\usepackage{amsmath}&#10;\usepackage{amssymb}&#10;\pagestyle{empty}&#10;\begin{document}&#10;&#10;=$\Delta \tilde{\mathtt{R}}_{i,i+1} \operatorname{Exp}\left(-\mathrm{J}_{r}^{i} \boldsymbol{\eta}_{i}^{g d} \Delta t\right) \cdots&#10;\Delta \tilde{\mathtt{R}}_{j-3,j} &#10;\operatorname{Exp}\left(-\Delta \tilde{\mathtt{R}}_{j-2,j}^{\intercal} \mathrm{J}_{r}^{j-3} \boldsymbol{\eta}_{j-3}^{g d} \Delta t\right) &#10;\operatorname{Exp}\left(-\Delta \tilde{\mathtt{R}}_{j-1,j}^{\intercal} \mathrm{J}_{r}^{j-2} \boldsymbol{\eta}_{j-2}^{g d} \Delta t\right) &#10;\operatorname{Exp}\left(-\mathrm{J}_{r}^{j-1} \boldsymbol{\eta}_{j-1}^{g d} \Delta t\right)$&#10;&#10;&#10;\end{document}"/>
+  <p:tag name="IGUANATEXSIZE" val="20"/>
+  <p:tag name="IGUANATEXCURSOR" val="264"/>
+  <p:tag name="TRANSPARENCY" val="True"/>
+  <p:tag name="FILENAME" val=""/>
+  <p:tag name="LATEXENGINEID" val="0"/>
+  <p:tag name="TEMPFOLDER" val="c:\temp\"/>
+  <p:tag name="LATEXFORMHEIGHT" val="312"/>
+  <p:tag name="LATEXFORMWIDTH" val="384"/>
+  <p:tag name="LATEXFORMWRAP" val="True"/>
+  <p:tag name="BITMAPVECTOR" val="0"/>
+</p:tagLst>
+</file>
+
+<file path=ppt/tags/tag31.xml><?xml version="1.0" encoding="utf-8"?>
+<p:tagLst xmlns:a="http://schemas.openxmlformats.org/drawingml/2006/main" xmlns:r="http://schemas.openxmlformats.org/officeDocument/2006/relationships" xmlns:p="http://schemas.openxmlformats.org/presentationml/2006/main">
+  <p:tag name="OUTPUTDPI" val="1200"/>
   <p:tag name="ORIGINALHEIGHT" val="113.2358"/>
   <p:tag name="ORIGINALWIDTH" val="13.49835"/>
   <p:tag name="LATEXADDIN" val="\documentclass{article}&#10;\usepackage{amsmath}&#10;\pagestyle{empty}&#10;\begin{document}&#10;&#10;&#10;$\mathbf{\vdots}$&#10;&#10;\end{document}"/>
@@ -15542,7 +15522,7 @@
 </p:tagLst>
 </file>
 
-<file path=ppt/tags/tag31.xml><?xml version="1.0" encoding="utf-8"?>
+<file path=ppt/tags/tag32.xml><?xml version="1.0" encoding="utf-8"?>
 <p:tagLst xmlns:a="http://schemas.openxmlformats.org/drawingml/2006/main" xmlns:r="http://schemas.openxmlformats.org/officeDocument/2006/relationships" xmlns:p="http://schemas.openxmlformats.org/presentationml/2006/main">
   <p:tag name="OUTPUTDPI" val="1200"/>
   <p:tag name="ORIGINALHEIGHT" val="137.2328"/>
@@ -15561,7 +15541,7 @@
 </p:tagLst>
 </file>
 
-<file path=ppt/tags/tag32.xml><?xml version="1.0" encoding="utf-8"?>
+<file path=ppt/tags/tag33.xml><?xml version="1.0" encoding="utf-8"?>
 <p:tagLst xmlns:a="http://schemas.openxmlformats.org/drawingml/2006/main" xmlns:r="http://schemas.openxmlformats.org/officeDocument/2006/relationships" xmlns:p="http://schemas.openxmlformats.org/presentationml/2006/main">
   <p:tag name="OUTPUTDPI" val="1200"/>
   <p:tag name="ORIGINALHEIGHT" val="150.7312"/>
@@ -15580,7 +15560,7 @@
 </p:tagLst>
 </file>
 
-<file path=ppt/tags/tag33.xml><?xml version="1.0" encoding="utf-8"?>
+<file path=ppt/tags/tag34.xml><?xml version="1.0" encoding="utf-8"?>
 <p:tagLst xmlns:a="http://schemas.openxmlformats.org/drawingml/2006/main" xmlns:r="http://schemas.openxmlformats.org/officeDocument/2006/relationships" xmlns:p="http://schemas.openxmlformats.org/presentationml/2006/main">
   <p:tag name="OUTPUTDPI" val="1200"/>
   <p:tag name="ORIGINALHEIGHT" val="143.982"/>
@@ -15599,7 +15579,7 @@
 </p:tagLst>
 </file>
 
-<file path=ppt/tags/tag34.xml><?xml version="1.0" encoding="utf-8"?>
+<file path=ppt/tags/tag35.xml><?xml version="1.0" encoding="utf-8"?>
 <p:tagLst xmlns:a="http://schemas.openxmlformats.org/drawingml/2006/main" xmlns:r="http://schemas.openxmlformats.org/officeDocument/2006/relationships" xmlns:p="http://schemas.openxmlformats.org/presentationml/2006/main">
   <p:tag name="OUTPUTDPI" val="1200"/>
   <p:tag name="ORIGINALHEIGHT" val="125.2343"/>
@@ -15618,7 +15598,7 @@
 </p:tagLst>
 </file>
 
-<file path=ppt/tags/tag35.xml><?xml version="1.0" encoding="utf-8"?>
+<file path=ppt/tags/tag36.xml><?xml version="1.0" encoding="utf-8"?>
 <p:tagLst xmlns:a="http://schemas.openxmlformats.org/drawingml/2006/main" xmlns:r="http://schemas.openxmlformats.org/officeDocument/2006/relationships" xmlns:p="http://schemas.openxmlformats.org/presentationml/2006/main">
   <p:tag name="OUTPUTDPI" val="1200"/>
   <p:tag name="ORIGINALHEIGHT" val="126.7342"/>
@@ -15637,7 +15617,7 @@
 </p:tagLst>
 </file>
 
-<file path=ppt/tags/tag36.xml><?xml version="1.0" encoding="utf-8"?>
+<file path=ppt/tags/tag37.xml><?xml version="1.0" encoding="utf-8"?>
 <p:tagLst xmlns:a="http://schemas.openxmlformats.org/drawingml/2006/main" xmlns:r="http://schemas.openxmlformats.org/officeDocument/2006/relationships" xmlns:p="http://schemas.openxmlformats.org/presentationml/2006/main">
   <p:tag name="OUTPUTDPI" val="1200"/>
   <p:tag name="ORIGINALHEIGHT" val="158.9802"/>
@@ -15656,7 +15636,7 @@
 </p:tagLst>
 </file>
 
-<file path=ppt/tags/tag37.xml><?xml version="1.0" encoding="utf-8"?>
+<file path=ppt/tags/tag38.xml><?xml version="1.0" encoding="utf-8"?>
 <p:tagLst xmlns:a="http://schemas.openxmlformats.org/drawingml/2006/main" xmlns:r="http://schemas.openxmlformats.org/officeDocument/2006/relationships" xmlns:p="http://schemas.openxmlformats.org/presentationml/2006/main">
   <p:tag name="OUTPUTDPI" val="1200"/>
   <p:tag name="ORIGINALHEIGHT" val="163.4795"/>
@@ -15750,11 +15730,11 @@
 <file path=ppt/tags/tag8.xml><?xml version="1.0" encoding="utf-8"?>
 <p:tagLst xmlns:a="http://schemas.openxmlformats.org/drawingml/2006/main" xmlns:r="http://schemas.openxmlformats.org/officeDocument/2006/relationships" xmlns:p="http://schemas.openxmlformats.org/presentationml/2006/main">
   <p:tag name="OUTPUTDPI" val="1200"/>
-  <p:tag name="ORIGINALHEIGHT" val="96"/>
-  <p:tag name="ORIGINALWIDTH" val="227"/>
-  <p:tag name="LATEXADDIN" val="\documentclass{article}&#10;\usepackage{amsmath}&#10;\pagestyle{empty}&#10;\begin{document}&#10;&#10;$\mathtt{R}_{\text{WB}}$&#10;&#10;&#10;\end{document}"/>
+  <p:tag name="ORIGINALHEIGHT" val="454"/>
+  <p:tag name="ORIGINALWIDTH" val="2469"/>
+  <p:tag name="LATEXADDIN" val="\documentclass{article}&#10;\usepackage{amsmath}&#10;\usepackage{amssymb}&#10;\pagestyle{empty}&#10;\begin{document}&#10;&#10;\centering&#10;$=\left[\begin{array}{ccc}&#10;\cos (-45^\circ) &amp; 0 &amp; \sin (-45^\circ) \\&#10;0 &amp; 1 &amp; 0 \\&#10;-\sin (-45^\circ) &amp; 0 &amp; \cos (-45^\circ)&#10;\end{array}\right]^\intercal \left[\begin{array}{c}&#10;9.81 \\ 0 \\ 0 \end{array}\right]$ &#10;&#10;\end{document}"/>
   <p:tag name="IGUANATEXSIZE" val="20"/>
-  <p:tag name="IGUANATEXCURSOR" val="102"/>
+  <p:tag name="IGUANATEXCURSOR" val="64"/>
   <p:tag name="TRANSPARENCY" val="True"/>
   <p:tag name="LATEXENGINEID" val="0"/>
   <p:tag name="TEMPFOLDER" val="/private/var/folders/wh/6xq4nzn968z6nmj8vyhb88hc0000gn/T/com.microsoft.Powerpoint/TemporaryItems/"/>
@@ -15768,11 +15748,11 @@
 <file path=ppt/tags/tag9.xml><?xml version="1.0" encoding="utf-8"?>
 <p:tagLst xmlns:a="http://schemas.openxmlformats.org/drawingml/2006/main" xmlns:r="http://schemas.openxmlformats.org/officeDocument/2006/relationships" xmlns:p="http://schemas.openxmlformats.org/presentationml/2006/main">
   <p:tag name="OUTPUTDPI" val="1200"/>
-  <p:tag name="ORIGINALHEIGHT" val="454"/>
-  <p:tag name="ORIGINALWIDTH" val="2469"/>
-  <p:tag name="LATEXADDIN" val="\documentclass{article}&#10;\usepackage{amsmath}&#10;\usepackage{amssymb}&#10;\pagestyle{empty}&#10;\begin{document}&#10;&#10;\centering&#10;$=\left[\begin{array}{ccc}&#10;\cos (-45^\circ) &amp; 0 &amp; \sin (-45^\circ) \\&#10;0 &amp; 1 &amp; 0 \\&#10;-\sin (-45^\circ) &amp; 0 &amp; \cos (-45^\circ)&#10;\end{array}\right]^\intercal \left[\begin{array}{c}&#10;9.81 \\ 0 \\ 0 \end{array}\right]$ &#10;&#10;\end{document}"/>
+  <p:tag name="ORIGINALHEIGHT" val="135"/>
+  <p:tag name="ORIGINALWIDTH" val="1424"/>
+  <p:tag name="LATEXADDIN" val="\documentclass{article}&#10;\usepackage{amsmath}&#10;\usepackage{amssymb}&#10;\pagestyle{empty}&#10;\begin{document}&#10;&#10;\centering&#10;$_\text{B}\tilde{\mathbf{a}}(t) ={\mathtt{R}_{\text{WB}}^\intercal}({_\text{W}\mathbf{a}(t) - {_\text{W}\mathbf{g}})}$&#10;&#10;\end{document}"/>
   <p:tag name="IGUANATEXSIZE" val="20"/>
-  <p:tag name="IGUANATEXCURSOR" val="64"/>
+  <p:tag name="IGUANATEXCURSOR" val="204"/>
   <p:tag name="TRANSPARENCY" val="True"/>
   <p:tag name="LATEXENGINEID" val="0"/>
   <p:tag name="TEMPFOLDER" val="/private/var/folders/wh/6xq4nzn968z6nmj8vyhb88hc0000gn/T/com.microsoft.Powerpoint/TemporaryItems/"/>

--- a/img/preintegration/preintegration_v2.pptx
+++ b/img/preintegration/preintegration_v2.pptx
@@ -15,7 +15,8 @@
     <p:sldId id="260" r:id="rId9"/>
     <p:sldId id="262" r:id="rId10"/>
     <p:sldId id="263" r:id="rId11"/>
-    <p:sldId id="261" r:id="rId12"/>
+    <p:sldId id="267" r:id="rId12"/>
+    <p:sldId id="261" r:id="rId13"/>
   </p:sldIdLst>
   <p:sldSz cx="12192000" cy="6858000"/>
   <p:notesSz cx="6858000" cy="9144000"/>
@@ -4072,6 +4073,877 @@
       </p:grpSpPr>
       <p:pic>
         <p:nvPicPr>
+          <p:cNvPr id="3" name="Picture 2">
+            <a:extLst>
+              <a:ext uri="{FF2B5EF4-FFF2-40B4-BE49-F238E27FC236}">
+                <a16:creationId xmlns:a16="http://schemas.microsoft.com/office/drawing/2014/main" id="{4CED71D8-580D-BA49-A02A-B4189EE8A044}"/>
+              </a:ext>
+            </a:extLst>
+          </p:cNvPr>
+          <p:cNvPicPr>
+            <a:picLocks noChangeAspect="1"/>
+          </p:cNvPicPr>
+          <p:nvPr/>
+        </p:nvPicPr>
+        <p:blipFill>
+          <a:blip r:embed="rId4"/>
+          <a:stretch>
+            <a:fillRect/>
+          </a:stretch>
+        </p:blipFill>
+        <p:spPr>
+          <a:xfrm>
+            <a:off x="301498" y="1272209"/>
+            <a:ext cx="11890502" cy="2842592"/>
+          </a:xfrm>
+          <a:prstGeom prst="rect">
+            <a:avLst/>
+          </a:prstGeom>
+        </p:spPr>
+      </p:pic>
+      <p:pic>
+        <p:nvPicPr>
+          <p:cNvPr id="21" name="Picture 20">
+            <a:extLst>
+              <a:ext uri="{FF2B5EF4-FFF2-40B4-BE49-F238E27FC236}">
+                <a16:creationId xmlns:a16="http://schemas.microsoft.com/office/drawing/2014/main" id="{F4F363D9-B18B-8041-B745-BC9DB94EBCE8}"/>
+              </a:ext>
+            </a:extLst>
+          </p:cNvPr>
+          <p:cNvPicPr>
+            <a:picLocks noChangeAspect="1"/>
+          </p:cNvPicPr>
+          <p:nvPr>
+            <p:custDataLst>
+              <p:tags r:id="rId1"/>
+            </p:custDataLst>
+          </p:nvPr>
+        </p:nvPicPr>
+        <p:blipFill>
+          <a:blip r:embed="rId5">
+            <a:extLst>
+              <a:ext uri="{28A0092B-C50C-407E-A947-70E740481C1C}">
+                <a14:useLocalDpi xmlns:a14="http://schemas.microsoft.com/office/drawing/2010/main" val="0"/>
+              </a:ext>
+            </a:extLst>
+          </a:blip>
+          <a:stretch>
+            <a:fillRect/>
+          </a:stretch>
+        </p:blipFill>
+        <p:spPr>
+          <a:xfrm>
+            <a:off x="810590" y="4595965"/>
+            <a:ext cx="8758428" cy="455168"/>
+          </a:xfrm>
+          <a:prstGeom prst="rect">
+            <a:avLst/>
+          </a:prstGeom>
+        </p:spPr>
+      </p:pic>
+      <p:pic>
+        <p:nvPicPr>
+          <p:cNvPr id="27" name="Picture 26">
+            <a:extLst>
+              <a:ext uri="{FF2B5EF4-FFF2-40B4-BE49-F238E27FC236}">
+                <a16:creationId xmlns:a16="http://schemas.microsoft.com/office/drawing/2014/main" id="{619BB1C1-C3A0-1644-9AE4-C5EA453D7692}"/>
+              </a:ext>
+            </a:extLst>
+          </p:cNvPr>
+          <p:cNvPicPr>
+            <a:picLocks noChangeAspect="1"/>
+          </p:cNvPicPr>
+          <p:nvPr>
+            <p:custDataLst>
+              <p:tags r:id="rId2"/>
+            </p:custDataLst>
+          </p:nvPr>
+        </p:nvPicPr>
+        <p:blipFill>
+          <a:blip r:embed="rId6">
+            <a:extLst>
+              <a:ext uri="{28A0092B-C50C-407E-A947-70E740481C1C}">
+                <a14:useLocalDpi xmlns:a14="http://schemas.microsoft.com/office/drawing/2010/main" val="0"/>
+              </a:ext>
+            </a:extLst>
+          </a:blip>
+          <a:stretch>
+            <a:fillRect/>
+          </a:stretch>
+        </p:blipFill>
+        <p:spPr>
+          <a:xfrm>
+            <a:off x="6255024" y="1447270"/>
+            <a:ext cx="6577584" cy="445008"/>
+          </a:xfrm>
+          <a:prstGeom prst="rect">
+            <a:avLst/>
+          </a:prstGeom>
+        </p:spPr>
+      </p:pic>
+      <p:sp>
+        <p:nvSpPr>
+          <p:cNvPr id="24" name="Rectangle 23">
+            <a:extLst>
+              <a:ext uri="{FF2B5EF4-FFF2-40B4-BE49-F238E27FC236}">
+                <a16:creationId xmlns:a16="http://schemas.microsoft.com/office/drawing/2014/main" id="{09F46122-BC72-5845-B618-97B88444816E}"/>
+              </a:ext>
+            </a:extLst>
+          </p:cNvPr>
+          <p:cNvSpPr/>
+          <p:nvPr/>
+        </p:nvSpPr>
+        <p:spPr>
+          <a:xfrm>
+            <a:off x="301498" y="1326422"/>
+            <a:ext cx="5045754" cy="686704"/>
+          </a:xfrm>
+          <a:prstGeom prst="rect">
+            <a:avLst/>
+          </a:prstGeom>
+          <a:noFill/>
+          <a:ln w="28575">
+            <a:solidFill>
+              <a:schemeClr val="tx1"/>
+            </a:solidFill>
+          </a:ln>
+        </p:spPr>
+        <p:style>
+          <a:lnRef idx="2">
+            <a:schemeClr val="accent1">
+              <a:shade val="50000"/>
+            </a:schemeClr>
+          </a:lnRef>
+          <a:fillRef idx="1">
+            <a:schemeClr val="accent1"/>
+          </a:fillRef>
+          <a:effectRef idx="0">
+            <a:schemeClr val="accent1"/>
+          </a:effectRef>
+          <a:fontRef idx="minor">
+            <a:schemeClr val="lt1"/>
+          </a:fontRef>
+        </p:style>
+        <p:txBody>
+          <a:bodyPr rtlCol="0" anchor="ctr"/>
+          <a:lstStyle/>
+          <a:p>
+            <a:pPr algn="ctr"/>
+            <a:endParaRPr lang="en-KR"/>
+          </a:p>
+        </p:txBody>
+      </p:sp>
+      <p:sp>
+        <p:nvSpPr>
+          <p:cNvPr id="25" name="Rectangle 24">
+            <a:extLst>
+              <a:ext uri="{FF2B5EF4-FFF2-40B4-BE49-F238E27FC236}">
+                <a16:creationId xmlns:a16="http://schemas.microsoft.com/office/drawing/2014/main" id="{F75974B2-E534-9D42-8E8C-7184C5A09D76}"/>
+              </a:ext>
+            </a:extLst>
+          </p:cNvPr>
+          <p:cNvSpPr/>
+          <p:nvPr/>
+        </p:nvSpPr>
+        <p:spPr>
+          <a:xfrm>
+            <a:off x="301498" y="2111185"/>
+            <a:ext cx="10532154" cy="2023494"/>
+          </a:xfrm>
+          <a:prstGeom prst="rect">
+            <a:avLst/>
+          </a:prstGeom>
+          <a:noFill/>
+          <a:ln w="28575">
+            <a:solidFill>
+              <a:schemeClr val="tx1"/>
+            </a:solidFill>
+          </a:ln>
+        </p:spPr>
+        <p:style>
+          <a:lnRef idx="2">
+            <a:schemeClr val="accent1">
+              <a:shade val="50000"/>
+            </a:schemeClr>
+          </a:lnRef>
+          <a:fillRef idx="1">
+            <a:schemeClr val="accent1"/>
+          </a:fillRef>
+          <a:effectRef idx="0">
+            <a:schemeClr val="accent1"/>
+          </a:effectRef>
+          <a:fontRef idx="minor">
+            <a:schemeClr val="lt1"/>
+          </a:fontRef>
+        </p:style>
+        <p:txBody>
+          <a:bodyPr rtlCol="0" anchor="ctr"/>
+          <a:lstStyle/>
+          <a:p>
+            <a:pPr algn="ctr"/>
+            <a:endParaRPr lang="en-KR"/>
+          </a:p>
+        </p:txBody>
+      </p:sp>
+      <p:sp>
+        <p:nvSpPr>
+          <p:cNvPr id="28" name="Right Arrow 27">
+            <a:extLst>
+              <a:ext uri="{FF2B5EF4-FFF2-40B4-BE49-F238E27FC236}">
+                <a16:creationId xmlns:a16="http://schemas.microsoft.com/office/drawing/2014/main" id="{A477F444-E575-F646-B4CF-9C81D0C9BE1E}"/>
+              </a:ext>
+            </a:extLst>
+          </p:cNvPr>
+          <p:cNvSpPr/>
+          <p:nvPr/>
+        </p:nvSpPr>
+        <p:spPr>
+          <a:xfrm>
+            <a:off x="5426764" y="1387636"/>
+            <a:ext cx="748748" cy="565856"/>
+          </a:xfrm>
+          <a:prstGeom prst="rightArrow">
+            <a:avLst/>
+          </a:prstGeom>
+          <a:solidFill>
+            <a:schemeClr val="tx1"/>
+          </a:solidFill>
+          <a:ln>
+            <a:noFill/>
+          </a:ln>
+        </p:spPr>
+        <p:style>
+          <a:lnRef idx="2">
+            <a:schemeClr val="accent1">
+              <a:shade val="50000"/>
+            </a:schemeClr>
+          </a:lnRef>
+          <a:fillRef idx="1">
+            <a:schemeClr val="accent1"/>
+          </a:fillRef>
+          <a:effectRef idx="0">
+            <a:schemeClr val="accent1"/>
+          </a:effectRef>
+          <a:fontRef idx="minor">
+            <a:schemeClr val="lt1"/>
+          </a:fontRef>
+        </p:style>
+        <p:txBody>
+          <a:bodyPr rtlCol="0" anchor="ctr"/>
+          <a:lstStyle/>
+          <a:p>
+            <a:pPr algn="ctr"/>
+            <a:endParaRPr lang="en-KR"/>
+          </a:p>
+        </p:txBody>
+      </p:sp>
+      <p:sp>
+        <p:nvSpPr>
+          <p:cNvPr id="29" name="Right Arrow 28">
+            <a:extLst>
+              <a:ext uri="{FF2B5EF4-FFF2-40B4-BE49-F238E27FC236}">
+                <a16:creationId xmlns:a16="http://schemas.microsoft.com/office/drawing/2014/main" id="{6902984C-FD42-C24E-9BD2-CFD0939BB276}"/>
+              </a:ext>
+            </a:extLst>
+          </p:cNvPr>
+          <p:cNvSpPr/>
+          <p:nvPr/>
+        </p:nvSpPr>
+        <p:spPr>
+          <a:xfrm rot="5400000">
+            <a:off x="5098358" y="3987056"/>
+            <a:ext cx="748748" cy="565856"/>
+          </a:xfrm>
+          <a:prstGeom prst="rightArrow">
+            <a:avLst/>
+          </a:prstGeom>
+          <a:solidFill>
+            <a:schemeClr val="tx1"/>
+          </a:solidFill>
+          <a:ln>
+            <a:noFill/>
+          </a:ln>
+        </p:spPr>
+        <p:style>
+          <a:lnRef idx="2">
+            <a:schemeClr val="accent1">
+              <a:shade val="50000"/>
+            </a:schemeClr>
+          </a:lnRef>
+          <a:fillRef idx="1">
+            <a:schemeClr val="accent1"/>
+          </a:fillRef>
+          <a:effectRef idx="0">
+            <a:schemeClr val="accent1"/>
+          </a:effectRef>
+          <a:fontRef idx="minor">
+            <a:schemeClr val="lt1"/>
+          </a:fontRef>
+        </p:style>
+        <p:txBody>
+          <a:bodyPr rtlCol="0" anchor="ctr"/>
+          <a:lstStyle/>
+          <a:p>
+            <a:pPr algn="ctr"/>
+            <a:endParaRPr lang="en-KR"/>
+          </a:p>
+        </p:txBody>
+      </p:sp>
+      <p:sp>
+        <p:nvSpPr>
+          <p:cNvPr id="30" name="Rectangle 29">
+            <a:extLst>
+              <a:ext uri="{FF2B5EF4-FFF2-40B4-BE49-F238E27FC236}">
+                <a16:creationId xmlns:a16="http://schemas.microsoft.com/office/drawing/2014/main" id="{322DA89C-290D-034A-9FE5-F214502CA2AC}"/>
+              </a:ext>
+            </a:extLst>
+          </p:cNvPr>
+          <p:cNvSpPr/>
+          <p:nvPr/>
+        </p:nvSpPr>
+        <p:spPr>
+          <a:xfrm>
+            <a:off x="4128955" y="1399265"/>
+            <a:ext cx="1078245" cy="567524"/>
+          </a:xfrm>
+          <a:prstGeom prst="rect">
+            <a:avLst/>
+          </a:prstGeom>
+          <a:noFill/>
+          <a:ln w="28575">
+            <a:solidFill>
+              <a:srgbClr val="FF0000"/>
+            </a:solidFill>
+          </a:ln>
+        </p:spPr>
+        <p:style>
+          <a:lnRef idx="2">
+            <a:schemeClr val="accent1">
+              <a:shade val="50000"/>
+            </a:schemeClr>
+          </a:lnRef>
+          <a:fillRef idx="1">
+            <a:schemeClr val="accent1"/>
+          </a:fillRef>
+          <a:effectRef idx="0">
+            <a:schemeClr val="accent1"/>
+          </a:effectRef>
+          <a:fontRef idx="minor">
+            <a:schemeClr val="lt1"/>
+          </a:fontRef>
+        </p:style>
+        <p:txBody>
+          <a:bodyPr rtlCol="0" anchor="ctr"/>
+          <a:lstStyle/>
+          <a:p>
+            <a:pPr algn="ctr"/>
+            <a:endParaRPr lang="en-KR"/>
+          </a:p>
+        </p:txBody>
+      </p:sp>
+      <p:sp>
+        <p:nvSpPr>
+          <p:cNvPr id="31" name="Rectangle 30">
+            <a:extLst>
+              <a:ext uri="{FF2B5EF4-FFF2-40B4-BE49-F238E27FC236}">
+                <a16:creationId xmlns:a16="http://schemas.microsoft.com/office/drawing/2014/main" id="{C42C7FF1-14FB-7343-81E5-EF831B04AB7A}"/>
+              </a:ext>
+            </a:extLst>
+          </p:cNvPr>
+          <p:cNvSpPr/>
+          <p:nvPr/>
+        </p:nvSpPr>
+        <p:spPr>
+          <a:xfrm>
+            <a:off x="10152140" y="1552848"/>
+            <a:ext cx="246601" cy="334341"/>
+          </a:xfrm>
+          <a:prstGeom prst="rect">
+            <a:avLst/>
+          </a:prstGeom>
+          <a:noFill/>
+          <a:ln w="28575">
+            <a:solidFill>
+              <a:srgbClr val="FF0000"/>
+            </a:solidFill>
+          </a:ln>
+        </p:spPr>
+        <p:style>
+          <a:lnRef idx="2">
+            <a:schemeClr val="accent1">
+              <a:shade val="50000"/>
+            </a:schemeClr>
+          </a:lnRef>
+          <a:fillRef idx="1">
+            <a:schemeClr val="accent1"/>
+          </a:fillRef>
+          <a:effectRef idx="0">
+            <a:schemeClr val="accent1"/>
+          </a:effectRef>
+          <a:fontRef idx="minor">
+            <a:schemeClr val="lt1"/>
+          </a:fontRef>
+        </p:style>
+        <p:txBody>
+          <a:bodyPr rtlCol="0" anchor="ctr"/>
+          <a:lstStyle/>
+          <a:p>
+            <a:pPr algn="ctr"/>
+            <a:endParaRPr lang="en-KR"/>
+          </a:p>
+        </p:txBody>
+      </p:sp>
+      <p:sp>
+        <p:nvSpPr>
+          <p:cNvPr id="32" name="Rectangle 31">
+            <a:extLst>
+              <a:ext uri="{FF2B5EF4-FFF2-40B4-BE49-F238E27FC236}">
+                <a16:creationId xmlns:a16="http://schemas.microsoft.com/office/drawing/2014/main" id="{9F86C2E8-BEA2-8443-9243-2E1BAD2F1936}"/>
+              </a:ext>
+            </a:extLst>
+          </p:cNvPr>
+          <p:cNvSpPr/>
+          <p:nvPr/>
+        </p:nvSpPr>
+        <p:spPr>
+          <a:xfrm>
+            <a:off x="2030697" y="1334053"/>
+            <a:ext cx="980223" cy="686704"/>
+          </a:xfrm>
+          <a:prstGeom prst="rect">
+            <a:avLst/>
+          </a:prstGeom>
+          <a:noFill/>
+          <a:ln w="28575">
+            <a:solidFill>
+              <a:srgbClr val="0432FF"/>
+            </a:solidFill>
+          </a:ln>
+        </p:spPr>
+        <p:style>
+          <a:lnRef idx="2">
+            <a:schemeClr val="accent1">
+              <a:shade val="50000"/>
+            </a:schemeClr>
+          </a:lnRef>
+          <a:fillRef idx="1">
+            <a:schemeClr val="accent1"/>
+          </a:fillRef>
+          <a:effectRef idx="0">
+            <a:schemeClr val="accent1"/>
+          </a:effectRef>
+          <a:fontRef idx="minor">
+            <a:schemeClr val="lt1"/>
+          </a:fontRef>
+        </p:style>
+        <p:txBody>
+          <a:bodyPr rtlCol="0" anchor="ctr"/>
+          <a:lstStyle/>
+          <a:p>
+            <a:pPr algn="ctr"/>
+            <a:endParaRPr lang="en-KR"/>
+          </a:p>
+        </p:txBody>
+      </p:sp>
+      <p:sp>
+        <p:nvSpPr>
+          <p:cNvPr id="33" name="Rectangle 32">
+            <a:extLst>
+              <a:ext uri="{FF2B5EF4-FFF2-40B4-BE49-F238E27FC236}">
+                <a16:creationId xmlns:a16="http://schemas.microsoft.com/office/drawing/2014/main" id="{16DCC469-029E-5A4F-8544-CBC25775801C}"/>
+              </a:ext>
+            </a:extLst>
+          </p:cNvPr>
+          <p:cNvSpPr/>
+          <p:nvPr/>
+        </p:nvSpPr>
+        <p:spPr>
+          <a:xfrm>
+            <a:off x="8987089" y="1467148"/>
+            <a:ext cx="347028" cy="439919"/>
+          </a:xfrm>
+          <a:prstGeom prst="rect">
+            <a:avLst/>
+          </a:prstGeom>
+          <a:noFill/>
+          <a:ln w="28575">
+            <a:solidFill>
+              <a:srgbClr val="0432FF"/>
+            </a:solidFill>
+          </a:ln>
+        </p:spPr>
+        <p:style>
+          <a:lnRef idx="2">
+            <a:schemeClr val="accent1">
+              <a:shade val="50000"/>
+            </a:schemeClr>
+          </a:lnRef>
+          <a:fillRef idx="1">
+            <a:schemeClr val="accent1"/>
+          </a:fillRef>
+          <a:effectRef idx="0">
+            <a:schemeClr val="accent1"/>
+          </a:effectRef>
+          <a:fontRef idx="minor">
+            <a:schemeClr val="lt1"/>
+          </a:fontRef>
+        </p:style>
+        <p:txBody>
+          <a:bodyPr rtlCol="0" anchor="ctr"/>
+          <a:lstStyle/>
+          <a:p>
+            <a:pPr algn="ctr"/>
+            <a:endParaRPr lang="en-KR"/>
+          </a:p>
+        </p:txBody>
+      </p:sp>
+      <p:sp>
+        <p:nvSpPr>
+          <p:cNvPr id="34" name="Rectangle 33">
+            <a:extLst>
+              <a:ext uri="{FF2B5EF4-FFF2-40B4-BE49-F238E27FC236}">
+                <a16:creationId xmlns:a16="http://schemas.microsoft.com/office/drawing/2014/main" id="{3904D4C9-6C70-2341-B8ED-0EF045D3406D}"/>
+              </a:ext>
+            </a:extLst>
+          </p:cNvPr>
+          <p:cNvSpPr/>
+          <p:nvPr/>
+        </p:nvSpPr>
+        <p:spPr>
+          <a:xfrm>
+            <a:off x="2026111" y="2125129"/>
+            <a:ext cx="3917491" cy="739712"/>
+          </a:xfrm>
+          <a:prstGeom prst="rect">
+            <a:avLst/>
+          </a:prstGeom>
+          <a:noFill/>
+          <a:ln w="28575">
+            <a:solidFill>
+              <a:srgbClr val="FF8300"/>
+            </a:solidFill>
+          </a:ln>
+        </p:spPr>
+        <p:style>
+          <a:lnRef idx="2">
+            <a:schemeClr val="accent1">
+              <a:shade val="50000"/>
+            </a:schemeClr>
+          </a:lnRef>
+          <a:fillRef idx="1">
+            <a:schemeClr val="accent1"/>
+          </a:fillRef>
+          <a:effectRef idx="0">
+            <a:schemeClr val="accent1"/>
+          </a:effectRef>
+          <a:fontRef idx="minor">
+            <a:schemeClr val="lt1"/>
+          </a:fontRef>
+        </p:style>
+        <p:txBody>
+          <a:bodyPr rtlCol="0" anchor="ctr"/>
+          <a:lstStyle/>
+          <a:p>
+            <a:pPr algn="ctr"/>
+            <a:endParaRPr lang="en-KR"/>
+          </a:p>
+        </p:txBody>
+      </p:sp>
+      <p:sp>
+        <p:nvSpPr>
+          <p:cNvPr id="35" name="Rectangle 34">
+            <a:extLst>
+              <a:ext uri="{FF2B5EF4-FFF2-40B4-BE49-F238E27FC236}">
+                <a16:creationId xmlns:a16="http://schemas.microsoft.com/office/drawing/2014/main" id="{15FD5828-D39C-B54D-BF8B-1CA3C577D870}"/>
+              </a:ext>
+            </a:extLst>
+          </p:cNvPr>
+          <p:cNvSpPr/>
+          <p:nvPr/>
+        </p:nvSpPr>
+        <p:spPr>
+          <a:xfrm>
+            <a:off x="2026374" y="2938829"/>
+            <a:ext cx="7000471" cy="1154174"/>
+          </a:xfrm>
+          <a:prstGeom prst="rect">
+            <a:avLst/>
+          </a:prstGeom>
+          <a:noFill/>
+          <a:ln w="28575">
+            <a:solidFill>
+              <a:srgbClr val="FF8300"/>
+            </a:solidFill>
+          </a:ln>
+        </p:spPr>
+        <p:style>
+          <a:lnRef idx="2">
+            <a:schemeClr val="accent1">
+              <a:shade val="50000"/>
+            </a:schemeClr>
+          </a:lnRef>
+          <a:fillRef idx="1">
+            <a:schemeClr val="accent1"/>
+          </a:fillRef>
+          <a:effectRef idx="0">
+            <a:schemeClr val="accent1"/>
+          </a:effectRef>
+          <a:fontRef idx="minor">
+            <a:schemeClr val="lt1"/>
+          </a:fontRef>
+        </p:style>
+        <p:txBody>
+          <a:bodyPr rtlCol="0" anchor="ctr"/>
+          <a:lstStyle/>
+          <a:p>
+            <a:pPr algn="ctr"/>
+            <a:endParaRPr lang="en-KR"/>
+          </a:p>
+        </p:txBody>
+      </p:sp>
+      <p:sp>
+        <p:nvSpPr>
+          <p:cNvPr id="36" name="Rectangle 35">
+            <a:extLst>
+              <a:ext uri="{FF2B5EF4-FFF2-40B4-BE49-F238E27FC236}">
+                <a16:creationId xmlns:a16="http://schemas.microsoft.com/office/drawing/2014/main" id="{FDDA8954-3982-EC44-B263-B5898A9885B1}"/>
+              </a:ext>
+            </a:extLst>
+          </p:cNvPr>
+          <p:cNvSpPr/>
+          <p:nvPr/>
+        </p:nvSpPr>
+        <p:spPr>
+          <a:xfrm>
+            <a:off x="4109077" y="4560482"/>
+            <a:ext cx="1218297" cy="524625"/>
+          </a:xfrm>
+          <a:prstGeom prst="rect">
+            <a:avLst/>
+          </a:prstGeom>
+          <a:noFill/>
+          <a:ln w="28575">
+            <a:solidFill>
+              <a:srgbClr val="FF8300"/>
+            </a:solidFill>
+          </a:ln>
+        </p:spPr>
+        <p:style>
+          <a:lnRef idx="2">
+            <a:schemeClr val="accent1">
+              <a:shade val="50000"/>
+            </a:schemeClr>
+          </a:lnRef>
+          <a:fillRef idx="1">
+            <a:schemeClr val="accent1"/>
+          </a:fillRef>
+          <a:effectRef idx="0">
+            <a:schemeClr val="accent1"/>
+          </a:effectRef>
+          <a:fontRef idx="minor">
+            <a:schemeClr val="lt1"/>
+          </a:fontRef>
+        </p:style>
+        <p:txBody>
+          <a:bodyPr rtlCol="0" anchor="ctr"/>
+          <a:lstStyle/>
+          <a:p>
+            <a:pPr algn="ctr"/>
+            <a:endParaRPr lang="en-KR"/>
+          </a:p>
+        </p:txBody>
+      </p:sp>
+      <p:sp>
+        <p:nvSpPr>
+          <p:cNvPr id="37" name="Rectangle 36">
+            <a:extLst>
+              <a:ext uri="{FF2B5EF4-FFF2-40B4-BE49-F238E27FC236}">
+                <a16:creationId xmlns:a16="http://schemas.microsoft.com/office/drawing/2014/main" id="{9AF1BFF4-B13B-1F48-9AFB-E35A217D8D7D}"/>
+              </a:ext>
+            </a:extLst>
+          </p:cNvPr>
+          <p:cNvSpPr/>
+          <p:nvPr/>
+        </p:nvSpPr>
+        <p:spPr>
+          <a:xfrm>
+            <a:off x="6636068" y="2120271"/>
+            <a:ext cx="1032147" cy="739712"/>
+          </a:xfrm>
+          <a:prstGeom prst="rect">
+            <a:avLst/>
+          </a:prstGeom>
+          <a:noFill/>
+          <a:ln w="28575">
+            <a:solidFill>
+              <a:srgbClr val="4CE698"/>
+            </a:solidFill>
+            <a:prstDash val="solid"/>
+          </a:ln>
+        </p:spPr>
+        <p:style>
+          <a:lnRef idx="2">
+            <a:schemeClr val="accent1">
+              <a:shade val="50000"/>
+            </a:schemeClr>
+          </a:lnRef>
+          <a:fillRef idx="1">
+            <a:schemeClr val="accent1"/>
+          </a:fillRef>
+          <a:effectRef idx="0">
+            <a:schemeClr val="accent1"/>
+          </a:effectRef>
+          <a:fontRef idx="minor">
+            <a:schemeClr val="lt1"/>
+          </a:fontRef>
+        </p:style>
+        <p:txBody>
+          <a:bodyPr rtlCol="0" anchor="ctr"/>
+          <a:lstStyle/>
+          <a:p>
+            <a:pPr algn="ctr"/>
+            <a:endParaRPr lang="en-KR"/>
+          </a:p>
+        </p:txBody>
+      </p:sp>
+      <p:sp>
+        <p:nvSpPr>
+          <p:cNvPr id="38" name="Rectangle 37">
+            <a:extLst>
+              <a:ext uri="{FF2B5EF4-FFF2-40B4-BE49-F238E27FC236}">
+                <a16:creationId xmlns:a16="http://schemas.microsoft.com/office/drawing/2014/main" id="{E90D50E2-7C4F-6349-B523-DAE5F39EFA1A}"/>
+              </a:ext>
+            </a:extLst>
+          </p:cNvPr>
+          <p:cNvSpPr/>
+          <p:nvPr/>
+        </p:nvSpPr>
+        <p:spPr>
+          <a:xfrm>
+            <a:off x="9649552" y="3162447"/>
+            <a:ext cx="1032147" cy="739712"/>
+          </a:xfrm>
+          <a:prstGeom prst="rect">
+            <a:avLst/>
+          </a:prstGeom>
+          <a:noFill/>
+          <a:ln w="28575">
+            <a:solidFill>
+              <a:srgbClr val="4CE698"/>
+            </a:solidFill>
+            <a:prstDash val="solid"/>
+          </a:ln>
+        </p:spPr>
+        <p:style>
+          <a:lnRef idx="2">
+            <a:schemeClr val="accent1">
+              <a:shade val="50000"/>
+            </a:schemeClr>
+          </a:lnRef>
+          <a:fillRef idx="1">
+            <a:schemeClr val="accent1"/>
+          </a:fillRef>
+          <a:effectRef idx="0">
+            <a:schemeClr val="accent1"/>
+          </a:effectRef>
+          <a:fontRef idx="minor">
+            <a:schemeClr val="lt1"/>
+          </a:fontRef>
+        </p:style>
+        <p:txBody>
+          <a:bodyPr rtlCol="0" anchor="ctr"/>
+          <a:lstStyle/>
+          <a:p>
+            <a:pPr algn="ctr"/>
+            <a:endParaRPr lang="en-KR"/>
+          </a:p>
+        </p:txBody>
+      </p:sp>
+      <p:sp>
+        <p:nvSpPr>
+          <p:cNvPr id="39" name="Rectangle 38">
+            <a:extLst>
+              <a:ext uri="{FF2B5EF4-FFF2-40B4-BE49-F238E27FC236}">
+                <a16:creationId xmlns:a16="http://schemas.microsoft.com/office/drawing/2014/main" id="{AF421551-42E3-B144-9613-FD9BF83180B0}"/>
+              </a:ext>
+            </a:extLst>
+          </p:cNvPr>
+          <p:cNvSpPr/>
+          <p:nvPr/>
+        </p:nvSpPr>
+        <p:spPr>
+          <a:xfrm>
+            <a:off x="5801139" y="4545291"/>
+            <a:ext cx="565856" cy="539816"/>
+          </a:xfrm>
+          <a:prstGeom prst="rect">
+            <a:avLst/>
+          </a:prstGeom>
+          <a:noFill/>
+          <a:ln w="28575">
+            <a:solidFill>
+              <a:srgbClr val="4CE698"/>
+            </a:solidFill>
+            <a:prstDash val="solid"/>
+          </a:ln>
+        </p:spPr>
+        <p:style>
+          <a:lnRef idx="2">
+            <a:schemeClr val="accent1">
+              <a:shade val="50000"/>
+            </a:schemeClr>
+          </a:lnRef>
+          <a:fillRef idx="1">
+            <a:schemeClr val="accent1"/>
+          </a:fillRef>
+          <a:effectRef idx="0">
+            <a:schemeClr val="accent1"/>
+          </a:effectRef>
+          <a:fontRef idx="minor">
+            <a:schemeClr val="lt1"/>
+          </a:fontRef>
+        </p:style>
+        <p:txBody>
+          <a:bodyPr rtlCol="0" anchor="ctr"/>
+          <a:lstStyle/>
+          <a:p>
+            <a:pPr algn="ctr"/>
+            <a:endParaRPr lang="en-KR"/>
+          </a:p>
+        </p:txBody>
+      </p:sp>
+    </p:spTree>
+    <p:extLst>
+      <p:ext uri="{BB962C8B-B14F-4D97-AF65-F5344CB8AC3E}">
+        <p14:creationId xmlns:p14="http://schemas.microsoft.com/office/powerpoint/2010/main" val="1016045349"/>
+      </p:ext>
+    </p:extLst>
+  </p:cSld>
+  <p:clrMapOvr>
+    <a:masterClrMapping/>
+  </p:clrMapOvr>
+</p:sld>
+</file>
+
+<file path=ppt/slides/slide12.xml><?xml version="1.0" encoding="utf-8"?>
+<p:sld xmlns:a="http://schemas.openxmlformats.org/drawingml/2006/main" xmlns:r="http://schemas.openxmlformats.org/officeDocument/2006/relationships" xmlns:p="http://schemas.openxmlformats.org/presentationml/2006/main">
+  <p:cSld>
+    <p:spTree>
+      <p:nvGrpSpPr>
+        <p:cNvPr id="1" name=""/>
+        <p:cNvGrpSpPr/>
+        <p:nvPr/>
+      </p:nvGrpSpPr>
+      <p:grpSpPr>
+        <a:xfrm>
+          <a:off x="0" y="0"/>
+          <a:ext cx="0" cy="0"/>
+          <a:chOff x="0" y="0"/>
+          <a:chExt cx="0" cy="0"/>
+        </a:xfrm>
+      </p:grpSpPr>
+      <p:pic>
+        <p:nvPicPr>
           <p:cNvPr id="2" name="그림 1">
             <a:extLst>
               <a:ext uri="{FF2B5EF4-FFF2-40B4-BE49-F238E27FC236}">
@@ -10153,10 +11025,10 @@
       </p:grpSpPr>
       <p:grpSp>
         <p:nvGrpSpPr>
-          <p:cNvPr id="42" name="그룹 41">
+          <p:cNvPr id="4" name="Group 3">
             <a:extLst>
               <a:ext uri="{FF2B5EF4-FFF2-40B4-BE49-F238E27FC236}">
-                <a16:creationId xmlns:a16="http://schemas.microsoft.com/office/drawing/2014/main" id="{CB3B8775-3E7E-40CA-A41F-BB103FD33D7D}"/>
+                <a16:creationId xmlns:a16="http://schemas.microsoft.com/office/drawing/2014/main" id="{E85B870E-ABB1-6047-BAF9-A8D670AF8D30}"/>
               </a:ext>
             </a:extLst>
           </p:cNvPr>
@@ -10203,46 +11075,6 @@
         </p:pic>
         <p:pic>
           <p:nvPicPr>
-            <p:cNvPr id="10" name="그림 9">
-              <a:extLst>
-                <a:ext uri="{FF2B5EF4-FFF2-40B4-BE49-F238E27FC236}">
-                  <a16:creationId xmlns:a16="http://schemas.microsoft.com/office/drawing/2014/main" id="{C1967758-FB27-4E6A-9491-2ED2E8D250E2}"/>
-                </a:ext>
-              </a:extLst>
-            </p:cNvPr>
-            <p:cNvPicPr>
-              <a:picLocks noChangeAspect="1"/>
-            </p:cNvPicPr>
-            <p:nvPr>
-              <p:custDataLst>
-                <p:tags r:id="rId1"/>
-              </p:custDataLst>
-            </p:nvPr>
-          </p:nvPicPr>
-          <p:blipFill>
-            <a:blip r:embed="rId4">
-              <a:extLst>
-                <a:ext uri="{28A0092B-C50C-407E-A947-70E740481C1C}">
-                  <a14:useLocalDpi xmlns:a14="http://schemas.microsoft.com/office/drawing/2010/main" val="0"/>
-                </a:ext>
-              </a:extLst>
-            </a:blip>
-            <a:stretch>
-              <a:fillRect/>
-            </a:stretch>
-          </p:blipFill>
-          <p:spPr>
-            <a:xfrm>
-              <a:off x="1047750" y="4940256"/>
-              <a:ext cx="9280000" cy="320000"/>
-            </a:xfrm>
-            <a:prstGeom prst="rect">
-              <a:avLst/>
-            </a:prstGeom>
-          </p:spPr>
-        </p:pic>
-        <p:pic>
-          <p:nvPicPr>
             <p:cNvPr id="3" name="그림 2">
               <a:extLst>
                 <a:ext uri="{FF2B5EF4-FFF2-40B4-BE49-F238E27FC236}">
@@ -10256,7 +11088,7 @@
             <p:nvPr/>
           </p:nvPicPr>
           <p:blipFill>
-            <a:blip r:embed="rId5"/>
+            <a:blip r:embed="rId4"/>
             <a:stretch>
               <a:fillRect/>
             </a:stretch>
@@ -10355,6 +11187,106 @@
             </a:fontRef>
           </p:style>
         </p:cxnSp>
+        <p:sp>
+          <p:nvSpPr>
+            <p:cNvPr id="8" name="화살표: 아래쪽 9">
+              <a:extLst>
+                <a:ext uri="{FF2B5EF4-FFF2-40B4-BE49-F238E27FC236}">
+                  <a16:creationId xmlns:a16="http://schemas.microsoft.com/office/drawing/2014/main" id="{EFB657C1-F5D9-BD41-9DB1-CE1BEE66E253}"/>
+                </a:ext>
+              </a:extLst>
+            </p:cNvPr>
+            <p:cNvSpPr/>
+            <p:nvPr/>
+          </p:nvSpPr>
+          <p:spPr>
+            <a:xfrm>
+              <a:off x="5363027" y="4442367"/>
+              <a:ext cx="732972" cy="1063908"/>
+            </a:xfrm>
+            <a:prstGeom prst="downArrow">
+              <a:avLst/>
+            </a:prstGeom>
+            <a:solidFill>
+              <a:srgbClr val="002060"/>
+            </a:solidFill>
+            <a:ln>
+              <a:noFill/>
+            </a:ln>
+          </p:spPr>
+          <p:style>
+            <a:lnRef idx="2">
+              <a:schemeClr val="accent1">
+                <a:shade val="50000"/>
+              </a:schemeClr>
+            </a:lnRef>
+            <a:fillRef idx="1">
+              <a:schemeClr val="accent1"/>
+            </a:fillRef>
+            <a:effectRef idx="0">
+              <a:schemeClr val="accent1"/>
+            </a:effectRef>
+            <a:fontRef idx="minor">
+              <a:schemeClr val="lt1"/>
+            </a:fontRef>
+          </p:style>
+          <p:txBody>
+            <a:bodyPr rtlCol="0" anchor="ctr"/>
+            <a:lstStyle/>
+            <a:p>
+              <a:pPr algn="ctr"/>
+              <a:endParaRPr lang="ko-KR" altLang="en-US"/>
+            </a:p>
+          </p:txBody>
+        </p:sp>
+        <p:pic>
+          <p:nvPicPr>
+            <p:cNvPr id="10" name="그림 9">
+              <a:extLst>
+                <a:ext uri="{FF2B5EF4-FFF2-40B4-BE49-F238E27FC236}">
+                  <a16:creationId xmlns:a16="http://schemas.microsoft.com/office/drawing/2014/main" id="{C1967758-FB27-4E6A-9491-2ED2E8D250E2}"/>
+                </a:ext>
+              </a:extLst>
+            </p:cNvPr>
+            <p:cNvPicPr>
+              <a:picLocks noChangeAspect="1"/>
+            </p:cNvPicPr>
+            <p:nvPr>
+              <p:custDataLst>
+                <p:tags r:id="rId1"/>
+              </p:custDataLst>
+            </p:nvPr>
+          </p:nvPicPr>
+          <p:blipFill>
+            <a:blip r:embed="rId5">
+              <a:extLst>
+                <a:ext uri="{28A0092B-C50C-407E-A947-70E740481C1C}">
+                  <a14:useLocalDpi xmlns:a14="http://schemas.microsoft.com/office/drawing/2010/main" val="0"/>
+                </a:ext>
+              </a:extLst>
+            </a:blip>
+            <a:stretch>
+              <a:fillRect/>
+            </a:stretch>
+          </p:blipFill>
+          <p:spPr>
+            <a:xfrm>
+              <a:off x="1089513" y="4687586"/>
+              <a:ext cx="9280000" cy="320000"/>
+            </a:xfrm>
+            <a:prstGeom prst="rect">
+              <a:avLst/>
+            </a:prstGeom>
+            <a:solidFill>
+              <a:schemeClr val="bg1"/>
+            </a:solidFill>
+            <a:ln>
+              <a:solidFill>
+                <a:schemeClr val="tx1"/>
+              </a:solidFill>
+            </a:ln>
+          </p:spPr>
+        </p:pic>
       </p:grpSp>
     </p:spTree>
     <p:extLst>
@@ -15655,6 +16587,24 @@
 </p:tagLst>
 </file>
 
+<file path=ppt/tags/tag39.xml><?xml version="1.0" encoding="utf-8"?>
+<p:tagLst xmlns:a="http://schemas.openxmlformats.org/drawingml/2006/main" xmlns:r="http://schemas.openxmlformats.org/officeDocument/2006/relationships" xmlns:p="http://schemas.openxmlformats.org/presentationml/2006/main">
+  <p:tag name="OUTPUTDPI" val="1200"/>
+  <p:tag name="ORIGINALHEIGHT" val="128"/>
+  <p:tag name="ORIGINALWIDTH" val="2463"/>
+  <p:tag name="LATEXADDIN" val="\documentclass{article}&#10;\usepackage{amsmath}&#10;\pagestyle{empty}&#10;\begin{document}&#10;&#10;Behave like $\mathbf{z}_{k}=h\left(\mathbf{x}_{k}\right)+\mathbf{v}_{k}, \; \mathbf{v}_{k} \sim \mathcal{N}\left(\mathbf{0}, \Sigma_{\mathbf{v}}\right)$&#10;&#10;&#10;\end{document}"/>
+  <p:tag name="IGUANATEXSIZE" val="35"/>
+  <p:tag name="IGUANATEXCURSOR" val="81"/>
+  <p:tag name="TRANSPARENCY" val="True"/>
+  <p:tag name="LATEXENGINEID" val="0"/>
+  <p:tag name="TEMPFOLDER" val="/private/var/folders/wh/6xq4nzn968z6nmj8vyhb88hc0000gn/T/com.microsoft.Powerpoint/TemporaryItems/"/>
+  <p:tag name="LATEXFORMHEIGHT" val="312"/>
+  <p:tag name="LATEXFORMWIDTH" val="384"/>
+  <p:tag name="LATEXFORMWRAP" val="True"/>
+  <p:tag name="BITMAPVECTOR" val="0"/>
+</p:tagLst>
+</file>
+
 <file path=ppt/tags/tag4.xml><?xml version="1.0" encoding="utf-8"?>
 <p:tagLst xmlns:a="http://schemas.openxmlformats.org/drawingml/2006/main" xmlns:r="http://schemas.openxmlformats.org/officeDocument/2006/relationships" xmlns:p="http://schemas.openxmlformats.org/presentationml/2006/main">
   <p:tag name="OUTPUTDPI" val="1200"/>
@@ -15663,6 +16613,24 @@
   <p:tag name="LATEXADDIN" val="\documentclass{article}&#10;\usepackage{amsmath}&#10;\pagestyle{empty}&#10;\begin{document}&#10;&#10;\centering&#10;Body frame, $\mathrm{B}$ &#10;&#10;&#10;\end{document}"/>
   <p:tag name="IGUANATEXSIZE" val="20"/>
   <p:tag name="IGUANATEXCURSOR" val="118"/>
+  <p:tag name="TRANSPARENCY" val="True"/>
+  <p:tag name="LATEXENGINEID" val="0"/>
+  <p:tag name="TEMPFOLDER" val="/private/var/folders/wh/6xq4nzn968z6nmj8vyhb88hc0000gn/T/com.microsoft.Powerpoint/TemporaryItems/"/>
+  <p:tag name="LATEXFORMHEIGHT" val="312"/>
+  <p:tag name="LATEXFORMWIDTH" val="384"/>
+  <p:tag name="LATEXFORMWRAP" val="True"/>
+  <p:tag name="BITMAPVECTOR" val="0"/>
+</p:tagLst>
+</file>
+
+<file path=ppt/tags/tag40.xml><?xml version="1.0" encoding="utf-8"?>
+<p:tagLst xmlns:a="http://schemas.openxmlformats.org/drawingml/2006/main" xmlns:r="http://schemas.openxmlformats.org/officeDocument/2006/relationships" xmlns:p="http://schemas.openxmlformats.org/presentationml/2006/main">
+  <p:tag name="OUTPUTDPI" val="1200"/>
+  <p:tag name="ORIGINALHEIGHT" val="146"/>
+  <p:tag name="ORIGINALWIDTH" val="2158"/>
+  <p:tag name="LATEXADDIN" val="\documentclass{article}&#10;\usepackage{amsmath}&#10;\pagestyle{empty}&#10;\begin{document}&#10;&#10;&#10;Behave like $\tilde{\mathrm{R}}=\mathrm{R} \operatorname{Exp}(\epsilon), \; \epsilon \sim \mathcal{N}(0, \Sigma_\epsilon)$&#10;&#10;\end{document}"/>
+  <p:tag name="IGUANATEXSIZE" val="30"/>
+  <p:tag name="IGUANATEXCURSOR" val="94"/>
   <p:tag name="TRANSPARENCY" val="True"/>
   <p:tag name="LATEXENGINEID" val="0"/>
   <p:tag name="TEMPFOLDER" val="/private/var/folders/wh/6xq4nzn968z6nmj8vyhb88hc0000gn/T/com.microsoft.Powerpoint/TemporaryItems/"/>

--- a/img/preintegration/preintegration_v2.pptx
+++ b/img/preintegration/preintegration_v2.pptx
@@ -287,7 +287,7 @@
           <a:p>
             <a:fld id="{B79B8510-7E7F-4140-B929-CF74CD005B44}" type="datetimeFigureOut">
               <a:rPr lang="ko-KR" altLang="en-US" smtClean="0"/>
-              <a:t>2022. 4. 10.</a:t>
+              <a:t>2022-04-10</a:t>
             </a:fld>
             <a:endParaRPr lang="ko-KR" altLang="en-US"/>
           </a:p>
@@ -485,7 +485,7 @@
           <a:p>
             <a:fld id="{B79B8510-7E7F-4140-B929-CF74CD005B44}" type="datetimeFigureOut">
               <a:rPr lang="ko-KR" altLang="en-US" smtClean="0"/>
-              <a:t>2022. 4. 10.</a:t>
+              <a:t>2022-04-10</a:t>
             </a:fld>
             <a:endParaRPr lang="ko-KR" altLang="en-US"/>
           </a:p>
@@ -693,7 +693,7 @@
           <a:p>
             <a:fld id="{B79B8510-7E7F-4140-B929-CF74CD005B44}" type="datetimeFigureOut">
               <a:rPr lang="ko-KR" altLang="en-US" smtClean="0"/>
-              <a:t>2022. 4. 10.</a:t>
+              <a:t>2022-04-10</a:t>
             </a:fld>
             <a:endParaRPr lang="ko-KR" altLang="en-US"/>
           </a:p>
@@ -929,7 +929,7 @@
           <a:p>
             <a:fld id="{B79B8510-7E7F-4140-B929-CF74CD005B44}" type="datetimeFigureOut">
               <a:rPr lang="ko-KR" altLang="en-US" smtClean="0"/>
-              <a:t>2022. 4. 10.</a:t>
+              <a:t>2022-04-10</a:t>
             </a:fld>
             <a:endParaRPr lang="ko-KR" altLang="en-US"/>
           </a:p>
@@ -1204,7 +1204,7 @@
           <a:p>
             <a:fld id="{B79B8510-7E7F-4140-B929-CF74CD005B44}" type="datetimeFigureOut">
               <a:rPr lang="ko-KR" altLang="en-US" smtClean="0"/>
-              <a:t>2022. 4. 10.</a:t>
+              <a:t>2022-04-10</a:t>
             </a:fld>
             <a:endParaRPr lang="ko-KR" altLang="en-US"/>
           </a:p>
@@ -1469,7 +1469,7 @@
           <a:p>
             <a:fld id="{B79B8510-7E7F-4140-B929-CF74CD005B44}" type="datetimeFigureOut">
               <a:rPr lang="ko-KR" altLang="en-US" smtClean="0"/>
-              <a:t>2022. 4. 10.</a:t>
+              <a:t>2022-04-10</a:t>
             </a:fld>
             <a:endParaRPr lang="ko-KR" altLang="en-US"/>
           </a:p>
@@ -1881,7 +1881,7 @@
           <a:p>
             <a:fld id="{B79B8510-7E7F-4140-B929-CF74CD005B44}" type="datetimeFigureOut">
               <a:rPr lang="ko-KR" altLang="en-US" smtClean="0"/>
-              <a:t>2022. 4. 10.</a:t>
+              <a:t>2022-04-10</a:t>
             </a:fld>
             <a:endParaRPr lang="ko-KR" altLang="en-US"/>
           </a:p>
@@ -2022,7 +2022,7 @@
           <a:p>
             <a:fld id="{B79B8510-7E7F-4140-B929-CF74CD005B44}" type="datetimeFigureOut">
               <a:rPr lang="ko-KR" altLang="en-US" smtClean="0"/>
-              <a:t>2022. 4. 10.</a:t>
+              <a:t>2022-04-10</a:t>
             </a:fld>
             <a:endParaRPr lang="ko-KR" altLang="en-US"/>
           </a:p>
@@ -2135,7 +2135,7 @@
           <a:p>
             <a:fld id="{B79B8510-7E7F-4140-B929-CF74CD005B44}" type="datetimeFigureOut">
               <a:rPr lang="ko-KR" altLang="en-US" smtClean="0"/>
-              <a:t>2022. 4. 10.</a:t>
+              <a:t>2022-04-10</a:t>
             </a:fld>
             <a:endParaRPr lang="ko-KR" altLang="en-US"/>
           </a:p>
@@ -2446,7 +2446,7 @@
           <a:p>
             <a:fld id="{B79B8510-7E7F-4140-B929-CF74CD005B44}" type="datetimeFigureOut">
               <a:rPr lang="ko-KR" altLang="en-US" smtClean="0"/>
-              <a:t>2022. 4. 10.</a:t>
+              <a:t>2022-04-10</a:t>
             </a:fld>
             <a:endParaRPr lang="ko-KR" altLang="en-US"/>
           </a:p>
@@ -2734,7 +2734,7 @@
           <a:p>
             <a:fld id="{B79B8510-7E7F-4140-B929-CF74CD005B44}" type="datetimeFigureOut">
               <a:rPr lang="ko-KR" altLang="en-US" smtClean="0"/>
-              <a:t>2022. 4. 10.</a:t>
+              <a:t>2022-04-10</a:t>
             </a:fld>
             <a:endParaRPr lang="ko-KR" altLang="en-US"/>
           </a:p>
@@ -2975,7 +2975,7 @@
           <a:p>
             <a:fld id="{B79B8510-7E7F-4140-B929-CF74CD005B44}" type="datetimeFigureOut">
               <a:rPr lang="ko-KR" altLang="en-US" smtClean="0"/>
-              <a:t>2022. 4. 10.</a:t>
+              <a:t>2022-04-10</a:t>
             </a:fld>
             <a:endParaRPr lang="ko-KR" altLang="en-US"/>
           </a:p>
@@ -7315,7 +7315,7 @@
           <p:nvPr/>
         </p:nvPicPr>
         <p:blipFill>
-          <a:blip r:embed="rId14"/>
+          <a:blip r:embed="rId15"/>
           <a:stretch>
             <a:fillRect/>
           </a:stretch>
@@ -7345,7 +7345,7 @@
           <p:nvPr/>
         </p:nvPicPr>
         <p:blipFill>
-          <a:blip r:embed="rId15"/>
+          <a:blip r:embed="rId16"/>
           <a:stretch>
             <a:fillRect/>
           </a:stretch>
@@ -7412,371 +7412,342 @@
           </a:p>
         </p:txBody>
       </p:sp>
-      <p:grpSp>
-        <p:nvGrpSpPr>
-          <p:cNvPr id="4" name="Group 3">
+      <p:pic>
+        <p:nvPicPr>
+          <p:cNvPr id="3" name="그림 2">
             <a:extLst>
               <a:ext uri="{FF2B5EF4-FFF2-40B4-BE49-F238E27FC236}">
-                <a16:creationId xmlns:a16="http://schemas.microsoft.com/office/drawing/2014/main" id="{65C7F89B-DD62-E640-A65E-65B5B526A097}"/>
+                <a16:creationId xmlns:a16="http://schemas.microsoft.com/office/drawing/2014/main" id="{86A87DC9-729B-41F7-851C-2C6584A6F249}"/>
               </a:ext>
             </a:extLst>
           </p:cNvPr>
-          <p:cNvGrpSpPr/>
+          <p:cNvPicPr>
+            <a:picLocks noChangeAspect="1"/>
+          </p:cNvPicPr>
           <p:nvPr/>
-        </p:nvGrpSpPr>
-        <p:grpSpPr>
+        </p:nvPicPr>
+        <p:blipFill>
+          <a:blip r:embed="rId17"/>
+          <a:stretch>
+            <a:fillRect/>
+          </a:stretch>
+        </p:blipFill>
+        <p:spPr>
           <a:xfrm>
-            <a:off x="2545491" y="4165400"/>
-            <a:ext cx="7191974" cy="1834405"/>
-            <a:chOff x="4655155" y="71779"/>
-            <a:chExt cx="7191974" cy="1834405"/>
+            <a:off x="2561072" y="4475758"/>
+            <a:ext cx="7176393" cy="1025199"/>
           </a:xfrm>
-        </p:grpSpPr>
-        <p:pic>
-          <p:nvPicPr>
-            <p:cNvPr id="3" name="그림 2">
-              <a:extLst>
-                <a:ext uri="{FF2B5EF4-FFF2-40B4-BE49-F238E27FC236}">
-                  <a16:creationId xmlns:a16="http://schemas.microsoft.com/office/drawing/2014/main" id="{86A87DC9-729B-41F7-851C-2C6584A6F249}"/>
-                </a:ext>
-              </a:extLst>
-            </p:cNvPr>
-            <p:cNvPicPr>
-              <a:picLocks noChangeAspect="1"/>
-            </p:cNvPicPr>
-            <p:nvPr/>
-          </p:nvPicPr>
-          <p:blipFill>
-            <a:blip r:embed="rId16"/>
-            <a:stretch>
-              <a:fillRect/>
-            </a:stretch>
-          </p:blipFill>
-          <p:spPr>
-            <a:xfrm>
-              <a:off x="4670736" y="382137"/>
-              <a:ext cx="7176393" cy="1025199"/>
-            </a:xfrm>
-            <a:prstGeom prst="rect">
-              <a:avLst/>
-            </a:prstGeom>
-          </p:spPr>
-        </p:pic>
-        <p:sp>
-          <p:nvSpPr>
-            <p:cNvPr id="14" name="직사각형 13">
-              <a:extLst>
-                <a:ext uri="{FF2B5EF4-FFF2-40B4-BE49-F238E27FC236}">
-                  <a16:creationId xmlns:a16="http://schemas.microsoft.com/office/drawing/2014/main" id="{B08A3B07-3058-4F38-A944-B4C4089BA736}"/>
-                </a:ext>
-              </a:extLst>
-            </p:cNvPr>
-            <p:cNvSpPr/>
-            <p:nvPr/>
-          </p:nvSpPr>
-          <p:spPr>
-            <a:xfrm>
-              <a:off x="6029325" y="499181"/>
-              <a:ext cx="1047750" cy="355732"/>
-            </a:xfrm>
-            <a:prstGeom prst="rect">
-              <a:avLst/>
-            </a:prstGeom>
-            <a:noFill/>
-            <a:ln w="28575">
+          <a:prstGeom prst="rect">
+            <a:avLst/>
+          </a:prstGeom>
+        </p:spPr>
+      </p:pic>
+      <p:sp>
+        <p:nvSpPr>
+          <p:cNvPr id="14" name="직사각형 13">
+            <a:extLst>
+              <a:ext uri="{FF2B5EF4-FFF2-40B4-BE49-F238E27FC236}">
+                <a16:creationId xmlns:a16="http://schemas.microsoft.com/office/drawing/2014/main" id="{B08A3B07-3058-4F38-A944-B4C4089BA736}"/>
+              </a:ext>
+            </a:extLst>
+          </p:cNvPr>
+          <p:cNvSpPr/>
+          <p:nvPr/>
+        </p:nvSpPr>
+        <p:spPr>
+          <a:xfrm>
+            <a:off x="3919661" y="4592802"/>
+            <a:ext cx="1047750" cy="355732"/>
+          </a:xfrm>
+          <a:prstGeom prst="rect">
+            <a:avLst/>
+          </a:prstGeom>
+          <a:noFill/>
+          <a:ln w="28575">
+            <a:solidFill>
+              <a:srgbClr val="114AFF"/>
+            </a:solidFill>
+          </a:ln>
+        </p:spPr>
+        <p:style>
+          <a:lnRef idx="2">
+            <a:schemeClr val="accent1">
+              <a:shade val="50000"/>
+            </a:schemeClr>
+          </a:lnRef>
+          <a:fillRef idx="1">
+            <a:schemeClr val="accent1"/>
+          </a:fillRef>
+          <a:effectRef idx="0">
+            <a:schemeClr val="accent1"/>
+          </a:effectRef>
+          <a:fontRef idx="minor">
+            <a:schemeClr val="lt1"/>
+          </a:fontRef>
+        </p:style>
+        <p:txBody>
+          <a:bodyPr rtlCol="0" anchor="ctr"/>
+          <a:lstStyle/>
+          <a:p>
+            <a:pPr algn="ctr"/>
+            <a:endParaRPr lang="ko-KR" altLang="en-US">
               <a:solidFill>
                 <a:srgbClr val="114AFF"/>
               </a:solidFill>
-            </a:ln>
-          </p:spPr>
-          <p:style>
-            <a:lnRef idx="2">
-              <a:schemeClr val="accent1">
-                <a:shade val="50000"/>
-              </a:schemeClr>
-            </a:lnRef>
-            <a:fillRef idx="1">
-              <a:schemeClr val="accent1"/>
-            </a:fillRef>
-            <a:effectRef idx="0">
-              <a:schemeClr val="accent1"/>
-            </a:effectRef>
-            <a:fontRef idx="minor">
-              <a:schemeClr val="lt1"/>
-            </a:fontRef>
-          </p:style>
-          <p:txBody>
-            <a:bodyPr rtlCol="0" anchor="ctr"/>
-            <a:lstStyle/>
-            <a:p>
-              <a:pPr algn="ctr"/>
-              <a:endParaRPr lang="ko-KR" altLang="en-US">
+            </a:endParaRPr>
+          </a:p>
+        </p:txBody>
+      </p:sp>
+      <p:sp>
+        <p:nvSpPr>
+          <p:cNvPr id="15" name="직사각형 14">
+            <a:extLst>
+              <a:ext uri="{FF2B5EF4-FFF2-40B4-BE49-F238E27FC236}">
+                <a16:creationId xmlns:a16="http://schemas.microsoft.com/office/drawing/2014/main" id="{4A2AB7B4-76AE-43D1-BBDB-61885B04A60A}"/>
+              </a:ext>
+            </a:extLst>
+          </p:cNvPr>
+          <p:cNvSpPr/>
+          <p:nvPr/>
+        </p:nvSpPr>
+        <p:spPr>
+          <a:xfrm>
+            <a:off x="4862636" y="5047550"/>
+            <a:ext cx="723900" cy="390220"/>
+          </a:xfrm>
+          <a:prstGeom prst="rect">
+            <a:avLst/>
+          </a:prstGeom>
+          <a:noFill/>
+          <a:ln w="28575">
+            <a:solidFill>
+              <a:srgbClr val="114AFF"/>
+            </a:solidFill>
+          </a:ln>
+        </p:spPr>
+        <p:style>
+          <a:lnRef idx="2">
+            <a:schemeClr val="accent1">
+              <a:shade val="50000"/>
+            </a:schemeClr>
+          </a:lnRef>
+          <a:fillRef idx="1">
+            <a:schemeClr val="accent1"/>
+          </a:fillRef>
+          <a:effectRef idx="0">
+            <a:schemeClr val="accent1"/>
+          </a:effectRef>
+          <a:fontRef idx="minor">
+            <a:schemeClr val="lt1"/>
+          </a:fontRef>
+        </p:style>
+        <p:txBody>
+          <a:bodyPr rtlCol="0" anchor="ctr"/>
+          <a:lstStyle/>
+          <a:p>
+            <a:pPr algn="ctr"/>
+            <a:endParaRPr lang="ko-KR" altLang="en-US">
+              <a:solidFill>
+                <a:srgbClr val="114AFF"/>
+              </a:solidFill>
+            </a:endParaRPr>
+          </a:p>
+        </p:txBody>
+      </p:sp>
+      <p:sp>
+        <p:nvSpPr>
+          <p:cNvPr id="16" name="직사각형 15">
+            <a:extLst>
+              <a:ext uri="{FF2B5EF4-FFF2-40B4-BE49-F238E27FC236}">
+                <a16:creationId xmlns:a16="http://schemas.microsoft.com/office/drawing/2014/main" id="{3B073116-80EB-4A44-A018-C3B362364252}"/>
+              </a:ext>
+            </a:extLst>
+          </p:cNvPr>
+          <p:cNvSpPr/>
+          <p:nvPr/>
+        </p:nvSpPr>
+        <p:spPr>
+          <a:xfrm>
+            <a:off x="2909805" y="5047550"/>
+            <a:ext cx="658091" cy="390220"/>
+          </a:xfrm>
+          <a:prstGeom prst="rect">
+            <a:avLst/>
+          </a:prstGeom>
+          <a:noFill/>
+          <a:ln w="28575">
+            <a:solidFill>
+              <a:srgbClr val="00B050"/>
+            </a:solidFill>
+            <a:prstDash val="dash"/>
+          </a:ln>
+        </p:spPr>
+        <p:style>
+          <a:lnRef idx="2">
+            <a:schemeClr val="accent1">
+              <a:shade val="50000"/>
+            </a:schemeClr>
+          </a:lnRef>
+          <a:fillRef idx="1">
+            <a:schemeClr val="accent1"/>
+          </a:fillRef>
+          <a:effectRef idx="0">
+            <a:schemeClr val="accent1"/>
+          </a:effectRef>
+          <a:fontRef idx="minor">
+            <a:schemeClr val="lt1"/>
+          </a:fontRef>
+        </p:style>
+        <p:txBody>
+          <a:bodyPr rtlCol="0" anchor="ctr"/>
+          <a:lstStyle/>
+          <a:p>
+            <a:pPr algn="ctr"/>
+            <a:endParaRPr lang="ko-KR" altLang="en-US"/>
+          </a:p>
+        </p:txBody>
+      </p:sp>
+      <p:sp>
+        <p:nvSpPr>
+          <p:cNvPr id="17" name="직사각형 16">
+            <a:extLst>
+              <a:ext uri="{FF2B5EF4-FFF2-40B4-BE49-F238E27FC236}">
+                <a16:creationId xmlns:a16="http://schemas.microsoft.com/office/drawing/2014/main" id="{7C7FB582-4107-4E17-ABCA-6BE3528EFB8A}"/>
+              </a:ext>
+            </a:extLst>
+          </p:cNvPr>
+          <p:cNvSpPr/>
+          <p:nvPr/>
+        </p:nvSpPr>
+        <p:spPr>
+          <a:xfrm>
+            <a:off x="2545491" y="4569795"/>
+            <a:ext cx="1059862" cy="390220"/>
+          </a:xfrm>
+          <a:prstGeom prst="rect">
+            <a:avLst/>
+          </a:prstGeom>
+          <a:noFill/>
+          <a:ln w="28575">
+            <a:solidFill>
+              <a:srgbClr val="00B050"/>
+            </a:solidFill>
+            <a:prstDash val="dash"/>
+          </a:ln>
+        </p:spPr>
+        <p:style>
+          <a:lnRef idx="2">
+            <a:schemeClr val="accent1">
+              <a:shade val="50000"/>
+            </a:schemeClr>
+          </a:lnRef>
+          <a:fillRef idx="1">
+            <a:schemeClr val="accent1"/>
+          </a:fillRef>
+          <a:effectRef idx="0">
+            <a:schemeClr val="accent1"/>
+          </a:effectRef>
+          <a:fontRef idx="minor">
+            <a:schemeClr val="lt1"/>
+          </a:fontRef>
+        </p:style>
+        <p:txBody>
+          <a:bodyPr rtlCol="0" anchor="ctr"/>
+          <a:lstStyle/>
+          <a:p>
+            <a:pPr algn="ctr"/>
+            <a:endParaRPr lang="ko-KR" altLang="en-US"/>
+          </a:p>
+        </p:txBody>
+      </p:sp>
+      <p:sp>
+        <p:nvSpPr>
+          <p:cNvPr id="18" name="TextBox 17">
+            <a:extLst>
+              <a:ext uri="{FF2B5EF4-FFF2-40B4-BE49-F238E27FC236}">
+                <a16:creationId xmlns:a16="http://schemas.microsoft.com/office/drawing/2014/main" id="{913C5DAB-4065-4853-BDA0-F5E5F6C45A31}"/>
+              </a:ext>
+            </a:extLst>
+          </p:cNvPr>
+          <p:cNvSpPr txBox="1"/>
+          <p:nvPr/>
+        </p:nvSpPr>
+        <p:spPr>
+          <a:xfrm>
+            <a:off x="2728279" y="5538140"/>
+            <a:ext cx="4478264" cy="461665"/>
+          </a:xfrm>
+          <a:prstGeom prst="rect">
+            <a:avLst/>
+          </a:prstGeom>
+          <a:noFill/>
+        </p:spPr>
+        <p:txBody>
+          <a:bodyPr wrap="square" rtlCol="0">
+            <a:spAutoFit/>
+          </a:bodyPr>
+          <a:lstStyle/>
+          <a:p>
+            <a:r>
+              <a:rPr lang="en-US" altLang="ko-KR" sz="2400" dirty="0">
+                <a:solidFill>
+                  <a:srgbClr val="00B050"/>
+                </a:solidFill>
+              </a:rPr>
+              <a:t>Measurements by IMU (w/ noise)</a:t>
+            </a:r>
+            <a:endParaRPr lang="ko-KR" altLang="en-US" sz="2400" dirty="0">
+              <a:solidFill>
+                <a:srgbClr val="00B050"/>
+              </a:solidFill>
+            </a:endParaRPr>
+          </a:p>
+        </p:txBody>
+      </p:sp>
+      <p:sp>
+        <p:nvSpPr>
+          <p:cNvPr id="19" name="TextBox 18">
+            <a:extLst>
+              <a:ext uri="{FF2B5EF4-FFF2-40B4-BE49-F238E27FC236}">
+                <a16:creationId xmlns:a16="http://schemas.microsoft.com/office/drawing/2014/main" id="{21B4D469-4E9D-47E4-A8BB-F1E8DC418A9B}"/>
+              </a:ext>
+            </a:extLst>
+          </p:cNvPr>
+          <p:cNvSpPr txBox="1"/>
+          <p:nvPr/>
+        </p:nvSpPr>
+        <p:spPr>
+          <a:xfrm>
+            <a:off x="4034717" y="4165400"/>
+            <a:ext cx="4478264" cy="461665"/>
+          </a:xfrm>
+          <a:prstGeom prst="rect">
+            <a:avLst/>
+          </a:prstGeom>
+          <a:noFill/>
+        </p:spPr>
+        <p:txBody>
+          <a:bodyPr wrap="square" rtlCol="0">
+            <a:spAutoFit/>
+          </a:bodyPr>
+          <a:lstStyle/>
+          <a:p>
+            <a:r>
+              <a:rPr lang="en-US" altLang="ko-KR" sz="2400" dirty="0">
                 <a:solidFill>
                   <a:srgbClr val="114AFF"/>
                 </a:solidFill>
-              </a:endParaRPr>
-            </a:p>
-          </p:txBody>
-        </p:sp>
-        <p:sp>
-          <p:nvSpPr>
-            <p:cNvPr id="15" name="직사각형 14">
-              <a:extLst>
-                <a:ext uri="{FF2B5EF4-FFF2-40B4-BE49-F238E27FC236}">
-                  <a16:creationId xmlns:a16="http://schemas.microsoft.com/office/drawing/2014/main" id="{4A2AB7B4-76AE-43D1-BBDB-61885B04A60A}"/>
-                </a:ext>
-              </a:extLst>
-            </p:cNvPr>
-            <p:cNvSpPr/>
-            <p:nvPr/>
-          </p:nvSpPr>
-          <p:spPr>
-            <a:xfrm>
-              <a:off x="6972300" y="953929"/>
-              <a:ext cx="723900" cy="390220"/>
-            </a:xfrm>
-            <a:prstGeom prst="rect">
-              <a:avLst/>
-            </a:prstGeom>
-            <a:noFill/>
-            <a:ln w="28575">
+              </a:rPr>
+              <a:t>Actual states (Want to know)</a:t>
+            </a:r>
+            <a:endParaRPr lang="ko-KR" altLang="en-US" sz="2400" dirty="0">
               <a:solidFill>
                 <a:srgbClr val="114AFF"/>
               </a:solidFill>
-            </a:ln>
-          </p:spPr>
-          <p:style>
-            <a:lnRef idx="2">
-              <a:schemeClr val="accent1">
-                <a:shade val="50000"/>
-              </a:schemeClr>
-            </a:lnRef>
-            <a:fillRef idx="1">
-              <a:schemeClr val="accent1"/>
-            </a:fillRef>
-            <a:effectRef idx="0">
-              <a:schemeClr val="accent1"/>
-            </a:effectRef>
-            <a:fontRef idx="minor">
-              <a:schemeClr val="lt1"/>
-            </a:fontRef>
-          </p:style>
-          <p:txBody>
-            <a:bodyPr rtlCol="0" anchor="ctr"/>
-            <a:lstStyle/>
-            <a:p>
-              <a:pPr algn="ctr"/>
-              <a:endParaRPr lang="ko-KR" altLang="en-US">
-                <a:solidFill>
-                  <a:srgbClr val="114AFF"/>
-                </a:solidFill>
-              </a:endParaRPr>
-            </a:p>
-          </p:txBody>
-        </p:sp>
-        <p:sp>
-          <p:nvSpPr>
-            <p:cNvPr id="16" name="직사각형 15">
-              <a:extLst>
-                <a:ext uri="{FF2B5EF4-FFF2-40B4-BE49-F238E27FC236}">
-                  <a16:creationId xmlns:a16="http://schemas.microsoft.com/office/drawing/2014/main" id="{3B073116-80EB-4A44-A018-C3B362364252}"/>
-                </a:ext>
-              </a:extLst>
-            </p:cNvPr>
-            <p:cNvSpPr/>
-            <p:nvPr/>
-          </p:nvSpPr>
-          <p:spPr>
-            <a:xfrm>
-              <a:off x="5019469" y="953929"/>
-              <a:ext cx="658091" cy="390220"/>
-            </a:xfrm>
-            <a:prstGeom prst="rect">
-              <a:avLst/>
-            </a:prstGeom>
-            <a:noFill/>
-            <a:ln w="28575">
-              <a:solidFill>
-                <a:srgbClr val="00B050"/>
-              </a:solidFill>
-              <a:prstDash val="dash"/>
-            </a:ln>
-          </p:spPr>
-          <p:style>
-            <a:lnRef idx="2">
-              <a:schemeClr val="accent1">
-                <a:shade val="50000"/>
-              </a:schemeClr>
-            </a:lnRef>
-            <a:fillRef idx="1">
-              <a:schemeClr val="accent1"/>
-            </a:fillRef>
-            <a:effectRef idx="0">
-              <a:schemeClr val="accent1"/>
-            </a:effectRef>
-            <a:fontRef idx="minor">
-              <a:schemeClr val="lt1"/>
-            </a:fontRef>
-          </p:style>
-          <p:txBody>
-            <a:bodyPr rtlCol="0" anchor="ctr"/>
-            <a:lstStyle/>
-            <a:p>
-              <a:pPr algn="ctr"/>
-              <a:endParaRPr lang="ko-KR" altLang="en-US"/>
-            </a:p>
-          </p:txBody>
-        </p:sp>
-        <p:sp>
-          <p:nvSpPr>
-            <p:cNvPr id="17" name="직사각형 16">
-              <a:extLst>
-                <a:ext uri="{FF2B5EF4-FFF2-40B4-BE49-F238E27FC236}">
-                  <a16:creationId xmlns:a16="http://schemas.microsoft.com/office/drawing/2014/main" id="{7C7FB582-4107-4E17-ABCA-6BE3528EFB8A}"/>
-                </a:ext>
-              </a:extLst>
-            </p:cNvPr>
-            <p:cNvSpPr/>
-            <p:nvPr/>
-          </p:nvSpPr>
-          <p:spPr>
-            <a:xfrm>
-              <a:off x="4655155" y="476174"/>
-              <a:ext cx="1059862" cy="390220"/>
-            </a:xfrm>
-            <a:prstGeom prst="rect">
-              <a:avLst/>
-            </a:prstGeom>
-            <a:noFill/>
-            <a:ln w="28575">
-              <a:solidFill>
-                <a:srgbClr val="00B050"/>
-              </a:solidFill>
-              <a:prstDash val="dash"/>
-            </a:ln>
-          </p:spPr>
-          <p:style>
-            <a:lnRef idx="2">
-              <a:schemeClr val="accent1">
-                <a:shade val="50000"/>
-              </a:schemeClr>
-            </a:lnRef>
-            <a:fillRef idx="1">
-              <a:schemeClr val="accent1"/>
-            </a:fillRef>
-            <a:effectRef idx="0">
-              <a:schemeClr val="accent1"/>
-            </a:effectRef>
-            <a:fontRef idx="minor">
-              <a:schemeClr val="lt1"/>
-            </a:fontRef>
-          </p:style>
-          <p:txBody>
-            <a:bodyPr rtlCol="0" anchor="ctr"/>
-            <a:lstStyle/>
-            <a:p>
-              <a:pPr algn="ctr"/>
-              <a:endParaRPr lang="ko-KR" altLang="en-US"/>
-            </a:p>
-          </p:txBody>
-        </p:sp>
-        <p:sp>
-          <p:nvSpPr>
-            <p:cNvPr id="18" name="TextBox 17">
-              <a:extLst>
-                <a:ext uri="{FF2B5EF4-FFF2-40B4-BE49-F238E27FC236}">
-                  <a16:creationId xmlns:a16="http://schemas.microsoft.com/office/drawing/2014/main" id="{913C5DAB-4065-4853-BDA0-F5E5F6C45A31}"/>
-                </a:ext>
-              </a:extLst>
-            </p:cNvPr>
-            <p:cNvSpPr txBox="1"/>
-            <p:nvPr/>
-          </p:nvSpPr>
-          <p:spPr>
-            <a:xfrm>
-              <a:off x="4837943" y="1444519"/>
-              <a:ext cx="4478264" cy="461665"/>
-            </a:xfrm>
-            <a:prstGeom prst="rect">
-              <a:avLst/>
-            </a:prstGeom>
-            <a:noFill/>
-          </p:spPr>
-          <p:txBody>
-            <a:bodyPr wrap="square" rtlCol="0">
-              <a:spAutoFit/>
-            </a:bodyPr>
-            <a:lstStyle/>
-            <a:p>
-              <a:r>
-                <a:rPr lang="en-US" altLang="ko-KR" sz="2400" dirty="0">
-                  <a:solidFill>
-                    <a:srgbClr val="00B050"/>
-                  </a:solidFill>
-                </a:rPr>
-                <a:t>Measurements by IMU (w/ noise)</a:t>
-              </a:r>
-              <a:endParaRPr lang="ko-KR" altLang="en-US" sz="2400" dirty="0">
-                <a:solidFill>
-                  <a:srgbClr val="00B050"/>
-                </a:solidFill>
-              </a:endParaRPr>
-            </a:p>
-          </p:txBody>
-        </p:sp>
-        <p:sp>
-          <p:nvSpPr>
-            <p:cNvPr id="19" name="TextBox 18">
-              <a:extLst>
-                <a:ext uri="{FF2B5EF4-FFF2-40B4-BE49-F238E27FC236}">
-                  <a16:creationId xmlns:a16="http://schemas.microsoft.com/office/drawing/2014/main" id="{21B4D469-4E9D-47E4-A8BB-F1E8DC418A9B}"/>
-                </a:ext>
-              </a:extLst>
-            </p:cNvPr>
-            <p:cNvSpPr txBox="1"/>
-            <p:nvPr/>
-          </p:nvSpPr>
-          <p:spPr>
-            <a:xfrm>
-              <a:off x="6144381" y="71779"/>
-              <a:ext cx="4478264" cy="461665"/>
-            </a:xfrm>
-            <a:prstGeom prst="rect">
-              <a:avLst/>
-            </a:prstGeom>
-            <a:noFill/>
-          </p:spPr>
-          <p:txBody>
-            <a:bodyPr wrap="square" rtlCol="0">
-              <a:spAutoFit/>
-            </a:bodyPr>
-            <a:lstStyle/>
-            <a:p>
-              <a:r>
-                <a:rPr lang="en-US" altLang="ko-KR" sz="2400">
-                  <a:solidFill>
-                    <a:srgbClr val="114AFF"/>
-                  </a:solidFill>
-                </a:rPr>
-                <a:t>Actual states </a:t>
-              </a:r>
-              <a:r>
-                <a:rPr lang="en-US" altLang="ko-KR" sz="2400" dirty="0">
-                  <a:solidFill>
-                    <a:srgbClr val="114AFF"/>
-                  </a:solidFill>
-                </a:rPr>
-                <a:t>(Want to know)</a:t>
-              </a:r>
-              <a:endParaRPr lang="ko-KR" altLang="en-US" sz="2400" dirty="0">
-                <a:solidFill>
-                  <a:srgbClr val="114AFF"/>
-                </a:solidFill>
-              </a:endParaRPr>
-            </a:p>
-          </p:txBody>
-        </p:sp>
-      </p:grpSp>
+            </a:endParaRPr>
+          </a:p>
+        </p:txBody>
+      </p:sp>
       <p:pic>
         <p:nvPicPr>
           <p:cNvPr id="32" name="그림 31 1">
@@ -7796,7 +7767,7 @@
           </p:nvPr>
         </p:nvPicPr>
         <p:blipFill>
-          <a:blip r:embed="rId17">
+          <a:blip r:embed="rId18">
             <a:extLst>
               <a:ext uri="{28A0092B-C50C-407E-A947-70E740481C1C}">
                 <a14:useLocalDpi xmlns:a14="http://schemas.microsoft.com/office/drawing/2010/main" val="0"/>
@@ -7836,7 +7807,7 @@
           </p:nvPr>
         </p:nvPicPr>
         <p:blipFill>
-          <a:blip r:embed="rId18">
+          <a:blip r:embed="rId19">
             <a:extLst>
               <a:ext uri="{28A0092B-C50C-407E-A947-70E740481C1C}">
                 <a14:useLocalDpi xmlns:a14="http://schemas.microsoft.com/office/drawing/2010/main" val="0"/>
@@ -8292,60 +8263,6 @@
       </p:sp>
       <p:sp>
         <p:nvSpPr>
-          <p:cNvPr id="48" name="Arc 47">
-            <a:extLst>
-              <a:ext uri="{FF2B5EF4-FFF2-40B4-BE49-F238E27FC236}">
-                <a16:creationId xmlns:a16="http://schemas.microsoft.com/office/drawing/2014/main" id="{D59DA0C6-DCFB-6C46-A0FF-A2D52D0F721E}"/>
-              </a:ext>
-            </a:extLst>
-          </p:cNvPr>
-          <p:cNvSpPr/>
-          <p:nvPr/>
-        </p:nvSpPr>
-        <p:spPr>
-          <a:xfrm rot="17855398">
-            <a:off x="2064303" y="1827273"/>
-            <a:ext cx="3562889" cy="3318732"/>
-          </a:xfrm>
-          <a:prstGeom prst="arc">
-            <a:avLst>
-              <a:gd name="adj1" fmla="val 15423850"/>
-              <a:gd name="adj2" fmla="val 1135230"/>
-            </a:avLst>
-          </a:prstGeom>
-          <a:ln w="38100">
-            <a:solidFill>
-              <a:schemeClr val="tx1"/>
-            </a:solidFill>
-            <a:headEnd type="none" w="med" len="med"/>
-            <a:tailEnd type="triangle" w="med" len="med"/>
-          </a:ln>
-        </p:spPr>
-        <p:style>
-          <a:lnRef idx="1">
-            <a:schemeClr val="dk1"/>
-          </a:lnRef>
-          <a:fillRef idx="0">
-            <a:schemeClr val="dk1"/>
-          </a:fillRef>
-          <a:effectRef idx="0">
-            <a:schemeClr val="dk1"/>
-          </a:effectRef>
-          <a:fontRef idx="minor">
-            <a:schemeClr val="tx1"/>
-          </a:fontRef>
-        </p:style>
-        <p:txBody>
-          <a:bodyPr rtlCol="0" anchor="ctr"/>
-          <a:lstStyle/>
-          <a:p>
-            <a:pPr algn="ctr"/>
-            <a:endParaRPr lang="en-KR"/>
-          </a:p>
-        </p:txBody>
-      </p:sp>
-      <p:sp>
-        <p:nvSpPr>
           <p:cNvPr id="95" name="Right Arrow 94">
             <a:extLst>
               <a:ext uri="{FF2B5EF4-FFF2-40B4-BE49-F238E27FC236}">
@@ -8358,7 +8275,7 @@
         </p:nvSpPr>
         <p:spPr>
           <a:xfrm>
-            <a:off x="5154222" y="2126165"/>
+            <a:off x="3980155" y="1409249"/>
             <a:ext cx="745480" cy="322175"/>
           </a:xfrm>
           <a:prstGeom prst="rightArrow">
@@ -8413,7 +8330,7 @@
         </p:nvSpPr>
         <p:spPr>
           <a:xfrm rot="18900000">
-            <a:off x="5057467" y="1726083"/>
+            <a:off x="3883400" y="1009167"/>
             <a:ext cx="1030929" cy="322175"/>
           </a:xfrm>
           <a:prstGeom prst="rightArrow">
@@ -8467,7 +8384,7 @@
         </p:nvSpPr>
         <p:spPr>
           <a:xfrm>
-            <a:off x="3143411" y="2879106"/>
+            <a:off x="1969344" y="2162190"/>
             <a:ext cx="274942" cy="369332"/>
           </a:xfrm>
           <a:prstGeom prst="rect">
@@ -8517,7 +8434,7 @@
         </p:nvSpPr>
         <p:spPr>
           <a:xfrm>
-            <a:off x="1781205" y="2866670"/>
+            <a:off x="607138" y="2149754"/>
             <a:ext cx="274942" cy="369332"/>
           </a:xfrm>
           <a:prstGeom prst="rect">
@@ -8561,7 +8478,7 @@
         </p:nvSpPr>
         <p:spPr>
           <a:xfrm>
-            <a:off x="1920022" y="2149179"/>
+            <a:off x="745955" y="1432263"/>
             <a:ext cx="274942" cy="369332"/>
           </a:xfrm>
           <a:prstGeom prst="rect">
@@ -8615,7 +8532,7 @@
           </p:nvPr>
         </p:nvPicPr>
         <p:blipFill>
-          <a:blip r:embed="rId19">
+          <a:blip r:embed="rId20">
             <a:extLst>
               <a:ext uri="{28A0092B-C50C-407E-A947-70E740481C1C}">
                 <a14:useLocalDpi xmlns:a14="http://schemas.microsoft.com/office/drawing/2010/main" val="0"/>
@@ -8628,7 +8545,7 @@
         </p:blipFill>
         <p:spPr>
           <a:xfrm>
-            <a:off x="1624830" y="3255142"/>
+            <a:off x="450763" y="2538226"/>
             <a:ext cx="1793523" cy="227048"/>
           </a:xfrm>
           <a:prstGeom prst="rect">
@@ -8655,7 +8572,7 @@
           </p:nvPr>
         </p:nvPicPr>
         <p:blipFill>
-          <a:blip r:embed="rId20">
+          <a:blip r:embed="rId21">
             <a:extLst>
               <a:ext uri="{28A0092B-C50C-407E-A947-70E740481C1C}">
                 <a14:useLocalDpi xmlns:a14="http://schemas.microsoft.com/office/drawing/2010/main" val="0"/>
@@ -8668,7 +8585,7 @@
         </p:blipFill>
         <p:spPr>
           <a:xfrm>
-            <a:off x="4382038" y="1220943"/>
+            <a:off x="3265956" y="504911"/>
             <a:ext cx="1607311" cy="229616"/>
           </a:xfrm>
           <a:prstGeom prst="rect">
@@ -8692,7 +8609,7 @@
         </p:nvCxnSpPr>
         <p:spPr>
           <a:xfrm rot="5400000" flipV="1">
-            <a:off x="2685804" y="2609145"/>
+            <a:off x="1511737" y="1892229"/>
             <a:ext cx="0" cy="915214"/>
           </a:xfrm>
           <a:prstGeom prst="straightConnector1">
@@ -8736,7 +8653,7 @@
         </p:nvCxnSpPr>
         <p:spPr>
           <a:xfrm rot="5400000" flipH="1">
-            <a:off x="1782543" y="2612406"/>
+            <a:off x="608476" y="1895490"/>
             <a:ext cx="900000" cy="8692"/>
           </a:xfrm>
           <a:prstGeom prst="straightConnector1">
@@ -8778,7 +8695,7 @@
         </p:nvSpPr>
         <p:spPr>
           <a:xfrm rot="5400000">
-            <a:off x="2117239" y="2937772"/>
+            <a:off x="943172" y="2220856"/>
             <a:ext cx="252000" cy="252000"/>
           </a:xfrm>
           <a:prstGeom prst="ellipse">
@@ -8834,7 +8751,7 @@
         </p:nvCxnSpPr>
         <p:spPr>
           <a:xfrm flipV="1">
-            <a:off x="2154144" y="2974677"/>
+            <a:off x="980077" y="2257761"/>
             <a:ext cx="178190" cy="178190"/>
           </a:xfrm>
           <a:prstGeom prst="line">
@@ -8879,7 +8796,7 @@
         </p:nvCxnSpPr>
         <p:spPr>
           <a:xfrm flipH="1" flipV="1">
-            <a:off x="2154144" y="2974677"/>
+            <a:off x="980077" y="2257761"/>
             <a:ext cx="178190" cy="178190"/>
           </a:xfrm>
           <a:prstGeom prst="line">
@@ -8920,7 +8837,7 @@
         </p:nvSpPr>
         <p:spPr>
           <a:xfrm rot="5400000">
-            <a:off x="4648959" y="2656046"/>
+            <a:off x="3474892" y="1939130"/>
             <a:ext cx="1033200" cy="322175"/>
           </a:xfrm>
           <a:prstGeom prst="rightArrow">
@@ -8976,7 +8893,7 @@
         </p:nvCxnSpPr>
         <p:spPr>
           <a:xfrm rot="2746800" flipV="1">
-            <a:off x="5477107" y="1516626"/>
+            <a:off x="4303040" y="799710"/>
             <a:ext cx="0" cy="915214"/>
           </a:xfrm>
           <a:prstGeom prst="straightConnector1">
@@ -9020,7 +8937,7 @@
         </p:nvCxnSpPr>
         <p:spPr>
           <a:xfrm rot="2746800" flipH="1">
-            <a:off x="4388433" y="1963498"/>
+            <a:off x="3214366" y="1246582"/>
             <a:ext cx="900000" cy="8692"/>
           </a:xfrm>
           <a:prstGeom prst="straightConnector1">
@@ -9062,7 +8979,7 @@
         </p:nvSpPr>
         <p:spPr>
           <a:xfrm rot="2746800">
-            <a:off x="5031857" y="2154749"/>
+            <a:off x="3857790" y="1437833"/>
             <a:ext cx="252000" cy="252000"/>
           </a:xfrm>
           <a:prstGeom prst="ellipse">
@@ -9118,7 +9035,7 @@
         </p:nvCxnSpPr>
         <p:spPr>
           <a:xfrm rot="18946800" flipV="1">
-            <a:off x="5068762" y="2191654"/>
+            <a:off x="3894695" y="1474738"/>
             <a:ext cx="178190" cy="178190"/>
           </a:xfrm>
           <a:prstGeom prst="line">
@@ -9163,7 +9080,7 @@
         </p:nvCxnSpPr>
         <p:spPr>
           <a:xfrm rot="18946800" flipH="1" flipV="1">
-            <a:off x="5068762" y="2191654"/>
+            <a:off x="3894695" y="1474738"/>
             <a:ext cx="178190" cy="178190"/>
           </a:xfrm>
           <a:prstGeom prst="line">
@@ -9209,7 +9126,7 @@
           </p:nvPr>
         </p:nvPicPr>
         <p:blipFill>
-          <a:blip r:embed="rId21">
+          <a:blip r:embed="rId22">
             <a:extLst>
               <a:ext uri="{28A0092B-C50C-407E-A947-70E740481C1C}">
                 <a14:useLocalDpi xmlns:a14="http://schemas.microsoft.com/office/drawing/2010/main" val="0"/>
@@ -9222,7 +9139,7 @@
         </p:blipFill>
         <p:spPr>
           <a:xfrm>
-            <a:off x="3757942" y="3446675"/>
+            <a:off x="2583875" y="2729759"/>
             <a:ext cx="2383536" cy="254000"/>
           </a:xfrm>
           <a:prstGeom prst="rect">
@@ -9232,10 +9149,10 @@
       </p:pic>
       <p:pic>
         <p:nvPicPr>
-          <p:cNvPr id="26" name="Picture 25">
+          <p:cNvPr id="129" name="Picture 128">
             <a:extLst>
               <a:ext uri="{FF2B5EF4-FFF2-40B4-BE49-F238E27FC236}">
-                <a16:creationId xmlns:a16="http://schemas.microsoft.com/office/drawing/2014/main" id="{8208F61A-58D5-A640-95A5-491701B8C142}"/>
+                <a16:creationId xmlns:a16="http://schemas.microsoft.com/office/drawing/2014/main" id="{3BE7F97F-A5C4-494A-8853-5822C6740E2B}"/>
               </a:ext>
             </a:extLst>
           </p:cNvPr>
@@ -9249,7 +9166,7 @@
           </p:nvPr>
         </p:nvPicPr>
         <p:blipFill>
-          <a:blip r:embed="rId22">
+          <a:blip r:embed="rId23">
             <a:extLst>
               <a:ext uri="{28A0092B-C50C-407E-A947-70E740481C1C}">
                 <a14:useLocalDpi xmlns:a14="http://schemas.microsoft.com/office/drawing/2010/main" val="0"/>
@@ -9262,8 +9179,8 @@
         </p:blipFill>
         <p:spPr>
           <a:xfrm>
-            <a:off x="6279192" y="1539291"/>
-            <a:ext cx="2609088" cy="254000"/>
+            <a:off x="5252421" y="545909"/>
+            <a:ext cx="2474976" cy="254000"/>
           </a:xfrm>
           <a:prstGeom prst="rect">
             <a:avLst/>
@@ -9272,10 +9189,10 @@
       </p:pic>
       <p:pic>
         <p:nvPicPr>
-          <p:cNvPr id="129" name="Picture 128">
+          <p:cNvPr id="42" name="그림 41">
             <a:extLst>
               <a:ext uri="{FF2B5EF4-FFF2-40B4-BE49-F238E27FC236}">
-                <a16:creationId xmlns:a16="http://schemas.microsoft.com/office/drawing/2014/main" id="{3BE7F97F-A5C4-494A-8853-5822C6740E2B}"/>
+                <a16:creationId xmlns:a16="http://schemas.microsoft.com/office/drawing/2014/main" id="{3A78060A-46EA-4F89-9927-25CFD9D923F3}"/>
               </a:ext>
             </a:extLst>
           </p:cNvPr>
@@ -9289,7 +9206,7 @@
           </p:nvPr>
         </p:nvPicPr>
         <p:blipFill>
-          <a:blip r:embed="rId23">
+          <a:blip r:embed="rId24">
             <a:extLst>
               <a:ext uri="{28A0092B-C50C-407E-A947-70E740481C1C}">
                 <a14:useLocalDpi xmlns:a14="http://schemas.microsoft.com/office/drawing/2010/main" val="0"/>
@@ -9302,8 +9219,8 @@
         </p:blipFill>
         <p:spPr>
           <a:xfrm>
-            <a:off x="6335958" y="1182815"/>
-            <a:ext cx="2474976" cy="254000"/>
+            <a:off x="5934967" y="1273158"/>
+            <a:ext cx="5971808" cy="771048"/>
           </a:xfrm>
           <a:prstGeom prst="rect">
             <a:avLst/>
@@ -9312,10 +9229,10 @@
       </p:pic>
       <p:pic>
         <p:nvPicPr>
-          <p:cNvPr id="36" name="Picture 35">
+          <p:cNvPr id="23" name="그림 22">
             <a:extLst>
               <a:ext uri="{FF2B5EF4-FFF2-40B4-BE49-F238E27FC236}">
-                <a16:creationId xmlns:a16="http://schemas.microsoft.com/office/drawing/2014/main" id="{0325C544-0766-804A-9899-FA91F3CF37E0}"/>
+                <a16:creationId xmlns:a16="http://schemas.microsoft.com/office/drawing/2014/main" id="{55C2326E-0C0D-4854-94A6-1D2FE404F938}"/>
               </a:ext>
             </a:extLst>
           </p:cNvPr>
@@ -9329,7 +9246,7 @@
           </p:nvPr>
         </p:nvPicPr>
         <p:blipFill>
-          <a:blip r:embed="rId24">
+          <a:blip r:embed="rId25">
             <a:extLst>
               <a:ext uri="{28A0092B-C50C-407E-A947-70E740481C1C}">
                 <a14:useLocalDpi xmlns:a14="http://schemas.microsoft.com/office/drawing/2010/main" val="0"/>
@@ -9342,8 +9259,8 @@
         </p:blipFill>
         <p:spPr>
           <a:xfrm>
-            <a:off x="6729788" y="2447036"/>
-            <a:ext cx="5017008" cy="922528"/>
+            <a:off x="5041464" y="912850"/>
+            <a:ext cx="3043047" cy="289524"/>
           </a:xfrm>
           <a:prstGeom prst="rect">
             <a:avLst/>
@@ -9352,10 +9269,10 @@
       </p:pic>
       <p:pic>
         <p:nvPicPr>
-          <p:cNvPr id="57" name="Picture 56">
+          <p:cNvPr id="43" name="Picture 42">
             <a:extLst>
               <a:ext uri="{FF2B5EF4-FFF2-40B4-BE49-F238E27FC236}">
-                <a16:creationId xmlns:a16="http://schemas.microsoft.com/office/drawing/2014/main" id="{F3B466EF-E034-7D45-87D0-4EA48F405034}"/>
+                <a16:creationId xmlns:a16="http://schemas.microsoft.com/office/drawing/2014/main" id="{B8AAD82D-6DD1-6B42-B373-D6CBB27F096B}"/>
               </a:ext>
             </a:extLst>
           </p:cNvPr>
@@ -9369,7 +9286,7 @@
           </p:nvPr>
         </p:nvPicPr>
         <p:blipFill>
-          <a:blip r:embed="rId25">
+          <a:blip r:embed="rId26">
             <a:extLst>
               <a:ext uri="{28A0092B-C50C-407E-A947-70E740481C1C}">
                 <a14:useLocalDpi xmlns:a14="http://schemas.microsoft.com/office/drawing/2010/main" val="0"/>
@@ -9382,8 +9299,8 @@
         </p:blipFill>
         <p:spPr>
           <a:xfrm>
-            <a:off x="6077586" y="2131329"/>
-            <a:ext cx="2893568" cy="274320"/>
+            <a:off x="5934966" y="2268310"/>
+            <a:ext cx="2334768" cy="254000"/>
           </a:xfrm>
           <a:prstGeom prst="rect">
             <a:avLst/>
@@ -9392,10 +9309,10 @@
       </p:pic>
       <p:pic>
         <p:nvPicPr>
-          <p:cNvPr id="43" name="Picture 42">
+          <p:cNvPr id="28" name="그림 27">
             <a:extLst>
               <a:ext uri="{FF2B5EF4-FFF2-40B4-BE49-F238E27FC236}">
-                <a16:creationId xmlns:a16="http://schemas.microsoft.com/office/drawing/2014/main" id="{B8AAD82D-6DD1-6B42-B373-D6CBB27F096B}"/>
+                <a16:creationId xmlns:a16="http://schemas.microsoft.com/office/drawing/2014/main" id="{FB21D837-2A07-4070-86FB-D006E0B5F205}"/>
               </a:ext>
             </a:extLst>
           </p:cNvPr>
@@ -9409,7 +9326,7 @@
           </p:nvPr>
         </p:nvPicPr>
         <p:blipFill>
-          <a:blip r:embed="rId26">
+          <a:blip r:embed="rId27">
             <a:extLst>
               <a:ext uri="{28A0092B-C50C-407E-A947-70E740481C1C}">
                 <a14:useLocalDpi xmlns:a14="http://schemas.microsoft.com/office/drawing/2010/main" val="0"/>
@@ -9422,48 +9339,8 @@
         </p:blipFill>
         <p:spPr>
           <a:xfrm>
-            <a:off x="6729788" y="3486789"/>
-            <a:ext cx="2334768" cy="254000"/>
-          </a:xfrm>
-          <a:prstGeom prst="rect">
-            <a:avLst/>
-          </a:prstGeom>
-        </p:spPr>
-      </p:pic>
-      <p:pic>
-        <p:nvPicPr>
-          <p:cNvPr id="55" name="Picture 54">
-            <a:extLst>
-              <a:ext uri="{FF2B5EF4-FFF2-40B4-BE49-F238E27FC236}">
-                <a16:creationId xmlns:a16="http://schemas.microsoft.com/office/drawing/2014/main" id="{03EDE236-D6FB-8C43-89DC-252130666A1F}"/>
-              </a:ext>
-            </a:extLst>
-          </p:cNvPr>
-          <p:cNvPicPr>
-            <a:picLocks noChangeAspect="1"/>
-          </p:cNvPicPr>
-          <p:nvPr>
-            <p:custDataLst>
-              <p:tags r:id="rId11"/>
-            </p:custDataLst>
-          </p:nvPr>
-        </p:nvPicPr>
-        <p:blipFill>
-          <a:blip r:embed="rId27">
-            <a:extLst>
-              <a:ext uri="{28A0092B-C50C-407E-A947-70E740481C1C}">
-                <a14:useLocalDpi xmlns:a14="http://schemas.microsoft.com/office/drawing/2010/main" val="0"/>
-              </a:ext>
-            </a:extLst>
-          </a:blip>
-          <a:stretch>
-            <a:fillRect/>
-          </a:stretch>
-        </p:blipFill>
-        <p:spPr>
-          <a:xfrm>
-            <a:off x="2899170" y="1602972"/>
-            <a:ext cx="461264" cy="195072"/>
+            <a:off x="1422468" y="533296"/>
+            <a:ext cx="1170286" cy="443429"/>
           </a:xfrm>
           <a:prstGeom prst="rect">
             <a:avLst/>
@@ -9484,7 +9361,7 @@
         </p:nvSpPr>
         <p:spPr>
           <a:xfrm rot="1179919">
-            <a:off x="4755983" y="1809751"/>
+            <a:off x="3581916" y="1092835"/>
             <a:ext cx="853200" cy="851374"/>
           </a:xfrm>
           <a:prstGeom prst="arc">
@@ -9538,7 +9415,7 @@
           </p:cNvPicPr>
           <p:nvPr>
             <p:custDataLst>
-              <p:tags r:id="rId12"/>
+              <p:tags r:id="rId11"/>
             </p:custDataLst>
           </p:nvPr>
         </p:nvPicPr>
@@ -9556,7 +9433,7 @@
         </p:blipFill>
         <p:spPr>
           <a:xfrm>
-            <a:off x="5686431" y="1902429"/>
+            <a:off x="4512364" y="1185513"/>
             <a:ext cx="335280" cy="178816"/>
           </a:xfrm>
           <a:prstGeom prst="rect">
@@ -9564,6 +9441,286 @@
           </a:prstGeom>
         </p:spPr>
       </p:pic>
+      <p:pic>
+        <p:nvPicPr>
+          <p:cNvPr id="45" name="그림 44">
+            <a:extLst>
+              <a:ext uri="{FF2B5EF4-FFF2-40B4-BE49-F238E27FC236}">
+                <a16:creationId xmlns:a16="http://schemas.microsoft.com/office/drawing/2014/main" id="{363031AB-D935-43BD-B2FE-A33A46176DB2}"/>
+              </a:ext>
+            </a:extLst>
+          </p:cNvPr>
+          <p:cNvPicPr>
+            <a:picLocks noChangeAspect="1"/>
+          </p:cNvPicPr>
+          <p:nvPr>
+            <p:custDataLst>
+              <p:tags r:id="rId12"/>
+            </p:custDataLst>
+          </p:nvPr>
+        </p:nvPicPr>
+        <p:blipFill>
+          <a:blip r:embed="rId29">
+            <a:extLst>
+              <a:ext uri="{28A0092B-C50C-407E-A947-70E740481C1C}">
+                <a14:useLocalDpi xmlns:a14="http://schemas.microsoft.com/office/drawing/2010/main" val="0"/>
+              </a:ext>
+            </a:extLst>
+          </a:blip>
+          <a:stretch>
+            <a:fillRect/>
+          </a:stretch>
+        </p:blipFill>
+        <p:spPr>
+          <a:xfrm>
+            <a:off x="5934966" y="2719616"/>
+            <a:ext cx="2236952" cy="274286"/>
+          </a:xfrm>
+          <a:prstGeom prst="rect">
+            <a:avLst/>
+          </a:prstGeom>
+        </p:spPr>
+      </p:pic>
+      <p:sp>
+        <p:nvSpPr>
+          <p:cNvPr id="48" name="Arc 47">
+            <a:extLst>
+              <a:ext uri="{FF2B5EF4-FFF2-40B4-BE49-F238E27FC236}">
+                <a16:creationId xmlns:a16="http://schemas.microsoft.com/office/drawing/2014/main" id="{D59DA0C6-DCFB-6C46-A0FF-A2D52D0F721E}"/>
+              </a:ext>
+            </a:extLst>
+          </p:cNvPr>
+          <p:cNvSpPr/>
+          <p:nvPr/>
+        </p:nvSpPr>
+        <p:spPr>
+          <a:xfrm rot="17855398">
+            <a:off x="890236" y="1110357"/>
+            <a:ext cx="3562889" cy="3318732"/>
+          </a:xfrm>
+          <a:prstGeom prst="arc">
+            <a:avLst>
+              <a:gd name="adj1" fmla="val 15423850"/>
+              <a:gd name="adj2" fmla="val 1135230"/>
+            </a:avLst>
+          </a:prstGeom>
+          <a:ln w="38100">
+            <a:solidFill>
+              <a:schemeClr val="tx1"/>
+            </a:solidFill>
+            <a:headEnd type="none" w="med" len="med"/>
+            <a:tailEnd type="triangle" w="med" len="med"/>
+          </a:ln>
+        </p:spPr>
+        <p:style>
+          <a:lnRef idx="1">
+            <a:schemeClr val="dk1"/>
+          </a:lnRef>
+          <a:fillRef idx="0">
+            <a:schemeClr val="dk1"/>
+          </a:fillRef>
+          <a:effectRef idx="0">
+            <a:schemeClr val="dk1"/>
+          </a:effectRef>
+          <a:fontRef idx="minor">
+            <a:schemeClr val="tx1"/>
+          </a:fontRef>
+        </p:style>
+        <p:txBody>
+          <a:bodyPr rtlCol="0" anchor="ctr"/>
+          <a:lstStyle/>
+          <a:p>
+            <a:pPr algn="ctr"/>
+            <a:endParaRPr lang="en-KR"/>
+          </a:p>
+        </p:txBody>
+      </p:sp>
+      <p:pic>
+        <p:nvPicPr>
+          <p:cNvPr id="56" name="그림 55">
+            <a:extLst>
+              <a:ext uri="{FF2B5EF4-FFF2-40B4-BE49-F238E27FC236}">
+                <a16:creationId xmlns:a16="http://schemas.microsoft.com/office/drawing/2014/main" id="{3874D4AD-1228-48B2-8BC8-80A34F2084C5}"/>
+              </a:ext>
+            </a:extLst>
+          </p:cNvPr>
+          <p:cNvPicPr>
+            <a:picLocks noChangeAspect="1"/>
+          </p:cNvPicPr>
+          <p:nvPr>
+            <p:custDataLst>
+              <p:tags r:id="rId13"/>
+            </p:custDataLst>
+          </p:nvPr>
+        </p:nvPicPr>
+        <p:blipFill>
+          <a:blip r:embed="rId30">
+            <a:extLst>
+              <a:ext uri="{28A0092B-C50C-407E-A947-70E740481C1C}">
+                <a14:useLocalDpi xmlns:a14="http://schemas.microsoft.com/office/drawing/2010/main" val="0"/>
+              </a:ext>
+            </a:extLst>
+          </a:blip>
+          <a:stretch>
+            <a:fillRect/>
+          </a:stretch>
+        </p:blipFill>
+        <p:spPr>
+          <a:xfrm>
+            <a:off x="8936264" y="2403623"/>
+            <a:ext cx="2848000" cy="254476"/>
+          </a:xfrm>
+          <a:prstGeom prst="rect">
+            <a:avLst/>
+          </a:prstGeom>
+        </p:spPr>
+      </p:pic>
+      <p:sp>
+        <p:nvSpPr>
+          <p:cNvPr id="78" name="직사각형 77">
+            <a:extLst>
+              <a:ext uri="{FF2B5EF4-FFF2-40B4-BE49-F238E27FC236}">
+                <a16:creationId xmlns:a16="http://schemas.microsoft.com/office/drawing/2014/main" id="{499BEF72-B974-4CBA-9CEC-F617E17671A8}"/>
+              </a:ext>
+            </a:extLst>
+          </p:cNvPr>
+          <p:cNvSpPr/>
+          <p:nvPr/>
+        </p:nvSpPr>
+        <p:spPr>
+          <a:xfrm>
+            <a:off x="8862009" y="2343020"/>
+            <a:ext cx="2988000" cy="359249"/>
+          </a:xfrm>
+          <a:prstGeom prst="rect">
+            <a:avLst/>
+          </a:prstGeom>
+          <a:noFill/>
+          <a:ln w="28575">
+            <a:solidFill>
+              <a:srgbClr val="114AFF"/>
+            </a:solidFill>
+          </a:ln>
+        </p:spPr>
+        <p:style>
+          <a:lnRef idx="2">
+            <a:schemeClr val="accent1">
+              <a:shade val="50000"/>
+            </a:schemeClr>
+          </a:lnRef>
+          <a:fillRef idx="1">
+            <a:schemeClr val="accent1"/>
+          </a:fillRef>
+          <a:effectRef idx="0">
+            <a:schemeClr val="accent1"/>
+          </a:effectRef>
+          <a:fontRef idx="minor">
+            <a:schemeClr val="lt1"/>
+          </a:fontRef>
+        </p:style>
+        <p:txBody>
+          <a:bodyPr rtlCol="0" anchor="ctr"/>
+          <a:lstStyle/>
+          <a:p>
+            <a:pPr algn="ctr"/>
+            <a:endParaRPr lang="ko-KR" altLang="en-US">
+              <a:solidFill>
+                <a:srgbClr val="114AFF"/>
+              </a:solidFill>
+            </a:endParaRPr>
+          </a:p>
+        </p:txBody>
+      </p:sp>
+      <p:sp>
+        <p:nvSpPr>
+          <p:cNvPr id="79" name="TextBox 78">
+            <a:extLst>
+              <a:ext uri="{FF2B5EF4-FFF2-40B4-BE49-F238E27FC236}">
+                <a16:creationId xmlns:a16="http://schemas.microsoft.com/office/drawing/2014/main" id="{3CF3B848-711F-4D3F-8AB3-71B55F0BA80F}"/>
+              </a:ext>
+            </a:extLst>
+          </p:cNvPr>
+          <p:cNvSpPr txBox="1"/>
+          <p:nvPr/>
+        </p:nvSpPr>
+        <p:spPr>
+          <a:xfrm>
+            <a:off x="8551593" y="2675673"/>
+            <a:ext cx="3617342" cy="369332"/>
+          </a:xfrm>
+          <a:prstGeom prst="rect">
+            <a:avLst/>
+          </a:prstGeom>
+          <a:noFill/>
+        </p:spPr>
+        <p:txBody>
+          <a:bodyPr wrap="square" rtlCol="0">
+            <a:spAutoFit/>
+          </a:bodyPr>
+          <a:lstStyle/>
+          <a:p>
+            <a:pPr algn="ctr"/>
+            <a:r>
+              <a:rPr lang="en-US" altLang="ko-KR" dirty="0">
+                <a:solidFill>
+                  <a:srgbClr val="114AFF"/>
+                </a:solidFill>
+              </a:rPr>
+              <a:t>Actual acceleration (Want to know)</a:t>
+            </a:r>
+            <a:endParaRPr lang="ko-KR" altLang="en-US" dirty="0">
+              <a:solidFill>
+                <a:srgbClr val="114AFF"/>
+              </a:solidFill>
+            </a:endParaRPr>
+          </a:p>
+        </p:txBody>
+      </p:sp>
+      <p:cxnSp>
+        <p:nvCxnSpPr>
+          <p:cNvPr id="65" name="연결선: 꺾임 64">
+            <a:extLst>
+              <a:ext uri="{FF2B5EF4-FFF2-40B4-BE49-F238E27FC236}">
+                <a16:creationId xmlns:a16="http://schemas.microsoft.com/office/drawing/2014/main" id="{F6E3378C-FAEC-49D8-9662-56B8DB18E2FA}"/>
+              </a:ext>
+            </a:extLst>
+          </p:cNvPr>
+          <p:cNvCxnSpPr>
+            <a:stCxn id="45" idx="3"/>
+            <a:endCxn id="78" idx="1"/>
+          </p:cNvCxnSpPr>
+          <p:nvPr/>
+        </p:nvCxnSpPr>
+        <p:spPr>
+          <a:xfrm flipV="1">
+            <a:off x="8171918" y="2522645"/>
+            <a:ext cx="690091" cy="334114"/>
+          </a:xfrm>
+          <a:prstGeom prst="bentConnector3">
+            <a:avLst/>
+          </a:prstGeom>
+          <a:ln w="38100">
+            <a:solidFill>
+              <a:schemeClr val="tx1"/>
+            </a:solidFill>
+            <a:tailEnd type="triangle"/>
+          </a:ln>
+        </p:spPr>
+        <p:style>
+          <a:lnRef idx="1">
+            <a:schemeClr val="accent1"/>
+          </a:lnRef>
+          <a:fillRef idx="0">
+            <a:schemeClr val="accent1"/>
+          </a:fillRef>
+          <a:effectRef idx="0">
+            <a:schemeClr val="accent1"/>
+          </a:effectRef>
+          <a:fontRef idx="minor">
+            <a:schemeClr val="tx1"/>
+          </a:fontRef>
+        </p:style>
+      </p:cxnSp>
     </p:spTree>
     <p:extLst>
       <p:ext uri="{BB962C8B-B14F-4D97-AF65-F5344CB8AC3E}">
@@ -16004,14 +16161,15 @@
 <file path=ppt/tags/tag10.xml><?xml version="1.0" encoding="utf-8"?>
 <p:tagLst xmlns:a="http://schemas.openxmlformats.org/drawingml/2006/main" xmlns:r="http://schemas.openxmlformats.org/officeDocument/2006/relationships" xmlns:p="http://schemas.openxmlformats.org/presentationml/2006/main">
   <p:tag name="OUTPUTDPI" val="1200"/>
-  <p:tag name="ORIGINALHEIGHT" val="125"/>
-  <p:tag name="ORIGINALWIDTH" val="1149"/>
-  <p:tag name="LATEXADDIN" val="\documentclass{article}&#10;\usepackage{amsmath}&#10;\usepackage{amssymb}&#10;\pagestyle{empty}&#10;\begin{document}&#10;&#10;\centering&#10;$=[6.936, \; 0,  \; -6.936]^{\intercal}$&#10;&#10;\end{document}"/>
+  <p:tag name="ORIGINALHEIGHT" val="218.2228"/>
+  <p:tag name="ORIGINALWIDTH" val="575.928"/>
+  <p:tag name="LATEXADDIN" val="\documentclass{article}&#10;\usepackage{amsmath}&#10;\pagestyle{empty}&#10;\begin{document}&#10;\centering&#10;&#10;$\mathtt{R}_{\text{WB}}$&#10;&#10;\footnotesize{(B w.r.t. W)}&#10;&#10;&#10;\end{document}"/>
   <p:tag name="IGUANATEXSIZE" val="20"/>
-  <p:tag name="IGUANATEXCURSOR" val="121"/>
+  <p:tag name="IGUANATEXCURSOR" val="145"/>
   <p:tag name="TRANSPARENCY" val="True"/>
+  <p:tag name="FILENAME" val=""/>
   <p:tag name="LATEXENGINEID" val="0"/>
-  <p:tag name="TEMPFOLDER" val="/private/var/folders/wh/6xq4nzn968z6nmj8vyhb88hc0000gn/T/com.microsoft.Powerpoint/TemporaryItems/"/>
+  <p:tag name="TEMPFOLDER" val="c:\temp\"/>
   <p:tag name="LATEXFORMHEIGHT" val="312"/>
   <p:tag name="LATEXFORMWIDTH" val="384"/>
   <p:tag name="LATEXFORMWRAP" val="True"/>
@@ -16020,24 +16178,6 @@
 </file>
 
 <file path=ppt/tags/tag11.xml><?xml version="1.0" encoding="utf-8"?>
-<p:tagLst xmlns:a="http://schemas.openxmlformats.org/drawingml/2006/main" xmlns:r="http://schemas.openxmlformats.org/officeDocument/2006/relationships" xmlns:p="http://schemas.openxmlformats.org/presentationml/2006/main">
-  <p:tag name="OUTPUTDPI" val="1200"/>
-  <p:tag name="ORIGINALHEIGHT" val="96"/>
-  <p:tag name="ORIGINALWIDTH" val="227"/>
-  <p:tag name="LATEXADDIN" val="\documentclass{article}&#10;\usepackage{amsmath}&#10;\pagestyle{empty}&#10;\begin{document}&#10;&#10;$\mathtt{R}_{\text{WB}}$&#10;&#10;&#10;\end{document}"/>
-  <p:tag name="IGUANATEXSIZE" val="20"/>
-  <p:tag name="IGUANATEXCURSOR" val="102"/>
-  <p:tag name="TRANSPARENCY" val="True"/>
-  <p:tag name="LATEXENGINEID" val="0"/>
-  <p:tag name="TEMPFOLDER" val="/private/var/folders/wh/6xq4nzn968z6nmj8vyhb88hc0000gn/T/com.microsoft.Powerpoint/TemporaryItems/"/>
-  <p:tag name="LATEXFORMHEIGHT" val="312"/>
-  <p:tag name="LATEXFORMWIDTH" val="384"/>
-  <p:tag name="LATEXFORMWRAP" val="True"/>
-  <p:tag name="BITMAPVECTOR" val="0"/>
-</p:tagLst>
-</file>
-
-<file path=ppt/tags/tag12.xml><?xml version="1.0" encoding="utf-8"?>
 <p:tagLst xmlns:a="http://schemas.openxmlformats.org/drawingml/2006/main" xmlns:r="http://schemas.openxmlformats.org/officeDocument/2006/relationships" xmlns:p="http://schemas.openxmlformats.org/presentationml/2006/main">
   <p:tag name="OUTPUTDPI" val="1200"/>
   <p:tag name="ORIGINALHEIGHT" val="88"/>
@@ -16055,7 +16195,45 @@
 </p:tagLst>
 </file>
 
+<file path=ppt/tags/tag12.xml><?xml version="1.0" encoding="utf-8"?>
+<p:tagLst xmlns:a="http://schemas.openxmlformats.org/drawingml/2006/main" xmlns:r="http://schemas.openxmlformats.org/officeDocument/2006/relationships" xmlns:p="http://schemas.openxmlformats.org/presentationml/2006/main">
+  <p:tag name="OUTPUTDPI" val="1200"/>
+  <p:tag name="ORIGINALHEIGHT" val="134.9832"/>
+  <p:tag name="ORIGINALWIDTH" val="1100.862"/>
+  <p:tag name="LATEXADDIN" val="\documentclass{article}&#10;\usepackage{amsmath}&#10;\usepackage{amssymb}&#10;\pagestyle{empty}&#10;\begin{document}&#10;&#10;\centering&#10;$={\mathtt{R}_{\text{WB}}^\intercal}({_\text{W}\mathbf{a}(t) - {_\text{W}\mathbf{g}})}$&#10;&#10;\end{document}"/>
+  <p:tag name="IGUANATEXSIZE" val="20"/>
+  <p:tag name="IGUANATEXCURSOR" val="114"/>
+  <p:tag name="TRANSPARENCY" val="True"/>
+  <p:tag name="FILENAME" val=""/>
+  <p:tag name="LATEXENGINEID" val="0"/>
+  <p:tag name="TEMPFOLDER" val="c:\temp\"/>
+  <p:tag name="LATEXFORMHEIGHT" val="312"/>
+  <p:tag name="LATEXFORMWIDTH" val="384"/>
+  <p:tag name="LATEXFORMWRAP" val="True"/>
+  <p:tag name="BITMAPVECTOR" val="0"/>
+</p:tagLst>
+</file>
+
 <file path=ppt/tags/tag13.xml><?xml version="1.0" encoding="utf-8"?>
+<p:tagLst xmlns:a="http://schemas.openxmlformats.org/drawingml/2006/main" xmlns:r="http://schemas.openxmlformats.org/officeDocument/2006/relationships" xmlns:p="http://schemas.openxmlformats.org/presentationml/2006/main">
+  <p:tag name="OUTPUTDPI" val="1200"/>
+  <p:tag name="ORIGINALHEIGHT" val="125.2343"/>
+  <p:tag name="ORIGINALWIDTH" val="1401.575"/>
+  <p:tag name="LATEXADDIN" val="\documentclass{article}&#10;\usepackage{amsmath}&#10;\usepackage{amssymb}&#10;\pagestyle{empty}&#10;\begin{document}&#10;&#10;\centering&#10;$\therefore {_\text{W}\mathbf{a}(t)}=[9.81, \; 0,  \; 9.81]^{\intercal}$&#10;&#10;\end{document}"/>
+  <p:tag name="IGUANATEXSIZE" val="20"/>
+  <p:tag name="IGUANATEXCURSOR" val="125"/>
+  <p:tag name="TRANSPARENCY" val="True"/>
+  <p:tag name="FILENAME" val=""/>
+  <p:tag name="LATEXENGINEID" val="0"/>
+  <p:tag name="TEMPFOLDER" val="c:\temp\"/>
+  <p:tag name="LATEXFORMHEIGHT" val="312"/>
+  <p:tag name="LATEXFORMWIDTH" val="384"/>
+  <p:tag name="LATEXFORMWRAP" val="True"/>
+  <p:tag name="BITMAPVECTOR" val="0"/>
+</p:tagLst>
+</file>
+
+<file path=ppt/tags/tag14.xml><?xml version="1.0" encoding="utf-8"?>
 <p:tagLst xmlns:a="http://schemas.openxmlformats.org/drawingml/2006/main" xmlns:r="http://schemas.openxmlformats.org/officeDocument/2006/relationships" xmlns:p="http://schemas.openxmlformats.org/presentationml/2006/main">
   <p:tag name="OUTPUTDPI" val="1200"/>
   <p:tag name="ORIGINALHEIGHT" val="125.2343"/>
@@ -16074,7 +16252,7 @@
 </p:tagLst>
 </file>
 
-<file path=ppt/tags/tag14.xml><?xml version="1.0" encoding="utf-8"?>
+<file path=ppt/tags/tag15.xml><?xml version="1.0" encoding="utf-8"?>
 <p:tagLst xmlns:a="http://schemas.openxmlformats.org/drawingml/2006/main" xmlns:r="http://schemas.openxmlformats.org/officeDocument/2006/relationships" xmlns:p="http://schemas.openxmlformats.org/presentationml/2006/main">
   <p:tag name="OUTPUTDPI" val="1200"/>
   <p:tag name="ORIGINALHEIGHT" val="125.2343"/>
@@ -16093,7 +16271,7 @@
 </p:tagLst>
 </file>
 
-<file path=ppt/tags/tag15.xml><?xml version="1.0" encoding="utf-8"?>
+<file path=ppt/tags/tag16.xml><?xml version="1.0" encoding="utf-8"?>
 <p:tagLst xmlns:a="http://schemas.openxmlformats.org/drawingml/2006/main" xmlns:r="http://schemas.openxmlformats.org/officeDocument/2006/relationships" xmlns:p="http://schemas.openxmlformats.org/presentationml/2006/main">
   <p:tag name="OUTPUTDPI" val="1200"/>
   <p:tag name="ORIGINALHEIGHT" val="125.9843"/>
@@ -16112,7 +16290,7 @@
 </p:tagLst>
 </file>
 
-<file path=ppt/tags/tag16.xml><?xml version="1.0" encoding="utf-8"?>
+<file path=ppt/tags/tag17.xml><?xml version="1.0" encoding="utf-8"?>
 <p:tagLst xmlns:a="http://schemas.openxmlformats.org/drawingml/2006/main" xmlns:r="http://schemas.openxmlformats.org/officeDocument/2006/relationships" xmlns:p="http://schemas.openxmlformats.org/presentationml/2006/main">
   <p:tag name="OUTPUTDPI" val="1200"/>
   <p:tag name="ORIGINALHEIGHT" val="87.73905"/>
@@ -16131,7 +16309,7 @@
 </p:tagLst>
 </file>
 
-<file path=ppt/tags/tag17.xml><?xml version="1.0" encoding="utf-8"?>
+<file path=ppt/tags/tag18.xml><?xml version="1.0" encoding="utf-8"?>
 <p:tagLst xmlns:a="http://schemas.openxmlformats.org/drawingml/2006/main" xmlns:r="http://schemas.openxmlformats.org/officeDocument/2006/relationships" xmlns:p="http://schemas.openxmlformats.org/presentationml/2006/main">
   <p:tag name="OUTPUTDPI" val="1200"/>
   <p:tag name="ORIGINALHEIGHT" val="111.7361"/>
@@ -16150,7 +16328,7 @@
 </p:tagLst>
 </file>
 
-<file path=ppt/tags/tag18.xml><?xml version="1.0" encoding="utf-8"?>
+<file path=ppt/tags/tag19.xml><?xml version="1.0" encoding="utf-8"?>
 <p:tagLst xmlns:a="http://schemas.openxmlformats.org/drawingml/2006/main" xmlns:r="http://schemas.openxmlformats.org/officeDocument/2006/relationships" xmlns:p="http://schemas.openxmlformats.org/presentationml/2006/main">
   <p:tag name="OUTPUTDPI" val="1200"/>
   <p:tag name="ORIGINALHEIGHT" val="111.7361"/>
@@ -16158,25 +16336,6 @@
   <p:tag name="LATEXADDIN" val="\documentclass{article}&#10;\usepackage{amsmath}&#10;\pagestyle{empty}&#10;\begin{document}&#10;&#10;World frame, $\mathrm{W}$&#10;&#10;&#10;\end{document}"/>
   <p:tag name="IGUANATEXSIZE" val="20"/>
   <p:tag name="IGUANATEXCURSOR" val="92"/>
-  <p:tag name="TRANSPARENCY" val="True"/>
-  <p:tag name="FILENAME" val=""/>
-  <p:tag name="LATEXENGINEID" val="0"/>
-  <p:tag name="TEMPFOLDER" val="c:\temp\"/>
-  <p:tag name="LATEXFORMHEIGHT" val="312"/>
-  <p:tag name="LATEXFORMWIDTH" val="384"/>
-  <p:tag name="LATEXFORMWRAP" val="True"/>
-  <p:tag name="BITMAPVECTOR" val="0"/>
-</p:tagLst>
-</file>
-
-<file path=ppt/tags/tag19.xml><?xml version="1.0" encoding="utf-8"?>
-<p:tagLst xmlns:a="http://schemas.openxmlformats.org/drawingml/2006/main" xmlns:r="http://schemas.openxmlformats.org/officeDocument/2006/relationships" xmlns:p="http://schemas.openxmlformats.org/presentationml/2006/main">
-  <p:tag name="OUTPUTDPI" val="1200"/>
-  <p:tag name="ORIGINALHEIGHT" val="113.2358"/>
-  <p:tag name="ORIGINALWIDTH" val="791.901"/>
-  <p:tag name="LATEXADDIN" val="\documentclass{article}&#10;\usepackage{amsmath}&#10;\pagestyle{empty}&#10;\begin{document}&#10;&#10;Body frame, $\mathrm{B}$&#10;&#10;&#10;\end{document}"/>
-  <p:tag name="IGUANATEXSIZE" val="20"/>
-  <p:tag name="IGUANATEXCURSOR" val="103"/>
   <p:tag name="TRANSPARENCY" val="True"/>
   <p:tag name="FILENAME" val=""/>
   <p:tag name="LATEXENGINEID" val="0"/>
@@ -16210,6 +16369,25 @@
 <file path=ppt/tags/tag20.xml><?xml version="1.0" encoding="utf-8"?>
 <p:tagLst xmlns:a="http://schemas.openxmlformats.org/drawingml/2006/main" xmlns:r="http://schemas.openxmlformats.org/officeDocument/2006/relationships" xmlns:p="http://schemas.openxmlformats.org/presentationml/2006/main">
   <p:tag name="OUTPUTDPI" val="1200"/>
+  <p:tag name="ORIGINALHEIGHT" val="113.2358"/>
+  <p:tag name="ORIGINALWIDTH" val="791.901"/>
+  <p:tag name="LATEXADDIN" val="\documentclass{article}&#10;\usepackage{amsmath}&#10;\pagestyle{empty}&#10;\begin{document}&#10;&#10;Body frame, $\mathrm{B}$&#10;&#10;&#10;\end{document}"/>
+  <p:tag name="IGUANATEXSIZE" val="20"/>
+  <p:tag name="IGUANATEXCURSOR" val="103"/>
+  <p:tag name="TRANSPARENCY" val="True"/>
+  <p:tag name="FILENAME" val=""/>
+  <p:tag name="LATEXENGINEID" val="0"/>
+  <p:tag name="TEMPFOLDER" val="c:\temp\"/>
+  <p:tag name="LATEXFORMHEIGHT" val="312"/>
+  <p:tag name="LATEXFORMWIDTH" val="384"/>
+  <p:tag name="LATEXFORMWRAP" val="True"/>
+  <p:tag name="BITMAPVECTOR" val="0"/>
+</p:tagLst>
+</file>
+
+<file path=ppt/tags/tag21.xml><?xml version="1.0" encoding="utf-8"?>
+<p:tagLst xmlns:a="http://schemas.openxmlformats.org/drawingml/2006/main" xmlns:r="http://schemas.openxmlformats.org/officeDocument/2006/relationships" xmlns:p="http://schemas.openxmlformats.org/presentationml/2006/main">
+  <p:tag name="OUTPUTDPI" val="1200"/>
   <p:tag name="ORIGINALHEIGHT" val="87.73905"/>
   <p:tag name="ORIGINALWIDTH" val="56.99291"/>
   <p:tag name="LATEXADDIN" val="\documentclass{article}&#10;\usepackage{amsmath}&#10;\pagestyle{empty}&#10;\begin{document}&#10;&#10;$k$&#10;&#10;&#10;\end{document}"/>
@@ -16226,7 +16404,7 @@
 </p:tagLst>
 </file>
 
-<file path=ppt/tags/tag21.xml><?xml version="1.0" encoding="utf-8"?>
+<file path=ppt/tags/tag22.xml><?xml version="1.0" encoding="utf-8"?>
 <p:tagLst xmlns:a="http://schemas.openxmlformats.org/drawingml/2006/main" xmlns:r="http://schemas.openxmlformats.org/officeDocument/2006/relationships" xmlns:p="http://schemas.openxmlformats.org/presentationml/2006/main">
   <p:tag name="OUTPUTDPI" val="1200"/>
   <p:tag name="ORIGINALHEIGHT" val="96.73788"/>
@@ -16245,7 +16423,7 @@
 </p:tagLst>
 </file>
 
-<file path=ppt/tags/tag22.xml><?xml version="1.0" encoding="utf-8"?>
+<file path=ppt/tags/tag23.xml><?xml version="1.0" encoding="utf-8"?>
 <p:tagLst xmlns:a="http://schemas.openxmlformats.org/drawingml/2006/main" xmlns:r="http://schemas.openxmlformats.org/officeDocument/2006/relationships" xmlns:p="http://schemas.openxmlformats.org/presentationml/2006/main">
   <p:tag name="OUTPUTDPI" val="1200"/>
   <p:tag name="ORIGINALHEIGHT" val="684.6644"/>
@@ -16264,7 +16442,7 @@
 </p:tagLst>
 </file>
 
-<file path=ppt/tags/tag23.xml><?xml version="1.0" encoding="utf-8"?>
+<file path=ppt/tags/tag24.xml><?xml version="1.0" encoding="utf-8"?>
 <p:tagLst xmlns:a="http://schemas.openxmlformats.org/drawingml/2006/main" xmlns:r="http://schemas.openxmlformats.org/officeDocument/2006/relationships" xmlns:p="http://schemas.openxmlformats.org/presentationml/2006/main">
   <p:tag name="OUTPUTDPI" val="1200"/>
   <p:tag name="ORIGINALHEIGHT" val="224.222"/>
@@ -16283,7 +16461,7 @@
 </p:tagLst>
 </file>
 
-<file path=ppt/tags/tag24.xml><?xml version="1.0" encoding="utf-8"?>
+<file path=ppt/tags/tag25.xml><?xml version="1.0" encoding="utf-8"?>
 <p:tagLst xmlns:a="http://schemas.openxmlformats.org/drawingml/2006/main" xmlns:r="http://schemas.openxmlformats.org/officeDocument/2006/relationships" xmlns:p="http://schemas.openxmlformats.org/presentationml/2006/main">
   <p:tag name="OUTPUTDPI" val="1200"/>
   <p:tag name="ORIGINALHEIGHT" val="141.7323"/>
@@ -16302,7 +16480,7 @@
 </p:tagLst>
 </file>
 
-<file path=ppt/tags/tag25.xml><?xml version="1.0" encoding="utf-8"?>
+<file path=ppt/tags/tag26.xml><?xml version="1.0" encoding="utf-8"?>
 <p:tagLst xmlns:a="http://schemas.openxmlformats.org/drawingml/2006/main" xmlns:r="http://schemas.openxmlformats.org/officeDocument/2006/relationships" xmlns:p="http://schemas.openxmlformats.org/presentationml/2006/main">
   <p:tag name="OUTPUTDPI" val="1200"/>
   <p:tag name="ORIGINALHEIGHT" val="142.4822"/>
@@ -16321,7 +16499,7 @@
 </p:tagLst>
 </file>
 
-<file path=ppt/tags/tag26.xml><?xml version="1.0" encoding="utf-8"?>
+<file path=ppt/tags/tag27.xml><?xml version="1.0" encoding="utf-8"?>
 <p:tagLst xmlns:a="http://schemas.openxmlformats.org/drawingml/2006/main" xmlns:r="http://schemas.openxmlformats.org/officeDocument/2006/relationships" xmlns:p="http://schemas.openxmlformats.org/presentationml/2006/main">
   <p:tag name="OUTPUTDPI" val="1200"/>
   <p:tag name="ORIGINALHEIGHT" val="142.4822"/>
@@ -16340,7 +16518,7 @@
 </p:tagLst>
 </file>
 
-<file path=ppt/tags/tag27.xml><?xml version="1.0" encoding="utf-8"?>
+<file path=ppt/tags/tag28.xml><?xml version="1.0" encoding="utf-8"?>
 <p:tagLst xmlns:a="http://schemas.openxmlformats.org/drawingml/2006/main" xmlns:r="http://schemas.openxmlformats.org/officeDocument/2006/relationships" xmlns:p="http://schemas.openxmlformats.org/presentationml/2006/main">
   <p:tag name="OUTPUTDPI" val="1200"/>
   <p:tag name="ORIGINALHEIGHT" val="224.222"/>
@@ -16359,7 +16537,7 @@
 </p:tagLst>
 </file>
 
-<file path=ppt/tags/tag28.xml><?xml version="1.0" encoding="utf-8"?>
+<file path=ppt/tags/tag29.xml><?xml version="1.0" encoding="utf-8"?>
 <p:tagLst xmlns:a="http://schemas.openxmlformats.org/drawingml/2006/main" xmlns:r="http://schemas.openxmlformats.org/officeDocument/2006/relationships" xmlns:p="http://schemas.openxmlformats.org/presentationml/2006/main">
   <p:tag name="OUTPUTDPI" val="1200"/>
   <p:tag name="ORIGINALHEIGHT" val="224.222"/>
@@ -16367,25 +16545,6 @@
   <p:tag name="LATEXADDIN" val="\documentclass{article}&#10;\usepackage{amsmath}&#10;\usepackage{amssymb}&#10;\pagestyle{empty}&#10;\begin{document}&#10;&#10;=$\Delta \tilde{\mathtt{R}}_{i,i+1} \operatorname{Exp}\left(-\mathrm{J}_{r}^{i} \boldsymbol{\eta}_{i}^{g d} \Delta t\right) \cdots&#10;\Delta \tilde{\mathtt{R}}_{j-2,j} \operatorname{Exp}\left(-\Delta \tilde{\mathtt{R}}_{j-1,j}^{\intercal} \mathrm{J}_{r}^{j-2} \boldsymbol{\eta}_{j-2}^{g d} \Delta t\right) &#10;\operatorname{Exp}\left(-\mathrm{J}_{r}^{j-1} \boldsymbol{\eta}_{j-1}^{g d} \Delta t\right)$&#10;&#10;&#10;\end{document}"/>
   <p:tag name="IGUANATEXSIZE" val="20"/>
   <p:tag name="IGUANATEXCURSOR" val="264"/>
-  <p:tag name="TRANSPARENCY" val="True"/>
-  <p:tag name="FILENAME" val=""/>
-  <p:tag name="LATEXENGINEID" val="0"/>
-  <p:tag name="TEMPFOLDER" val="c:\temp\"/>
-  <p:tag name="LATEXFORMHEIGHT" val="312"/>
-  <p:tag name="LATEXFORMWIDTH" val="384"/>
-  <p:tag name="LATEXFORMWRAP" val="True"/>
-  <p:tag name="BITMAPVECTOR" val="0"/>
-</p:tagLst>
-</file>
-
-<file path=ppt/tags/tag29.xml><?xml version="1.0" encoding="utf-8"?>
-<p:tagLst xmlns:a="http://schemas.openxmlformats.org/drawingml/2006/main" xmlns:r="http://schemas.openxmlformats.org/officeDocument/2006/relationships" xmlns:p="http://schemas.openxmlformats.org/presentationml/2006/main">
-  <p:tag name="OUTPUTDPI" val="1200"/>
-  <p:tag name="ORIGINALHEIGHT" val="224.222"/>
-  <p:tag name="ORIGINALWIDTH" val="6920.135"/>
-  <p:tag name="LATEXADDIN" val="\documentclass{article}&#10;\usepackage{amsmath}&#10;\usepackage{amssymb}&#10;\pagestyle{empty}&#10;\begin{document}&#10;&#10;=$\Delta \tilde{\mathtt{R}}_{i,i+1} \operatorname{Exp}\left(-\mathrm{J}_{r}^{i} \boldsymbol{\eta}_{i}^{g d} \Delta t\right) \cdots&#10;\Delta \tilde{\mathtt{R}}_{j-3,j-2}&#10;\Delta \tilde{\mathtt{R}}_{j-2,j} &#10;\operatorname{Exp}\left(-\Delta \tilde{\mathtt{R}}_{j-2,j}^{\intercal} \mathrm{J}_{r}^{j-3} \boldsymbol{\eta}_{j-3}^{g d} \Delta t\right) &#10;\operatorname{Exp}\left(-\Delta \tilde{\mathtt{R}}_{j-1,j}^{\intercal} \mathrm{J}_{r}^{j-2} \boldsymbol{\eta}_{j-2}^{g d} \Delta t\right) &#10;\operatorname{Exp}\left(-\mathrm{J}_{r}^{j-1} \boldsymbol{\eta}_{j-1}^{g d} \Delta t\right)$&#10;&#10;&#10;\end{document}"/>
-  <p:tag name="IGUANATEXSIZE" val="20"/>
-  <p:tag name="IGUANATEXCURSOR" val="418"/>
   <p:tag name="TRANSPARENCY" val="True"/>
   <p:tag name="FILENAME" val=""/>
   <p:tag name="LATEXENGINEID" val="0"/>
@@ -16420,6 +16579,25 @@
 <p:tagLst xmlns:a="http://schemas.openxmlformats.org/drawingml/2006/main" xmlns:r="http://schemas.openxmlformats.org/officeDocument/2006/relationships" xmlns:p="http://schemas.openxmlformats.org/presentationml/2006/main">
   <p:tag name="OUTPUTDPI" val="1200"/>
   <p:tag name="ORIGINALHEIGHT" val="224.222"/>
+  <p:tag name="ORIGINALWIDTH" val="6920.135"/>
+  <p:tag name="LATEXADDIN" val="\documentclass{article}&#10;\usepackage{amsmath}&#10;\usepackage{amssymb}&#10;\pagestyle{empty}&#10;\begin{document}&#10;&#10;=$\Delta \tilde{\mathtt{R}}_{i,i+1} \operatorname{Exp}\left(-\mathrm{J}_{r}^{i} \boldsymbol{\eta}_{i}^{g d} \Delta t\right) \cdots&#10;\Delta \tilde{\mathtt{R}}_{j-3,j-2}&#10;\Delta \tilde{\mathtt{R}}_{j-2,j} &#10;\operatorname{Exp}\left(-\Delta \tilde{\mathtt{R}}_{j-2,j}^{\intercal} \mathrm{J}_{r}^{j-3} \boldsymbol{\eta}_{j-3}^{g d} \Delta t\right) &#10;\operatorname{Exp}\left(-\Delta \tilde{\mathtt{R}}_{j-1,j}^{\intercal} \mathrm{J}_{r}^{j-2} \boldsymbol{\eta}_{j-2}^{g d} \Delta t\right) &#10;\operatorname{Exp}\left(-\mathrm{J}_{r}^{j-1} \boldsymbol{\eta}_{j-1}^{g d} \Delta t\right)$&#10;&#10;&#10;\end{document}"/>
+  <p:tag name="IGUANATEXSIZE" val="20"/>
+  <p:tag name="IGUANATEXCURSOR" val="418"/>
+  <p:tag name="TRANSPARENCY" val="True"/>
+  <p:tag name="FILENAME" val=""/>
+  <p:tag name="LATEXENGINEID" val="0"/>
+  <p:tag name="TEMPFOLDER" val="c:\temp\"/>
+  <p:tag name="LATEXFORMHEIGHT" val="312"/>
+  <p:tag name="LATEXFORMWIDTH" val="384"/>
+  <p:tag name="LATEXFORMWRAP" val="True"/>
+  <p:tag name="BITMAPVECTOR" val="0"/>
+</p:tagLst>
+</file>
+
+<file path=ppt/tags/tag31.xml><?xml version="1.0" encoding="utf-8"?>
+<p:tagLst xmlns:a="http://schemas.openxmlformats.org/drawingml/2006/main" xmlns:r="http://schemas.openxmlformats.org/officeDocument/2006/relationships" xmlns:p="http://schemas.openxmlformats.org/presentationml/2006/main">
+  <p:tag name="OUTPUTDPI" val="1200"/>
+  <p:tag name="ORIGINALHEIGHT" val="224.222"/>
   <p:tag name="ORIGINALWIDTH" val="6368.204"/>
   <p:tag name="LATEXADDIN" val="\documentclass{article}&#10;\usepackage{amsmath}&#10;\usepackage{amssymb}&#10;\pagestyle{empty}&#10;\begin{document}&#10;&#10;=$\Delta \tilde{\mathtt{R}}_{i,i+1} \operatorname{Exp}\left(-\mathrm{J}_{r}^{i} \boldsymbol{\eta}_{i}^{g d} \Delta t\right) \cdots&#10;\Delta \tilde{\mathtt{R}}_{j-3,j} &#10;\operatorname{Exp}\left(-\Delta \tilde{\mathtt{R}}_{j-2,j}^{\intercal} \mathrm{J}_{r}^{j-3} \boldsymbol{\eta}_{j-3}^{g d} \Delta t\right) &#10;\operatorname{Exp}\left(-\Delta \tilde{\mathtt{R}}_{j-1,j}^{\intercal} \mathrm{J}_{r}^{j-2} \boldsymbol{\eta}_{j-2}^{g d} \Delta t\right) &#10;\operatorname{Exp}\left(-\mathrm{J}_{r}^{j-1} \boldsymbol{\eta}_{j-1}^{g d} \Delta t\right)$&#10;&#10;&#10;\end{document}"/>
   <p:tag name="IGUANATEXSIZE" val="20"/>
@@ -16435,7 +16613,7 @@
 </p:tagLst>
 </file>
 
-<file path=ppt/tags/tag31.xml><?xml version="1.0" encoding="utf-8"?>
+<file path=ppt/tags/tag32.xml><?xml version="1.0" encoding="utf-8"?>
 <p:tagLst xmlns:a="http://schemas.openxmlformats.org/drawingml/2006/main" xmlns:r="http://schemas.openxmlformats.org/officeDocument/2006/relationships" xmlns:p="http://schemas.openxmlformats.org/presentationml/2006/main">
   <p:tag name="OUTPUTDPI" val="1200"/>
   <p:tag name="ORIGINALHEIGHT" val="113.2358"/>
@@ -16454,7 +16632,7 @@
 </p:tagLst>
 </file>
 
-<file path=ppt/tags/tag32.xml><?xml version="1.0" encoding="utf-8"?>
+<file path=ppt/tags/tag33.xml><?xml version="1.0" encoding="utf-8"?>
 <p:tagLst xmlns:a="http://schemas.openxmlformats.org/drawingml/2006/main" xmlns:r="http://schemas.openxmlformats.org/officeDocument/2006/relationships" xmlns:p="http://schemas.openxmlformats.org/presentationml/2006/main">
   <p:tag name="OUTPUTDPI" val="1200"/>
   <p:tag name="ORIGINALHEIGHT" val="137.2328"/>
@@ -16473,7 +16651,7 @@
 </p:tagLst>
 </file>
 
-<file path=ppt/tags/tag33.xml><?xml version="1.0" encoding="utf-8"?>
+<file path=ppt/tags/tag34.xml><?xml version="1.0" encoding="utf-8"?>
 <p:tagLst xmlns:a="http://schemas.openxmlformats.org/drawingml/2006/main" xmlns:r="http://schemas.openxmlformats.org/officeDocument/2006/relationships" xmlns:p="http://schemas.openxmlformats.org/presentationml/2006/main">
   <p:tag name="OUTPUTDPI" val="1200"/>
   <p:tag name="ORIGINALHEIGHT" val="150.7312"/>
@@ -16492,7 +16670,7 @@
 </p:tagLst>
 </file>
 
-<file path=ppt/tags/tag34.xml><?xml version="1.0" encoding="utf-8"?>
+<file path=ppt/tags/tag35.xml><?xml version="1.0" encoding="utf-8"?>
 <p:tagLst xmlns:a="http://schemas.openxmlformats.org/drawingml/2006/main" xmlns:r="http://schemas.openxmlformats.org/officeDocument/2006/relationships" xmlns:p="http://schemas.openxmlformats.org/presentationml/2006/main">
   <p:tag name="OUTPUTDPI" val="1200"/>
   <p:tag name="ORIGINALHEIGHT" val="143.982"/>
@@ -16511,7 +16689,7 @@
 </p:tagLst>
 </file>
 
-<file path=ppt/tags/tag35.xml><?xml version="1.0" encoding="utf-8"?>
+<file path=ppt/tags/tag36.xml><?xml version="1.0" encoding="utf-8"?>
 <p:tagLst xmlns:a="http://schemas.openxmlformats.org/drawingml/2006/main" xmlns:r="http://schemas.openxmlformats.org/officeDocument/2006/relationships" xmlns:p="http://schemas.openxmlformats.org/presentationml/2006/main">
   <p:tag name="OUTPUTDPI" val="1200"/>
   <p:tag name="ORIGINALHEIGHT" val="125.2343"/>
@@ -16530,7 +16708,7 @@
 </p:tagLst>
 </file>
 
-<file path=ppt/tags/tag36.xml><?xml version="1.0" encoding="utf-8"?>
+<file path=ppt/tags/tag37.xml><?xml version="1.0" encoding="utf-8"?>
 <p:tagLst xmlns:a="http://schemas.openxmlformats.org/drawingml/2006/main" xmlns:r="http://schemas.openxmlformats.org/officeDocument/2006/relationships" xmlns:p="http://schemas.openxmlformats.org/presentationml/2006/main">
   <p:tag name="OUTPUTDPI" val="1200"/>
   <p:tag name="ORIGINALHEIGHT" val="126.7342"/>
@@ -16549,7 +16727,7 @@
 </p:tagLst>
 </file>
 
-<file path=ppt/tags/tag37.xml><?xml version="1.0" encoding="utf-8"?>
+<file path=ppt/tags/tag38.xml><?xml version="1.0" encoding="utf-8"?>
 <p:tagLst xmlns:a="http://schemas.openxmlformats.org/drawingml/2006/main" xmlns:r="http://schemas.openxmlformats.org/officeDocument/2006/relationships" xmlns:p="http://schemas.openxmlformats.org/presentationml/2006/main">
   <p:tag name="OUTPUTDPI" val="1200"/>
   <p:tag name="ORIGINALHEIGHT" val="158.9802"/>
@@ -16568,7 +16746,7 @@
 </p:tagLst>
 </file>
 
-<file path=ppt/tags/tag38.xml><?xml version="1.0" encoding="utf-8"?>
+<file path=ppt/tags/tag39.xml><?xml version="1.0" encoding="utf-8"?>
 <p:tagLst xmlns:a="http://schemas.openxmlformats.org/drawingml/2006/main" xmlns:r="http://schemas.openxmlformats.org/officeDocument/2006/relationships" xmlns:p="http://schemas.openxmlformats.org/presentationml/2006/main">
   <p:tag name="OUTPUTDPI" val="1200"/>
   <p:tag name="ORIGINALHEIGHT" val="163.4795"/>
@@ -16581,24 +16759,6 @@
   <p:tag name="LATEXENGINEID" val="0"/>
   <p:tag name="TEMPFOLDER" val="c:\temp\"/>
   <p:tag name="LATEXFORMHEIGHT" val="306.75"/>
-  <p:tag name="LATEXFORMWIDTH" val="384"/>
-  <p:tag name="LATEXFORMWRAP" val="True"/>
-  <p:tag name="BITMAPVECTOR" val="0"/>
-</p:tagLst>
-</file>
-
-<file path=ppt/tags/tag39.xml><?xml version="1.0" encoding="utf-8"?>
-<p:tagLst xmlns:a="http://schemas.openxmlformats.org/drawingml/2006/main" xmlns:r="http://schemas.openxmlformats.org/officeDocument/2006/relationships" xmlns:p="http://schemas.openxmlformats.org/presentationml/2006/main">
-  <p:tag name="OUTPUTDPI" val="1200"/>
-  <p:tag name="ORIGINALHEIGHT" val="128"/>
-  <p:tag name="ORIGINALWIDTH" val="2463"/>
-  <p:tag name="LATEXADDIN" val="\documentclass{article}&#10;\usepackage{amsmath}&#10;\pagestyle{empty}&#10;\begin{document}&#10;&#10;Behave like $\mathbf{z}_{k}=h\left(\mathbf{x}_{k}\right)+\mathbf{v}_{k}, \; \mathbf{v}_{k} \sim \mathcal{N}\left(\mathbf{0}, \Sigma_{\mathbf{v}}\right)$&#10;&#10;&#10;\end{document}"/>
-  <p:tag name="IGUANATEXSIZE" val="35"/>
-  <p:tag name="IGUANATEXCURSOR" val="81"/>
-  <p:tag name="TRANSPARENCY" val="True"/>
-  <p:tag name="LATEXENGINEID" val="0"/>
-  <p:tag name="TEMPFOLDER" val="/private/var/folders/wh/6xq4nzn968z6nmj8vyhb88hc0000gn/T/com.microsoft.Powerpoint/TemporaryItems/"/>
-  <p:tag name="LATEXFORMHEIGHT" val="312"/>
   <p:tag name="LATEXFORMWIDTH" val="384"/>
   <p:tag name="LATEXFORMWRAP" val="True"/>
   <p:tag name="BITMAPVECTOR" val="0"/>
@@ -16624,6 +16784,24 @@
 </file>
 
 <file path=ppt/tags/tag40.xml><?xml version="1.0" encoding="utf-8"?>
+<p:tagLst xmlns:a="http://schemas.openxmlformats.org/drawingml/2006/main" xmlns:r="http://schemas.openxmlformats.org/officeDocument/2006/relationships" xmlns:p="http://schemas.openxmlformats.org/presentationml/2006/main">
+  <p:tag name="OUTPUTDPI" val="1200"/>
+  <p:tag name="ORIGINALHEIGHT" val="128"/>
+  <p:tag name="ORIGINALWIDTH" val="2463"/>
+  <p:tag name="LATEXADDIN" val="\documentclass{article}&#10;\usepackage{amsmath}&#10;\pagestyle{empty}&#10;\begin{document}&#10;&#10;Behave like $\mathbf{z}_{k}=h\left(\mathbf{x}_{k}\right)+\mathbf{v}_{k}, \; \mathbf{v}_{k} \sim \mathcal{N}\left(\mathbf{0}, \Sigma_{\mathbf{v}}\right)$&#10;&#10;&#10;\end{document}"/>
+  <p:tag name="IGUANATEXSIZE" val="35"/>
+  <p:tag name="IGUANATEXCURSOR" val="81"/>
+  <p:tag name="TRANSPARENCY" val="True"/>
+  <p:tag name="LATEXENGINEID" val="0"/>
+  <p:tag name="TEMPFOLDER" val="/private/var/folders/wh/6xq4nzn968z6nmj8vyhb88hc0000gn/T/com.microsoft.Powerpoint/TemporaryItems/"/>
+  <p:tag name="LATEXFORMHEIGHT" val="312"/>
+  <p:tag name="LATEXFORMWIDTH" val="384"/>
+  <p:tag name="LATEXFORMWRAP" val="True"/>
+  <p:tag name="BITMAPVECTOR" val="0"/>
+</p:tagLst>
+</file>
+
+<file path=ppt/tags/tag41.xml><?xml version="1.0" encoding="utf-8"?>
 <p:tagLst xmlns:a="http://schemas.openxmlformats.org/drawingml/2006/main" xmlns:r="http://schemas.openxmlformats.org/officeDocument/2006/relationships" xmlns:p="http://schemas.openxmlformats.org/presentationml/2006/main">
   <p:tag name="OUTPUTDPI" val="1200"/>
   <p:tag name="ORIGINALHEIGHT" val="146"/>
@@ -16663,24 +16841,6 @@
 <p:tagLst xmlns:a="http://schemas.openxmlformats.org/drawingml/2006/main" xmlns:r="http://schemas.openxmlformats.org/officeDocument/2006/relationships" xmlns:p="http://schemas.openxmlformats.org/presentationml/2006/main">
   <p:tag name="OUTPUTDPI" val="1200"/>
   <p:tag name="ORIGINALHEIGHT" val="125"/>
-  <p:tag name="ORIGINALWIDTH" val="1284"/>
-  <p:tag name="LATEXADDIN" val="\documentclass{article}&#10;\usepackage{amsmath}&#10;\usepackage{amssymb}&#10;\pagestyle{empty}&#10;\begin{document}&#10;&#10;\centering&#10;${_\text{W}\mathbf{a}(t)}=[9.81, \; 0,  \; 9.81]^{\intercal}$&#10;&#10;\end{document}"/>
-  <p:tag name="IGUANATEXSIZE" val="20"/>
-  <p:tag name="IGUANATEXCURSOR" val="138"/>
-  <p:tag name="TRANSPARENCY" val="True"/>
-  <p:tag name="LATEXENGINEID" val="0"/>
-  <p:tag name="TEMPFOLDER" val="/private/var/folders/wh/6xq4nzn968z6nmj8vyhb88hc0000gn/T/com.microsoft.Powerpoint/TemporaryItems/"/>
-  <p:tag name="LATEXFORMHEIGHT" val="312"/>
-  <p:tag name="LATEXFORMWIDTH" val="384"/>
-  <p:tag name="LATEXFORMWRAP" val="True"/>
-  <p:tag name="BITMAPVECTOR" val="0"/>
-</p:tagLst>
-</file>
-
-<file path=ppt/tags/tag7.xml><?xml version="1.0" encoding="utf-8"?>
-<p:tagLst xmlns:a="http://schemas.openxmlformats.org/drawingml/2006/main" xmlns:r="http://schemas.openxmlformats.org/officeDocument/2006/relationships" xmlns:p="http://schemas.openxmlformats.org/presentationml/2006/main">
-  <p:tag name="OUTPUTDPI" val="1200"/>
-  <p:tag name="ORIGINALHEIGHT" val="125"/>
   <p:tag name="ORIGINALWIDTH" val="1218"/>
   <p:tag name="LATEXADDIN" val="\documentclass{article}&#10;\usepackage{amsmath}&#10;\usepackage{amssymb}&#10;\pagestyle{empty}&#10;\begin{document}&#10;&#10;\centering&#10;$_\text{B}\mathbf{a}(t)=[13.873, \; 0,  \; 0]^{\intercal}$&#10;&#10;\end{document}"/>
   <p:tag name="IGUANATEXSIZE" val="20"/>
@@ -16695,17 +16855,37 @@
 </p:tagLst>
 </file>
 
+<file path=ppt/tags/tag7.xml><?xml version="1.0" encoding="utf-8"?>
+<p:tagLst xmlns:a="http://schemas.openxmlformats.org/drawingml/2006/main" xmlns:r="http://schemas.openxmlformats.org/officeDocument/2006/relationships" xmlns:p="http://schemas.openxmlformats.org/presentationml/2006/main">
+  <p:tag name="OUTPUTDPI" val="1200"/>
+  <p:tag name="ORIGINALHEIGHT" val="379.4526"/>
+  <p:tag name="ORIGINALWIDTH" val="2938.883"/>
+  <p:tag name="LATEXADDIN" val="\documentclass{article}&#10;\usepackage{amsmath}&#10;\usepackage{amssymb}&#10;\pagestyle{empty}&#10;\begin{document}&#10;&#10;\centering&#10;$=\footnotesize{\left[\begin{array}{c}&#10;13.873 \\ 0 \\ 0 \end{array}\right]-\left[\begin{array}{ccc}&#10;\cos (-45^\circ) &amp; 0 &amp; \sin (-45^\circ) \\&#10;0 &amp; 1 &amp; 0 \\&#10;-\sin (-45^\circ) &amp; 0 &amp; \cos (-45^\circ)&#10;\end{array}\right]^\intercal \left[\begin{array}{c}&#10;0 \\ 0 \\ 9.81 \end{array}\right]}$ &#10;&#10;\end{document}"/>
+  <p:tag name="IGUANATEXSIZE" val="20"/>
+  <p:tag name="IGUANATEXCURSOR" val="372"/>
+  <p:tag name="TRANSPARENCY" val="True"/>
+  <p:tag name="FILENAME" val=""/>
+  <p:tag name="LATEXENGINEID" val="0"/>
+  <p:tag name="TEMPFOLDER" val="c:\temp\"/>
+  <p:tag name="LATEXFORMHEIGHT" val="312"/>
+  <p:tag name="LATEXFORMWIDTH" val="384"/>
+  <p:tag name="LATEXFORMWRAP" val="True"/>
+  <p:tag name="BITMAPVECTOR" val="0"/>
+</p:tagLst>
+</file>
+
 <file path=ppt/tags/tag8.xml><?xml version="1.0" encoding="utf-8"?>
 <p:tagLst xmlns:a="http://schemas.openxmlformats.org/drawingml/2006/main" xmlns:r="http://schemas.openxmlformats.org/officeDocument/2006/relationships" xmlns:p="http://schemas.openxmlformats.org/presentationml/2006/main">
   <p:tag name="OUTPUTDPI" val="1200"/>
-  <p:tag name="ORIGINALHEIGHT" val="454"/>
-  <p:tag name="ORIGINALWIDTH" val="2469"/>
-  <p:tag name="LATEXADDIN" val="\documentclass{article}&#10;\usepackage{amsmath}&#10;\usepackage{amssymb}&#10;\pagestyle{empty}&#10;\begin{document}&#10;&#10;\centering&#10;$=\left[\begin{array}{ccc}&#10;\cos (-45^\circ) &amp; 0 &amp; \sin (-45^\circ) \\&#10;0 &amp; 1 &amp; 0 \\&#10;-\sin (-45^\circ) &amp; 0 &amp; \cos (-45^\circ)&#10;\end{array}\right]^\intercal \left[\begin{array}{c}&#10;9.81 \\ 0 \\ 0 \end{array}\right]$ &#10;&#10;\end{document}"/>
+  <p:tag name="ORIGINALHEIGHT" val="142.4822"/>
+  <p:tag name="ORIGINALWIDTH" val="1497.563"/>
+  <p:tag name="LATEXADDIN" val="\documentclass{article}&#10;\usepackage{amsmath}&#10;\usepackage{amssymb}&#10;\pagestyle{empty}&#10;\begin{document}&#10;&#10;\centering&#10;$^{\text{Mes}}_\text{B}{\mathbf{a}}(t) =_{\text{B}}\mathbf{a}(t) - {\mathtt{R}_{\text{WB}}^\intercal}({{_\text{W}\mathbf{g}})}$&#10;&#10;\end{document}"/>
   <p:tag name="IGUANATEXSIZE" val="20"/>
-  <p:tag name="IGUANATEXCURSOR" val="64"/>
+  <p:tag name="IGUANATEXCURSOR" val="177"/>
   <p:tag name="TRANSPARENCY" val="True"/>
+  <p:tag name="FILENAME" val=""/>
   <p:tag name="LATEXENGINEID" val="0"/>
-  <p:tag name="TEMPFOLDER" val="/private/var/folders/wh/6xq4nzn968z6nmj8vyhb88hc0000gn/T/com.microsoft.Powerpoint/TemporaryItems/"/>
+  <p:tag name="TEMPFOLDER" val="c:\temp\"/>
   <p:tag name="LATEXFORMHEIGHT" val="312"/>
   <p:tag name="LATEXFORMWIDTH" val="384"/>
   <p:tag name="LATEXFORMWRAP" val="True"/>
@@ -16716,11 +16896,11 @@
 <file path=ppt/tags/tag9.xml><?xml version="1.0" encoding="utf-8"?>
 <p:tagLst xmlns:a="http://schemas.openxmlformats.org/drawingml/2006/main" xmlns:r="http://schemas.openxmlformats.org/officeDocument/2006/relationships" xmlns:p="http://schemas.openxmlformats.org/presentationml/2006/main">
   <p:tag name="OUTPUTDPI" val="1200"/>
-  <p:tag name="ORIGINALHEIGHT" val="135"/>
-  <p:tag name="ORIGINALWIDTH" val="1424"/>
-  <p:tag name="LATEXADDIN" val="\documentclass{article}&#10;\usepackage{amsmath}&#10;\usepackage{amssymb}&#10;\pagestyle{empty}&#10;\begin{document}&#10;&#10;\centering&#10;$_\text{B}\tilde{\mathbf{a}}(t) ={\mathtt{R}_{\text{WB}}^\intercal}({_\text{W}\mathbf{a}(t) - {_\text{W}\mathbf{g}})}$&#10;&#10;\end{document}"/>
+  <p:tag name="ORIGINALHEIGHT" val="125"/>
+  <p:tag name="ORIGINALWIDTH" val="1149"/>
+  <p:tag name="LATEXADDIN" val="\documentclass{article}&#10;\usepackage{amsmath}&#10;\usepackage{amssymb}&#10;\pagestyle{empty}&#10;\begin{document}&#10;&#10;\centering&#10;$=[6.936, \; 0,  \; -6.936]^{\intercal}$&#10;&#10;\end{document}"/>
   <p:tag name="IGUANATEXSIZE" val="20"/>
-  <p:tag name="IGUANATEXCURSOR" val="204"/>
+  <p:tag name="IGUANATEXCURSOR" val="121"/>
   <p:tag name="TRANSPARENCY" val="True"/>
   <p:tag name="LATEXENGINEID" val="0"/>
   <p:tag name="TEMPFOLDER" val="/private/var/folders/wh/6xq4nzn968z6nmj8vyhb88hc0000gn/T/com.microsoft.Powerpoint/TemporaryItems/"/>

--- a/img/preintegration/preintegration_v2.pptx
+++ b/img/preintegration/preintegration_v2.pptx
@@ -7675,7 +7675,7 @@
         <p:spPr>
           <a:xfrm>
             <a:off x="2728279" y="5538140"/>
-            <a:ext cx="4478264" cy="461665"/>
+            <a:ext cx="6090104" cy="461665"/>
           </a:xfrm>
           <a:prstGeom prst="rect">
             <a:avLst/>
@@ -7694,7 +7694,15 @@
                   <a:srgbClr val="00B050"/>
                 </a:solidFill>
               </a:rPr>
-              <a:t>Measurements by IMU (w/ noise)</a:t>
+              <a:t>Measurements by IMU (w</a:t>
+            </a:r>
+            <a:r>
+              <a:rPr lang="en-US" altLang="ko-KR" sz="2400">
+                <a:solidFill>
+                  <a:srgbClr val="00B050"/>
+                </a:solidFill>
+              </a:rPr>
+              <a:t>/ biases and noises)</a:t>
             </a:r>
             <a:endParaRPr lang="ko-KR" altLang="en-US" sz="2400" dirty="0">
               <a:solidFill>
@@ -8263,1226 +8271,6 @@
       </p:sp>
       <p:sp>
         <p:nvSpPr>
-          <p:cNvPr id="95" name="Right Arrow 94">
-            <a:extLst>
-              <a:ext uri="{FF2B5EF4-FFF2-40B4-BE49-F238E27FC236}">
-                <a16:creationId xmlns:a16="http://schemas.microsoft.com/office/drawing/2014/main" id="{337F2E3A-F746-644C-BC95-D4ACF6CA2CD6}"/>
-              </a:ext>
-            </a:extLst>
-          </p:cNvPr>
-          <p:cNvSpPr/>
-          <p:nvPr/>
-        </p:nvSpPr>
-        <p:spPr>
-          <a:xfrm>
-            <a:off x="3980155" y="1409249"/>
-            <a:ext cx="745480" cy="322175"/>
-          </a:xfrm>
-          <a:prstGeom prst="rightArrow">
-            <a:avLst/>
-          </a:prstGeom>
-          <a:solidFill>
-            <a:schemeClr val="bg2"/>
-          </a:solidFill>
-          <a:ln w="28575">
-            <a:solidFill>
-              <a:srgbClr val="00B050"/>
-            </a:solidFill>
-            <a:prstDash val="dash"/>
-          </a:ln>
-        </p:spPr>
-        <p:style>
-          <a:lnRef idx="2">
-            <a:schemeClr val="accent1">
-              <a:shade val="50000"/>
-            </a:schemeClr>
-          </a:lnRef>
-          <a:fillRef idx="1">
-            <a:schemeClr val="accent1"/>
-          </a:fillRef>
-          <a:effectRef idx="0">
-            <a:schemeClr val="accent1"/>
-          </a:effectRef>
-          <a:fontRef idx="minor">
-            <a:schemeClr val="lt1"/>
-          </a:fontRef>
-        </p:style>
-        <p:txBody>
-          <a:bodyPr rtlCol="0" anchor="ctr"/>
-          <a:lstStyle/>
-          <a:p>
-            <a:pPr algn="ctr"/>
-            <a:endParaRPr lang="en-KR"/>
-          </a:p>
-        </p:txBody>
-      </p:sp>
-      <p:sp>
-        <p:nvSpPr>
-          <p:cNvPr id="31" name="Right Arrow 30">
-            <a:extLst>
-              <a:ext uri="{FF2B5EF4-FFF2-40B4-BE49-F238E27FC236}">
-                <a16:creationId xmlns:a16="http://schemas.microsoft.com/office/drawing/2014/main" id="{57954683-09D8-A540-B8B3-9095A6E42FAD}"/>
-              </a:ext>
-            </a:extLst>
-          </p:cNvPr>
-          <p:cNvSpPr/>
-          <p:nvPr/>
-        </p:nvSpPr>
-        <p:spPr>
-          <a:xfrm rot="18900000">
-            <a:off x="3883400" y="1009167"/>
-            <a:ext cx="1030929" cy="322175"/>
-          </a:xfrm>
-          <a:prstGeom prst="rightArrow">
-            <a:avLst/>
-          </a:prstGeom>
-          <a:solidFill>
-            <a:srgbClr val="FF8300"/>
-          </a:solidFill>
-          <a:ln>
-            <a:solidFill>
-              <a:schemeClr val="tx1"/>
-            </a:solidFill>
-          </a:ln>
-        </p:spPr>
-        <p:style>
-          <a:lnRef idx="2">
-            <a:schemeClr val="accent1">
-              <a:shade val="50000"/>
-            </a:schemeClr>
-          </a:lnRef>
-          <a:fillRef idx="1">
-            <a:schemeClr val="accent1"/>
-          </a:fillRef>
-          <a:effectRef idx="0">
-            <a:schemeClr val="accent1"/>
-          </a:effectRef>
-          <a:fontRef idx="minor">
-            <a:schemeClr val="lt1"/>
-          </a:fontRef>
-        </p:style>
-        <p:txBody>
-          <a:bodyPr rtlCol="0" anchor="ctr"/>
-          <a:lstStyle/>
-          <a:p>
-            <a:pPr algn="ctr"/>
-            <a:endParaRPr lang="en-KR" dirty="0"/>
-          </a:p>
-        </p:txBody>
-      </p:sp>
-      <p:sp>
-        <p:nvSpPr>
-          <p:cNvPr id="37" name="TextBox 36">
-            <a:extLst>
-              <a:ext uri="{FF2B5EF4-FFF2-40B4-BE49-F238E27FC236}">
-                <a16:creationId xmlns:a16="http://schemas.microsoft.com/office/drawing/2014/main" id="{7532B64C-4C86-E34A-BA20-52FD683C6A33}"/>
-              </a:ext>
-            </a:extLst>
-          </p:cNvPr>
-          <p:cNvSpPr txBox="1"/>
-          <p:nvPr/>
-        </p:nvSpPr>
-        <p:spPr>
-          <a:xfrm>
-            <a:off x="1969344" y="2162190"/>
-            <a:ext cx="274942" cy="369332"/>
-          </a:xfrm>
-          <a:prstGeom prst="rect">
-            <a:avLst/>
-          </a:prstGeom>
-          <a:noFill/>
-        </p:spPr>
-        <p:txBody>
-          <a:bodyPr wrap="square" rtlCol="0">
-            <a:spAutoFit/>
-          </a:bodyPr>
-          <a:lstStyle/>
-          <a:p>
-            <a:pPr algn="ctr"/>
-            <a:r>
-              <a:rPr lang="en-US" altLang="ko-KR" dirty="0">
-                <a:solidFill>
-                  <a:srgbClr val="FF0000"/>
-                </a:solidFill>
-                <a:latin typeface="JetBrains Mono" panose="02000009000000000000" pitchFamily="49" charset="0"/>
-                <a:ea typeface="JetBrains Mono" panose="02000009000000000000" pitchFamily="49" charset="0"/>
-                <a:cs typeface="JetBrains Mono" panose="02000009000000000000" pitchFamily="49" charset="0"/>
-              </a:rPr>
-              <a:t>X</a:t>
-            </a:r>
-            <a:endParaRPr lang="ko-KR" altLang="en-US" dirty="0">
-              <a:solidFill>
-                <a:srgbClr val="FF0000"/>
-              </a:solidFill>
-              <a:latin typeface="JetBrains Mono" panose="02000009000000000000" pitchFamily="49" charset="0"/>
-              <a:cs typeface="JetBrains Mono" panose="02000009000000000000" pitchFamily="49" charset="0"/>
-            </a:endParaRPr>
-          </a:p>
-        </p:txBody>
-      </p:sp>
-      <p:sp>
-        <p:nvSpPr>
-          <p:cNvPr id="38" name="TextBox 37">
-            <a:extLst>
-              <a:ext uri="{FF2B5EF4-FFF2-40B4-BE49-F238E27FC236}">
-                <a16:creationId xmlns:a16="http://schemas.microsoft.com/office/drawing/2014/main" id="{72BD4F61-7CDB-3441-A5E7-EDB832DB82FC}"/>
-              </a:ext>
-            </a:extLst>
-          </p:cNvPr>
-          <p:cNvSpPr txBox="1"/>
-          <p:nvPr/>
-        </p:nvSpPr>
-        <p:spPr>
-          <a:xfrm>
-            <a:off x="607138" y="2149754"/>
-            <a:ext cx="274942" cy="369332"/>
-          </a:xfrm>
-          <a:prstGeom prst="rect">
-            <a:avLst/>
-          </a:prstGeom>
-          <a:noFill/>
-        </p:spPr>
-        <p:txBody>
-          <a:bodyPr wrap="square" rtlCol="0">
-            <a:spAutoFit/>
-          </a:bodyPr>
-          <a:lstStyle/>
-          <a:p>
-            <a:r>
-              <a:rPr lang="en-US" altLang="ko-KR" dirty="0">
-                <a:solidFill>
-                  <a:srgbClr val="00B050"/>
-                </a:solidFill>
-              </a:rPr>
-              <a:t>Y</a:t>
-            </a:r>
-            <a:endParaRPr lang="ko-KR" altLang="en-US" dirty="0">
-              <a:solidFill>
-                <a:srgbClr val="00B050"/>
-              </a:solidFill>
-            </a:endParaRPr>
-          </a:p>
-        </p:txBody>
-      </p:sp>
-      <p:sp>
-        <p:nvSpPr>
-          <p:cNvPr id="40" name="TextBox 39">
-            <a:extLst>
-              <a:ext uri="{FF2B5EF4-FFF2-40B4-BE49-F238E27FC236}">
-                <a16:creationId xmlns:a16="http://schemas.microsoft.com/office/drawing/2014/main" id="{E2180C9E-B9CE-B84F-902B-534060A18685}"/>
-              </a:ext>
-            </a:extLst>
-          </p:cNvPr>
-          <p:cNvSpPr txBox="1"/>
-          <p:nvPr/>
-        </p:nvSpPr>
-        <p:spPr>
-          <a:xfrm>
-            <a:off x="745955" y="1432263"/>
-            <a:ext cx="274942" cy="369332"/>
-          </a:xfrm>
-          <a:prstGeom prst="rect">
-            <a:avLst/>
-          </a:prstGeom>
-          <a:noFill/>
-        </p:spPr>
-        <p:txBody>
-          <a:bodyPr wrap="square" rtlCol="0">
-            <a:spAutoFit/>
-          </a:bodyPr>
-          <a:lstStyle/>
-          <a:p>
-            <a:pPr algn="ctr"/>
-            <a:r>
-              <a:rPr lang="en-US" altLang="ko-KR" dirty="0">
-                <a:solidFill>
-                  <a:srgbClr val="0647FE"/>
-                </a:solidFill>
-                <a:latin typeface="JetBrains Mono" panose="02000009000000000000" pitchFamily="49" charset="0"/>
-                <a:cs typeface="JetBrains Mono" panose="02000009000000000000" pitchFamily="49" charset="0"/>
-              </a:rPr>
-              <a:t>Z</a:t>
-            </a:r>
-            <a:endParaRPr lang="ko-KR" altLang="en-US" dirty="0">
-              <a:solidFill>
-                <a:srgbClr val="0647FE"/>
-              </a:solidFill>
-              <a:latin typeface="JetBrains Mono" panose="02000009000000000000" pitchFamily="49" charset="0"/>
-              <a:cs typeface="JetBrains Mono" panose="02000009000000000000" pitchFamily="49" charset="0"/>
-            </a:endParaRPr>
-          </a:p>
-        </p:txBody>
-      </p:sp>
-      <p:pic>
-        <p:nvPicPr>
-          <p:cNvPr id="53" name="그림 31 2">
-            <a:extLst>
-              <a:ext uri="{FF2B5EF4-FFF2-40B4-BE49-F238E27FC236}">
-                <a16:creationId xmlns:a16="http://schemas.microsoft.com/office/drawing/2014/main" id="{546270D9-CDFC-0343-950A-3366E4F90986}"/>
-              </a:ext>
-            </a:extLst>
-          </p:cNvPr>
-          <p:cNvPicPr>
-            <a:picLocks noChangeAspect="1"/>
-          </p:cNvPicPr>
-          <p:nvPr>
-            <p:custDataLst>
-              <p:tags r:id="rId3"/>
-            </p:custDataLst>
-          </p:nvPr>
-        </p:nvPicPr>
-        <p:blipFill>
-          <a:blip r:embed="rId20">
-            <a:extLst>
-              <a:ext uri="{28A0092B-C50C-407E-A947-70E740481C1C}">
-                <a14:useLocalDpi xmlns:a14="http://schemas.microsoft.com/office/drawing/2010/main" val="0"/>
-              </a:ext>
-            </a:extLst>
-          </a:blip>
-          <a:stretch>
-            <a:fillRect/>
-          </a:stretch>
-        </p:blipFill>
-        <p:spPr>
-          <a:xfrm>
-            <a:off x="450763" y="2538226"/>
-            <a:ext cx="1793523" cy="227048"/>
-          </a:xfrm>
-          <a:prstGeom prst="rect">
-            <a:avLst/>
-          </a:prstGeom>
-        </p:spPr>
-      </p:pic>
-      <p:pic>
-        <p:nvPicPr>
-          <p:cNvPr id="97" name="Picture 96">
-            <a:extLst>
-              <a:ext uri="{FF2B5EF4-FFF2-40B4-BE49-F238E27FC236}">
-                <a16:creationId xmlns:a16="http://schemas.microsoft.com/office/drawing/2014/main" id="{25F4A0CE-93D1-7447-AF8C-291E43A5FB84}"/>
-              </a:ext>
-            </a:extLst>
-          </p:cNvPr>
-          <p:cNvPicPr>
-            <a:picLocks noChangeAspect="1"/>
-          </p:cNvPicPr>
-          <p:nvPr>
-            <p:custDataLst>
-              <p:tags r:id="rId4"/>
-            </p:custDataLst>
-          </p:nvPr>
-        </p:nvPicPr>
-        <p:blipFill>
-          <a:blip r:embed="rId21">
-            <a:extLst>
-              <a:ext uri="{28A0092B-C50C-407E-A947-70E740481C1C}">
-                <a14:useLocalDpi xmlns:a14="http://schemas.microsoft.com/office/drawing/2010/main" val="0"/>
-              </a:ext>
-            </a:extLst>
-          </a:blip>
-          <a:stretch>
-            <a:fillRect/>
-          </a:stretch>
-        </p:blipFill>
-        <p:spPr>
-          <a:xfrm>
-            <a:off x="3265956" y="504911"/>
-            <a:ext cx="1607311" cy="229616"/>
-          </a:xfrm>
-          <a:prstGeom prst="rect">
-            <a:avLst/>
-          </a:prstGeom>
-        </p:spPr>
-      </p:pic>
-      <p:cxnSp>
-        <p:nvCxnSpPr>
-          <p:cNvPr id="80" name="직선 화살표 연결선 7 1">
-            <a:extLst>
-              <a:ext uri="{FF2B5EF4-FFF2-40B4-BE49-F238E27FC236}">
-                <a16:creationId xmlns:a16="http://schemas.microsoft.com/office/drawing/2014/main" id="{72855578-D8BB-A042-9C26-471F1E0E3E50}"/>
-              </a:ext>
-            </a:extLst>
-          </p:cNvPr>
-          <p:cNvCxnSpPr>
-            <a:cxnSpLocks/>
-          </p:cNvCxnSpPr>
-          <p:nvPr/>
-        </p:nvCxnSpPr>
-        <p:spPr>
-          <a:xfrm rot="5400000" flipV="1">
-            <a:off x="1511737" y="1892229"/>
-            <a:ext cx="0" cy="915214"/>
-          </a:xfrm>
-          <a:prstGeom prst="straightConnector1">
-            <a:avLst/>
-          </a:prstGeom>
-          <a:ln w="28575">
-            <a:solidFill>
-              <a:srgbClr val="FF0000"/>
-            </a:solidFill>
-            <a:tailEnd type="triangle" w="lg" len="lg"/>
-          </a:ln>
-        </p:spPr>
-        <p:style>
-          <a:lnRef idx="1">
-            <a:schemeClr val="accent1"/>
-          </a:lnRef>
-          <a:fillRef idx="0">
-            <a:schemeClr val="accent1"/>
-          </a:fillRef>
-          <a:effectRef idx="0">
-            <a:schemeClr val="accent1"/>
-          </a:effectRef>
-          <a:fontRef idx="minor">
-            <a:schemeClr val="tx1"/>
-          </a:fontRef>
-        </p:style>
-      </p:cxnSp>
-      <p:cxnSp>
-        <p:nvCxnSpPr>
-          <p:cNvPr id="81" name="직선 화살표 연결선 8 1">
-            <a:extLst>
-              <a:ext uri="{FF2B5EF4-FFF2-40B4-BE49-F238E27FC236}">
-                <a16:creationId xmlns:a16="http://schemas.microsoft.com/office/drawing/2014/main" id="{026FFF0D-BB9F-F348-B1F3-74B701B4E933}"/>
-              </a:ext>
-            </a:extLst>
-          </p:cNvPr>
-          <p:cNvCxnSpPr>
-            <a:cxnSpLocks/>
-          </p:cNvCxnSpPr>
-          <p:nvPr/>
-        </p:nvCxnSpPr>
-        <p:spPr>
-          <a:xfrm rot="5400000" flipH="1">
-            <a:off x="608476" y="1895490"/>
-            <a:ext cx="900000" cy="8692"/>
-          </a:xfrm>
-          <a:prstGeom prst="straightConnector1">
-            <a:avLst/>
-          </a:prstGeom>
-          <a:ln w="28575">
-            <a:solidFill>
-              <a:srgbClr val="0432FF"/>
-            </a:solidFill>
-            <a:tailEnd type="triangle" w="lg" len="lg"/>
-          </a:ln>
-        </p:spPr>
-        <p:style>
-          <a:lnRef idx="1">
-            <a:schemeClr val="accent1"/>
-          </a:lnRef>
-          <a:fillRef idx="0">
-            <a:schemeClr val="accent1"/>
-          </a:fillRef>
-          <a:effectRef idx="0">
-            <a:schemeClr val="accent1"/>
-          </a:effectRef>
-          <a:fontRef idx="minor">
-            <a:schemeClr val="tx1"/>
-          </a:fontRef>
-        </p:style>
-      </p:cxnSp>
-      <p:sp>
-        <p:nvSpPr>
-          <p:cNvPr id="82" name="타원 9 1">
-            <a:extLst>
-              <a:ext uri="{FF2B5EF4-FFF2-40B4-BE49-F238E27FC236}">
-                <a16:creationId xmlns:a16="http://schemas.microsoft.com/office/drawing/2014/main" id="{B21705BA-E6A9-1546-ACEA-D02055C476BE}"/>
-              </a:ext>
-            </a:extLst>
-          </p:cNvPr>
-          <p:cNvSpPr/>
-          <p:nvPr/>
-        </p:nvSpPr>
-        <p:spPr>
-          <a:xfrm rot="5400000">
-            <a:off x="943172" y="2220856"/>
-            <a:ext cx="252000" cy="252000"/>
-          </a:xfrm>
-          <a:prstGeom prst="ellipse">
-            <a:avLst/>
-          </a:prstGeom>
-          <a:noFill/>
-          <a:ln w="28575">
-            <a:solidFill>
-              <a:srgbClr val="05B050"/>
-            </a:solidFill>
-          </a:ln>
-        </p:spPr>
-        <p:style>
-          <a:lnRef idx="2">
-            <a:schemeClr val="accent1">
-              <a:shade val="50000"/>
-            </a:schemeClr>
-          </a:lnRef>
-          <a:fillRef idx="1">
-            <a:schemeClr val="accent1"/>
-          </a:fillRef>
-          <a:effectRef idx="0">
-            <a:schemeClr val="accent1"/>
-          </a:effectRef>
-          <a:fontRef idx="minor">
-            <a:schemeClr val="lt1"/>
-          </a:fontRef>
-        </p:style>
-        <p:txBody>
-          <a:bodyPr rtlCol="0" anchor="ctr"/>
-          <a:lstStyle/>
-          <a:p>
-            <a:pPr algn="ctr"/>
-            <a:endParaRPr lang="ko-KR" altLang="en-US" dirty="0"/>
-          </a:p>
-        </p:txBody>
-      </p:sp>
-      <p:cxnSp>
-        <p:nvCxnSpPr>
-          <p:cNvPr id="20" name="Straight Connector 19">
-            <a:extLst>
-              <a:ext uri="{FF2B5EF4-FFF2-40B4-BE49-F238E27FC236}">
-                <a16:creationId xmlns:a16="http://schemas.microsoft.com/office/drawing/2014/main" id="{2DA1C5E9-71B3-1F4C-8653-C68EB6FD849A}"/>
-              </a:ext>
-            </a:extLst>
-          </p:cNvPr>
-          <p:cNvCxnSpPr>
-            <a:cxnSpLocks/>
-            <a:stCxn id="82" idx="5"/>
-            <a:endCxn id="82" idx="1"/>
-          </p:cNvCxnSpPr>
-          <p:nvPr/>
-        </p:nvCxnSpPr>
-        <p:spPr>
-          <a:xfrm flipV="1">
-            <a:off x="980077" y="2257761"/>
-            <a:ext cx="178190" cy="178190"/>
-          </a:xfrm>
-          <a:prstGeom prst="line">
-            <a:avLst/>
-          </a:prstGeom>
-          <a:ln w="28575">
-            <a:solidFill>
-              <a:srgbClr val="05B050"/>
-            </a:solidFill>
-          </a:ln>
-        </p:spPr>
-        <p:style>
-          <a:lnRef idx="1">
-            <a:schemeClr val="accent1"/>
-          </a:lnRef>
-          <a:fillRef idx="0">
-            <a:schemeClr val="accent1"/>
-          </a:fillRef>
-          <a:effectRef idx="0">
-            <a:schemeClr val="accent1"/>
-          </a:effectRef>
-          <a:fontRef idx="minor">
-            <a:schemeClr val="tx1"/>
-          </a:fontRef>
-        </p:style>
-      </p:cxnSp>
-      <p:cxnSp>
-        <p:nvCxnSpPr>
-          <p:cNvPr id="84" name="Straight Connector 83">
-            <a:extLst>
-              <a:ext uri="{FF2B5EF4-FFF2-40B4-BE49-F238E27FC236}">
-                <a16:creationId xmlns:a16="http://schemas.microsoft.com/office/drawing/2014/main" id="{A0122759-45DC-B142-B0FB-B925DD0DA961}"/>
-              </a:ext>
-            </a:extLst>
-          </p:cNvPr>
-          <p:cNvCxnSpPr>
-            <a:cxnSpLocks/>
-            <a:stCxn id="82" idx="7"/>
-            <a:endCxn id="82" idx="3"/>
-          </p:cNvCxnSpPr>
-          <p:nvPr/>
-        </p:nvCxnSpPr>
-        <p:spPr>
-          <a:xfrm flipH="1" flipV="1">
-            <a:off x="980077" y="2257761"/>
-            <a:ext cx="178190" cy="178190"/>
-          </a:xfrm>
-          <a:prstGeom prst="line">
-            <a:avLst/>
-          </a:prstGeom>
-          <a:ln w="28575">
-            <a:solidFill>
-              <a:srgbClr val="05B050"/>
-            </a:solidFill>
-          </a:ln>
-        </p:spPr>
-        <p:style>
-          <a:lnRef idx="1">
-            <a:schemeClr val="accent1"/>
-          </a:lnRef>
-          <a:fillRef idx="0">
-            <a:schemeClr val="accent1"/>
-          </a:fillRef>
-          <a:effectRef idx="0">
-            <a:schemeClr val="accent1"/>
-          </a:effectRef>
-          <a:fontRef idx="minor">
-            <a:schemeClr val="tx1"/>
-          </a:fontRef>
-        </p:style>
-      </p:cxnSp>
-      <p:sp>
-        <p:nvSpPr>
-          <p:cNvPr id="91" name="Right Arrow 90">
-            <a:extLst>
-              <a:ext uri="{FF2B5EF4-FFF2-40B4-BE49-F238E27FC236}">
-                <a16:creationId xmlns:a16="http://schemas.microsoft.com/office/drawing/2014/main" id="{5C96104A-5951-F946-8CE5-8F1CEBE288E0}"/>
-              </a:ext>
-            </a:extLst>
-          </p:cNvPr>
-          <p:cNvSpPr/>
-          <p:nvPr/>
-        </p:nvSpPr>
-        <p:spPr>
-          <a:xfrm rot="5400000">
-            <a:off x="3474892" y="1939130"/>
-            <a:ext cx="1033200" cy="322175"/>
-          </a:xfrm>
-          <a:prstGeom prst="rightArrow">
-            <a:avLst/>
-          </a:prstGeom>
-          <a:solidFill>
-            <a:srgbClr val="B5838D"/>
-          </a:solidFill>
-          <a:ln>
-            <a:solidFill>
-              <a:schemeClr val="tx1"/>
-            </a:solidFill>
-          </a:ln>
-        </p:spPr>
-        <p:style>
-          <a:lnRef idx="2">
-            <a:schemeClr val="accent1">
-              <a:shade val="50000"/>
-            </a:schemeClr>
-          </a:lnRef>
-          <a:fillRef idx="1">
-            <a:schemeClr val="accent1"/>
-          </a:fillRef>
-          <a:effectRef idx="0">
-            <a:schemeClr val="accent1"/>
-          </a:effectRef>
-          <a:fontRef idx="minor">
-            <a:schemeClr val="lt1"/>
-          </a:fontRef>
-        </p:style>
-        <p:txBody>
-          <a:bodyPr rtlCol="0" anchor="ctr"/>
-          <a:lstStyle/>
-          <a:p>
-            <a:pPr algn="ctr"/>
-            <a:endParaRPr lang="en-KR"/>
-          </a:p>
-        </p:txBody>
-      </p:sp>
-      <p:cxnSp>
-        <p:nvCxnSpPr>
-          <p:cNvPr id="86" name="직선 화살표 연결선 7 2">
-            <a:extLst>
-              <a:ext uri="{FF2B5EF4-FFF2-40B4-BE49-F238E27FC236}">
-                <a16:creationId xmlns:a16="http://schemas.microsoft.com/office/drawing/2014/main" id="{B36368B6-9A18-D944-95D7-A9A925D44470}"/>
-              </a:ext>
-            </a:extLst>
-          </p:cNvPr>
-          <p:cNvCxnSpPr>
-            <a:cxnSpLocks/>
-          </p:cNvCxnSpPr>
-          <p:nvPr/>
-        </p:nvCxnSpPr>
-        <p:spPr>
-          <a:xfrm rot="2746800" flipV="1">
-            <a:off x="4303040" y="799710"/>
-            <a:ext cx="0" cy="915214"/>
-          </a:xfrm>
-          <a:prstGeom prst="straightConnector1">
-            <a:avLst/>
-          </a:prstGeom>
-          <a:ln w="28575">
-            <a:solidFill>
-              <a:srgbClr val="FF0000"/>
-            </a:solidFill>
-            <a:tailEnd type="triangle" w="lg" len="lg"/>
-          </a:ln>
-        </p:spPr>
-        <p:style>
-          <a:lnRef idx="1">
-            <a:schemeClr val="accent1"/>
-          </a:lnRef>
-          <a:fillRef idx="0">
-            <a:schemeClr val="accent1"/>
-          </a:fillRef>
-          <a:effectRef idx="0">
-            <a:schemeClr val="accent1"/>
-          </a:effectRef>
-          <a:fontRef idx="minor">
-            <a:schemeClr val="tx1"/>
-          </a:fontRef>
-        </p:style>
-      </p:cxnSp>
-      <p:cxnSp>
-        <p:nvCxnSpPr>
-          <p:cNvPr id="87" name="직선 화살표 연결선 8 2">
-            <a:extLst>
-              <a:ext uri="{FF2B5EF4-FFF2-40B4-BE49-F238E27FC236}">
-                <a16:creationId xmlns:a16="http://schemas.microsoft.com/office/drawing/2014/main" id="{BD322C7C-4405-F04E-A489-9E1CEC36F9D1}"/>
-              </a:ext>
-            </a:extLst>
-          </p:cNvPr>
-          <p:cNvCxnSpPr>
-            <a:cxnSpLocks/>
-          </p:cNvCxnSpPr>
-          <p:nvPr/>
-        </p:nvCxnSpPr>
-        <p:spPr>
-          <a:xfrm rot="2746800" flipH="1">
-            <a:off x="3214366" y="1246582"/>
-            <a:ext cx="900000" cy="8692"/>
-          </a:xfrm>
-          <a:prstGeom prst="straightConnector1">
-            <a:avLst/>
-          </a:prstGeom>
-          <a:ln w="28575">
-            <a:solidFill>
-              <a:srgbClr val="0432FF"/>
-            </a:solidFill>
-            <a:tailEnd type="triangle" w="lg" len="lg"/>
-          </a:ln>
-        </p:spPr>
-        <p:style>
-          <a:lnRef idx="1">
-            <a:schemeClr val="accent1"/>
-          </a:lnRef>
-          <a:fillRef idx="0">
-            <a:schemeClr val="accent1"/>
-          </a:fillRef>
-          <a:effectRef idx="0">
-            <a:schemeClr val="accent1"/>
-          </a:effectRef>
-          <a:fontRef idx="minor">
-            <a:schemeClr val="tx1"/>
-          </a:fontRef>
-        </p:style>
-      </p:cxnSp>
-      <p:sp>
-        <p:nvSpPr>
-          <p:cNvPr id="88" name="타원 9 2">
-            <a:extLst>
-              <a:ext uri="{FF2B5EF4-FFF2-40B4-BE49-F238E27FC236}">
-                <a16:creationId xmlns:a16="http://schemas.microsoft.com/office/drawing/2014/main" id="{B85E5B04-16BB-E649-A43E-B57876B99F99}"/>
-              </a:ext>
-            </a:extLst>
-          </p:cNvPr>
-          <p:cNvSpPr/>
-          <p:nvPr/>
-        </p:nvSpPr>
-        <p:spPr>
-          <a:xfrm rot="2746800">
-            <a:off x="3857790" y="1437833"/>
-            <a:ext cx="252000" cy="252000"/>
-          </a:xfrm>
-          <a:prstGeom prst="ellipse">
-            <a:avLst/>
-          </a:prstGeom>
-          <a:noFill/>
-          <a:ln w="28575">
-            <a:solidFill>
-              <a:srgbClr val="05B050"/>
-            </a:solidFill>
-          </a:ln>
-        </p:spPr>
-        <p:style>
-          <a:lnRef idx="2">
-            <a:schemeClr val="accent1">
-              <a:shade val="50000"/>
-            </a:schemeClr>
-          </a:lnRef>
-          <a:fillRef idx="1">
-            <a:schemeClr val="accent1"/>
-          </a:fillRef>
-          <a:effectRef idx="0">
-            <a:schemeClr val="accent1"/>
-          </a:effectRef>
-          <a:fontRef idx="minor">
-            <a:schemeClr val="lt1"/>
-          </a:fontRef>
-        </p:style>
-        <p:txBody>
-          <a:bodyPr rtlCol="0" anchor="ctr"/>
-          <a:lstStyle/>
-          <a:p>
-            <a:pPr algn="ctr"/>
-            <a:endParaRPr lang="ko-KR" altLang="en-US" dirty="0"/>
-          </a:p>
-        </p:txBody>
-      </p:sp>
-      <p:cxnSp>
-        <p:nvCxnSpPr>
-          <p:cNvPr id="89" name="Straight Connector 88">
-            <a:extLst>
-              <a:ext uri="{FF2B5EF4-FFF2-40B4-BE49-F238E27FC236}">
-                <a16:creationId xmlns:a16="http://schemas.microsoft.com/office/drawing/2014/main" id="{D02FC956-BB9B-524C-B334-A5E8A530A664}"/>
-              </a:ext>
-            </a:extLst>
-          </p:cNvPr>
-          <p:cNvCxnSpPr>
-            <a:cxnSpLocks/>
-            <a:stCxn id="88" idx="5"/>
-            <a:endCxn id="88" idx="1"/>
-          </p:cNvCxnSpPr>
-          <p:nvPr/>
-        </p:nvCxnSpPr>
-        <p:spPr>
-          <a:xfrm rot="18946800" flipV="1">
-            <a:off x="3894695" y="1474738"/>
-            <a:ext cx="178190" cy="178190"/>
-          </a:xfrm>
-          <a:prstGeom prst="line">
-            <a:avLst/>
-          </a:prstGeom>
-          <a:ln w="28575">
-            <a:solidFill>
-              <a:srgbClr val="05B050"/>
-            </a:solidFill>
-          </a:ln>
-        </p:spPr>
-        <p:style>
-          <a:lnRef idx="1">
-            <a:schemeClr val="accent1"/>
-          </a:lnRef>
-          <a:fillRef idx="0">
-            <a:schemeClr val="accent1"/>
-          </a:fillRef>
-          <a:effectRef idx="0">
-            <a:schemeClr val="accent1"/>
-          </a:effectRef>
-          <a:fontRef idx="minor">
-            <a:schemeClr val="tx1"/>
-          </a:fontRef>
-        </p:style>
-      </p:cxnSp>
-      <p:cxnSp>
-        <p:nvCxnSpPr>
-          <p:cNvPr id="90" name="Straight Connector 89">
-            <a:extLst>
-              <a:ext uri="{FF2B5EF4-FFF2-40B4-BE49-F238E27FC236}">
-                <a16:creationId xmlns:a16="http://schemas.microsoft.com/office/drawing/2014/main" id="{C3D1A28F-5502-EE4C-823B-BA24CB631E7D}"/>
-              </a:ext>
-            </a:extLst>
-          </p:cNvPr>
-          <p:cNvCxnSpPr>
-            <a:cxnSpLocks/>
-            <a:stCxn id="88" idx="7"/>
-            <a:endCxn id="88" idx="3"/>
-          </p:cNvCxnSpPr>
-          <p:nvPr/>
-        </p:nvCxnSpPr>
-        <p:spPr>
-          <a:xfrm rot="18946800" flipH="1" flipV="1">
-            <a:off x="3894695" y="1474738"/>
-            <a:ext cx="178190" cy="178190"/>
-          </a:xfrm>
-          <a:prstGeom prst="line">
-            <a:avLst/>
-          </a:prstGeom>
-          <a:ln w="28575">
-            <a:solidFill>
-              <a:srgbClr val="05B050"/>
-            </a:solidFill>
-          </a:ln>
-        </p:spPr>
-        <p:style>
-          <a:lnRef idx="1">
-            <a:schemeClr val="accent1"/>
-          </a:lnRef>
-          <a:fillRef idx="0">
-            <a:schemeClr val="accent1"/>
-          </a:fillRef>
-          <a:effectRef idx="0">
-            <a:schemeClr val="accent1"/>
-          </a:effectRef>
-          <a:fontRef idx="minor">
-            <a:schemeClr val="tx1"/>
-          </a:fontRef>
-        </p:style>
-      </p:cxnSp>
-      <p:pic>
-        <p:nvPicPr>
-          <p:cNvPr id="118" name="Picture 117">
-            <a:extLst>
-              <a:ext uri="{FF2B5EF4-FFF2-40B4-BE49-F238E27FC236}">
-                <a16:creationId xmlns:a16="http://schemas.microsoft.com/office/drawing/2014/main" id="{2EA962F9-F917-494C-A4B2-B60BD71EC46F}"/>
-              </a:ext>
-            </a:extLst>
-          </p:cNvPr>
-          <p:cNvPicPr>
-            <a:picLocks noChangeAspect="1"/>
-          </p:cNvPicPr>
-          <p:nvPr>
-            <p:custDataLst>
-              <p:tags r:id="rId5"/>
-            </p:custDataLst>
-          </p:nvPr>
-        </p:nvPicPr>
-        <p:blipFill>
-          <a:blip r:embed="rId22">
-            <a:extLst>
-              <a:ext uri="{28A0092B-C50C-407E-A947-70E740481C1C}">
-                <a14:useLocalDpi xmlns:a14="http://schemas.microsoft.com/office/drawing/2010/main" val="0"/>
-              </a:ext>
-            </a:extLst>
-          </a:blip>
-          <a:stretch>
-            <a:fillRect/>
-          </a:stretch>
-        </p:blipFill>
-        <p:spPr>
-          <a:xfrm>
-            <a:off x="2583875" y="2729759"/>
-            <a:ext cx="2383536" cy="254000"/>
-          </a:xfrm>
-          <a:prstGeom prst="rect">
-            <a:avLst/>
-          </a:prstGeom>
-        </p:spPr>
-      </p:pic>
-      <p:pic>
-        <p:nvPicPr>
-          <p:cNvPr id="129" name="Picture 128">
-            <a:extLst>
-              <a:ext uri="{FF2B5EF4-FFF2-40B4-BE49-F238E27FC236}">
-                <a16:creationId xmlns:a16="http://schemas.microsoft.com/office/drawing/2014/main" id="{3BE7F97F-A5C4-494A-8853-5822C6740E2B}"/>
-              </a:ext>
-            </a:extLst>
-          </p:cNvPr>
-          <p:cNvPicPr>
-            <a:picLocks noChangeAspect="1"/>
-          </p:cNvPicPr>
-          <p:nvPr>
-            <p:custDataLst>
-              <p:tags r:id="rId6"/>
-            </p:custDataLst>
-          </p:nvPr>
-        </p:nvPicPr>
-        <p:blipFill>
-          <a:blip r:embed="rId23">
-            <a:extLst>
-              <a:ext uri="{28A0092B-C50C-407E-A947-70E740481C1C}">
-                <a14:useLocalDpi xmlns:a14="http://schemas.microsoft.com/office/drawing/2010/main" val="0"/>
-              </a:ext>
-            </a:extLst>
-          </a:blip>
-          <a:stretch>
-            <a:fillRect/>
-          </a:stretch>
-        </p:blipFill>
-        <p:spPr>
-          <a:xfrm>
-            <a:off x="5252421" y="545909"/>
-            <a:ext cx="2474976" cy="254000"/>
-          </a:xfrm>
-          <a:prstGeom prst="rect">
-            <a:avLst/>
-          </a:prstGeom>
-        </p:spPr>
-      </p:pic>
-      <p:pic>
-        <p:nvPicPr>
-          <p:cNvPr id="42" name="그림 41">
-            <a:extLst>
-              <a:ext uri="{FF2B5EF4-FFF2-40B4-BE49-F238E27FC236}">
-                <a16:creationId xmlns:a16="http://schemas.microsoft.com/office/drawing/2014/main" id="{3A78060A-46EA-4F89-9927-25CFD9D923F3}"/>
-              </a:ext>
-            </a:extLst>
-          </p:cNvPr>
-          <p:cNvPicPr>
-            <a:picLocks noChangeAspect="1"/>
-          </p:cNvPicPr>
-          <p:nvPr>
-            <p:custDataLst>
-              <p:tags r:id="rId7"/>
-            </p:custDataLst>
-          </p:nvPr>
-        </p:nvPicPr>
-        <p:blipFill>
-          <a:blip r:embed="rId24">
-            <a:extLst>
-              <a:ext uri="{28A0092B-C50C-407E-A947-70E740481C1C}">
-                <a14:useLocalDpi xmlns:a14="http://schemas.microsoft.com/office/drawing/2010/main" val="0"/>
-              </a:ext>
-            </a:extLst>
-          </a:blip>
-          <a:stretch>
-            <a:fillRect/>
-          </a:stretch>
-        </p:blipFill>
-        <p:spPr>
-          <a:xfrm>
-            <a:off x="5934967" y="1273158"/>
-            <a:ext cx="5971808" cy="771048"/>
-          </a:xfrm>
-          <a:prstGeom prst="rect">
-            <a:avLst/>
-          </a:prstGeom>
-        </p:spPr>
-      </p:pic>
-      <p:pic>
-        <p:nvPicPr>
-          <p:cNvPr id="23" name="그림 22">
-            <a:extLst>
-              <a:ext uri="{FF2B5EF4-FFF2-40B4-BE49-F238E27FC236}">
-                <a16:creationId xmlns:a16="http://schemas.microsoft.com/office/drawing/2014/main" id="{55C2326E-0C0D-4854-94A6-1D2FE404F938}"/>
-              </a:ext>
-            </a:extLst>
-          </p:cNvPr>
-          <p:cNvPicPr>
-            <a:picLocks noChangeAspect="1"/>
-          </p:cNvPicPr>
-          <p:nvPr>
-            <p:custDataLst>
-              <p:tags r:id="rId8"/>
-            </p:custDataLst>
-          </p:nvPr>
-        </p:nvPicPr>
-        <p:blipFill>
-          <a:blip r:embed="rId25">
-            <a:extLst>
-              <a:ext uri="{28A0092B-C50C-407E-A947-70E740481C1C}">
-                <a14:useLocalDpi xmlns:a14="http://schemas.microsoft.com/office/drawing/2010/main" val="0"/>
-              </a:ext>
-            </a:extLst>
-          </a:blip>
-          <a:stretch>
-            <a:fillRect/>
-          </a:stretch>
-        </p:blipFill>
-        <p:spPr>
-          <a:xfrm>
-            <a:off x="5041464" y="912850"/>
-            <a:ext cx="3043047" cy="289524"/>
-          </a:xfrm>
-          <a:prstGeom prst="rect">
-            <a:avLst/>
-          </a:prstGeom>
-        </p:spPr>
-      </p:pic>
-      <p:pic>
-        <p:nvPicPr>
-          <p:cNvPr id="43" name="Picture 42">
-            <a:extLst>
-              <a:ext uri="{FF2B5EF4-FFF2-40B4-BE49-F238E27FC236}">
-                <a16:creationId xmlns:a16="http://schemas.microsoft.com/office/drawing/2014/main" id="{B8AAD82D-6DD1-6B42-B373-D6CBB27F096B}"/>
-              </a:ext>
-            </a:extLst>
-          </p:cNvPr>
-          <p:cNvPicPr>
-            <a:picLocks noChangeAspect="1"/>
-          </p:cNvPicPr>
-          <p:nvPr>
-            <p:custDataLst>
-              <p:tags r:id="rId9"/>
-            </p:custDataLst>
-          </p:nvPr>
-        </p:nvPicPr>
-        <p:blipFill>
-          <a:blip r:embed="rId26">
-            <a:extLst>
-              <a:ext uri="{28A0092B-C50C-407E-A947-70E740481C1C}">
-                <a14:useLocalDpi xmlns:a14="http://schemas.microsoft.com/office/drawing/2010/main" val="0"/>
-              </a:ext>
-            </a:extLst>
-          </a:blip>
-          <a:stretch>
-            <a:fillRect/>
-          </a:stretch>
-        </p:blipFill>
-        <p:spPr>
-          <a:xfrm>
-            <a:off x="5934966" y="2268310"/>
-            <a:ext cx="2334768" cy="254000"/>
-          </a:xfrm>
-          <a:prstGeom prst="rect">
-            <a:avLst/>
-          </a:prstGeom>
-        </p:spPr>
-      </p:pic>
-      <p:pic>
-        <p:nvPicPr>
-          <p:cNvPr id="28" name="그림 27">
-            <a:extLst>
-              <a:ext uri="{FF2B5EF4-FFF2-40B4-BE49-F238E27FC236}">
-                <a16:creationId xmlns:a16="http://schemas.microsoft.com/office/drawing/2014/main" id="{FB21D837-2A07-4070-86FB-D006E0B5F205}"/>
-              </a:ext>
-            </a:extLst>
-          </p:cNvPr>
-          <p:cNvPicPr>
-            <a:picLocks noChangeAspect="1"/>
-          </p:cNvPicPr>
-          <p:nvPr>
-            <p:custDataLst>
-              <p:tags r:id="rId10"/>
-            </p:custDataLst>
-          </p:nvPr>
-        </p:nvPicPr>
-        <p:blipFill>
-          <a:blip r:embed="rId27">
-            <a:extLst>
-              <a:ext uri="{28A0092B-C50C-407E-A947-70E740481C1C}">
-                <a14:useLocalDpi xmlns:a14="http://schemas.microsoft.com/office/drawing/2010/main" val="0"/>
-              </a:ext>
-            </a:extLst>
-          </a:blip>
-          <a:stretch>
-            <a:fillRect/>
-          </a:stretch>
-        </p:blipFill>
-        <p:spPr>
-          <a:xfrm>
-            <a:off x="1422468" y="533296"/>
-            <a:ext cx="1170286" cy="443429"/>
-          </a:xfrm>
-          <a:prstGeom prst="rect">
-            <a:avLst/>
-          </a:prstGeom>
-        </p:spPr>
-      </p:pic>
-      <p:sp>
-        <p:nvSpPr>
-          <p:cNvPr id="83" name="Arc 82">
-            <a:extLst>
-              <a:ext uri="{FF2B5EF4-FFF2-40B4-BE49-F238E27FC236}">
-                <a16:creationId xmlns:a16="http://schemas.microsoft.com/office/drawing/2014/main" id="{E182815B-2AAB-D24A-A9B8-51C9CE16F9A5}"/>
-              </a:ext>
-            </a:extLst>
-          </p:cNvPr>
-          <p:cNvSpPr/>
-          <p:nvPr/>
-        </p:nvSpPr>
-        <p:spPr>
-          <a:xfrm rot="1179919">
-            <a:off x="3581916" y="1092835"/>
-            <a:ext cx="853200" cy="851374"/>
-          </a:xfrm>
-          <a:prstGeom prst="arc">
-            <a:avLst>
-              <a:gd name="adj1" fmla="val 17881207"/>
-              <a:gd name="adj2" fmla="val 20867857"/>
-            </a:avLst>
-          </a:prstGeom>
-          <a:ln w="38100">
-            <a:solidFill>
-              <a:schemeClr val="tx1"/>
-            </a:solidFill>
-            <a:headEnd type="none" w="med" len="med"/>
-            <a:tailEnd type="none" w="med" len="med"/>
-          </a:ln>
-        </p:spPr>
-        <p:style>
-          <a:lnRef idx="1">
-            <a:schemeClr val="dk1"/>
-          </a:lnRef>
-          <a:fillRef idx="0">
-            <a:schemeClr val="dk1"/>
-          </a:fillRef>
-          <a:effectRef idx="0">
-            <a:schemeClr val="dk1"/>
-          </a:effectRef>
-          <a:fontRef idx="minor">
-            <a:schemeClr val="tx1"/>
-          </a:fontRef>
-        </p:style>
-        <p:txBody>
-          <a:bodyPr rtlCol="0" anchor="ctr"/>
-          <a:lstStyle/>
-          <a:p>
-            <a:pPr algn="ctr"/>
-            <a:endParaRPr lang="en-KR"/>
-          </a:p>
-        </p:txBody>
-      </p:sp>
-      <p:pic>
-        <p:nvPicPr>
-          <p:cNvPr id="64" name="Picture 63">
-            <a:extLst>
-              <a:ext uri="{FF2B5EF4-FFF2-40B4-BE49-F238E27FC236}">
-                <a16:creationId xmlns:a16="http://schemas.microsoft.com/office/drawing/2014/main" id="{293BE928-6FAE-3944-91AD-998E2200C68C}"/>
-              </a:ext>
-            </a:extLst>
-          </p:cNvPr>
-          <p:cNvPicPr>
-            <a:picLocks noChangeAspect="1"/>
-          </p:cNvPicPr>
-          <p:nvPr>
-            <p:custDataLst>
-              <p:tags r:id="rId11"/>
-            </p:custDataLst>
-          </p:nvPr>
-        </p:nvPicPr>
-        <p:blipFill>
-          <a:blip r:embed="rId28">
-            <a:extLst>
-              <a:ext uri="{28A0092B-C50C-407E-A947-70E740481C1C}">
-                <a14:useLocalDpi xmlns:a14="http://schemas.microsoft.com/office/drawing/2010/main" val="0"/>
-              </a:ext>
-            </a:extLst>
-          </a:blip>
-          <a:stretch>
-            <a:fillRect/>
-          </a:stretch>
-        </p:blipFill>
-        <p:spPr>
-          <a:xfrm>
-            <a:off x="4512364" y="1185513"/>
-            <a:ext cx="335280" cy="178816"/>
-          </a:xfrm>
-          <a:prstGeom prst="rect">
-            <a:avLst/>
-          </a:prstGeom>
-        </p:spPr>
-      </p:pic>
-      <p:pic>
-        <p:nvPicPr>
-          <p:cNvPr id="45" name="그림 44">
-            <a:extLst>
-              <a:ext uri="{FF2B5EF4-FFF2-40B4-BE49-F238E27FC236}">
-                <a16:creationId xmlns:a16="http://schemas.microsoft.com/office/drawing/2014/main" id="{363031AB-D935-43BD-B2FE-A33A46176DB2}"/>
-              </a:ext>
-            </a:extLst>
-          </p:cNvPr>
-          <p:cNvPicPr>
-            <a:picLocks noChangeAspect="1"/>
-          </p:cNvPicPr>
-          <p:nvPr>
-            <p:custDataLst>
-              <p:tags r:id="rId12"/>
-            </p:custDataLst>
-          </p:nvPr>
-        </p:nvPicPr>
-        <p:blipFill>
-          <a:blip r:embed="rId29">
-            <a:extLst>
-              <a:ext uri="{28A0092B-C50C-407E-A947-70E740481C1C}">
-                <a14:useLocalDpi xmlns:a14="http://schemas.microsoft.com/office/drawing/2010/main" val="0"/>
-              </a:ext>
-            </a:extLst>
-          </a:blip>
-          <a:stretch>
-            <a:fillRect/>
-          </a:stretch>
-        </p:blipFill>
-        <p:spPr>
-          <a:xfrm>
-            <a:off x="5934966" y="2719616"/>
-            <a:ext cx="2236952" cy="274286"/>
-          </a:xfrm>
-          <a:prstGeom prst="rect">
-            <a:avLst/>
-          </a:prstGeom>
-        </p:spPr>
-      </p:pic>
-      <p:sp>
-        <p:nvSpPr>
           <p:cNvPr id="48" name="Arc 47">
             <a:extLst>
               <a:ext uri="{FF2B5EF4-FFF2-40B4-BE49-F238E27FC236}">
@@ -9535,192 +8323,1433 @@
           </a:p>
         </p:txBody>
       </p:sp>
-      <p:pic>
-        <p:nvPicPr>
-          <p:cNvPr id="56" name="그림 55">
+      <p:grpSp>
+        <p:nvGrpSpPr>
+          <p:cNvPr id="66" name="그룹 65">
             <a:extLst>
               <a:ext uri="{FF2B5EF4-FFF2-40B4-BE49-F238E27FC236}">
-                <a16:creationId xmlns:a16="http://schemas.microsoft.com/office/drawing/2014/main" id="{3874D4AD-1228-48B2-8BC8-80A34F2084C5}"/>
+                <a16:creationId xmlns:a16="http://schemas.microsoft.com/office/drawing/2014/main" id="{3B504E89-8E48-4556-8D8C-60BF197151DA}"/>
               </a:ext>
             </a:extLst>
           </p:cNvPr>
-          <p:cNvPicPr>
-            <a:picLocks noChangeAspect="1"/>
-          </p:cNvPicPr>
-          <p:nvPr>
-            <p:custDataLst>
-              <p:tags r:id="rId13"/>
-            </p:custDataLst>
-          </p:nvPr>
-        </p:nvPicPr>
-        <p:blipFill>
-          <a:blip r:embed="rId30">
-            <a:extLst>
-              <a:ext uri="{28A0092B-C50C-407E-A947-70E740481C1C}">
-                <a14:useLocalDpi xmlns:a14="http://schemas.microsoft.com/office/drawing/2010/main" val="0"/>
-              </a:ext>
-            </a:extLst>
-          </a:blip>
-          <a:stretch>
-            <a:fillRect/>
-          </a:stretch>
-        </p:blipFill>
-        <p:spPr>
+          <p:cNvGrpSpPr/>
+          <p:nvPr/>
+        </p:nvGrpSpPr>
+        <p:grpSpPr>
           <a:xfrm>
-            <a:off x="8936264" y="2403623"/>
-            <a:ext cx="2848000" cy="254476"/>
+            <a:off x="450763" y="504911"/>
+            <a:ext cx="11718172" cy="2540094"/>
+            <a:chOff x="450763" y="504911"/>
+            <a:chExt cx="11718172" cy="2540094"/>
           </a:xfrm>
-          <a:prstGeom prst="rect">
-            <a:avLst/>
-          </a:prstGeom>
-        </p:spPr>
-      </p:pic>
-      <p:sp>
-        <p:nvSpPr>
-          <p:cNvPr id="78" name="직사각형 77">
-            <a:extLst>
-              <a:ext uri="{FF2B5EF4-FFF2-40B4-BE49-F238E27FC236}">
-                <a16:creationId xmlns:a16="http://schemas.microsoft.com/office/drawing/2014/main" id="{499BEF72-B974-4CBA-9CEC-F617E17671A8}"/>
-              </a:ext>
-            </a:extLst>
-          </p:cNvPr>
-          <p:cNvSpPr/>
-          <p:nvPr/>
-        </p:nvSpPr>
-        <p:spPr>
-          <a:xfrm>
-            <a:off x="8862009" y="2343020"/>
-            <a:ext cx="2988000" cy="359249"/>
-          </a:xfrm>
-          <a:prstGeom prst="rect">
-            <a:avLst/>
-          </a:prstGeom>
-          <a:noFill/>
-          <a:ln w="28575">
+        </p:grpSpPr>
+        <p:sp>
+          <p:nvSpPr>
+            <p:cNvPr id="95" name="Right Arrow 94">
+              <a:extLst>
+                <a:ext uri="{FF2B5EF4-FFF2-40B4-BE49-F238E27FC236}">
+                  <a16:creationId xmlns:a16="http://schemas.microsoft.com/office/drawing/2014/main" id="{337F2E3A-F746-644C-BC95-D4ACF6CA2CD6}"/>
+                </a:ext>
+              </a:extLst>
+            </p:cNvPr>
+            <p:cNvSpPr/>
+            <p:nvPr/>
+          </p:nvSpPr>
+          <p:spPr>
+            <a:xfrm>
+              <a:off x="3980155" y="1409249"/>
+              <a:ext cx="745480" cy="322175"/>
+            </a:xfrm>
+            <a:prstGeom prst="rightArrow">
+              <a:avLst/>
+            </a:prstGeom>
             <a:solidFill>
-              <a:srgbClr val="114AFF"/>
+              <a:schemeClr val="bg2"/>
             </a:solidFill>
-          </a:ln>
-        </p:spPr>
-        <p:style>
-          <a:lnRef idx="2">
-            <a:schemeClr val="accent1">
-              <a:shade val="50000"/>
-            </a:schemeClr>
-          </a:lnRef>
-          <a:fillRef idx="1">
-            <a:schemeClr val="accent1"/>
-          </a:fillRef>
-          <a:effectRef idx="0">
-            <a:schemeClr val="accent1"/>
-          </a:effectRef>
-          <a:fontRef idx="minor">
-            <a:schemeClr val="lt1"/>
-          </a:fontRef>
-        </p:style>
-        <p:txBody>
-          <a:bodyPr rtlCol="0" anchor="ctr"/>
-          <a:lstStyle/>
-          <a:p>
-            <a:pPr algn="ctr"/>
-            <a:endParaRPr lang="ko-KR" altLang="en-US">
+            <a:ln w="28575">
+              <a:solidFill>
+                <a:srgbClr val="00B050"/>
+              </a:solidFill>
+              <a:prstDash val="dash"/>
+            </a:ln>
+          </p:spPr>
+          <p:style>
+            <a:lnRef idx="2">
+              <a:schemeClr val="accent1">
+                <a:shade val="50000"/>
+              </a:schemeClr>
+            </a:lnRef>
+            <a:fillRef idx="1">
+              <a:schemeClr val="accent1"/>
+            </a:fillRef>
+            <a:effectRef idx="0">
+              <a:schemeClr val="accent1"/>
+            </a:effectRef>
+            <a:fontRef idx="minor">
+              <a:schemeClr val="lt1"/>
+            </a:fontRef>
+          </p:style>
+          <p:txBody>
+            <a:bodyPr rtlCol="0" anchor="ctr"/>
+            <a:lstStyle/>
+            <a:p>
+              <a:pPr algn="ctr"/>
+              <a:endParaRPr lang="en-KR"/>
+            </a:p>
+          </p:txBody>
+        </p:sp>
+        <p:sp>
+          <p:nvSpPr>
+            <p:cNvPr id="31" name="Right Arrow 30">
+              <a:extLst>
+                <a:ext uri="{FF2B5EF4-FFF2-40B4-BE49-F238E27FC236}">
+                  <a16:creationId xmlns:a16="http://schemas.microsoft.com/office/drawing/2014/main" id="{57954683-09D8-A540-B8B3-9095A6E42FAD}"/>
+                </a:ext>
+              </a:extLst>
+            </p:cNvPr>
+            <p:cNvSpPr/>
+            <p:nvPr/>
+          </p:nvSpPr>
+          <p:spPr>
+            <a:xfrm rot="18900000">
+              <a:off x="3883400" y="1009167"/>
+              <a:ext cx="1030929" cy="322175"/>
+            </a:xfrm>
+            <a:prstGeom prst="rightArrow">
+              <a:avLst/>
+            </a:prstGeom>
+            <a:solidFill>
+              <a:srgbClr val="FF8300"/>
+            </a:solidFill>
+            <a:ln>
+              <a:solidFill>
+                <a:schemeClr val="tx1"/>
+              </a:solidFill>
+            </a:ln>
+          </p:spPr>
+          <p:style>
+            <a:lnRef idx="2">
+              <a:schemeClr val="accent1">
+                <a:shade val="50000"/>
+              </a:schemeClr>
+            </a:lnRef>
+            <a:fillRef idx="1">
+              <a:schemeClr val="accent1"/>
+            </a:fillRef>
+            <a:effectRef idx="0">
+              <a:schemeClr val="accent1"/>
+            </a:effectRef>
+            <a:fontRef idx="minor">
+              <a:schemeClr val="lt1"/>
+            </a:fontRef>
+          </p:style>
+          <p:txBody>
+            <a:bodyPr rtlCol="0" anchor="ctr"/>
+            <a:lstStyle/>
+            <a:p>
+              <a:pPr algn="ctr"/>
+              <a:endParaRPr lang="en-KR" dirty="0"/>
+            </a:p>
+          </p:txBody>
+        </p:sp>
+        <p:sp>
+          <p:nvSpPr>
+            <p:cNvPr id="37" name="TextBox 36">
+              <a:extLst>
+                <a:ext uri="{FF2B5EF4-FFF2-40B4-BE49-F238E27FC236}">
+                  <a16:creationId xmlns:a16="http://schemas.microsoft.com/office/drawing/2014/main" id="{7532B64C-4C86-E34A-BA20-52FD683C6A33}"/>
+                </a:ext>
+              </a:extLst>
+            </p:cNvPr>
+            <p:cNvSpPr txBox="1"/>
+            <p:nvPr/>
+          </p:nvSpPr>
+          <p:spPr>
+            <a:xfrm>
+              <a:off x="1969344" y="2162190"/>
+              <a:ext cx="274942" cy="369332"/>
+            </a:xfrm>
+            <a:prstGeom prst="rect">
+              <a:avLst/>
+            </a:prstGeom>
+            <a:noFill/>
+          </p:spPr>
+          <p:txBody>
+            <a:bodyPr wrap="square" rtlCol="0">
+              <a:spAutoFit/>
+            </a:bodyPr>
+            <a:lstStyle/>
+            <a:p>
+              <a:pPr algn="ctr"/>
+              <a:r>
+                <a:rPr lang="en-US" altLang="ko-KR" dirty="0">
+                  <a:solidFill>
+                    <a:srgbClr val="FF0000"/>
+                  </a:solidFill>
+                  <a:latin typeface="JetBrains Mono" panose="02000009000000000000" pitchFamily="49" charset="0"/>
+                  <a:ea typeface="JetBrains Mono" panose="02000009000000000000" pitchFamily="49" charset="0"/>
+                  <a:cs typeface="JetBrains Mono" panose="02000009000000000000" pitchFamily="49" charset="0"/>
+                </a:rPr>
+                <a:t>X</a:t>
+              </a:r>
+              <a:endParaRPr lang="ko-KR" altLang="en-US" dirty="0">
+                <a:solidFill>
+                  <a:srgbClr val="FF0000"/>
+                </a:solidFill>
+                <a:latin typeface="JetBrains Mono" panose="02000009000000000000" pitchFamily="49" charset="0"/>
+                <a:cs typeface="JetBrains Mono" panose="02000009000000000000" pitchFamily="49" charset="0"/>
+              </a:endParaRPr>
+            </a:p>
+          </p:txBody>
+        </p:sp>
+        <p:sp>
+          <p:nvSpPr>
+            <p:cNvPr id="38" name="TextBox 37">
+              <a:extLst>
+                <a:ext uri="{FF2B5EF4-FFF2-40B4-BE49-F238E27FC236}">
+                  <a16:creationId xmlns:a16="http://schemas.microsoft.com/office/drawing/2014/main" id="{72BD4F61-7CDB-3441-A5E7-EDB832DB82FC}"/>
+                </a:ext>
+              </a:extLst>
+            </p:cNvPr>
+            <p:cNvSpPr txBox="1"/>
+            <p:nvPr/>
+          </p:nvSpPr>
+          <p:spPr>
+            <a:xfrm>
+              <a:off x="607138" y="2149754"/>
+              <a:ext cx="274942" cy="369332"/>
+            </a:xfrm>
+            <a:prstGeom prst="rect">
+              <a:avLst/>
+            </a:prstGeom>
+            <a:noFill/>
+          </p:spPr>
+          <p:txBody>
+            <a:bodyPr wrap="square" rtlCol="0">
+              <a:spAutoFit/>
+            </a:bodyPr>
+            <a:lstStyle/>
+            <a:p>
+              <a:r>
+                <a:rPr lang="en-US" altLang="ko-KR" dirty="0">
+                  <a:solidFill>
+                    <a:srgbClr val="00B050"/>
+                  </a:solidFill>
+                </a:rPr>
+                <a:t>Y</a:t>
+              </a:r>
+              <a:endParaRPr lang="ko-KR" altLang="en-US" dirty="0">
+                <a:solidFill>
+                  <a:srgbClr val="00B050"/>
+                </a:solidFill>
+              </a:endParaRPr>
+            </a:p>
+          </p:txBody>
+        </p:sp>
+        <p:sp>
+          <p:nvSpPr>
+            <p:cNvPr id="40" name="TextBox 39">
+              <a:extLst>
+                <a:ext uri="{FF2B5EF4-FFF2-40B4-BE49-F238E27FC236}">
+                  <a16:creationId xmlns:a16="http://schemas.microsoft.com/office/drawing/2014/main" id="{E2180C9E-B9CE-B84F-902B-534060A18685}"/>
+                </a:ext>
+              </a:extLst>
+            </p:cNvPr>
+            <p:cNvSpPr txBox="1"/>
+            <p:nvPr/>
+          </p:nvSpPr>
+          <p:spPr>
+            <a:xfrm>
+              <a:off x="745955" y="1432263"/>
+              <a:ext cx="274942" cy="369332"/>
+            </a:xfrm>
+            <a:prstGeom prst="rect">
+              <a:avLst/>
+            </a:prstGeom>
+            <a:noFill/>
+          </p:spPr>
+          <p:txBody>
+            <a:bodyPr wrap="square" rtlCol="0">
+              <a:spAutoFit/>
+            </a:bodyPr>
+            <a:lstStyle/>
+            <a:p>
+              <a:pPr algn="ctr"/>
+              <a:r>
+                <a:rPr lang="en-US" altLang="ko-KR" dirty="0">
+                  <a:solidFill>
+                    <a:srgbClr val="0647FE"/>
+                  </a:solidFill>
+                  <a:latin typeface="JetBrains Mono" panose="02000009000000000000" pitchFamily="49" charset="0"/>
+                  <a:cs typeface="JetBrains Mono" panose="02000009000000000000" pitchFamily="49" charset="0"/>
+                </a:rPr>
+                <a:t>Z</a:t>
+              </a:r>
+              <a:endParaRPr lang="ko-KR" altLang="en-US" dirty="0">
+                <a:solidFill>
+                  <a:srgbClr val="0647FE"/>
+                </a:solidFill>
+                <a:latin typeface="JetBrains Mono" panose="02000009000000000000" pitchFamily="49" charset="0"/>
+                <a:cs typeface="JetBrains Mono" panose="02000009000000000000" pitchFamily="49" charset="0"/>
+              </a:endParaRPr>
+            </a:p>
+          </p:txBody>
+        </p:sp>
+        <p:pic>
+          <p:nvPicPr>
+            <p:cNvPr id="53" name="그림 31 2">
+              <a:extLst>
+                <a:ext uri="{FF2B5EF4-FFF2-40B4-BE49-F238E27FC236}">
+                  <a16:creationId xmlns:a16="http://schemas.microsoft.com/office/drawing/2014/main" id="{546270D9-CDFC-0343-950A-3366E4F90986}"/>
+                </a:ext>
+              </a:extLst>
+            </p:cNvPr>
+            <p:cNvPicPr>
+              <a:picLocks noChangeAspect="1"/>
+            </p:cNvPicPr>
+            <p:nvPr>
+              <p:custDataLst>
+                <p:tags r:id="rId3"/>
+              </p:custDataLst>
+            </p:nvPr>
+          </p:nvPicPr>
+          <p:blipFill>
+            <a:blip r:embed="rId20">
+              <a:extLst>
+                <a:ext uri="{28A0092B-C50C-407E-A947-70E740481C1C}">
+                  <a14:useLocalDpi xmlns:a14="http://schemas.microsoft.com/office/drawing/2010/main" val="0"/>
+                </a:ext>
+              </a:extLst>
+            </a:blip>
+            <a:stretch>
+              <a:fillRect/>
+            </a:stretch>
+          </p:blipFill>
+          <p:spPr>
+            <a:xfrm>
+              <a:off x="450763" y="2538226"/>
+              <a:ext cx="1793523" cy="227048"/>
+            </a:xfrm>
+            <a:prstGeom prst="rect">
+              <a:avLst/>
+            </a:prstGeom>
+          </p:spPr>
+        </p:pic>
+        <p:pic>
+          <p:nvPicPr>
+            <p:cNvPr id="97" name="Picture 96">
+              <a:extLst>
+                <a:ext uri="{FF2B5EF4-FFF2-40B4-BE49-F238E27FC236}">
+                  <a16:creationId xmlns:a16="http://schemas.microsoft.com/office/drawing/2014/main" id="{25F4A0CE-93D1-7447-AF8C-291E43A5FB84}"/>
+                </a:ext>
+              </a:extLst>
+            </p:cNvPr>
+            <p:cNvPicPr>
+              <a:picLocks noChangeAspect="1"/>
+            </p:cNvPicPr>
+            <p:nvPr>
+              <p:custDataLst>
+                <p:tags r:id="rId4"/>
+              </p:custDataLst>
+            </p:nvPr>
+          </p:nvPicPr>
+          <p:blipFill>
+            <a:blip r:embed="rId21">
+              <a:extLst>
+                <a:ext uri="{28A0092B-C50C-407E-A947-70E740481C1C}">
+                  <a14:useLocalDpi xmlns:a14="http://schemas.microsoft.com/office/drawing/2010/main" val="0"/>
+                </a:ext>
+              </a:extLst>
+            </a:blip>
+            <a:stretch>
+              <a:fillRect/>
+            </a:stretch>
+          </p:blipFill>
+          <p:spPr>
+            <a:xfrm>
+              <a:off x="3265956" y="504911"/>
+              <a:ext cx="1607311" cy="229616"/>
+            </a:xfrm>
+            <a:prstGeom prst="rect">
+              <a:avLst/>
+            </a:prstGeom>
+          </p:spPr>
+        </p:pic>
+        <p:cxnSp>
+          <p:nvCxnSpPr>
+            <p:cNvPr id="80" name="직선 화살표 연결선 7 1">
+              <a:extLst>
+                <a:ext uri="{FF2B5EF4-FFF2-40B4-BE49-F238E27FC236}">
+                  <a16:creationId xmlns:a16="http://schemas.microsoft.com/office/drawing/2014/main" id="{72855578-D8BB-A042-9C26-471F1E0E3E50}"/>
+                </a:ext>
+              </a:extLst>
+            </p:cNvPr>
+            <p:cNvCxnSpPr>
+              <a:cxnSpLocks/>
+            </p:cNvCxnSpPr>
+            <p:nvPr/>
+          </p:nvCxnSpPr>
+          <p:spPr>
+            <a:xfrm rot="5400000" flipV="1">
+              <a:off x="1511737" y="1892229"/>
+              <a:ext cx="0" cy="915214"/>
+            </a:xfrm>
+            <a:prstGeom prst="straightConnector1">
+              <a:avLst/>
+            </a:prstGeom>
+            <a:ln w="28575">
+              <a:solidFill>
+                <a:srgbClr val="FF0000"/>
+              </a:solidFill>
+              <a:tailEnd type="triangle" w="lg" len="lg"/>
+            </a:ln>
+          </p:spPr>
+          <p:style>
+            <a:lnRef idx="1">
+              <a:schemeClr val="accent1"/>
+            </a:lnRef>
+            <a:fillRef idx="0">
+              <a:schemeClr val="accent1"/>
+            </a:fillRef>
+            <a:effectRef idx="0">
+              <a:schemeClr val="accent1"/>
+            </a:effectRef>
+            <a:fontRef idx="minor">
+              <a:schemeClr val="tx1"/>
+            </a:fontRef>
+          </p:style>
+        </p:cxnSp>
+        <p:cxnSp>
+          <p:nvCxnSpPr>
+            <p:cNvPr id="81" name="직선 화살표 연결선 8 1">
+              <a:extLst>
+                <a:ext uri="{FF2B5EF4-FFF2-40B4-BE49-F238E27FC236}">
+                  <a16:creationId xmlns:a16="http://schemas.microsoft.com/office/drawing/2014/main" id="{026FFF0D-BB9F-F348-B1F3-74B701B4E933}"/>
+                </a:ext>
+              </a:extLst>
+            </p:cNvPr>
+            <p:cNvCxnSpPr>
+              <a:cxnSpLocks/>
+            </p:cNvCxnSpPr>
+            <p:nvPr/>
+          </p:nvCxnSpPr>
+          <p:spPr>
+            <a:xfrm rot="5400000" flipH="1">
+              <a:off x="608476" y="1895490"/>
+              <a:ext cx="900000" cy="8692"/>
+            </a:xfrm>
+            <a:prstGeom prst="straightConnector1">
+              <a:avLst/>
+            </a:prstGeom>
+            <a:ln w="28575">
+              <a:solidFill>
+                <a:srgbClr val="0432FF"/>
+              </a:solidFill>
+              <a:tailEnd type="triangle" w="lg" len="lg"/>
+            </a:ln>
+          </p:spPr>
+          <p:style>
+            <a:lnRef idx="1">
+              <a:schemeClr val="accent1"/>
+            </a:lnRef>
+            <a:fillRef idx="0">
+              <a:schemeClr val="accent1"/>
+            </a:fillRef>
+            <a:effectRef idx="0">
+              <a:schemeClr val="accent1"/>
+            </a:effectRef>
+            <a:fontRef idx="minor">
+              <a:schemeClr val="tx1"/>
+            </a:fontRef>
+          </p:style>
+        </p:cxnSp>
+        <p:sp>
+          <p:nvSpPr>
+            <p:cNvPr id="82" name="타원 9 1">
+              <a:extLst>
+                <a:ext uri="{FF2B5EF4-FFF2-40B4-BE49-F238E27FC236}">
+                  <a16:creationId xmlns:a16="http://schemas.microsoft.com/office/drawing/2014/main" id="{B21705BA-E6A9-1546-ACEA-D02055C476BE}"/>
+                </a:ext>
+              </a:extLst>
+            </p:cNvPr>
+            <p:cNvSpPr/>
+            <p:nvPr/>
+          </p:nvSpPr>
+          <p:spPr>
+            <a:xfrm rot="5400000">
+              <a:off x="943172" y="2220856"/>
+              <a:ext cx="252000" cy="252000"/>
+            </a:xfrm>
+            <a:prstGeom prst="ellipse">
+              <a:avLst/>
+            </a:prstGeom>
+            <a:noFill/>
+            <a:ln w="28575">
+              <a:solidFill>
+                <a:srgbClr val="05B050"/>
+              </a:solidFill>
+            </a:ln>
+          </p:spPr>
+          <p:style>
+            <a:lnRef idx="2">
+              <a:schemeClr val="accent1">
+                <a:shade val="50000"/>
+              </a:schemeClr>
+            </a:lnRef>
+            <a:fillRef idx="1">
+              <a:schemeClr val="accent1"/>
+            </a:fillRef>
+            <a:effectRef idx="0">
+              <a:schemeClr val="accent1"/>
+            </a:effectRef>
+            <a:fontRef idx="minor">
+              <a:schemeClr val="lt1"/>
+            </a:fontRef>
+          </p:style>
+          <p:txBody>
+            <a:bodyPr rtlCol="0" anchor="ctr"/>
+            <a:lstStyle/>
+            <a:p>
+              <a:pPr algn="ctr"/>
+              <a:endParaRPr lang="ko-KR" altLang="en-US" dirty="0"/>
+            </a:p>
+          </p:txBody>
+        </p:sp>
+        <p:cxnSp>
+          <p:nvCxnSpPr>
+            <p:cNvPr id="20" name="Straight Connector 19">
+              <a:extLst>
+                <a:ext uri="{FF2B5EF4-FFF2-40B4-BE49-F238E27FC236}">
+                  <a16:creationId xmlns:a16="http://schemas.microsoft.com/office/drawing/2014/main" id="{2DA1C5E9-71B3-1F4C-8653-C68EB6FD849A}"/>
+                </a:ext>
+              </a:extLst>
+            </p:cNvPr>
+            <p:cNvCxnSpPr>
+              <a:cxnSpLocks/>
+              <a:stCxn id="82" idx="5"/>
+              <a:endCxn id="82" idx="1"/>
+            </p:cNvCxnSpPr>
+            <p:nvPr/>
+          </p:nvCxnSpPr>
+          <p:spPr>
+            <a:xfrm flipV="1">
+              <a:off x="980077" y="2257761"/>
+              <a:ext cx="178190" cy="178190"/>
+            </a:xfrm>
+            <a:prstGeom prst="line">
+              <a:avLst/>
+            </a:prstGeom>
+            <a:ln w="28575">
+              <a:solidFill>
+                <a:srgbClr val="05B050"/>
+              </a:solidFill>
+            </a:ln>
+          </p:spPr>
+          <p:style>
+            <a:lnRef idx="1">
+              <a:schemeClr val="accent1"/>
+            </a:lnRef>
+            <a:fillRef idx="0">
+              <a:schemeClr val="accent1"/>
+            </a:fillRef>
+            <a:effectRef idx="0">
+              <a:schemeClr val="accent1"/>
+            </a:effectRef>
+            <a:fontRef idx="minor">
+              <a:schemeClr val="tx1"/>
+            </a:fontRef>
+          </p:style>
+        </p:cxnSp>
+        <p:cxnSp>
+          <p:nvCxnSpPr>
+            <p:cNvPr id="84" name="Straight Connector 83">
+              <a:extLst>
+                <a:ext uri="{FF2B5EF4-FFF2-40B4-BE49-F238E27FC236}">
+                  <a16:creationId xmlns:a16="http://schemas.microsoft.com/office/drawing/2014/main" id="{A0122759-45DC-B142-B0FB-B925DD0DA961}"/>
+                </a:ext>
+              </a:extLst>
+            </p:cNvPr>
+            <p:cNvCxnSpPr>
+              <a:cxnSpLocks/>
+              <a:stCxn id="82" idx="7"/>
+              <a:endCxn id="82" idx="3"/>
+            </p:cNvCxnSpPr>
+            <p:nvPr/>
+          </p:nvCxnSpPr>
+          <p:spPr>
+            <a:xfrm flipH="1" flipV="1">
+              <a:off x="980077" y="2257761"/>
+              <a:ext cx="178190" cy="178190"/>
+            </a:xfrm>
+            <a:prstGeom prst="line">
+              <a:avLst/>
+            </a:prstGeom>
+            <a:ln w="28575">
+              <a:solidFill>
+                <a:srgbClr val="05B050"/>
+              </a:solidFill>
+            </a:ln>
+          </p:spPr>
+          <p:style>
+            <a:lnRef idx="1">
+              <a:schemeClr val="accent1"/>
+            </a:lnRef>
+            <a:fillRef idx="0">
+              <a:schemeClr val="accent1"/>
+            </a:fillRef>
+            <a:effectRef idx="0">
+              <a:schemeClr val="accent1"/>
+            </a:effectRef>
+            <a:fontRef idx="minor">
+              <a:schemeClr val="tx1"/>
+            </a:fontRef>
+          </p:style>
+        </p:cxnSp>
+        <p:sp>
+          <p:nvSpPr>
+            <p:cNvPr id="91" name="Right Arrow 90">
+              <a:extLst>
+                <a:ext uri="{FF2B5EF4-FFF2-40B4-BE49-F238E27FC236}">
+                  <a16:creationId xmlns:a16="http://schemas.microsoft.com/office/drawing/2014/main" id="{5C96104A-5951-F946-8CE5-8F1CEBE288E0}"/>
+                </a:ext>
+              </a:extLst>
+            </p:cNvPr>
+            <p:cNvSpPr/>
+            <p:nvPr/>
+          </p:nvSpPr>
+          <p:spPr>
+            <a:xfrm rot="5400000">
+              <a:off x="3474892" y="1939130"/>
+              <a:ext cx="1033200" cy="322175"/>
+            </a:xfrm>
+            <a:prstGeom prst="rightArrow">
+              <a:avLst/>
+            </a:prstGeom>
+            <a:solidFill>
+              <a:srgbClr val="B5838D"/>
+            </a:solidFill>
+            <a:ln>
+              <a:solidFill>
+                <a:schemeClr val="tx1"/>
+              </a:solidFill>
+            </a:ln>
+          </p:spPr>
+          <p:style>
+            <a:lnRef idx="2">
+              <a:schemeClr val="accent1">
+                <a:shade val="50000"/>
+              </a:schemeClr>
+            </a:lnRef>
+            <a:fillRef idx="1">
+              <a:schemeClr val="accent1"/>
+            </a:fillRef>
+            <a:effectRef idx="0">
+              <a:schemeClr val="accent1"/>
+            </a:effectRef>
+            <a:fontRef idx="minor">
+              <a:schemeClr val="lt1"/>
+            </a:fontRef>
+          </p:style>
+          <p:txBody>
+            <a:bodyPr rtlCol="0" anchor="ctr"/>
+            <a:lstStyle/>
+            <a:p>
+              <a:pPr algn="ctr"/>
+              <a:endParaRPr lang="en-KR"/>
+            </a:p>
+          </p:txBody>
+        </p:sp>
+        <p:cxnSp>
+          <p:nvCxnSpPr>
+            <p:cNvPr id="86" name="직선 화살표 연결선 7 2">
+              <a:extLst>
+                <a:ext uri="{FF2B5EF4-FFF2-40B4-BE49-F238E27FC236}">
+                  <a16:creationId xmlns:a16="http://schemas.microsoft.com/office/drawing/2014/main" id="{B36368B6-9A18-D944-95D7-A9A925D44470}"/>
+                </a:ext>
+              </a:extLst>
+            </p:cNvPr>
+            <p:cNvCxnSpPr>
+              <a:cxnSpLocks/>
+            </p:cNvCxnSpPr>
+            <p:nvPr/>
+          </p:nvCxnSpPr>
+          <p:spPr>
+            <a:xfrm rot="2746800" flipV="1">
+              <a:off x="4303040" y="799710"/>
+              <a:ext cx="0" cy="915214"/>
+            </a:xfrm>
+            <a:prstGeom prst="straightConnector1">
+              <a:avLst/>
+            </a:prstGeom>
+            <a:ln w="28575">
+              <a:solidFill>
+                <a:srgbClr val="FF0000"/>
+              </a:solidFill>
+              <a:tailEnd type="triangle" w="lg" len="lg"/>
+            </a:ln>
+          </p:spPr>
+          <p:style>
+            <a:lnRef idx="1">
+              <a:schemeClr val="accent1"/>
+            </a:lnRef>
+            <a:fillRef idx="0">
+              <a:schemeClr val="accent1"/>
+            </a:fillRef>
+            <a:effectRef idx="0">
+              <a:schemeClr val="accent1"/>
+            </a:effectRef>
+            <a:fontRef idx="minor">
+              <a:schemeClr val="tx1"/>
+            </a:fontRef>
+          </p:style>
+        </p:cxnSp>
+        <p:cxnSp>
+          <p:nvCxnSpPr>
+            <p:cNvPr id="87" name="직선 화살표 연결선 8 2">
+              <a:extLst>
+                <a:ext uri="{FF2B5EF4-FFF2-40B4-BE49-F238E27FC236}">
+                  <a16:creationId xmlns:a16="http://schemas.microsoft.com/office/drawing/2014/main" id="{BD322C7C-4405-F04E-A489-9E1CEC36F9D1}"/>
+                </a:ext>
+              </a:extLst>
+            </p:cNvPr>
+            <p:cNvCxnSpPr>
+              <a:cxnSpLocks/>
+            </p:cNvCxnSpPr>
+            <p:nvPr/>
+          </p:nvCxnSpPr>
+          <p:spPr>
+            <a:xfrm rot="2746800" flipH="1">
+              <a:off x="3214366" y="1246582"/>
+              <a:ext cx="900000" cy="8692"/>
+            </a:xfrm>
+            <a:prstGeom prst="straightConnector1">
+              <a:avLst/>
+            </a:prstGeom>
+            <a:ln w="28575">
+              <a:solidFill>
+                <a:srgbClr val="0432FF"/>
+              </a:solidFill>
+              <a:tailEnd type="triangle" w="lg" len="lg"/>
+            </a:ln>
+          </p:spPr>
+          <p:style>
+            <a:lnRef idx="1">
+              <a:schemeClr val="accent1"/>
+            </a:lnRef>
+            <a:fillRef idx="0">
+              <a:schemeClr val="accent1"/>
+            </a:fillRef>
+            <a:effectRef idx="0">
+              <a:schemeClr val="accent1"/>
+            </a:effectRef>
+            <a:fontRef idx="minor">
+              <a:schemeClr val="tx1"/>
+            </a:fontRef>
+          </p:style>
+        </p:cxnSp>
+        <p:sp>
+          <p:nvSpPr>
+            <p:cNvPr id="88" name="타원 9 2">
+              <a:extLst>
+                <a:ext uri="{FF2B5EF4-FFF2-40B4-BE49-F238E27FC236}">
+                  <a16:creationId xmlns:a16="http://schemas.microsoft.com/office/drawing/2014/main" id="{B85E5B04-16BB-E649-A43E-B57876B99F99}"/>
+                </a:ext>
+              </a:extLst>
+            </p:cNvPr>
+            <p:cNvSpPr/>
+            <p:nvPr/>
+          </p:nvSpPr>
+          <p:spPr>
+            <a:xfrm rot="2746800">
+              <a:off x="3857790" y="1437833"/>
+              <a:ext cx="252000" cy="252000"/>
+            </a:xfrm>
+            <a:prstGeom prst="ellipse">
+              <a:avLst/>
+            </a:prstGeom>
+            <a:noFill/>
+            <a:ln w="28575">
+              <a:solidFill>
+                <a:srgbClr val="05B050"/>
+              </a:solidFill>
+            </a:ln>
+          </p:spPr>
+          <p:style>
+            <a:lnRef idx="2">
+              <a:schemeClr val="accent1">
+                <a:shade val="50000"/>
+              </a:schemeClr>
+            </a:lnRef>
+            <a:fillRef idx="1">
+              <a:schemeClr val="accent1"/>
+            </a:fillRef>
+            <a:effectRef idx="0">
+              <a:schemeClr val="accent1"/>
+            </a:effectRef>
+            <a:fontRef idx="minor">
+              <a:schemeClr val="lt1"/>
+            </a:fontRef>
+          </p:style>
+          <p:txBody>
+            <a:bodyPr rtlCol="0" anchor="ctr"/>
+            <a:lstStyle/>
+            <a:p>
+              <a:pPr algn="ctr"/>
+              <a:endParaRPr lang="ko-KR" altLang="en-US" dirty="0"/>
+            </a:p>
+          </p:txBody>
+        </p:sp>
+        <p:cxnSp>
+          <p:nvCxnSpPr>
+            <p:cNvPr id="89" name="Straight Connector 88">
+              <a:extLst>
+                <a:ext uri="{FF2B5EF4-FFF2-40B4-BE49-F238E27FC236}">
+                  <a16:creationId xmlns:a16="http://schemas.microsoft.com/office/drawing/2014/main" id="{D02FC956-BB9B-524C-B334-A5E8A530A664}"/>
+                </a:ext>
+              </a:extLst>
+            </p:cNvPr>
+            <p:cNvCxnSpPr>
+              <a:cxnSpLocks/>
+              <a:stCxn id="88" idx="5"/>
+              <a:endCxn id="88" idx="1"/>
+            </p:cNvCxnSpPr>
+            <p:nvPr/>
+          </p:nvCxnSpPr>
+          <p:spPr>
+            <a:xfrm rot="18946800" flipV="1">
+              <a:off x="3894695" y="1474738"/>
+              <a:ext cx="178190" cy="178190"/>
+            </a:xfrm>
+            <a:prstGeom prst="line">
+              <a:avLst/>
+            </a:prstGeom>
+            <a:ln w="28575">
+              <a:solidFill>
+                <a:srgbClr val="05B050"/>
+              </a:solidFill>
+            </a:ln>
+          </p:spPr>
+          <p:style>
+            <a:lnRef idx="1">
+              <a:schemeClr val="accent1"/>
+            </a:lnRef>
+            <a:fillRef idx="0">
+              <a:schemeClr val="accent1"/>
+            </a:fillRef>
+            <a:effectRef idx="0">
+              <a:schemeClr val="accent1"/>
+            </a:effectRef>
+            <a:fontRef idx="minor">
+              <a:schemeClr val="tx1"/>
+            </a:fontRef>
+          </p:style>
+        </p:cxnSp>
+        <p:cxnSp>
+          <p:nvCxnSpPr>
+            <p:cNvPr id="90" name="Straight Connector 89">
+              <a:extLst>
+                <a:ext uri="{FF2B5EF4-FFF2-40B4-BE49-F238E27FC236}">
+                  <a16:creationId xmlns:a16="http://schemas.microsoft.com/office/drawing/2014/main" id="{C3D1A28F-5502-EE4C-823B-BA24CB631E7D}"/>
+                </a:ext>
+              </a:extLst>
+            </p:cNvPr>
+            <p:cNvCxnSpPr>
+              <a:cxnSpLocks/>
+              <a:stCxn id="88" idx="7"/>
+              <a:endCxn id="88" idx="3"/>
+            </p:cNvCxnSpPr>
+            <p:nvPr/>
+          </p:nvCxnSpPr>
+          <p:spPr>
+            <a:xfrm rot="18946800" flipH="1" flipV="1">
+              <a:off x="3894695" y="1474738"/>
+              <a:ext cx="178190" cy="178190"/>
+            </a:xfrm>
+            <a:prstGeom prst="line">
+              <a:avLst/>
+            </a:prstGeom>
+            <a:ln w="28575">
+              <a:solidFill>
+                <a:srgbClr val="05B050"/>
+              </a:solidFill>
+            </a:ln>
+          </p:spPr>
+          <p:style>
+            <a:lnRef idx="1">
+              <a:schemeClr val="accent1"/>
+            </a:lnRef>
+            <a:fillRef idx="0">
+              <a:schemeClr val="accent1"/>
+            </a:fillRef>
+            <a:effectRef idx="0">
+              <a:schemeClr val="accent1"/>
+            </a:effectRef>
+            <a:fontRef idx="minor">
+              <a:schemeClr val="tx1"/>
+            </a:fontRef>
+          </p:style>
+        </p:cxnSp>
+        <p:pic>
+          <p:nvPicPr>
+            <p:cNvPr id="118" name="Picture 117">
+              <a:extLst>
+                <a:ext uri="{FF2B5EF4-FFF2-40B4-BE49-F238E27FC236}">
+                  <a16:creationId xmlns:a16="http://schemas.microsoft.com/office/drawing/2014/main" id="{2EA962F9-F917-494C-A4B2-B60BD71EC46F}"/>
+                </a:ext>
+              </a:extLst>
+            </p:cNvPr>
+            <p:cNvPicPr>
+              <a:picLocks noChangeAspect="1"/>
+            </p:cNvPicPr>
+            <p:nvPr>
+              <p:custDataLst>
+                <p:tags r:id="rId5"/>
+              </p:custDataLst>
+            </p:nvPr>
+          </p:nvPicPr>
+          <p:blipFill>
+            <a:blip r:embed="rId22">
+              <a:extLst>
+                <a:ext uri="{28A0092B-C50C-407E-A947-70E740481C1C}">
+                  <a14:useLocalDpi xmlns:a14="http://schemas.microsoft.com/office/drawing/2010/main" val="0"/>
+                </a:ext>
+              </a:extLst>
+            </a:blip>
+            <a:stretch>
+              <a:fillRect/>
+            </a:stretch>
+          </p:blipFill>
+          <p:spPr>
+            <a:xfrm>
+              <a:off x="2583875" y="2729759"/>
+              <a:ext cx="2383536" cy="254000"/>
+            </a:xfrm>
+            <a:prstGeom prst="rect">
+              <a:avLst/>
+            </a:prstGeom>
+          </p:spPr>
+        </p:pic>
+        <p:pic>
+          <p:nvPicPr>
+            <p:cNvPr id="129" name="Picture 128">
+              <a:extLst>
+                <a:ext uri="{FF2B5EF4-FFF2-40B4-BE49-F238E27FC236}">
+                  <a16:creationId xmlns:a16="http://schemas.microsoft.com/office/drawing/2014/main" id="{3BE7F97F-A5C4-494A-8853-5822C6740E2B}"/>
+                </a:ext>
+              </a:extLst>
+            </p:cNvPr>
+            <p:cNvPicPr>
+              <a:picLocks noChangeAspect="1"/>
+            </p:cNvPicPr>
+            <p:nvPr>
+              <p:custDataLst>
+                <p:tags r:id="rId6"/>
+              </p:custDataLst>
+            </p:nvPr>
+          </p:nvPicPr>
+          <p:blipFill>
+            <a:blip r:embed="rId23">
+              <a:extLst>
+                <a:ext uri="{28A0092B-C50C-407E-A947-70E740481C1C}">
+                  <a14:useLocalDpi xmlns:a14="http://schemas.microsoft.com/office/drawing/2010/main" val="0"/>
+                </a:ext>
+              </a:extLst>
+            </a:blip>
+            <a:stretch>
+              <a:fillRect/>
+            </a:stretch>
+          </p:blipFill>
+          <p:spPr>
+            <a:xfrm>
+              <a:off x="5252421" y="545909"/>
+              <a:ext cx="2474976" cy="254000"/>
+            </a:xfrm>
+            <a:prstGeom prst="rect">
+              <a:avLst/>
+            </a:prstGeom>
+          </p:spPr>
+        </p:pic>
+        <p:pic>
+          <p:nvPicPr>
+            <p:cNvPr id="42" name="그림 41">
+              <a:extLst>
+                <a:ext uri="{FF2B5EF4-FFF2-40B4-BE49-F238E27FC236}">
+                  <a16:creationId xmlns:a16="http://schemas.microsoft.com/office/drawing/2014/main" id="{3A78060A-46EA-4F89-9927-25CFD9D923F3}"/>
+                </a:ext>
+              </a:extLst>
+            </p:cNvPr>
+            <p:cNvPicPr>
+              <a:picLocks noChangeAspect="1"/>
+            </p:cNvPicPr>
+            <p:nvPr>
+              <p:custDataLst>
+                <p:tags r:id="rId7"/>
+              </p:custDataLst>
+            </p:nvPr>
+          </p:nvPicPr>
+          <p:blipFill>
+            <a:blip r:embed="rId24">
+              <a:extLst>
+                <a:ext uri="{28A0092B-C50C-407E-A947-70E740481C1C}">
+                  <a14:useLocalDpi xmlns:a14="http://schemas.microsoft.com/office/drawing/2010/main" val="0"/>
+                </a:ext>
+              </a:extLst>
+            </a:blip>
+            <a:stretch>
+              <a:fillRect/>
+            </a:stretch>
+          </p:blipFill>
+          <p:spPr>
+            <a:xfrm>
+              <a:off x="5934967" y="1273158"/>
+              <a:ext cx="5971808" cy="771048"/>
+            </a:xfrm>
+            <a:prstGeom prst="rect">
+              <a:avLst/>
+            </a:prstGeom>
+          </p:spPr>
+        </p:pic>
+        <p:pic>
+          <p:nvPicPr>
+            <p:cNvPr id="23" name="그림 22">
+              <a:extLst>
+                <a:ext uri="{FF2B5EF4-FFF2-40B4-BE49-F238E27FC236}">
+                  <a16:creationId xmlns:a16="http://schemas.microsoft.com/office/drawing/2014/main" id="{55C2326E-0C0D-4854-94A6-1D2FE404F938}"/>
+                </a:ext>
+              </a:extLst>
+            </p:cNvPr>
+            <p:cNvPicPr>
+              <a:picLocks noChangeAspect="1"/>
+            </p:cNvPicPr>
+            <p:nvPr>
+              <p:custDataLst>
+                <p:tags r:id="rId8"/>
+              </p:custDataLst>
+            </p:nvPr>
+          </p:nvPicPr>
+          <p:blipFill>
+            <a:blip r:embed="rId25">
+              <a:extLst>
+                <a:ext uri="{28A0092B-C50C-407E-A947-70E740481C1C}">
+                  <a14:useLocalDpi xmlns:a14="http://schemas.microsoft.com/office/drawing/2010/main" val="0"/>
+                </a:ext>
+              </a:extLst>
+            </a:blip>
+            <a:stretch>
+              <a:fillRect/>
+            </a:stretch>
+          </p:blipFill>
+          <p:spPr>
+            <a:xfrm>
+              <a:off x="5041464" y="912850"/>
+              <a:ext cx="3043047" cy="289524"/>
+            </a:xfrm>
+            <a:prstGeom prst="rect">
+              <a:avLst/>
+            </a:prstGeom>
+          </p:spPr>
+        </p:pic>
+        <p:pic>
+          <p:nvPicPr>
+            <p:cNvPr id="43" name="Picture 42">
+              <a:extLst>
+                <a:ext uri="{FF2B5EF4-FFF2-40B4-BE49-F238E27FC236}">
+                  <a16:creationId xmlns:a16="http://schemas.microsoft.com/office/drawing/2014/main" id="{B8AAD82D-6DD1-6B42-B373-D6CBB27F096B}"/>
+                </a:ext>
+              </a:extLst>
+            </p:cNvPr>
+            <p:cNvPicPr>
+              <a:picLocks noChangeAspect="1"/>
+            </p:cNvPicPr>
+            <p:nvPr>
+              <p:custDataLst>
+                <p:tags r:id="rId9"/>
+              </p:custDataLst>
+            </p:nvPr>
+          </p:nvPicPr>
+          <p:blipFill>
+            <a:blip r:embed="rId26">
+              <a:extLst>
+                <a:ext uri="{28A0092B-C50C-407E-A947-70E740481C1C}">
+                  <a14:useLocalDpi xmlns:a14="http://schemas.microsoft.com/office/drawing/2010/main" val="0"/>
+                </a:ext>
+              </a:extLst>
+            </a:blip>
+            <a:stretch>
+              <a:fillRect/>
+            </a:stretch>
+          </p:blipFill>
+          <p:spPr>
+            <a:xfrm>
+              <a:off x="5934966" y="2268310"/>
+              <a:ext cx="2334768" cy="254000"/>
+            </a:xfrm>
+            <a:prstGeom prst="rect">
+              <a:avLst/>
+            </a:prstGeom>
+          </p:spPr>
+        </p:pic>
+        <p:pic>
+          <p:nvPicPr>
+            <p:cNvPr id="28" name="그림 27">
+              <a:extLst>
+                <a:ext uri="{FF2B5EF4-FFF2-40B4-BE49-F238E27FC236}">
+                  <a16:creationId xmlns:a16="http://schemas.microsoft.com/office/drawing/2014/main" id="{FB21D837-2A07-4070-86FB-D006E0B5F205}"/>
+                </a:ext>
+              </a:extLst>
+            </p:cNvPr>
+            <p:cNvPicPr>
+              <a:picLocks noChangeAspect="1"/>
+            </p:cNvPicPr>
+            <p:nvPr>
+              <p:custDataLst>
+                <p:tags r:id="rId10"/>
+              </p:custDataLst>
+            </p:nvPr>
+          </p:nvPicPr>
+          <p:blipFill>
+            <a:blip r:embed="rId27">
+              <a:extLst>
+                <a:ext uri="{28A0092B-C50C-407E-A947-70E740481C1C}">
+                  <a14:useLocalDpi xmlns:a14="http://schemas.microsoft.com/office/drawing/2010/main" val="0"/>
+                </a:ext>
+              </a:extLst>
+            </a:blip>
+            <a:stretch>
+              <a:fillRect/>
+            </a:stretch>
+          </p:blipFill>
+          <p:spPr>
+            <a:xfrm>
+              <a:off x="1422468" y="533296"/>
+              <a:ext cx="1170286" cy="443429"/>
+            </a:xfrm>
+            <a:prstGeom prst="rect">
+              <a:avLst/>
+            </a:prstGeom>
+          </p:spPr>
+        </p:pic>
+        <p:sp>
+          <p:nvSpPr>
+            <p:cNvPr id="83" name="Arc 82">
+              <a:extLst>
+                <a:ext uri="{FF2B5EF4-FFF2-40B4-BE49-F238E27FC236}">
+                  <a16:creationId xmlns:a16="http://schemas.microsoft.com/office/drawing/2014/main" id="{E182815B-2AAB-D24A-A9B8-51C9CE16F9A5}"/>
+                </a:ext>
+              </a:extLst>
+            </p:cNvPr>
+            <p:cNvSpPr/>
+            <p:nvPr/>
+          </p:nvSpPr>
+          <p:spPr>
+            <a:xfrm rot="1179919">
+              <a:off x="3581916" y="1092835"/>
+              <a:ext cx="853200" cy="851374"/>
+            </a:xfrm>
+            <a:prstGeom prst="arc">
+              <a:avLst>
+                <a:gd name="adj1" fmla="val 17881207"/>
+                <a:gd name="adj2" fmla="val 20867857"/>
+              </a:avLst>
+            </a:prstGeom>
+            <a:ln w="38100">
+              <a:solidFill>
+                <a:schemeClr val="tx1"/>
+              </a:solidFill>
+              <a:headEnd type="none" w="med" len="med"/>
+              <a:tailEnd type="none" w="med" len="med"/>
+            </a:ln>
+          </p:spPr>
+          <p:style>
+            <a:lnRef idx="1">
+              <a:schemeClr val="dk1"/>
+            </a:lnRef>
+            <a:fillRef idx="0">
+              <a:schemeClr val="dk1"/>
+            </a:fillRef>
+            <a:effectRef idx="0">
+              <a:schemeClr val="dk1"/>
+            </a:effectRef>
+            <a:fontRef idx="minor">
+              <a:schemeClr val="tx1"/>
+            </a:fontRef>
+          </p:style>
+          <p:txBody>
+            <a:bodyPr rtlCol="0" anchor="ctr"/>
+            <a:lstStyle/>
+            <a:p>
+              <a:pPr algn="ctr"/>
+              <a:endParaRPr lang="en-KR"/>
+            </a:p>
+          </p:txBody>
+        </p:sp>
+        <p:pic>
+          <p:nvPicPr>
+            <p:cNvPr id="64" name="Picture 63">
+              <a:extLst>
+                <a:ext uri="{FF2B5EF4-FFF2-40B4-BE49-F238E27FC236}">
+                  <a16:creationId xmlns:a16="http://schemas.microsoft.com/office/drawing/2014/main" id="{293BE928-6FAE-3944-91AD-998E2200C68C}"/>
+                </a:ext>
+              </a:extLst>
+            </p:cNvPr>
+            <p:cNvPicPr>
+              <a:picLocks noChangeAspect="1"/>
+            </p:cNvPicPr>
+            <p:nvPr>
+              <p:custDataLst>
+                <p:tags r:id="rId11"/>
+              </p:custDataLst>
+            </p:nvPr>
+          </p:nvPicPr>
+          <p:blipFill>
+            <a:blip r:embed="rId28">
+              <a:extLst>
+                <a:ext uri="{28A0092B-C50C-407E-A947-70E740481C1C}">
+                  <a14:useLocalDpi xmlns:a14="http://schemas.microsoft.com/office/drawing/2010/main" val="0"/>
+                </a:ext>
+              </a:extLst>
+            </a:blip>
+            <a:stretch>
+              <a:fillRect/>
+            </a:stretch>
+          </p:blipFill>
+          <p:spPr>
+            <a:xfrm>
+              <a:off x="4512364" y="1185513"/>
+              <a:ext cx="335280" cy="178816"/>
+            </a:xfrm>
+            <a:prstGeom prst="rect">
+              <a:avLst/>
+            </a:prstGeom>
+          </p:spPr>
+        </p:pic>
+        <p:pic>
+          <p:nvPicPr>
+            <p:cNvPr id="45" name="그림 44">
+              <a:extLst>
+                <a:ext uri="{FF2B5EF4-FFF2-40B4-BE49-F238E27FC236}">
+                  <a16:creationId xmlns:a16="http://schemas.microsoft.com/office/drawing/2014/main" id="{363031AB-D935-43BD-B2FE-A33A46176DB2}"/>
+                </a:ext>
+              </a:extLst>
+            </p:cNvPr>
+            <p:cNvPicPr>
+              <a:picLocks noChangeAspect="1"/>
+            </p:cNvPicPr>
+            <p:nvPr>
+              <p:custDataLst>
+                <p:tags r:id="rId12"/>
+              </p:custDataLst>
+            </p:nvPr>
+          </p:nvPicPr>
+          <p:blipFill>
+            <a:blip r:embed="rId29">
+              <a:extLst>
+                <a:ext uri="{28A0092B-C50C-407E-A947-70E740481C1C}">
+                  <a14:useLocalDpi xmlns:a14="http://schemas.microsoft.com/office/drawing/2010/main" val="0"/>
+                </a:ext>
+              </a:extLst>
+            </a:blip>
+            <a:stretch>
+              <a:fillRect/>
+            </a:stretch>
+          </p:blipFill>
+          <p:spPr>
+            <a:xfrm>
+              <a:off x="5934966" y="2719616"/>
+              <a:ext cx="2236952" cy="274286"/>
+            </a:xfrm>
+            <a:prstGeom prst="rect">
+              <a:avLst/>
+            </a:prstGeom>
+          </p:spPr>
+        </p:pic>
+        <p:pic>
+          <p:nvPicPr>
+            <p:cNvPr id="56" name="그림 55">
+              <a:extLst>
+                <a:ext uri="{FF2B5EF4-FFF2-40B4-BE49-F238E27FC236}">
+                  <a16:creationId xmlns:a16="http://schemas.microsoft.com/office/drawing/2014/main" id="{3874D4AD-1228-48B2-8BC8-80A34F2084C5}"/>
+                </a:ext>
+              </a:extLst>
+            </p:cNvPr>
+            <p:cNvPicPr>
+              <a:picLocks noChangeAspect="1"/>
+            </p:cNvPicPr>
+            <p:nvPr>
+              <p:custDataLst>
+                <p:tags r:id="rId13"/>
+              </p:custDataLst>
+            </p:nvPr>
+          </p:nvPicPr>
+          <p:blipFill>
+            <a:blip r:embed="rId30">
+              <a:extLst>
+                <a:ext uri="{28A0092B-C50C-407E-A947-70E740481C1C}">
+                  <a14:useLocalDpi xmlns:a14="http://schemas.microsoft.com/office/drawing/2010/main" val="0"/>
+                </a:ext>
+              </a:extLst>
+            </a:blip>
+            <a:stretch>
+              <a:fillRect/>
+            </a:stretch>
+          </p:blipFill>
+          <p:spPr>
+            <a:xfrm>
+              <a:off x="8936264" y="2403623"/>
+              <a:ext cx="2848000" cy="254476"/>
+            </a:xfrm>
+            <a:prstGeom prst="rect">
+              <a:avLst/>
+            </a:prstGeom>
+          </p:spPr>
+        </p:pic>
+        <p:sp>
+          <p:nvSpPr>
+            <p:cNvPr id="78" name="직사각형 77">
+              <a:extLst>
+                <a:ext uri="{FF2B5EF4-FFF2-40B4-BE49-F238E27FC236}">
+                  <a16:creationId xmlns:a16="http://schemas.microsoft.com/office/drawing/2014/main" id="{499BEF72-B974-4CBA-9CEC-F617E17671A8}"/>
+                </a:ext>
+              </a:extLst>
+            </p:cNvPr>
+            <p:cNvSpPr/>
+            <p:nvPr/>
+          </p:nvSpPr>
+          <p:spPr>
+            <a:xfrm>
+              <a:off x="8862009" y="2343020"/>
+              <a:ext cx="2988000" cy="359249"/>
+            </a:xfrm>
+            <a:prstGeom prst="rect">
+              <a:avLst/>
+            </a:prstGeom>
+            <a:noFill/>
+            <a:ln w="28575">
               <a:solidFill>
                 <a:srgbClr val="114AFF"/>
               </a:solidFill>
-            </a:endParaRPr>
-          </a:p>
-        </p:txBody>
-      </p:sp>
-      <p:sp>
-        <p:nvSpPr>
-          <p:cNvPr id="79" name="TextBox 78">
-            <a:extLst>
-              <a:ext uri="{FF2B5EF4-FFF2-40B4-BE49-F238E27FC236}">
-                <a16:creationId xmlns:a16="http://schemas.microsoft.com/office/drawing/2014/main" id="{3CF3B848-711F-4D3F-8AB3-71B55F0BA80F}"/>
-              </a:ext>
-            </a:extLst>
-          </p:cNvPr>
-          <p:cNvSpPr txBox="1"/>
-          <p:nvPr/>
-        </p:nvSpPr>
-        <p:spPr>
-          <a:xfrm>
-            <a:off x="8551593" y="2675673"/>
-            <a:ext cx="3617342" cy="369332"/>
-          </a:xfrm>
-          <a:prstGeom prst="rect">
-            <a:avLst/>
-          </a:prstGeom>
-          <a:noFill/>
-        </p:spPr>
-        <p:txBody>
-          <a:bodyPr wrap="square" rtlCol="0">
-            <a:spAutoFit/>
-          </a:bodyPr>
-          <a:lstStyle/>
-          <a:p>
-            <a:pPr algn="ctr"/>
-            <a:r>
-              <a:rPr lang="en-US" altLang="ko-KR" dirty="0">
+            </a:ln>
+          </p:spPr>
+          <p:style>
+            <a:lnRef idx="2">
+              <a:schemeClr val="accent1">
+                <a:shade val="50000"/>
+              </a:schemeClr>
+            </a:lnRef>
+            <a:fillRef idx="1">
+              <a:schemeClr val="accent1"/>
+            </a:fillRef>
+            <a:effectRef idx="0">
+              <a:schemeClr val="accent1"/>
+            </a:effectRef>
+            <a:fontRef idx="minor">
+              <a:schemeClr val="lt1"/>
+            </a:fontRef>
+          </p:style>
+          <p:txBody>
+            <a:bodyPr rtlCol="0" anchor="ctr"/>
+            <a:lstStyle/>
+            <a:p>
+              <a:pPr algn="ctr"/>
+              <a:endParaRPr lang="ko-KR" altLang="en-US">
                 <a:solidFill>
                   <a:srgbClr val="114AFF"/>
                 </a:solidFill>
-              </a:rPr>
-              <a:t>Actual acceleration (Want to know)</a:t>
-            </a:r>
-            <a:endParaRPr lang="ko-KR" altLang="en-US" dirty="0">
+              </a:endParaRPr>
+            </a:p>
+          </p:txBody>
+        </p:sp>
+        <p:sp>
+          <p:nvSpPr>
+            <p:cNvPr id="79" name="TextBox 78">
+              <a:extLst>
+                <a:ext uri="{FF2B5EF4-FFF2-40B4-BE49-F238E27FC236}">
+                  <a16:creationId xmlns:a16="http://schemas.microsoft.com/office/drawing/2014/main" id="{3CF3B848-711F-4D3F-8AB3-71B55F0BA80F}"/>
+                </a:ext>
+              </a:extLst>
+            </p:cNvPr>
+            <p:cNvSpPr txBox="1"/>
+            <p:nvPr/>
+          </p:nvSpPr>
+          <p:spPr>
+            <a:xfrm>
+              <a:off x="8551593" y="2675673"/>
+              <a:ext cx="3617342" cy="369332"/>
+            </a:xfrm>
+            <a:prstGeom prst="rect">
+              <a:avLst/>
+            </a:prstGeom>
+            <a:noFill/>
+          </p:spPr>
+          <p:txBody>
+            <a:bodyPr wrap="square" rtlCol="0">
+              <a:spAutoFit/>
+            </a:bodyPr>
+            <a:lstStyle/>
+            <a:p>
+              <a:pPr algn="ctr"/>
+              <a:r>
+                <a:rPr lang="en-US" altLang="ko-KR" dirty="0">
+                  <a:solidFill>
+                    <a:srgbClr val="114AFF"/>
+                  </a:solidFill>
+                </a:rPr>
+                <a:t>Actual acceleration (Want to know)</a:t>
+              </a:r>
+              <a:endParaRPr lang="ko-KR" altLang="en-US" dirty="0">
+                <a:solidFill>
+                  <a:srgbClr val="114AFF"/>
+                </a:solidFill>
+              </a:endParaRPr>
+            </a:p>
+          </p:txBody>
+        </p:sp>
+        <p:cxnSp>
+          <p:nvCxnSpPr>
+            <p:cNvPr id="65" name="연결선: 꺾임 64">
+              <a:extLst>
+                <a:ext uri="{FF2B5EF4-FFF2-40B4-BE49-F238E27FC236}">
+                  <a16:creationId xmlns:a16="http://schemas.microsoft.com/office/drawing/2014/main" id="{F6E3378C-FAEC-49D8-9662-56B8DB18E2FA}"/>
+                </a:ext>
+              </a:extLst>
+            </p:cNvPr>
+            <p:cNvCxnSpPr>
+              <a:stCxn id="45" idx="3"/>
+              <a:endCxn id="78" idx="1"/>
+            </p:cNvCxnSpPr>
+            <p:nvPr/>
+          </p:nvCxnSpPr>
+          <p:spPr>
+            <a:xfrm flipV="1">
+              <a:off x="8171918" y="2522645"/>
+              <a:ext cx="690091" cy="334114"/>
+            </a:xfrm>
+            <a:prstGeom prst="bentConnector3">
+              <a:avLst/>
+            </a:prstGeom>
+            <a:ln w="38100">
               <a:solidFill>
-                <a:srgbClr val="114AFF"/>
+                <a:schemeClr val="tx1"/>
               </a:solidFill>
-            </a:endParaRPr>
-          </a:p>
-        </p:txBody>
-      </p:sp>
-      <p:cxnSp>
-        <p:nvCxnSpPr>
-          <p:cNvPr id="65" name="연결선: 꺾임 64">
-            <a:extLst>
-              <a:ext uri="{FF2B5EF4-FFF2-40B4-BE49-F238E27FC236}">
-                <a16:creationId xmlns:a16="http://schemas.microsoft.com/office/drawing/2014/main" id="{F6E3378C-FAEC-49D8-9662-56B8DB18E2FA}"/>
-              </a:ext>
-            </a:extLst>
-          </p:cNvPr>
-          <p:cNvCxnSpPr>
-            <a:stCxn id="45" idx="3"/>
-            <a:endCxn id="78" idx="1"/>
-          </p:cNvCxnSpPr>
-          <p:nvPr/>
-        </p:nvCxnSpPr>
-        <p:spPr>
-          <a:xfrm flipV="1">
-            <a:off x="8171918" y="2522645"/>
-            <a:ext cx="690091" cy="334114"/>
-          </a:xfrm>
-          <a:prstGeom prst="bentConnector3">
-            <a:avLst/>
-          </a:prstGeom>
-          <a:ln w="38100">
-            <a:solidFill>
+              <a:tailEnd type="triangle"/>
+            </a:ln>
+          </p:spPr>
+          <p:style>
+            <a:lnRef idx="1">
+              <a:schemeClr val="accent1"/>
+            </a:lnRef>
+            <a:fillRef idx="0">
+              <a:schemeClr val="accent1"/>
+            </a:fillRef>
+            <a:effectRef idx="0">
+              <a:schemeClr val="accent1"/>
+            </a:effectRef>
+            <a:fontRef idx="minor">
               <a:schemeClr val="tx1"/>
-            </a:solidFill>
-            <a:tailEnd type="triangle"/>
-          </a:ln>
-        </p:spPr>
-        <p:style>
-          <a:lnRef idx="1">
-            <a:schemeClr val="accent1"/>
-          </a:lnRef>
-          <a:fillRef idx="0">
-            <a:schemeClr val="accent1"/>
-          </a:fillRef>
-          <a:effectRef idx="0">
-            <a:schemeClr val="accent1"/>
-          </a:effectRef>
-          <a:fontRef idx="minor">
-            <a:schemeClr val="tx1"/>
-          </a:fontRef>
-        </p:style>
-      </p:cxnSp>
+            </a:fontRef>
+          </p:style>
+        </p:cxnSp>
+      </p:grpSp>
     </p:spTree>
     <p:extLst>
       <p:ext uri="{BB962C8B-B14F-4D97-AF65-F5344CB8AC3E}">

--- a/img/preintegration/preintegration_v2.pptx
+++ b/img/preintegration/preintegration_v2.pptx
@@ -16,7 +16,8 @@
     <p:sldId id="262" r:id="rId10"/>
     <p:sldId id="263" r:id="rId11"/>
     <p:sldId id="267" r:id="rId12"/>
-    <p:sldId id="261" r:id="rId13"/>
+    <p:sldId id="268" r:id="rId13"/>
+    <p:sldId id="261" r:id="rId14"/>
   </p:sldIdLst>
   <p:sldSz cx="12192000" cy="6858000"/>
   <p:notesSz cx="6858000" cy="9144000"/>
@@ -4036,7 +4037,7 @@
             <a:lstStyle/>
             <a:p>
               <a:pPr algn="ctr"/>
-              <a:endParaRPr lang="ko-KR" altLang="en-US"/>
+              <a:endParaRPr lang="ko-KR" altLang="en-US" dirty="0"/>
             </a:p>
           </p:txBody>
         </p:sp>
@@ -4942,6 +4943,229 @@
           <a:chExt cx="0" cy="0"/>
         </a:xfrm>
       </p:grpSpPr>
+      <p:grpSp>
+        <p:nvGrpSpPr>
+          <p:cNvPr id="9" name="그룹 8">
+            <a:extLst>
+              <a:ext uri="{FF2B5EF4-FFF2-40B4-BE49-F238E27FC236}">
+                <a16:creationId xmlns:a16="http://schemas.microsoft.com/office/drawing/2014/main" id="{676FECBC-7CF7-474C-8FFB-888DF13B4A31}"/>
+              </a:ext>
+            </a:extLst>
+          </p:cNvPr>
+          <p:cNvGrpSpPr/>
+          <p:nvPr/>
+        </p:nvGrpSpPr>
+        <p:grpSpPr>
+          <a:xfrm>
+            <a:off x="1628775" y="1628775"/>
+            <a:ext cx="10563225" cy="3950546"/>
+            <a:chOff x="1628775" y="1628775"/>
+            <a:chExt cx="10563225" cy="3950546"/>
+          </a:xfrm>
+        </p:grpSpPr>
+        <p:pic>
+          <p:nvPicPr>
+            <p:cNvPr id="2" name="그림 1">
+              <a:extLst>
+                <a:ext uri="{FF2B5EF4-FFF2-40B4-BE49-F238E27FC236}">
+                  <a16:creationId xmlns:a16="http://schemas.microsoft.com/office/drawing/2014/main" id="{8296FE4B-E7DC-4BFF-BF5C-351CDAFD3ECB}"/>
+                </a:ext>
+              </a:extLst>
+            </p:cNvPr>
+            <p:cNvPicPr>
+              <a:picLocks noChangeAspect="1"/>
+            </p:cNvPicPr>
+            <p:nvPr/>
+          </p:nvPicPr>
+          <p:blipFill>
+            <a:blip r:embed="rId2"/>
+            <a:stretch>
+              <a:fillRect/>
+            </a:stretch>
+          </p:blipFill>
+          <p:spPr>
+            <a:xfrm>
+              <a:off x="1628775" y="2962275"/>
+              <a:ext cx="8934450" cy="933450"/>
+            </a:xfrm>
+            <a:prstGeom prst="rect">
+              <a:avLst/>
+            </a:prstGeom>
+          </p:spPr>
+        </p:pic>
+        <p:pic>
+          <p:nvPicPr>
+            <p:cNvPr id="4" name="그림 3">
+              <a:extLst>
+                <a:ext uri="{FF2B5EF4-FFF2-40B4-BE49-F238E27FC236}">
+                  <a16:creationId xmlns:a16="http://schemas.microsoft.com/office/drawing/2014/main" id="{078435DC-5EFB-404B-BCC3-CF28055CDE72}"/>
+                </a:ext>
+              </a:extLst>
+            </p:cNvPr>
+            <p:cNvPicPr>
+              <a:picLocks noChangeAspect="1"/>
+            </p:cNvPicPr>
+            <p:nvPr/>
+          </p:nvPicPr>
+          <p:blipFill>
+            <a:blip r:embed="rId3"/>
+            <a:stretch>
+              <a:fillRect/>
+            </a:stretch>
+          </p:blipFill>
+          <p:spPr>
+            <a:xfrm>
+              <a:off x="1628775" y="1628775"/>
+              <a:ext cx="8915400" cy="704850"/>
+            </a:xfrm>
+            <a:prstGeom prst="rect">
+              <a:avLst/>
+            </a:prstGeom>
+          </p:spPr>
+        </p:pic>
+        <p:pic>
+          <p:nvPicPr>
+            <p:cNvPr id="6" name="그림 5">
+              <a:extLst>
+                <a:ext uri="{FF2B5EF4-FFF2-40B4-BE49-F238E27FC236}">
+                  <a16:creationId xmlns:a16="http://schemas.microsoft.com/office/drawing/2014/main" id="{E70E6279-47B2-40AB-AFE4-B351E3D29EA2}"/>
+                </a:ext>
+              </a:extLst>
+            </p:cNvPr>
+            <p:cNvPicPr>
+              <a:picLocks noChangeAspect="1"/>
+            </p:cNvPicPr>
+            <p:nvPr/>
+          </p:nvPicPr>
+          <p:blipFill>
+            <a:blip r:embed="rId4"/>
+            <a:stretch>
+              <a:fillRect/>
+            </a:stretch>
+          </p:blipFill>
+          <p:spPr>
+            <a:xfrm>
+              <a:off x="1824037" y="4917571"/>
+              <a:ext cx="8543925" cy="661750"/>
+            </a:xfrm>
+            <a:prstGeom prst="rect">
+              <a:avLst/>
+            </a:prstGeom>
+          </p:spPr>
+        </p:pic>
+        <p:pic>
+          <p:nvPicPr>
+            <p:cNvPr id="7" name="그림 6">
+              <a:extLst>
+                <a:ext uri="{FF2B5EF4-FFF2-40B4-BE49-F238E27FC236}">
+                  <a16:creationId xmlns:a16="http://schemas.microsoft.com/office/drawing/2014/main" id="{BA6C4EA4-375C-4923-B2AA-AEF89A3D4FC3}"/>
+                </a:ext>
+              </a:extLst>
+            </p:cNvPr>
+            <p:cNvPicPr>
+              <a:picLocks noChangeAspect="1"/>
+            </p:cNvPicPr>
+            <p:nvPr/>
+          </p:nvPicPr>
+          <p:blipFill>
+            <a:blip r:embed="rId5"/>
+            <a:stretch>
+              <a:fillRect/>
+            </a:stretch>
+          </p:blipFill>
+          <p:spPr>
+            <a:xfrm>
+              <a:off x="4000500" y="4073187"/>
+              <a:ext cx="8191500" cy="647700"/>
+            </a:xfrm>
+            <a:prstGeom prst="rect">
+              <a:avLst/>
+            </a:prstGeom>
+          </p:spPr>
+        </p:pic>
+        <p:sp>
+          <p:nvSpPr>
+            <p:cNvPr id="26" name="화살표: 아래쪽 25">
+              <a:extLst>
+                <a:ext uri="{FF2B5EF4-FFF2-40B4-BE49-F238E27FC236}">
+                  <a16:creationId xmlns:a16="http://schemas.microsoft.com/office/drawing/2014/main" id="{DBA985F2-464F-4159-A597-5C02F12EE828}"/>
+                </a:ext>
+              </a:extLst>
+            </p:cNvPr>
+            <p:cNvSpPr/>
+            <p:nvPr/>
+          </p:nvSpPr>
+          <p:spPr>
+            <a:xfrm>
+              <a:off x="3376839" y="3820709"/>
+              <a:ext cx="499836" cy="900178"/>
+            </a:xfrm>
+            <a:prstGeom prst="downArrow">
+              <a:avLst/>
+            </a:prstGeom>
+            <a:solidFill>
+              <a:srgbClr val="002060"/>
+            </a:solidFill>
+            <a:ln>
+              <a:noFill/>
+            </a:ln>
+          </p:spPr>
+          <p:style>
+            <a:lnRef idx="2">
+              <a:schemeClr val="accent1">
+                <a:shade val="50000"/>
+              </a:schemeClr>
+            </a:lnRef>
+            <a:fillRef idx="1">
+              <a:schemeClr val="accent1"/>
+            </a:fillRef>
+            <a:effectRef idx="0">
+              <a:schemeClr val="accent1"/>
+            </a:effectRef>
+            <a:fontRef idx="minor">
+              <a:schemeClr val="lt1"/>
+            </a:fontRef>
+          </p:style>
+          <p:txBody>
+            <a:bodyPr rtlCol="0" anchor="ctr"/>
+            <a:lstStyle/>
+            <a:p>
+              <a:pPr algn="ctr"/>
+              <a:endParaRPr lang="ko-KR" altLang="en-US" dirty="0"/>
+            </a:p>
+          </p:txBody>
+        </p:sp>
+      </p:grpSp>
+    </p:spTree>
+    <p:extLst>
+      <p:ext uri="{BB962C8B-B14F-4D97-AF65-F5344CB8AC3E}">
+        <p14:creationId xmlns:p14="http://schemas.microsoft.com/office/powerpoint/2010/main" val="3289266273"/>
+      </p:ext>
+    </p:extLst>
+  </p:cSld>
+  <p:clrMapOvr>
+    <a:masterClrMapping/>
+  </p:clrMapOvr>
+</p:sld>
+</file>
+
+<file path=ppt/slides/slide13.xml><?xml version="1.0" encoding="utf-8"?>
+<p:sld xmlns:a="http://schemas.openxmlformats.org/drawingml/2006/main" xmlns:r="http://schemas.openxmlformats.org/officeDocument/2006/relationships" xmlns:p="http://schemas.openxmlformats.org/presentationml/2006/main">
+  <p:cSld>
+    <p:spTree>
+      <p:nvGrpSpPr>
+        <p:cNvPr id="1" name=""/>
+        <p:cNvGrpSpPr/>
+        <p:nvPr/>
+      </p:nvGrpSpPr>
+      <p:grpSpPr>
+        <a:xfrm>
+          <a:off x="0" y="0"/>
+          <a:ext cx="0" cy="0"/>
+          <a:chOff x="0" y="0"/>
+          <a:chExt cx="0" cy="0"/>
+        </a:xfrm>
+      </p:grpSpPr>
       <p:pic>
         <p:nvPicPr>
           <p:cNvPr id="2" name="그림 1">
@@ -7412,350 +7636,363 @@
           </a:p>
         </p:txBody>
       </p:sp>
-      <p:pic>
-        <p:nvPicPr>
-          <p:cNvPr id="3" name="그림 2">
+      <p:grpSp>
+        <p:nvGrpSpPr>
+          <p:cNvPr id="67" name="그룹 66">
             <a:extLst>
               <a:ext uri="{FF2B5EF4-FFF2-40B4-BE49-F238E27FC236}">
-                <a16:creationId xmlns:a16="http://schemas.microsoft.com/office/drawing/2014/main" id="{86A87DC9-729B-41F7-851C-2C6584A6F249}"/>
+                <a16:creationId xmlns:a16="http://schemas.microsoft.com/office/drawing/2014/main" id="{35CD5EAA-4CF3-43BB-9DA6-07B11D2F09F3}"/>
               </a:ext>
             </a:extLst>
           </p:cNvPr>
-          <p:cNvPicPr>
-            <a:picLocks noChangeAspect="1"/>
-          </p:cNvPicPr>
+          <p:cNvGrpSpPr/>
           <p:nvPr/>
-        </p:nvPicPr>
-        <p:blipFill>
-          <a:blip r:embed="rId17"/>
-          <a:stretch>
-            <a:fillRect/>
-          </a:stretch>
-        </p:blipFill>
-        <p:spPr>
+        </p:nvGrpSpPr>
+        <p:grpSpPr>
           <a:xfrm>
-            <a:off x="2561072" y="4475758"/>
-            <a:ext cx="7176393" cy="1025199"/>
+            <a:off x="2545491" y="4165400"/>
+            <a:ext cx="7191974" cy="1834405"/>
+            <a:chOff x="2545491" y="4165400"/>
+            <a:chExt cx="7191974" cy="1834405"/>
           </a:xfrm>
-          <a:prstGeom prst="rect">
-            <a:avLst/>
-          </a:prstGeom>
-        </p:spPr>
-      </p:pic>
-      <p:sp>
-        <p:nvSpPr>
-          <p:cNvPr id="14" name="직사각형 13">
-            <a:extLst>
-              <a:ext uri="{FF2B5EF4-FFF2-40B4-BE49-F238E27FC236}">
-                <a16:creationId xmlns:a16="http://schemas.microsoft.com/office/drawing/2014/main" id="{B08A3B07-3058-4F38-A944-B4C4089BA736}"/>
-              </a:ext>
-            </a:extLst>
-          </p:cNvPr>
-          <p:cNvSpPr/>
-          <p:nvPr/>
-        </p:nvSpPr>
-        <p:spPr>
-          <a:xfrm>
-            <a:off x="3919661" y="4592802"/>
-            <a:ext cx="1047750" cy="355732"/>
-          </a:xfrm>
-          <a:prstGeom prst="rect">
-            <a:avLst/>
-          </a:prstGeom>
-          <a:noFill/>
-          <a:ln w="28575">
-            <a:solidFill>
-              <a:srgbClr val="114AFF"/>
-            </a:solidFill>
-          </a:ln>
-        </p:spPr>
-        <p:style>
-          <a:lnRef idx="2">
-            <a:schemeClr val="accent1">
-              <a:shade val="50000"/>
-            </a:schemeClr>
-          </a:lnRef>
-          <a:fillRef idx="1">
-            <a:schemeClr val="accent1"/>
-          </a:fillRef>
-          <a:effectRef idx="0">
-            <a:schemeClr val="accent1"/>
-          </a:effectRef>
-          <a:fontRef idx="minor">
-            <a:schemeClr val="lt1"/>
-          </a:fontRef>
-        </p:style>
-        <p:txBody>
-          <a:bodyPr rtlCol="0" anchor="ctr"/>
-          <a:lstStyle/>
-          <a:p>
-            <a:pPr algn="ctr"/>
-            <a:endParaRPr lang="ko-KR" altLang="en-US">
+        </p:grpSpPr>
+        <p:pic>
+          <p:nvPicPr>
+            <p:cNvPr id="3" name="그림 2">
+              <a:extLst>
+                <a:ext uri="{FF2B5EF4-FFF2-40B4-BE49-F238E27FC236}">
+                  <a16:creationId xmlns:a16="http://schemas.microsoft.com/office/drawing/2014/main" id="{86A87DC9-729B-41F7-851C-2C6584A6F249}"/>
+                </a:ext>
+              </a:extLst>
+            </p:cNvPr>
+            <p:cNvPicPr>
+              <a:picLocks noChangeAspect="1"/>
+            </p:cNvPicPr>
+            <p:nvPr/>
+          </p:nvPicPr>
+          <p:blipFill>
+            <a:blip r:embed="rId17"/>
+            <a:stretch>
+              <a:fillRect/>
+            </a:stretch>
+          </p:blipFill>
+          <p:spPr>
+            <a:xfrm>
+              <a:off x="2561072" y="4475758"/>
+              <a:ext cx="7176393" cy="1025199"/>
+            </a:xfrm>
+            <a:prstGeom prst="rect">
+              <a:avLst/>
+            </a:prstGeom>
+          </p:spPr>
+        </p:pic>
+        <p:sp>
+          <p:nvSpPr>
+            <p:cNvPr id="14" name="직사각형 13">
+              <a:extLst>
+                <a:ext uri="{FF2B5EF4-FFF2-40B4-BE49-F238E27FC236}">
+                  <a16:creationId xmlns:a16="http://schemas.microsoft.com/office/drawing/2014/main" id="{B08A3B07-3058-4F38-A944-B4C4089BA736}"/>
+                </a:ext>
+              </a:extLst>
+            </p:cNvPr>
+            <p:cNvSpPr/>
+            <p:nvPr/>
+          </p:nvSpPr>
+          <p:spPr>
+            <a:xfrm>
+              <a:off x="3919661" y="4592802"/>
+              <a:ext cx="1047750" cy="355732"/>
+            </a:xfrm>
+            <a:prstGeom prst="rect">
+              <a:avLst/>
+            </a:prstGeom>
+            <a:noFill/>
+            <a:ln w="28575">
               <a:solidFill>
                 <a:srgbClr val="114AFF"/>
               </a:solidFill>
-            </a:endParaRPr>
-          </a:p>
-        </p:txBody>
-      </p:sp>
-      <p:sp>
-        <p:nvSpPr>
-          <p:cNvPr id="15" name="직사각형 14">
-            <a:extLst>
-              <a:ext uri="{FF2B5EF4-FFF2-40B4-BE49-F238E27FC236}">
-                <a16:creationId xmlns:a16="http://schemas.microsoft.com/office/drawing/2014/main" id="{4A2AB7B4-76AE-43D1-BBDB-61885B04A60A}"/>
-              </a:ext>
-            </a:extLst>
-          </p:cNvPr>
-          <p:cNvSpPr/>
-          <p:nvPr/>
-        </p:nvSpPr>
-        <p:spPr>
-          <a:xfrm>
-            <a:off x="4862636" y="5047550"/>
-            <a:ext cx="723900" cy="390220"/>
-          </a:xfrm>
-          <a:prstGeom prst="rect">
-            <a:avLst/>
-          </a:prstGeom>
-          <a:noFill/>
-          <a:ln w="28575">
-            <a:solidFill>
-              <a:srgbClr val="114AFF"/>
-            </a:solidFill>
-          </a:ln>
-        </p:spPr>
-        <p:style>
-          <a:lnRef idx="2">
-            <a:schemeClr val="accent1">
-              <a:shade val="50000"/>
-            </a:schemeClr>
-          </a:lnRef>
-          <a:fillRef idx="1">
-            <a:schemeClr val="accent1"/>
-          </a:fillRef>
-          <a:effectRef idx="0">
-            <a:schemeClr val="accent1"/>
-          </a:effectRef>
-          <a:fontRef idx="minor">
-            <a:schemeClr val="lt1"/>
-          </a:fontRef>
-        </p:style>
-        <p:txBody>
-          <a:bodyPr rtlCol="0" anchor="ctr"/>
-          <a:lstStyle/>
-          <a:p>
-            <a:pPr algn="ctr"/>
-            <a:endParaRPr lang="ko-KR" altLang="en-US">
+            </a:ln>
+          </p:spPr>
+          <p:style>
+            <a:lnRef idx="2">
+              <a:schemeClr val="accent1">
+                <a:shade val="50000"/>
+              </a:schemeClr>
+            </a:lnRef>
+            <a:fillRef idx="1">
+              <a:schemeClr val="accent1"/>
+            </a:fillRef>
+            <a:effectRef idx="0">
+              <a:schemeClr val="accent1"/>
+            </a:effectRef>
+            <a:fontRef idx="minor">
+              <a:schemeClr val="lt1"/>
+            </a:fontRef>
+          </p:style>
+          <p:txBody>
+            <a:bodyPr rtlCol="0" anchor="ctr"/>
+            <a:lstStyle/>
+            <a:p>
+              <a:pPr algn="ctr"/>
+              <a:endParaRPr lang="ko-KR" altLang="en-US">
+                <a:solidFill>
+                  <a:srgbClr val="114AFF"/>
+                </a:solidFill>
+              </a:endParaRPr>
+            </a:p>
+          </p:txBody>
+        </p:sp>
+        <p:sp>
+          <p:nvSpPr>
+            <p:cNvPr id="15" name="직사각형 14">
+              <a:extLst>
+                <a:ext uri="{FF2B5EF4-FFF2-40B4-BE49-F238E27FC236}">
+                  <a16:creationId xmlns:a16="http://schemas.microsoft.com/office/drawing/2014/main" id="{4A2AB7B4-76AE-43D1-BBDB-61885B04A60A}"/>
+                </a:ext>
+              </a:extLst>
+            </p:cNvPr>
+            <p:cNvSpPr/>
+            <p:nvPr/>
+          </p:nvSpPr>
+          <p:spPr>
+            <a:xfrm>
+              <a:off x="4862636" y="5047550"/>
+              <a:ext cx="723900" cy="390220"/>
+            </a:xfrm>
+            <a:prstGeom prst="rect">
+              <a:avLst/>
+            </a:prstGeom>
+            <a:noFill/>
+            <a:ln w="28575">
               <a:solidFill>
                 <a:srgbClr val="114AFF"/>
               </a:solidFill>
-            </a:endParaRPr>
-          </a:p>
-        </p:txBody>
-      </p:sp>
-      <p:sp>
-        <p:nvSpPr>
-          <p:cNvPr id="16" name="직사각형 15">
-            <a:extLst>
-              <a:ext uri="{FF2B5EF4-FFF2-40B4-BE49-F238E27FC236}">
-                <a16:creationId xmlns:a16="http://schemas.microsoft.com/office/drawing/2014/main" id="{3B073116-80EB-4A44-A018-C3B362364252}"/>
-              </a:ext>
-            </a:extLst>
-          </p:cNvPr>
-          <p:cNvSpPr/>
-          <p:nvPr/>
-        </p:nvSpPr>
-        <p:spPr>
-          <a:xfrm>
-            <a:off x="2909805" y="5047550"/>
-            <a:ext cx="658091" cy="390220"/>
-          </a:xfrm>
-          <a:prstGeom prst="rect">
-            <a:avLst/>
-          </a:prstGeom>
-          <a:noFill/>
-          <a:ln w="28575">
-            <a:solidFill>
-              <a:srgbClr val="00B050"/>
-            </a:solidFill>
-            <a:prstDash val="dash"/>
-          </a:ln>
-        </p:spPr>
-        <p:style>
-          <a:lnRef idx="2">
-            <a:schemeClr val="accent1">
-              <a:shade val="50000"/>
-            </a:schemeClr>
-          </a:lnRef>
-          <a:fillRef idx="1">
-            <a:schemeClr val="accent1"/>
-          </a:fillRef>
-          <a:effectRef idx="0">
-            <a:schemeClr val="accent1"/>
-          </a:effectRef>
-          <a:fontRef idx="minor">
-            <a:schemeClr val="lt1"/>
-          </a:fontRef>
-        </p:style>
-        <p:txBody>
-          <a:bodyPr rtlCol="0" anchor="ctr"/>
-          <a:lstStyle/>
-          <a:p>
-            <a:pPr algn="ctr"/>
-            <a:endParaRPr lang="ko-KR" altLang="en-US"/>
-          </a:p>
-        </p:txBody>
-      </p:sp>
-      <p:sp>
-        <p:nvSpPr>
-          <p:cNvPr id="17" name="직사각형 16">
-            <a:extLst>
-              <a:ext uri="{FF2B5EF4-FFF2-40B4-BE49-F238E27FC236}">
-                <a16:creationId xmlns:a16="http://schemas.microsoft.com/office/drawing/2014/main" id="{7C7FB582-4107-4E17-ABCA-6BE3528EFB8A}"/>
-              </a:ext>
-            </a:extLst>
-          </p:cNvPr>
-          <p:cNvSpPr/>
-          <p:nvPr/>
-        </p:nvSpPr>
-        <p:spPr>
-          <a:xfrm>
-            <a:off x="2545491" y="4569795"/>
-            <a:ext cx="1059862" cy="390220"/>
-          </a:xfrm>
-          <a:prstGeom prst="rect">
-            <a:avLst/>
-          </a:prstGeom>
-          <a:noFill/>
-          <a:ln w="28575">
-            <a:solidFill>
-              <a:srgbClr val="00B050"/>
-            </a:solidFill>
-            <a:prstDash val="dash"/>
-          </a:ln>
-        </p:spPr>
-        <p:style>
-          <a:lnRef idx="2">
-            <a:schemeClr val="accent1">
-              <a:shade val="50000"/>
-            </a:schemeClr>
-          </a:lnRef>
-          <a:fillRef idx="1">
-            <a:schemeClr val="accent1"/>
-          </a:fillRef>
-          <a:effectRef idx="0">
-            <a:schemeClr val="accent1"/>
-          </a:effectRef>
-          <a:fontRef idx="minor">
-            <a:schemeClr val="lt1"/>
-          </a:fontRef>
-        </p:style>
-        <p:txBody>
-          <a:bodyPr rtlCol="0" anchor="ctr"/>
-          <a:lstStyle/>
-          <a:p>
-            <a:pPr algn="ctr"/>
-            <a:endParaRPr lang="ko-KR" altLang="en-US"/>
-          </a:p>
-        </p:txBody>
-      </p:sp>
-      <p:sp>
-        <p:nvSpPr>
-          <p:cNvPr id="18" name="TextBox 17">
-            <a:extLst>
-              <a:ext uri="{FF2B5EF4-FFF2-40B4-BE49-F238E27FC236}">
-                <a16:creationId xmlns:a16="http://schemas.microsoft.com/office/drawing/2014/main" id="{913C5DAB-4065-4853-BDA0-F5E5F6C45A31}"/>
-              </a:ext>
-            </a:extLst>
-          </p:cNvPr>
-          <p:cNvSpPr txBox="1"/>
-          <p:nvPr/>
-        </p:nvSpPr>
-        <p:spPr>
-          <a:xfrm>
-            <a:off x="2728279" y="5538140"/>
-            <a:ext cx="6090104" cy="461665"/>
-          </a:xfrm>
-          <a:prstGeom prst="rect">
-            <a:avLst/>
-          </a:prstGeom>
-          <a:noFill/>
-        </p:spPr>
-        <p:txBody>
-          <a:bodyPr wrap="square" rtlCol="0">
-            <a:spAutoFit/>
-          </a:bodyPr>
-          <a:lstStyle/>
-          <a:p>
-            <a:r>
-              <a:rPr lang="en-US" altLang="ko-KR" sz="2400" dirty="0">
+            </a:ln>
+          </p:spPr>
+          <p:style>
+            <a:lnRef idx="2">
+              <a:schemeClr val="accent1">
+                <a:shade val="50000"/>
+              </a:schemeClr>
+            </a:lnRef>
+            <a:fillRef idx="1">
+              <a:schemeClr val="accent1"/>
+            </a:fillRef>
+            <a:effectRef idx="0">
+              <a:schemeClr val="accent1"/>
+            </a:effectRef>
+            <a:fontRef idx="minor">
+              <a:schemeClr val="lt1"/>
+            </a:fontRef>
+          </p:style>
+          <p:txBody>
+            <a:bodyPr rtlCol="0" anchor="ctr"/>
+            <a:lstStyle/>
+            <a:p>
+              <a:pPr algn="ctr"/>
+              <a:endParaRPr lang="ko-KR" altLang="en-US">
+                <a:solidFill>
+                  <a:srgbClr val="114AFF"/>
+                </a:solidFill>
+              </a:endParaRPr>
+            </a:p>
+          </p:txBody>
+        </p:sp>
+        <p:sp>
+          <p:nvSpPr>
+            <p:cNvPr id="16" name="직사각형 15">
+              <a:extLst>
+                <a:ext uri="{FF2B5EF4-FFF2-40B4-BE49-F238E27FC236}">
+                  <a16:creationId xmlns:a16="http://schemas.microsoft.com/office/drawing/2014/main" id="{3B073116-80EB-4A44-A018-C3B362364252}"/>
+                </a:ext>
+              </a:extLst>
+            </p:cNvPr>
+            <p:cNvSpPr/>
+            <p:nvPr/>
+          </p:nvSpPr>
+          <p:spPr>
+            <a:xfrm>
+              <a:off x="2909805" y="5047550"/>
+              <a:ext cx="658091" cy="390220"/>
+            </a:xfrm>
+            <a:prstGeom prst="rect">
+              <a:avLst/>
+            </a:prstGeom>
+            <a:noFill/>
+            <a:ln w="28575">
+              <a:solidFill>
+                <a:srgbClr val="00B050"/>
+              </a:solidFill>
+              <a:prstDash val="dash"/>
+            </a:ln>
+          </p:spPr>
+          <p:style>
+            <a:lnRef idx="2">
+              <a:schemeClr val="accent1">
+                <a:shade val="50000"/>
+              </a:schemeClr>
+            </a:lnRef>
+            <a:fillRef idx="1">
+              <a:schemeClr val="accent1"/>
+            </a:fillRef>
+            <a:effectRef idx="0">
+              <a:schemeClr val="accent1"/>
+            </a:effectRef>
+            <a:fontRef idx="minor">
+              <a:schemeClr val="lt1"/>
+            </a:fontRef>
+          </p:style>
+          <p:txBody>
+            <a:bodyPr rtlCol="0" anchor="ctr"/>
+            <a:lstStyle/>
+            <a:p>
+              <a:pPr algn="ctr"/>
+              <a:endParaRPr lang="ko-KR" altLang="en-US"/>
+            </a:p>
+          </p:txBody>
+        </p:sp>
+        <p:sp>
+          <p:nvSpPr>
+            <p:cNvPr id="17" name="직사각형 16">
+              <a:extLst>
+                <a:ext uri="{FF2B5EF4-FFF2-40B4-BE49-F238E27FC236}">
+                  <a16:creationId xmlns:a16="http://schemas.microsoft.com/office/drawing/2014/main" id="{7C7FB582-4107-4E17-ABCA-6BE3528EFB8A}"/>
+                </a:ext>
+              </a:extLst>
+            </p:cNvPr>
+            <p:cNvSpPr/>
+            <p:nvPr/>
+          </p:nvSpPr>
+          <p:spPr>
+            <a:xfrm>
+              <a:off x="2545491" y="4569795"/>
+              <a:ext cx="1059862" cy="390220"/>
+            </a:xfrm>
+            <a:prstGeom prst="rect">
+              <a:avLst/>
+            </a:prstGeom>
+            <a:noFill/>
+            <a:ln w="28575">
+              <a:solidFill>
+                <a:srgbClr val="00B050"/>
+              </a:solidFill>
+              <a:prstDash val="dash"/>
+            </a:ln>
+          </p:spPr>
+          <p:style>
+            <a:lnRef idx="2">
+              <a:schemeClr val="accent1">
+                <a:shade val="50000"/>
+              </a:schemeClr>
+            </a:lnRef>
+            <a:fillRef idx="1">
+              <a:schemeClr val="accent1"/>
+            </a:fillRef>
+            <a:effectRef idx="0">
+              <a:schemeClr val="accent1"/>
+            </a:effectRef>
+            <a:fontRef idx="minor">
+              <a:schemeClr val="lt1"/>
+            </a:fontRef>
+          </p:style>
+          <p:txBody>
+            <a:bodyPr rtlCol="0" anchor="ctr"/>
+            <a:lstStyle/>
+            <a:p>
+              <a:pPr algn="ctr"/>
+              <a:endParaRPr lang="ko-KR" altLang="en-US"/>
+            </a:p>
+          </p:txBody>
+        </p:sp>
+        <p:sp>
+          <p:nvSpPr>
+            <p:cNvPr id="18" name="TextBox 17">
+              <a:extLst>
+                <a:ext uri="{FF2B5EF4-FFF2-40B4-BE49-F238E27FC236}">
+                  <a16:creationId xmlns:a16="http://schemas.microsoft.com/office/drawing/2014/main" id="{913C5DAB-4065-4853-BDA0-F5E5F6C45A31}"/>
+                </a:ext>
+              </a:extLst>
+            </p:cNvPr>
+            <p:cNvSpPr txBox="1"/>
+            <p:nvPr/>
+          </p:nvSpPr>
+          <p:spPr>
+            <a:xfrm>
+              <a:off x="2728279" y="5538140"/>
+              <a:ext cx="6090104" cy="461665"/>
+            </a:xfrm>
+            <a:prstGeom prst="rect">
+              <a:avLst/>
+            </a:prstGeom>
+            <a:noFill/>
+          </p:spPr>
+          <p:txBody>
+            <a:bodyPr wrap="square" rtlCol="0">
+              <a:spAutoFit/>
+            </a:bodyPr>
+            <a:lstStyle/>
+            <a:p>
+              <a:r>
+                <a:rPr lang="en-US" altLang="ko-KR" sz="2400" dirty="0">
+                  <a:solidFill>
+                    <a:srgbClr val="00B050"/>
+                  </a:solidFill>
+                </a:rPr>
+                <a:t>Measurements by IMU (w/ biases and noises)</a:t>
+              </a:r>
+              <a:endParaRPr lang="ko-KR" altLang="en-US" sz="2400" dirty="0">
                 <a:solidFill>
                   <a:srgbClr val="00B050"/>
                 </a:solidFill>
-              </a:rPr>
-              <a:t>Measurements by IMU (w</a:t>
-            </a:r>
-            <a:r>
-              <a:rPr lang="en-US" altLang="ko-KR" sz="2400">
-                <a:solidFill>
-                  <a:srgbClr val="00B050"/>
-                </a:solidFill>
-              </a:rPr>
-              <a:t>/ biases and noises)</a:t>
-            </a:r>
-            <a:endParaRPr lang="ko-KR" altLang="en-US" sz="2400" dirty="0">
-              <a:solidFill>
-                <a:srgbClr val="00B050"/>
-              </a:solidFill>
-            </a:endParaRPr>
-          </a:p>
-        </p:txBody>
-      </p:sp>
-      <p:sp>
-        <p:nvSpPr>
-          <p:cNvPr id="19" name="TextBox 18">
-            <a:extLst>
-              <a:ext uri="{FF2B5EF4-FFF2-40B4-BE49-F238E27FC236}">
-                <a16:creationId xmlns:a16="http://schemas.microsoft.com/office/drawing/2014/main" id="{21B4D469-4E9D-47E4-A8BB-F1E8DC418A9B}"/>
-              </a:ext>
-            </a:extLst>
-          </p:cNvPr>
-          <p:cNvSpPr txBox="1"/>
-          <p:nvPr/>
-        </p:nvSpPr>
-        <p:spPr>
-          <a:xfrm>
-            <a:off x="4034717" y="4165400"/>
-            <a:ext cx="4478264" cy="461665"/>
-          </a:xfrm>
-          <a:prstGeom prst="rect">
-            <a:avLst/>
-          </a:prstGeom>
-          <a:noFill/>
-        </p:spPr>
-        <p:txBody>
-          <a:bodyPr wrap="square" rtlCol="0">
-            <a:spAutoFit/>
-          </a:bodyPr>
-          <a:lstStyle/>
-          <a:p>
-            <a:r>
-              <a:rPr lang="en-US" altLang="ko-KR" sz="2400" dirty="0">
+              </a:endParaRPr>
+            </a:p>
+          </p:txBody>
+        </p:sp>
+        <p:sp>
+          <p:nvSpPr>
+            <p:cNvPr id="19" name="TextBox 18">
+              <a:extLst>
+                <a:ext uri="{FF2B5EF4-FFF2-40B4-BE49-F238E27FC236}">
+                  <a16:creationId xmlns:a16="http://schemas.microsoft.com/office/drawing/2014/main" id="{21B4D469-4E9D-47E4-A8BB-F1E8DC418A9B}"/>
+                </a:ext>
+              </a:extLst>
+            </p:cNvPr>
+            <p:cNvSpPr txBox="1"/>
+            <p:nvPr/>
+          </p:nvSpPr>
+          <p:spPr>
+            <a:xfrm>
+              <a:off x="4034717" y="4165400"/>
+              <a:ext cx="4478264" cy="461665"/>
+            </a:xfrm>
+            <a:prstGeom prst="rect">
+              <a:avLst/>
+            </a:prstGeom>
+            <a:noFill/>
+          </p:spPr>
+          <p:txBody>
+            <a:bodyPr wrap="square" rtlCol="0">
+              <a:spAutoFit/>
+            </a:bodyPr>
+            <a:lstStyle/>
+            <a:p>
+              <a:r>
+                <a:rPr lang="en-US" altLang="ko-KR" sz="2400" dirty="0">
+                  <a:solidFill>
+                    <a:srgbClr val="114AFF"/>
+                  </a:solidFill>
+                </a:rPr>
+                <a:t>Actual states (Want to know)</a:t>
+              </a:r>
+              <a:endParaRPr lang="ko-KR" altLang="en-US" sz="2400" dirty="0">
                 <a:solidFill>
                   <a:srgbClr val="114AFF"/>
                 </a:solidFill>
-              </a:rPr>
-              <a:t>Actual states (Want to know)</a:t>
-            </a:r>
-            <a:endParaRPr lang="ko-KR" altLang="en-US" sz="2400" dirty="0">
-              <a:solidFill>
-                <a:srgbClr val="114AFF"/>
-              </a:solidFill>
-            </a:endParaRPr>
-          </a:p>
-        </p:txBody>
-      </p:sp>
+              </a:endParaRPr>
+            </a:p>
+          </p:txBody>
+        </p:sp>
+      </p:grpSp>
       <p:pic>
         <p:nvPicPr>
           <p:cNvPr id="32" name="그림 31 1">
@@ -10425,7 +10662,7 @@
           <p:spPr>
             <a:xfrm>
               <a:off x="4837943" y="1444519"/>
-              <a:ext cx="4478264" cy="461665"/>
+              <a:ext cx="6277732" cy="461665"/>
             </a:xfrm>
             <a:prstGeom prst="rect">
               <a:avLst/>
@@ -10444,7 +10681,7 @@
                     <a:srgbClr val="00B050"/>
                   </a:solidFill>
                 </a:rPr>
-                <a:t>Measurements by IMU w/ noise</a:t>
+                <a:t>Measurements by IMU (w/ biases and noises)</a:t>
               </a:r>
               <a:endParaRPr lang="ko-KR" altLang="en-US" sz="2400" dirty="0">
                 <a:solidFill>
@@ -15838,7 +16075,7 @@
             <a:lstStyle/>
             <a:p>
               <a:pPr algn="ctr"/>
-              <a:endParaRPr lang="ko-KR" altLang="en-US"/>
+              <a:endParaRPr lang="ko-KR" altLang="en-US" dirty="0"/>
             </a:p>
           </p:txBody>
         </p:sp>

--- a/img/preintegration/preintegration_v2.pptx
+++ b/img/preintegration/preintegration_v2.pptx
@@ -288,7 +288,7 @@
           <a:p>
             <a:fld id="{B79B8510-7E7F-4140-B929-CF74CD005B44}" type="datetimeFigureOut">
               <a:rPr lang="ko-KR" altLang="en-US" smtClean="0"/>
-              <a:t>2022-04-10</a:t>
+              <a:t>2022. 4. 11.</a:t>
             </a:fld>
             <a:endParaRPr lang="ko-KR" altLang="en-US"/>
           </a:p>
@@ -486,7 +486,7 @@
           <a:p>
             <a:fld id="{B79B8510-7E7F-4140-B929-CF74CD005B44}" type="datetimeFigureOut">
               <a:rPr lang="ko-KR" altLang="en-US" smtClean="0"/>
-              <a:t>2022-04-10</a:t>
+              <a:t>2022. 4. 11.</a:t>
             </a:fld>
             <a:endParaRPr lang="ko-KR" altLang="en-US"/>
           </a:p>
@@ -694,7 +694,7 @@
           <a:p>
             <a:fld id="{B79B8510-7E7F-4140-B929-CF74CD005B44}" type="datetimeFigureOut">
               <a:rPr lang="ko-KR" altLang="en-US" smtClean="0"/>
-              <a:t>2022-04-10</a:t>
+              <a:t>2022. 4. 11.</a:t>
             </a:fld>
             <a:endParaRPr lang="ko-KR" altLang="en-US"/>
           </a:p>
@@ -930,7 +930,7 @@
           <a:p>
             <a:fld id="{B79B8510-7E7F-4140-B929-CF74CD005B44}" type="datetimeFigureOut">
               <a:rPr lang="ko-KR" altLang="en-US" smtClean="0"/>
-              <a:t>2022-04-10</a:t>
+              <a:t>2022. 4. 11.</a:t>
             </a:fld>
             <a:endParaRPr lang="ko-KR" altLang="en-US"/>
           </a:p>
@@ -1205,7 +1205,7 @@
           <a:p>
             <a:fld id="{B79B8510-7E7F-4140-B929-CF74CD005B44}" type="datetimeFigureOut">
               <a:rPr lang="ko-KR" altLang="en-US" smtClean="0"/>
-              <a:t>2022-04-10</a:t>
+              <a:t>2022. 4. 11.</a:t>
             </a:fld>
             <a:endParaRPr lang="ko-KR" altLang="en-US"/>
           </a:p>
@@ -1470,7 +1470,7 @@
           <a:p>
             <a:fld id="{B79B8510-7E7F-4140-B929-CF74CD005B44}" type="datetimeFigureOut">
               <a:rPr lang="ko-KR" altLang="en-US" smtClean="0"/>
-              <a:t>2022-04-10</a:t>
+              <a:t>2022. 4. 11.</a:t>
             </a:fld>
             <a:endParaRPr lang="ko-KR" altLang="en-US"/>
           </a:p>
@@ -1882,7 +1882,7 @@
           <a:p>
             <a:fld id="{B79B8510-7E7F-4140-B929-CF74CD005B44}" type="datetimeFigureOut">
               <a:rPr lang="ko-KR" altLang="en-US" smtClean="0"/>
-              <a:t>2022-04-10</a:t>
+              <a:t>2022. 4. 11.</a:t>
             </a:fld>
             <a:endParaRPr lang="ko-KR" altLang="en-US"/>
           </a:p>
@@ -2023,7 +2023,7 @@
           <a:p>
             <a:fld id="{B79B8510-7E7F-4140-B929-CF74CD005B44}" type="datetimeFigureOut">
               <a:rPr lang="ko-KR" altLang="en-US" smtClean="0"/>
-              <a:t>2022-04-10</a:t>
+              <a:t>2022. 4. 11.</a:t>
             </a:fld>
             <a:endParaRPr lang="ko-KR" altLang="en-US"/>
           </a:p>
@@ -2136,7 +2136,7 @@
           <a:p>
             <a:fld id="{B79B8510-7E7F-4140-B929-CF74CD005B44}" type="datetimeFigureOut">
               <a:rPr lang="ko-KR" altLang="en-US" smtClean="0"/>
-              <a:t>2022-04-10</a:t>
+              <a:t>2022. 4. 11.</a:t>
             </a:fld>
             <a:endParaRPr lang="ko-KR" altLang="en-US"/>
           </a:p>
@@ -2447,7 +2447,7 @@
           <a:p>
             <a:fld id="{B79B8510-7E7F-4140-B929-CF74CD005B44}" type="datetimeFigureOut">
               <a:rPr lang="ko-KR" altLang="en-US" smtClean="0"/>
-              <a:t>2022-04-10</a:t>
+              <a:t>2022. 4. 11.</a:t>
             </a:fld>
             <a:endParaRPr lang="ko-KR" altLang="en-US"/>
           </a:p>
@@ -2735,7 +2735,7 @@
           <a:p>
             <a:fld id="{B79B8510-7E7F-4140-B929-CF74CD005B44}" type="datetimeFigureOut">
               <a:rPr lang="ko-KR" altLang="en-US" smtClean="0"/>
-              <a:t>2022-04-10</a:t>
+              <a:t>2022. 4. 11.</a:t>
             </a:fld>
             <a:endParaRPr lang="ko-KR" altLang="en-US"/>
           </a:p>
@@ -2976,7 +2976,7 @@
           <a:p>
             <a:fld id="{B79B8510-7E7F-4140-B929-CF74CD005B44}" type="datetimeFigureOut">
               <a:rPr lang="ko-KR" altLang="en-US" smtClean="0"/>
-              <a:t>2022-04-10</a:t>
+              <a:t>2022. 4. 11.</a:t>
             </a:fld>
             <a:endParaRPr lang="ko-KR" altLang="en-US"/>
           </a:p>
@@ -4943,199 +4943,552 @@
           <a:chExt cx="0" cy="0"/>
         </a:xfrm>
       </p:grpSpPr>
-      <p:grpSp>
-        <p:nvGrpSpPr>
-          <p:cNvPr id="9" name="그룹 8">
+      <p:pic>
+        <p:nvPicPr>
+          <p:cNvPr id="2" name="그림 1">
             <a:extLst>
               <a:ext uri="{FF2B5EF4-FFF2-40B4-BE49-F238E27FC236}">
-                <a16:creationId xmlns:a16="http://schemas.microsoft.com/office/drawing/2014/main" id="{676FECBC-7CF7-474C-8FFB-888DF13B4A31}"/>
+                <a16:creationId xmlns:a16="http://schemas.microsoft.com/office/drawing/2014/main" id="{8296FE4B-E7DC-4BFF-BF5C-351CDAFD3ECB}"/>
               </a:ext>
             </a:extLst>
           </p:cNvPr>
-          <p:cNvGrpSpPr/>
+          <p:cNvPicPr>
+            <a:picLocks noChangeAspect="1"/>
+          </p:cNvPicPr>
           <p:nvPr/>
-        </p:nvGrpSpPr>
-        <p:grpSpPr>
+        </p:nvPicPr>
+        <p:blipFill>
+          <a:blip r:embed="rId8"/>
+          <a:stretch>
+            <a:fillRect/>
+          </a:stretch>
+        </p:blipFill>
+        <p:spPr>
           <a:xfrm>
-            <a:off x="1628775" y="1628775"/>
-            <a:ext cx="10563225" cy="3950546"/>
-            <a:chOff x="1628775" y="1628775"/>
-            <a:chExt cx="10563225" cy="3950546"/>
+            <a:off x="918814" y="184361"/>
+            <a:ext cx="8934450" cy="933450"/>
           </a:xfrm>
-        </p:grpSpPr>
-        <p:pic>
-          <p:nvPicPr>
-            <p:cNvPr id="2" name="그림 1">
-              <a:extLst>
-                <a:ext uri="{FF2B5EF4-FFF2-40B4-BE49-F238E27FC236}">
-                  <a16:creationId xmlns:a16="http://schemas.microsoft.com/office/drawing/2014/main" id="{8296FE4B-E7DC-4BFF-BF5C-351CDAFD3ECB}"/>
-                </a:ext>
-              </a:extLst>
-            </p:cNvPr>
-            <p:cNvPicPr>
-              <a:picLocks noChangeAspect="1"/>
-            </p:cNvPicPr>
-            <p:nvPr/>
-          </p:nvPicPr>
-          <p:blipFill>
-            <a:blip r:embed="rId2"/>
-            <a:stretch>
-              <a:fillRect/>
-            </a:stretch>
-          </p:blipFill>
-          <p:spPr>
-            <a:xfrm>
-              <a:off x="1628775" y="2962275"/>
-              <a:ext cx="8934450" cy="933450"/>
-            </a:xfrm>
-            <a:prstGeom prst="rect">
-              <a:avLst/>
-            </a:prstGeom>
-          </p:spPr>
-        </p:pic>
-        <p:pic>
-          <p:nvPicPr>
-            <p:cNvPr id="4" name="그림 3">
-              <a:extLst>
-                <a:ext uri="{FF2B5EF4-FFF2-40B4-BE49-F238E27FC236}">
-                  <a16:creationId xmlns:a16="http://schemas.microsoft.com/office/drawing/2014/main" id="{078435DC-5EFB-404B-BCC3-CF28055CDE72}"/>
-                </a:ext>
-              </a:extLst>
-            </p:cNvPr>
-            <p:cNvPicPr>
-              <a:picLocks noChangeAspect="1"/>
-            </p:cNvPicPr>
-            <p:nvPr/>
-          </p:nvPicPr>
-          <p:blipFill>
-            <a:blip r:embed="rId3"/>
-            <a:stretch>
-              <a:fillRect/>
-            </a:stretch>
-          </p:blipFill>
-          <p:spPr>
-            <a:xfrm>
-              <a:off x="1628775" y="1628775"/>
-              <a:ext cx="8915400" cy="704850"/>
-            </a:xfrm>
-            <a:prstGeom prst="rect">
-              <a:avLst/>
-            </a:prstGeom>
-          </p:spPr>
-        </p:pic>
-        <p:pic>
-          <p:nvPicPr>
-            <p:cNvPr id="6" name="그림 5">
-              <a:extLst>
-                <a:ext uri="{FF2B5EF4-FFF2-40B4-BE49-F238E27FC236}">
-                  <a16:creationId xmlns:a16="http://schemas.microsoft.com/office/drawing/2014/main" id="{E70E6279-47B2-40AB-AFE4-B351E3D29EA2}"/>
-                </a:ext>
-              </a:extLst>
-            </p:cNvPr>
-            <p:cNvPicPr>
-              <a:picLocks noChangeAspect="1"/>
-            </p:cNvPicPr>
-            <p:nvPr/>
-          </p:nvPicPr>
-          <p:blipFill>
-            <a:blip r:embed="rId4"/>
-            <a:stretch>
-              <a:fillRect/>
-            </a:stretch>
-          </p:blipFill>
-          <p:spPr>
-            <a:xfrm>
-              <a:off x="1824037" y="4917571"/>
-              <a:ext cx="8543925" cy="661750"/>
-            </a:xfrm>
-            <a:prstGeom prst="rect">
-              <a:avLst/>
-            </a:prstGeom>
-          </p:spPr>
-        </p:pic>
-        <p:pic>
-          <p:nvPicPr>
-            <p:cNvPr id="7" name="그림 6">
-              <a:extLst>
-                <a:ext uri="{FF2B5EF4-FFF2-40B4-BE49-F238E27FC236}">
-                  <a16:creationId xmlns:a16="http://schemas.microsoft.com/office/drawing/2014/main" id="{BA6C4EA4-375C-4923-B2AA-AEF89A3D4FC3}"/>
-                </a:ext>
-              </a:extLst>
-            </p:cNvPr>
-            <p:cNvPicPr>
-              <a:picLocks noChangeAspect="1"/>
-            </p:cNvPicPr>
-            <p:nvPr/>
-          </p:nvPicPr>
-          <p:blipFill>
-            <a:blip r:embed="rId5"/>
-            <a:stretch>
-              <a:fillRect/>
-            </a:stretch>
-          </p:blipFill>
-          <p:spPr>
-            <a:xfrm>
-              <a:off x="4000500" y="4073187"/>
-              <a:ext cx="8191500" cy="647700"/>
-            </a:xfrm>
-            <a:prstGeom prst="rect">
-              <a:avLst/>
-            </a:prstGeom>
-          </p:spPr>
-        </p:pic>
-        <p:sp>
-          <p:nvSpPr>
-            <p:cNvPr id="26" name="화살표: 아래쪽 25">
-              <a:extLst>
-                <a:ext uri="{FF2B5EF4-FFF2-40B4-BE49-F238E27FC236}">
-                  <a16:creationId xmlns:a16="http://schemas.microsoft.com/office/drawing/2014/main" id="{DBA985F2-464F-4159-A597-5C02F12EE828}"/>
-                </a:ext>
-              </a:extLst>
-            </p:cNvPr>
-            <p:cNvSpPr/>
-            <p:nvPr/>
-          </p:nvSpPr>
-          <p:spPr>
-            <a:xfrm>
-              <a:off x="3376839" y="3820709"/>
-              <a:ext cx="499836" cy="900178"/>
-            </a:xfrm>
-            <a:prstGeom prst="downArrow">
-              <a:avLst/>
-            </a:prstGeom>
+          <a:prstGeom prst="rect">
+            <a:avLst/>
+          </a:prstGeom>
+        </p:spPr>
+      </p:pic>
+      <p:pic>
+        <p:nvPicPr>
+          <p:cNvPr id="4" name="그림 3">
+            <a:extLst>
+              <a:ext uri="{FF2B5EF4-FFF2-40B4-BE49-F238E27FC236}">
+                <a16:creationId xmlns:a16="http://schemas.microsoft.com/office/drawing/2014/main" id="{078435DC-5EFB-404B-BCC3-CF28055CDE72}"/>
+              </a:ext>
+            </a:extLst>
+          </p:cNvPr>
+          <p:cNvPicPr>
+            <a:picLocks noChangeAspect="1"/>
+          </p:cNvPicPr>
+          <p:nvPr/>
+        </p:nvPicPr>
+        <p:blipFill>
+          <a:blip r:embed="rId9"/>
+          <a:stretch>
+            <a:fillRect/>
+          </a:stretch>
+        </p:blipFill>
+        <p:spPr>
+          <a:xfrm>
+            <a:off x="918814" y="-1149139"/>
+            <a:ext cx="8915400" cy="704850"/>
+          </a:xfrm>
+          <a:prstGeom prst="rect">
+            <a:avLst/>
+          </a:prstGeom>
+        </p:spPr>
+      </p:pic>
+      <p:pic>
+        <p:nvPicPr>
+          <p:cNvPr id="6" name="그림 5">
+            <a:extLst>
+              <a:ext uri="{FF2B5EF4-FFF2-40B4-BE49-F238E27FC236}">
+                <a16:creationId xmlns:a16="http://schemas.microsoft.com/office/drawing/2014/main" id="{E70E6279-47B2-40AB-AFE4-B351E3D29EA2}"/>
+              </a:ext>
+            </a:extLst>
+          </p:cNvPr>
+          <p:cNvPicPr>
+            <a:picLocks noChangeAspect="1"/>
+          </p:cNvPicPr>
+          <p:nvPr/>
+        </p:nvPicPr>
+        <p:blipFill>
+          <a:blip r:embed="rId10"/>
+          <a:stretch>
+            <a:fillRect/>
+          </a:stretch>
+        </p:blipFill>
+        <p:spPr>
+          <a:xfrm>
+            <a:off x="326147" y="7537996"/>
+            <a:ext cx="8543925" cy="661750"/>
+          </a:xfrm>
+          <a:prstGeom prst="rect">
+            <a:avLst/>
+          </a:prstGeom>
+        </p:spPr>
+      </p:pic>
+      <p:sp>
+        <p:nvSpPr>
+          <p:cNvPr id="26" name="화살표: 아래쪽 25">
+            <a:extLst>
+              <a:ext uri="{FF2B5EF4-FFF2-40B4-BE49-F238E27FC236}">
+                <a16:creationId xmlns:a16="http://schemas.microsoft.com/office/drawing/2014/main" id="{DBA985F2-464F-4159-A597-5C02F12EE828}"/>
+              </a:ext>
+            </a:extLst>
+          </p:cNvPr>
+          <p:cNvSpPr/>
+          <p:nvPr/>
+        </p:nvSpPr>
+        <p:spPr>
+          <a:xfrm>
+            <a:off x="2666878" y="1042795"/>
+            <a:ext cx="499836" cy="900178"/>
+          </a:xfrm>
+          <a:prstGeom prst="downArrow">
+            <a:avLst/>
+          </a:prstGeom>
+          <a:solidFill>
+            <a:srgbClr val="002060"/>
+          </a:solidFill>
+          <a:ln>
+            <a:noFill/>
+          </a:ln>
+        </p:spPr>
+        <p:style>
+          <a:lnRef idx="2">
+            <a:schemeClr val="accent1">
+              <a:shade val="50000"/>
+            </a:schemeClr>
+          </a:lnRef>
+          <a:fillRef idx="1">
+            <a:schemeClr val="accent1"/>
+          </a:fillRef>
+          <a:effectRef idx="0">
+            <a:schemeClr val="accent1"/>
+          </a:effectRef>
+          <a:fontRef idx="minor">
+            <a:schemeClr val="lt1"/>
+          </a:fontRef>
+        </p:style>
+        <p:txBody>
+          <a:bodyPr rtlCol="0" anchor="ctr"/>
+          <a:lstStyle/>
+          <a:p>
+            <a:pPr algn="ctr"/>
+            <a:endParaRPr lang="ko-KR" altLang="en-US" dirty="0"/>
+          </a:p>
+        </p:txBody>
+      </p:sp>
+      <p:pic>
+        <p:nvPicPr>
+          <p:cNvPr id="3" name="Picture 2">
+            <a:extLst>
+              <a:ext uri="{FF2B5EF4-FFF2-40B4-BE49-F238E27FC236}">
+                <a16:creationId xmlns:a16="http://schemas.microsoft.com/office/drawing/2014/main" id="{C915D47E-BC34-B648-A727-2CABD7730811}"/>
+              </a:ext>
+            </a:extLst>
+          </p:cNvPr>
+          <p:cNvPicPr>
+            <a:picLocks noChangeAspect="1"/>
+          </p:cNvPicPr>
+          <p:nvPr/>
+        </p:nvPicPr>
+        <p:blipFill>
+          <a:blip r:embed="rId11"/>
+          <a:stretch>
+            <a:fillRect/>
+          </a:stretch>
+        </p:blipFill>
+        <p:spPr>
+          <a:xfrm>
+            <a:off x="3332279" y="3298214"/>
+            <a:ext cx="7932234" cy="1024038"/>
+          </a:xfrm>
+          <a:prstGeom prst="rect">
+            <a:avLst/>
+          </a:prstGeom>
+        </p:spPr>
+      </p:pic>
+      <p:pic>
+        <p:nvPicPr>
+          <p:cNvPr id="13" name="Picture 12">
+            <a:extLst>
+              <a:ext uri="{FF2B5EF4-FFF2-40B4-BE49-F238E27FC236}">
+                <a16:creationId xmlns:a16="http://schemas.microsoft.com/office/drawing/2014/main" id="{A832097C-3298-C642-BF69-6B132393A0E7}"/>
+              </a:ext>
+            </a:extLst>
+          </p:cNvPr>
+          <p:cNvPicPr>
+            <a:picLocks noChangeAspect="1"/>
+          </p:cNvPicPr>
+          <p:nvPr>
+            <p:custDataLst>
+              <p:tags r:id="rId1"/>
+            </p:custDataLst>
+          </p:nvPr>
+        </p:nvPicPr>
+        <p:blipFill>
+          <a:blip r:embed="rId12">
+            <a:extLst>
+              <a:ext uri="{28A0092B-C50C-407E-A947-70E740481C1C}">
+                <a14:useLocalDpi xmlns:a14="http://schemas.microsoft.com/office/drawing/2010/main" val="0"/>
+              </a:ext>
+            </a:extLst>
+          </a:blip>
+          <a:stretch>
+            <a:fillRect/>
+          </a:stretch>
+        </p:blipFill>
+        <p:spPr>
+          <a:xfrm>
+            <a:off x="3193147" y="1232529"/>
+            <a:ext cx="3596640" cy="536448"/>
+          </a:xfrm>
+          <a:prstGeom prst="rect">
+            <a:avLst/>
+          </a:prstGeom>
+        </p:spPr>
+      </p:pic>
+      <p:pic>
+        <p:nvPicPr>
+          <p:cNvPr id="24" name="Picture 23">
+            <a:extLst>
+              <a:ext uri="{FF2B5EF4-FFF2-40B4-BE49-F238E27FC236}">
+                <a16:creationId xmlns:a16="http://schemas.microsoft.com/office/drawing/2014/main" id="{4C990330-A395-8042-8C8E-98B46605FD42}"/>
+              </a:ext>
+            </a:extLst>
+          </p:cNvPr>
+          <p:cNvPicPr>
+            <a:picLocks noChangeAspect="1"/>
+          </p:cNvPicPr>
+          <p:nvPr>
+            <p:custDataLst>
+              <p:tags r:id="rId2"/>
+            </p:custDataLst>
+          </p:nvPr>
+        </p:nvPicPr>
+        <p:blipFill>
+          <a:blip r:embed="rId13">
+            <a:extLst>
+              <a:ext uri="{28A0092B-C50C-407E-A947-70E740481C1C}">
+                <a14:useLocalDpi xmlns:a14="http://schemas.microsoft.com/office/drawing/2010/main" val="0"/>
+              </a:ext>
+            </a:extLst>
+          </a:blip>
+          <a:stretch>
+            <a:fillRect/>
+          </a:stretch>
+        </p:blipFill>
+        <p:spPr>
+          <a:xfrm>
+            <a:off x="918814" y="2099755"/>
+            <a:ext cx="9183624" cy="429768"/>
+          </a:xfrm>
+          <a:prstGeom prst="rect">
+            <a:avLst/>
+          </a:prstGeom>
+        </p:spPr>
+      </p:pic>
+      <p:pic>
+        <p:nvPicPr>
+          <p:cNvPr id="27" name="그림 6">
+            <a:extLst>
+              <a:ext uri="{FF2B5EF4-FFF2-40B4-BE49-F238E27FC236}">
+                <a16:creationId xmlns:a16="http://schemas.microsoft.com/office/drawing/2014/main" id="{102C7386-C7B6-1A4F-B973-D995BD443DF9}"/>
+              </a:ext>
+            </a:extLst>
+          </p:cNvPr>
+          <p:cNvPicPr>
+            <a:picLocks noChangeAspect="1"/>
+          </p:cNvPicPr>
+          <p:nvPr/>
+        </p:nvPicPr>
+        <p:blipFill>
+          <a:blip r:embed="rId14"/>
+          <a:stretch>
+            <a:fillRect/>
+          </a:stretch>
+        </p:blipFill>
+        <p:spPr>
+          <a:xfrm>
+            <a:off x="3202646" y="2650514"/>
+            <a:ext cx="8191500" cy="647700"/>
+          </a:xfrm>
+          <a:prstGeom prst="rect">
+            <a:avLst/>
+          </a:prstGeom>
+        </p:spPr>
+      </p:pic>
+      <p:pic>
+        <p:nvPicPr>
+          <p:cNvPr id="37" name="Picture 36">
+            <a:extLst>
+              <a:ext uri="{FF2B5EF4-FFF2-40B4-BE49-F238E27FC236}">
+                <a16:creationId xmlns:a16="http://schemas.microsoft.com/office/drawing/2014/main" id="{404264D2-B991-0749-BC4B-8DF814257E75}"/>
+              </a:ext>
+            </a:extLst>
+          </p:cNvPr>
+          <p:cNvPicPr>
+            <a:picLocks noChangeAspect="1"/>
+          </p:cNvPicPr>
+          <p:nvPr>
+            <p:custDataLst>
+              <p:tags r:id="rId3"/>
+            </p:custDataLst>
+          </p:nvPr>
+        </p:nvPicPr>
+        <p:blipFill>
+          <a:blip r:embed="rId15">
+            <a:extLst>
+              <a:ext uri="{28A0092B-C50C-407E-A947-70E740481C1C}">
+                <a14:useLocalDpi xmlns:a14="http://schemas.microsoft.com/office/drawing/2010/main" val="0"/>
+              </a:ext>
+            </a:extLst>
+          </a:blip>
+          <a:stretch>
+            <a:fillRect/>
+          </a:stretch>
+        </p:blipFill>
+        <p:spPr>
+          <a:xfrm>
+            <a:off x="3037682" y="4453781"/>
+            <a:ext cx="6610604" cy="444500"/>
+          </a:xfrm>
+          <a:prstGeom prst="rect">
+            <a:avLst/>
+          </a:prstGeom>
+        </p:spPr>
+      </p:pic>
+      <p:pic>
+        <p:nvPicPr>
+          <p:cNvPr id="38" name="Picture 37">
+            <a:extLst>
+              <a:ext uri="{FF2B5EF4-FFF2-40B4-BE49-F238E27FC236}">
+                <a16:creationId xmlns:a16="http://schemas.microsoft.com/office/drawing/2014/main" id="{E4CB5BD0-C8E7-2D49-8941-EE4FA301D48E}"/>
+              </a:ext>
+            </a:extLst>
+          </p:cNvPr>
+          <p:cNvPicPr>
+            <a:picLocks noChangeAspect="1"/>
+          </p:cNvPicPr>
+          <p:nvPr>
+            <p:custDataLst>
+              <p:tags r:id="rId4"/>
+            </p:custDataLst>
+          </p:nvPr>
+        </p:nvPicPr>
+        <p:blipFill>
+          <a:blip r:embed="rId13">
+            <a:extLst>
+              <a:ext uri="{28A0092B-C50C-407E-A947-70E740481C1C}">
+                <a14:useLocalDpi xmlns:a14="http://schemas.microsoft.com/office/drawing/2010/main" val="0"/>
+              </a:ext>
+            </a:extLst>
+          </a:blip>
+          <a:stretch>
+            <a:fillRect/>
+          </a:stretch>
+        </p:blipFill>
+        <p:spPr>
+          <a:xfrm>
+            <a:off x="918814" y="5195703"/>
+            <a:ext cx="9183624" cy="429768"/>
+          </a:xfrm>
+          <a:prstGeom prst="rect">
+            <a:avLst/>
+          </a:prstGeom>
+        </p:spPr>
+      </p:pic>
+      <p:sp>
+        <p:nvSpPr>
+          <p:cNvPr id="39" name="Rectangle 38">
+            <a:extLst>
+              <a:ext uri="{FF2B5EF4-FFF2-40B4-BE49-F238E27FC236}">
+                <a16:creationId xmlns:a16="http://schemas.microsoft.com/office/drawing/2014/main" id="{382A341D-D823-414E-8128-FB450B339AC1}"/>
+              </a:ext>
+            </a:extLst>
+          </p:cNvPr>
+          <p:cNvSpPr/>
+          <p:nvPr/>
+        </p:nvSpPr>
+        <p:spPr>
+          <a:xfrm>
+            <a:off x="3287311" y="5140349"/>
+            <a:ext cx="4535889" cy="472745"/>
+          </a:xfrm>
+          <a:prstGeom prst="rect">
+            <a:avLst/>
+          </a:prstGeom>
+          <a:noFill/>
+          <a:ln w="28575">
             <a:solidFill>
-              <a:srgbClr val="002060"/>
+              <a:srgbClr val="FF0000"/>
             </a:solidFill>
-            <a:ln>
-              <a:noFill/>
-            </a:ln>
-          </p:spPr>
-          <p:style>
-            <a:lnRef idx="2">
-              <a:schemeClr val="accent1">
-                <a:shade val="50000"/>
-              </a:schemeClr>
-            </a:lnRef>
-            <a:fillRef idx="1">
-              <a:schemeClr val="accent1"/>
-            </a:fillRef>
-            <a:effectRef idx="0">
-              <a:schemeClr val="accent1"/>
-            </a:effectRef>
-            <a:fontRef idx="minor">
-              <a:schemeClr val="lt1"/>
-            </a:fontRef>
-          </p:style>
-          <p:txBody>
-            <a:bodyPr rtlCol="0" anchor="ctr"/>
-            <a:lstStyle/>
-            <a:p>
-              <a:pPr algn="ctr"/>
-              <a:endParaRPr lang="ko-KR" altLang="en-US" dirty="0"/>
-            </a:p>
-          </p:txBody>
-        </p:sp>
-      </p:grpSp>
+          </a:ln>
+        </p:spPr>
+        <p:style>
+          <a:lnRef idx="2">
+            <a:schemeClr val="accent1">
+              <a:shade val="50000"/>
+            </a:schemeClr>
+          </a:lnRef>
+          <a:fillRef idx="1">
+            <a:schemeClr val="accent1"/>
+          </a:fillRef>
+          <a:effectRef idx="0">
+            <a:schemeClr val="accent1"/>
+          </a:effectRef>
+          <a:fontRef idx="minor">
+            <a:schemeClr val="lt1"/>
+          </a:fontRef>
+        </p:style>
+        <p:txBody>
+          <a:bodyPr rtlCol="0" anchor="ctr"/>
+          <a:lstStyle/>
+          <a:p>
+            <a:pPr algn="ctr"/>
+            <a:endParaRPr lang="en-KR"/>
+          </a:p>
+        </p:txBody>
+      </p:sp>
+      <p:sp>
+        <p:nvSpPr>
+          <p:cNvPr id="40" name="Rectangle 39">
+            <a:extLst>
+              <a:ext uri="{FF2B5EF4-FFF2-40B4-BE49-F238E27FC236}">
+                <a16:creationId xmlns:a16="http://schemas.microsoft.com/office/drawing/2014/main" id="{8CF65083-122F-A04A-8B27-A3B85E6A6CB7}"/>
+              </a:ext>
+            </a:extLst>
+          </p:cNvPr>
+          <p:cNvSpPr/>
+          <p:nvPr/>
+        </p:nvSpPr>
+        <p:spPr>
+          <a:xfrm>
+            <a:off x="7851427" y="5140349"/>
+            <a:ext cx="2139240" cy="472745"/>
+          </a:xfrm>
+          <a:prstGeom prst="rect">
+            <a:avLst/>
+          </a:prstGeom>
+          <a:noFill/>
+          <a:ln w="28575">
+            <a:solidFill>
+              <a:srgbClr val="FF0000"/>
+            </a:solidFill>
+          </a:ln>
+        </p:spPr>
+        <p:style>
+          <a:lnRef idx="2">
+            <a:schemeClr val="accent1">
+              <a:shade val="50000"/>
+            </a:schemeClr>
+          </a:lnRef>
+          <a:fillRef idx="1">
+            <a:schemeClr val="accent1"/>
+          </a:fillRef>
+          <a:effectRef idx="0">
+            <a:schemeClr val="accent1"/>
+          </a:effectRef>
+          <a:fontRef idx="minor">
+            <a:schemeClr val="lt1"/>
+          </a:fontRef>
+        </p:style>
+        <p:txBody>
+          <a:bodyPr rtlCol="0" anchor="ctr"/>
+          <a:lstStyle/>
+          <a:p>
+            <a:pPr algn="ctr"/>
+            <a:endParaRPr lang="en-KR"/>
+          </a:p>
+        </p:txBody>
+      </p:sp>
+      <p:pic>
+        <p:nvPicPr>
+          <p:cNvPr id="45" name="Picture 44">
+            <a:extLst>
+              <a:ext uri="{FF2B5EF4-FFF2-40B4-BE49-F238E27FC236}">
+                <a16:creationId xmlns:a16="http://schemas.microsoft.com/office/drawing/2014/main" id="{4154A0CC-28AF-474F-ACE4-98D2A07D4593}"/>
+              </a:ext>
+            </a:extLst>
+          </p:cNvPr>
+          <p:cNvPicPr>
+            <a:picLocks noChangeAspect="1"/>
+          </p:cNvPicPr>
+          <p:nvPr>
+            <p:custDataLst>
+              <p:tags r:id="rId5"/>
+            </p:custDataLst>
+          </p:nvPr>
+        </p:nvPicPr>
+        <p:blipFill>
+          <a:blip r:embed="rId16">
+            <a:extLst>
+              <a:ext uri="{28A0092B-C50C-407E-A947-70E740481C1C}">
+                <a14:useLocalDpi xmlns:a14="http://schemas.microsoft.com/office/drawing/2010/main" val="0"/>
+              </a:ext>
+            </a:extLst>
+          </a:blip>
+          <a:stretch>
+            <a:fillRect/>
+          </a:stretch>
+        </p:blipFill>
+        <p:spPr>
+          <a:xfrm>
+            <a:off x="1748548" y="5855161"/>
+            <a:ext cx="2944368" cy="381000"/>
+          </a:xfrm>
+          <a:prstGeom prst="rect">
+            <a:avLst/>
+          </a:prstGeom>
+        </p:spPr>
+      </p:pic>
+      <p:pic>
+        <p:nvPicPr>
+          <p:cNvPr id="50" name="Picture 49">
+            <a:extLst>
+              <a:ext uri="{FF2B5EF4-FFF2-40B4-BE49-F238E27FC236}">
+                <a16:creationId xmlns:a16="http://schemas.microsoft.com/office/drawing/2014/main" id="{640F5BB3-9F75-044B-A908-9172C4C5CA6B}"/>
+              </a:ext>
+            </a:extLst>
+          </p:cNvPr>
+          <p:cNvPicPr>
+            <a:picLocks noChangeAspect="1"/>
+          </p:cNvPicPr>
+          <p:nvPr>
+            <p:custDataLst>
+              <p:tags r:id="rId6"/>
+            </p:custDataLst>
+          </p:nvPr>
+        </p:nvPicPr>
+        <p:blipFill>
+          <a:blip r:embed="rId17">
+            <a:extLst>
+              <a:ext uri="{28A0092B-C50C-407E-A947-70E740481C1C}">
+                <a14:useLocalDpi xmlns:a14="http://schemas.microsoft.com/office/drawing/2010/main" val="0"/>
+              </a:ext>
+            </a:extLst>
+          </a:blip>
+          <a:stretch>
+            <a:fillRect/>
+          </a:stretch>
+        </p:blipFill>
+        <p:spPr>
+          <a:xfrm>
+            <a:off x="1730462" y="6398965"/>
+            <a:ext cx="5013960" cy="396240"/>
+          </a:xfrm>
+          <a:prstGeom prst="rect">
+            <a:avLst/>
+          </a:prstGeom>
+        </p:spPr>
+      </p:pic>
     </p:spTree>
     <p:extLst>
       <p:ext uri="{BB962C8B-B14F-4D97-AF65-F5344CB8AC3E}">
@@ -17085,6 +17438,114 @@
 </p:tagLst>
 </file>
 
+<file path=ppt/tags/tag42.xml><?xml version="1.0" encoding="utf-8"?>
+<p:tagLst xmlns:a="http://schemas.openxmlformats.org/drawingml/2006/main" xmlns:r="http://schemas.openxmlformats.org/officeDocument/2006/relationships" xmlns:p="http://schemas.openxmlformats.org/presentationml/2006/main">
+  <p:tag name="OUTPUTDPI" val="1200"/>
+  <p:tag name="ORIGINALHEIGHT" val="176"/>
+  <p:tag name="ORIGINALWIDTH" val="1180"/>
+  <p:tag name="LATEXADDIN" val="\documentclass{article}&#10;\usepackage{amsmath}&#10;\usepackage{amssymb}&#10;\pagestyle{empty}&#10;\begin{document}&#10;&#10;&#10;$\Psi_k = \Delta \tilde{\mathtt{R}}_{k+1 j}^{\intercal} \mathtt{J}_{r}^{k} \boldsymbol{\eta}_{k}^{g d} \Delta t$&#10;&#10;\end{document}"/>
+  <p:tag name="IGUANATEXSIZE" val="30"/>
+  <p:tag name="IGUANATEXCURSOR" val="166"/>
+  <p:tag name="TRANSPARENCY" val="True"/>
+  <p:tag name="LATEXENGINEID" val="0"/>
+  <p:tag name="TEMPFOLDER" val="/private/var/folders/wh/6xq4nzn968z6nmj8vyhb88hc0000gn/T/com.microsoft.Powerpoint/TemporaryItems/"/>
+  <p:tag name="LATEXFORMHEIGHT" val="312"/>
+  <p:tag name="LATEXFORMWIDTH" val="384"/>
+  <p:tag name="LATEXFORMWRAP" val="True"/>
+  <p:tag name="BITMAPVECTOR" val="0"/>
+</p:tagLst>
+</file>
+
+<file path=ppt/tags/tag43.xml><?xml version="1.0" encoding="utf-8"?>
+<p:tagLst xmlns:a="http://schemas.openxmlformats.org/drawingml/2006/main" xmlns:r="http://schemas.openxmlformats.org/officeDocument/2006/relationships" xmlns:p="http://schemas.openxmlformats.org/presentationml/2006/main">
+  <p:tag name="OUTPUTDPI" val="1200"/>
+  <p:tag name="ORIGINALHEIGHT" val="141"/>
+  <p:tag name="ORIGINALWIDTH" val="3013"/>
+  <p:tag name="LATEXADDIN" val="\documentclass{article}&#10;\usepackage{amsmath}&#10;\usepackage{amssymb}&#10;\pagestyle{empty}&#10;\begin{document}&#10;&#10;$\delta \boldsymbol{\phi}_{i j}=-\operatorname{Log} \left(\operatorname{Exp}\left(-\Psi_i\right) \operatorname{Exp}\left(-\Psi_{i+1}\right)\cdots \operatorname{Exp}\left(-\Psi_{j-1} \right)  \right)$&#10;&#10;\end{document}"/>
+  <p:tag name="IGUANATEXSIZE" val="30"/>
+  <p:tag name="IGUANATEXCURSOR" val="283"/>
+  <p:tag name="TRANSPARENCY" val="True"/>
+  <p:tag name="LATEXENGINEID" val="0"/>
+  <p:tag name="TEMPFOLDER" val="/private/var/folders/wh/6xq4nzn968z6nmj8vyhb88hc0000gn/T/com.microsoft.Powerpoint/TemporaryItems/"/>
+  <p:tag name="LATEXFORMHEIGHT" val="312"/>
+  <p:tag name="LATEXFORMWIDTH" val="384"/>
+  <p:tag name="LATEXFORMWRAP" val="True"/>
+  <p:tag name="BITMAPVECTOR" val="0"/>
+</p:tagLst>
+</file>
+
+<file path=ppt/tags/tag44.xml><?xml version="1.0" encoding="utf-8"?>
+<p:tagLst xmlns:a="http://schemas.openxmlformats.org/drawingml/2006/main" xmlns:r="http://schemas.openxmlformats.org/officeDocument/2006/relationships" xmlns:p="http://schemas.openxmlformats.org/presentationml/2006/main">
+  <p:tag name="OUTPUTDPI" val="1200"/>
+  <p:tag name="ORIGINALHEIGHT" val="125"/>
+  <p:tag name="ORIGINALWIDTH" val="1859"/>
+  <p:tag name="LATEXADDIN" val="\documentclass{article}&#10;\usepackage{amsmath}&#10;\usepackage{amssymb}&#10;\pagestyle{empty}&#10;\begin{document}&#10;&#10;&#10;$\therefore \operatorname{Log} (\operatorname{Exp}(\boldsymbol{\phi}) \operatorname{Exp}(\delta \boldsymbol{\phi})) \approx \boldsymbol{\phi}+ \delta \boldsymbol{\phi}$&#10;&#10;\end{document}"/>
+  <p:tag name="IGUANATEXSIZE" val="35"/>
+  <p:tag name="IGUANATEXCURSOR" val="171"/>
+  <p:tag name="TRANSPARENCY" val="True"/>
+  <p:tag name="LATEXENGINEID" val="0"/>
+  <p:tag name="TEMPFOLDER" val="/private/var/folders/wh/6xq4nzn968z6nmj8vyhb88hc0000gn/T/com.microsoft.Powerpoint/TemporaryItems/"/>
+  <p:tag name="LATEXFORMHEIGHT" val="312"/>
+  <p:tag name="LATEXFORMWIDTH" val="384"/>
+  <p:tag name="LATEXFORMWRAP" val="True"/>
+  <p:tag name="BITMAPVECTOR" val="0"/>
+</p:tagLst>
+</file>
+
+<file path=ppt/tags/tag45.xml><?xml version="1.0" encoding="utf-8"?>
+<p:tagLst xmlns:a="http://schemas.openxmlformats.org/drawingml/2006/main" xmlns:r="http://schemas.openxmlformats.org/officeDocument/2006/relationships" xmlns:p="http://schemas.openxmlformats.org/presentationml/2006/main">
+  <p:tag name="OUTPUTDPI" val="1200"/>
+  <p:tag name="ORIGINALHEIGHT" val="141"/>
+  <p:tag name="ORIGINALWIDTH" val="3013"/>
+  <p:tag name="LATEXADDIN" val="\documentclass{article}&#10;\usepackage{amsmath}&#10;\usepackage{amssymb}&#10;\pagestyle{empty}&#10;\begin{document}&#10;&#10;$\delta \boldsymbol{\phi}_{i j}=-\operatorname{Log} \left(\operatorname{Exp}\left(-\Psi_i\right) \operatorname{Exp}\left(-\Psi_{i+1}\right)\cdots \operatorname{Exp}\left(-\Psi_{j-1} \right)  \right)$&#10;&#10;\end{document}"/>
+  <p:tag name="IGUANATEXSIZE" val="30"/>
+  <p:tag name="IGUANATEXCURSOR" val="283"/>
+  <p:tag name="TRANSPARENCY" val="True"/>
+  <p:tag name="LATEXENGINEID" val="0"/>
+  <p:tag name="TEMPFOLDER" val="/private/var/folders/wh/6xq4nzn968z6nmj8vyhb88hc0000gn/T/com.microsoft.Powerpoint/TemporaryItems/"/>
+  <p:tag name="LATEXFORMHEIGHT" val="312"/>
+  <p:tag name="LATEXFORMWIDTH" val="384"/>
+  <p:tag name="LATEXFORMWRAP" val="True"/>
+  <p:tag name="BITMAPVECTOR" val="0"/>
+</p:tagLst>
+</file>
+
+<file path=ppt/tags/tag46.xml><?xml version="1.0" encoding="utf-8"?>
+<p:tagLst xmlns:a="http://schemas.openxmlformats.org/drawingml/2006/main" xmlns:r="http://schemas.openxmlformats.org/officeDocument/2006/relationships" xmlns:p="http://schemas.openxmlformats.org/presentationml/2006/main">
+  <p:tag name="OUTPUTDPI" val="1200"/>
+  <p:tag name="ORIGINALHEIGHT" val="125"/>
+  <p:tag name="ORIGINALWIDTH" val="966"/>
+  <p:tag name="LATEXADDIN" val="\documentclass{article}&#10;\usepackage{amsmath}&#10;\usepackage{amssymb}&#10;\pagestyle{empty}&#10;\begin{document}&#10;&#10;$\simeq - \delta \Phi_{j-1} + \Psi_{j-1} $&#10;&#10;\end{document}"/>
+  <p:tag name="IGUANATEXSIZE" val="30"/>
+  <p:tag name="IGUANATEXCURSOR" val="128"/>
+  <p:tag name="TRANSPARENCY" val="True"/>
+  <p:tag name="LATEXENGINEID" val="0"/>
+  <p:tag name="TEMPFOLDER" val="/private/var/folders/wh/6xq4nzn968z6nmj8vyhb88hc0000gn/T/com.microsoft.Powerpoint/TemporaryItems/"/>
+  <p:tag name="LATEXFORMHEIGHT" val="312"/>
+  <p:tag name="LATEXFORMWIDTH" val="384"/>
+  <p:tag name="LATEXFORMWRAP" val="True"/>
+  <p:tag name="BITMAPVECTOR" val="0"/>
+</p:tagLst>
+</file>
+
+<file path=ppt/tags/tag47.xml><?xml version="1.0" encoding="utf-8"?>
+<p:tagLst xmlns:a="http://schemas.openxmlformats.org/drawingml/2006/main" xmlns:r="http://schemas.openxmlformats.org/officeDocument/2006/relationships" xmlns:p="http://schemas.openxmlformats.org/presentationml/2006/main">
+  <p:tag name="OUTPUTDPI" val="1200"/>
+  <p:tag name="ORIGINALHEIGHT" val="130"/>
+  <p:tag name="ORIGINALWIDTH" val="1645"/>
+  <p:tag name="LATEXADDIN" val="\documentclass{article}&#10;\usepackage{amsmath}&#10;\usepackage{amssymb}&#10;\pagestyle{empty}&#10;\begin{document}&#10;&#10;$\simeq - \operatorname{Log}\left( \operatorname{Exp}\left( \delta \Phi_{j-1} \right) \right) + \Psi_{j-1} $&#10;&#10;\end{document}"/>
+  <p:tag name="IGUANATEXSIZE" val="30"/>
+  <p:tag name="IGUANATEXCURSOR" val="195"/>
+  <p:tag name="TRANSPARENCY" val="True"/>
+  <p:tag name="LATEXENGINEID" val="0"/>
+  <p:tag name="TEMPFOLDER" val="/private/var/folders/wh/6xq4nzn968z6nmj8vyhb88hc0000gn/T/com.microsoft.Powerpoint/TemporaryItems/"/>
+  <p:tag name="LATEXFORMHEIGHT" val="312"/>
+  <p:tag name="LATEXFORMWIDTH" val="384"/>
+  <p:tag name="LATEXFORMWRAP" val="True"/>
+  <p:tag name="BITMAPVECTOR" val="0"/>
+</p:tagLst>
+</file>
+
 <file path=ppt/tags/tag5.xml><?xml version="1.0" encoding="utf-8"?>
 <p:tagLst xmlns:a="http://schemas.openxmlformats.org/drawingml/2006/main" xmlns:r="http://schemas.openxmlformats.org/officeDocument/2006/relationships" xmlns:p="http://schemas.openxmlformats.org/presentationml/2006/main">
   <p:tag name="OUTPUTDPI" val="1200"/>

--- a/img/preintegration/preintegration_v2.pptx
+++ b/img/preintegration/preintegration_v2.pptx
@@ -288,7 +288,7 @@
           <a:p>
             <a:fld id="{B79B8510-7E7F-4140-B929-CF74CD005B44}" type="datetimeFigureOut">
               <a:rPr lang="ko-KR" altLang="en-US" smtClean="0"/>
-              <a:t>2022. 4. 11.</a:t>
+              <a:t>2022-04-11</a:t>
             </a:fld>
             <a:endParaRPr lang="ko-KR" altLang="en-US"/>
           </a:p>
@@ -486,7 +486,7 @@
           <a:p>
             <a:fld id="{B79B8510-7E7F-4140-B929-CF74CD005B44}" type="datetimeFigureOut">
               <a:rPr lang="ko-KR" altLang="en-US" smtClean="0"/>
-              <a:t>2022. 4. 11.</a:t>
+              <a:t>2022-04-11</a:t>
             </a:fld>
             <a:endParaRPr lang="ko-KR" altLang="en-US"/>
           </a:p>
@@ -694,7 +694,7 @@
           <a:p>
             <a:fld id="{B79B8510-7E7F-4140-B929-CF74CD005B44}" type="datetimeFigureOut">
               <a:rPr lang="ko-KR" altLang="en-US" smtClean="0"/>
-              <a:t>2022. 4. 11.</a:t>
+              <a:t>2022-04-11</a:t>
             </a:fld>
             <a:endParaRPr lang="ko-KR" altLang="en-US"/>
           </a:p>
@@ -930,7 +930,7 @@
           <a:p>
             <a:fld id="{B79B8510-7E7F-4140-B929-CF74CD005B44}" type="datetimeFigureOut">
               <a:rPr lang="ko-KR" altLang="en-US" smtClean="0"/>
-              <a:t>2022. 4. 11.</a:t>
+              <a:t>2022-04-11</a:t>
             </a:fld>
             <a:endParaRPr lang="ko-KR" altLang="en-US"/>
           </a:p>
@@ -1205,7 +1205,7 @@
           <a:p>
             <a:fld id="{B79B8510-7E7F-4140-B929-CF74CD005B44}" type="datetimeFigureOut">
               <a:rPr lang="ko-KR" altLang="en-US" smtClean="0"/>
-              <a:t>2022. 4. 11.</a:t>
+              <a:t>2022-04-11</a:t>
             </a:fld>
             <a:endParaRPr lang="ko-KR" altLang="en-US"/>
           </a:p>
@@ -1470,7 +1470,7 @@
           <a:p>
             <a:fld id="{B79B8510-7E7F-4140-B929-CF74CD005B44}" type="datetimeFigureOut">
               <a:rPr lang="ko-KR" altLang="en-US" smtClean="0"/>
-              <a:t>2022. 4. 11.</a:t>
+              <a:t>2022-04-11</a:t>
             </a:fld>
             <a:endParaRPr lang="ko-KR" altLang="en-US"/>
           </a:p>
@@ -1882,7 +1882,7 @@
           <a:p>
             <a:fld id="{B79B8510-7E7F-4140-B929-CF74CD005B44}" type="datetimeFigureOut">
               <a:rPr lang="ko-KR" altLang="en-US" smtClean="0"/>
-              <a:t>2022. 4. 11.</a:t>
+              <a:t>2022-04-11</a:t>
             </a:fld>
             <a:endParaRPr lang="ko-KR" altLang="en-US"/>
           </a:p>
@@ -2023,7 +2023,7 @@
           <a:p>
             <a:fld id="{B79B8510-7E7F-4140-B929-CF74CD005B44}" type="datetimeFigureOut">
               <a:rPr lang="ko-KR" altLang="en-US" smtClean="0"/>
-              <a:t>2022. 4. 11.</a:t>
+              <a:t>2022-04-11</a:t>
             </a:fld>
             <a:endParaRPr lang="ko-KR" altLang="en-US"/>
           </a:p>
@@ -2136,7 +2136,7 @@
           <a:p>
             <a:fld id="{B79B8510-7E7F-4140-B929-CF74CD005B44}" type="datetimeFigureOut">
               <a:rPr lang="ko-KR" altLang="en-US" smtClean="0"/>
-              <a:t>2022. 4. 11.</a:t>
+              <a:t>2022-04-11</a:t>
             </a:fld>
             <a:endParaRPr lang="ko-KR" altLang="en-US"/>
           </a:p>
@@ -2447,7 +2447,7 @@
           <a:p>
             <a:fld id="{B79B8510-7E7F-4140-B929-CF74CD005B44}" type="datetimeFigureOut">
               <a:rPr lang="ko-KR" altLang="en-US" smtClean="0"/>
-              <a:t>2022. 4. 11.</a:t>
+              <a:t>2022-04-11</a:t>
             </a:fld>
             <a:endParaRPr lang="ko-KR" altLang="en-US"/>
           </a:p>
@@ -2735,7 +2735,7 @@
           <a:p>
             <a:fld id="{B79B8510-7E7F-4140-B929-CF74CD005B44}" type="datetimeFigureOut">
               <a:rPr lang="ko-KR" altLang="en-US" smtClean="0"/>
-              <a:t>2022. 4. 11.</a:t>
+              <a:t>2022-04-11</a:t>
             </a:fld>
             <a:endParaRPr lang="ko-KR" altLang="en-US"/>
           </a:p>
@@ -2976,7 +2976,7 @@
           <a:p>
             <a:fld id="{B79B8510-7E7F-4140-B929-CF74CD005B44}" type="datetimeFigureOut">
               <a:rPr lang="ko-KR" altLang="en-US" smtClean="0"/>
-              <a:t>2022. 4. 11.</a:t>
+              <a:t>2022-04-11</a:t>
             </a:fld>
             <a:endParaRPr lang="ko-KR" altLang="en-US"/>
           </a:p>
@@ -4958,14 +4958,14 @@
           <p:nvPr/>
         </p:nvPicPr>
         <p:blipFill>
-          <a:blip r:embed="rId8"/>
+          <a:blip r:embed="rId15"/>
           <a:stretch>
             <a:fillRect/>
           </a:stretch>
         </p:blipFill>
         <p:spPr>
           <a:xfrm>
-            <a:off x="918814" y="184361"/>
+            <a:off x="861664" y="184361"/>
             <a:ext cx="8934450" cy="933450"/>
           </a:xfrm>
           <a:prstGeom prst="rect">
@@ -4988,14 +4988,14 @@
           <p:nvPr/>
         </p:nvPicPr>
         <p:blipFill>
-          <a:blip r:embed="rId9"/>
+          <a:blip r:embed="rId16"/>
           <a:stretch>
             <a:fillRect/>
           </a:stretch>
         </p:blipFill>
         <p:spPr>
           <a:xfrm>
-            <a:off x="918814" y="-1149139"/>
+            <a:off x="918814" y="-1027283"/>
             <a:ext cx="8915400" cy="704850"/>
           </a:xfrm>
           <a:prstGeom prst="rect">
@@ -5018,15 +5018,15 @@
           <p:nvPr/>
         </p:nvPicPr>
         <p:blipFill>
-          <a:blip r:embed="rId10"/>
+          <a:blip r:embed="rId17"/>
           <a:stretch>
             <a:fillRect/>
           </a:stretch>
         </p:blipFill>
         <p:spPr>
           <a:xfrm>
-            <a:off x="326147" y="7537996"/>
-            <a:ext cx="8543925" cy="661750"/>
+            <a:off x="861664" y="9070504"/>
+            <a:ext cx="7597865" cy="588475"/>
           </a:xfrm>
           <a:prstGeom prst="rect">
             <a:avLst/>
@@ -5047,7 +5047,7 @@
         </p:nvSpPr>
         <p:spPr>
           <a:xfrm>
-            <a:off x="2666878" y="1042795"/>
+            <a:off x="2643251" y="1042795"/>
             <a:ext cx="499836" cy="900178"/>
           </a:xfrm>
           <a:prstGeom prst="downArrow">
@@ -5100,14 +5100,14 @@
           <p:nvPr/>
         </p:nvPicPr>
         <p:blipFill>
-          <a:blip r:embed="rId11"/>
+          <a:blip r:embed="rId18"/>
           <a:stretch>
             <a:fillRect/>
           </a:stretch>
         </p:blipFill>
         <p:spPr>
           <a:xfrm>
-            <a:off x="3332279" y="3298214"/>
+            <a:off x="3507446" y="3355364"/>
             <a:ext cx="7932234" cy="1024038"/>
           </a:xfrm>
           <a:prstGeom prst="rect">
@@ -5117,10 +5117,10 @@
       </p:pic>
       <p:pic>
         <p:nvPicPr>
-          <p:cNvPr id="13" name="Picture 12">
+          <p:cNvPr id="15" name="그림 14">
             <a:extLst>
               <a:ext uri="{FF2B5EF4-FFF2-40B4-BE49-F238E27FC236}">
-                <a16:creationId xmlns:a16="http://schemas.microsoft.com/office/drawing/2014/main" id="{A832097C-3298-C642-BF69-6B132393A0E7}"/>
+                <a16:creationId xmlns:a16="http://schemas.microsoft.com/office/drawing/2014/main" id="{AC873FFD-078A-4062-8BA9-F09468D04CA9}"/>
               </a:ext>
             </a:extLst>
           </p:cNvPr>
@@ -5134,7 +5134,7 @@
           </p:nvPr>
         </p:nvPicPr>
         <p:blipFill>
-          <a:blip r:embed="rId12">
+          <a:blip r:embed="rId19">
             <a:extLst>
               <a:ext uri="{28A0092B-C50C-407E-A947-70E740481C1C}">
                 <a14:useLocalDpi xmlns:a14="http://schemas.microsoft.com/office/drawing/2010/main" val="0"/>
@@ -5147,8 +5147,8 @@
         </p:blipFill>
         <p:spPr>
           <a:xfrm>
-            <a:off x="3193147" y="1232529"/>
-            <a:ext cx="3596640" cy="536448"/>
+            <a:off x="3243182" y="1235986"/>
+            <a:ext cx="4285714" cy="537143"/>
           </a:xfrm>
           <a:prstGeom prst="rect">
             <a:avLst/>
@@ -5174,7 +5174,7 @@
           </p:nvPr>
         </p:nvPicPr>
         <p:blipFill>
-          <a:blip r:embed="rId13">
+          <a:blip r:embed="rId20">
             <a:extLst>
               <a:ext uri="{28A0092B-C50C-407E-A947-70E740481C1C}">
                 <a14:useLocalDpi xmlns:a14="http://schemas.microsoft.com/office/drawing/2010/main" val="0"/>
@@ -5210,14 +5210,14 @@
           <p:nvPr/>
         </p:nvPicPr>
         <p:blipFill>
-          <a:blip r:embed="rId14"/>
+          <a:blip r:embed="rId21"/>
           <a:stretch>
             <a:fillRect/>
           </a:stretch>
         </p:blipFill>
         <p:spPr>
           <a:xfrm>
-            <a:off x="3202646" y="2650514"/>
+            <a:off x="3507446" y="2707664"/>
             <a:ext cx="8191500" cy="647700"/>
           </a:xfrm>
           <a:prstGeom prst="rect">
@@ -5244,7 +5244,7 @@
           </p:nvPr>
         </p:nvPicPr>
         <p:blipFill>
-          <a:blip r:embed="rId15">
+          <a:blip r:embed="rId22">
             <a:extLst>
               <a:ext uri="{28A0092B-C50C-407E-A947-70E740481C1C}">
                 <a14:useLocalDpi xmlns:a14="http://schemas.microsoft.com/office/drawing/2010/main" val="0"/>
@@ -5257,7 +5257,7 @@
         </p:blipFill>
         <p:spPr>
           <a:xfrm>
-            <a:off x="3037682" y="4453781"/>
+            <a:off x="3507446" y="5063666"/>
             <a:ext cx="6610604" cy="444500"/>
           </a:xfrm>
           <a:prstGeom prst="rect">
@@ -5284,7 +5284,7 @@
           </p:nvPr>
         </p:nvPicPr>
         <p:blipFill>
-          <a:blip r:embed="rId13">
+          <a:blip r:embed="rId20">
             <a:extLst>
               <a:ext uri="{28A0092B-C50C-407E-A947-70E740481C1C}">
                 <a14:useLocalDpi xmlns:a14="http://schemas.microsoft.com/office/drawing/2010/main" val="0"/>
@@ -5297,7 +5297,7 @@
         </p:blipFill>
         <p:spPr>
           <a:xfrm>
-            <a:off x="918814" y="5195703"/>
+            <a:off x="918814" y="5900553"/>
             <a:ext cx="9183624" cy="429768"/>
           </a:xfrm>
           <a:prstGeom prst="rect">
@@ -5307,7 +5307,7 @@
       </p:pic>
       <p:sp>
         <p:nvSpPr>
-          <p:cNvPr id="39" name="Rectangle 38">
+          <p:cNvPr id="39" name="Rectangle 38 1 1">
             <a:extLst>
               <a:ext uri="{FF2B5EF4-FFF2-40B4-BE49-F238E27FC236}">
                 <a16:creationId xmlns:a16="http://schemas.microsoft.com/office/drawing/2014/main" id="{382A341D-D823-414E-8128-FB450B339AC1}"/>
@@ -5319,8 +5319,698 @@
         </p:nvSpPr>
         <p:spPr>
           <a:xfrm>
-            <a:off x="3287311" y="5140349"/>
-            <a:ext cx="4535889" cy="472745"/>
+            <a:off x="3287311" y="5845199"/>
+            <a:ext cx="1779989" cy="472745"/>
+          </a:xfrm>
+          <a:prstGeom prst="rect">
+            <a:avLst/>
+          </a:prstGeom>
+          <a:noFill/>
+          <a:ln w="28575">
+            <a:solidFill>
+              <a:srgbClr val="00B050"/>
+            </a:solidFill>
+          </a:ln>
+        </p:spPr>
+        <p:style>
+          <a:lnRef idx="2">
+            <a:schemeClr val="accent1">
+              <a:shade val="50000"/>
+            </a:schemeClr>
+          </a:lnRef>
+          <a:fillRef idx="1">
+            <a:schemeClr val="accent1"/>
+          </a:fillRef>
+          <a:effectRef idx="0">
+            <a:schemeClr val="accent1"/>
+          </a:effectRef>
+          <a:fontRef idx="minor">
+            <a:schemeClr val="lt1"/>
+          </a:fontRef>
+        </p:style>
+        <p:txBody>
+          <a:bodyPr rtlCol="0" anchor="ctr"/>
+          <a:lstStyle/>
+          <a:p>
+            <a:pPr algn="ctr"/>
+            <a:endParaRPr lang="en-KR"/>
+          </a:p>
+        </p:txBody>
+      </p:sp>
+      <p:sp>
+        <p:nvSpPr>
+          <p:cNvPr id="40" name="Rectangle 39 1 1 1">
+            <a:extLst>
+              <a:ext uri="{FF2B5EF4-FFF2-40B4-BE49-F238E27FC236}">
+                <a16:creationId xmlns:a16="http://schemas.microsoft.com/office/drawing/2014/main" id="{8CF65083-122F-A04A-8B27-A3B85E6A6CB7}"/>
+              </a:ext>
+            </a:extLst>
+          </p:cNvPr>
+          <p:cNvSpPr/>
+          <p:nvPr/>
+        </p:nvSpPr>
+        <p:spPr>
+          <a:xfrm>
+            <a:off x="5118099" y="5845199"/>
+            <a:ext cx="4824000" cy="472745"/>
+          </a:xfrm>
+          <a:prstGeom prst="rect">
+            <a:avLst/>
+          </a:prstGeom>
+          <a:noFill/>
+          <a:ln w="28575">
+            <a:solidFill>
+              <a:srgbClr val="FF0000"/>
+            </a:solidFill>
+          </a:ln>
+        </p:spPr>
+        <p:style>
+          <a:lnRef idx="2">
+            <a:schemeClr val="accent1">
+              <a:shade val="50000"/>
+            </a:schemeClr>
+          </a:lnRef>
+          <a:fillRef idx="1">
+            <a:schemeClr val="accent1"/>
+          </a:fillRef>
+          <a:effectRef idx="0">
+            <a:schemeClr val="accent1"/>
+          </a:effectRef>
+          <a:fontRef idx="minor">
+            <a:schemeClr val="lt1"/>
+          </a:fontRef>
+        </p:style>
+        <p:txBody>
+          <a:bodyPr rtlCol="0" anchor="ctr"/>
+          <a:lstStyle/>
+          <a:p>
+            <a:pPr algn="ctr"/>
+            <a:endParaRPr lang="en-KR"/>
+          </a:p>
+        </p:txBody>
+      </p:sp>
+      <p:pic>
+        <p:nvPicPr>
+          <p:cNvPr id="68" name="그림 67">
+            <a:extLst>
+              <a:ext uri="{FF2B5EF4-FFF2-40B4-BE49-F238E27FC236}">
+                <a16:creationId xmlns:a16="http://schemas.microsoft.com/office/drawing/2014/main" id="{329998D5-A55B-464B-A917-608489707281}"/>
+              </a:ext>
+            </a:extLst>
+          </p:cNvPr>
+          <p:cNvPicPr>
+            <a:picLocks noChangeAspect="1"/>
+          </p:cNvPicPr>
+          <p:nvPr>
+            <p:custDataLst>
+              <p:tags r:id="rId5"/>
+            </p:custDataLst>
+          </p:nvPr>
+        </p:nvPicPr>
+        <p:blipFill>
+          <a:blip r:embed="rId23">
+            <a:extLst>
+              <a:ext uri="{28A0092B-C50C-407E-A947-70E740481C1C}">
+                <a14:useLocalDpi xmlns:a14="http://schemas.microsoft.com/office/drawing/2010/main" val="0"/>
+              </a:ext>
+            </a:extLst>
+          </a:blip>
+          <a:stretch>
+            <a:fillRect/>
+          </a:stretch>
+        </p:blipFill>
+        <p:spPr>
+          <a:xfrm>
+            <a:off x="1748548" y="6560012"/>
+            <a:ext cx="2189714" cy="358857"/>
+          </a:xfrm>
+          <a:prstGeom prst="rect">
+            <a:avLst/>
+          </a:prstGeom>
+        </p:spPr>
+      </p:pic>
+      <p:pic>
+        <p:nvPicPr>
+          <p:cNvPr id="72" name="그림 71">
+            <a:extLst>
+              <a:ext uri="{FF2B5EF4-FFF2-40B4-BE49-F238E27FC236}">
+                <a16:creationId xmlns:a16="http://schemas.microsoft.com/office/drawing/2014/main" id="{CA32299A-B365-4677-88B2-89E58278BFCB}"/>
+              </a:ext>
+            </a:extLst>
+          </p:cNvPr>
+          <p:cNvPicPr>
+            <a:picLocks noChangeAspect="1"/>
+          </p:cNvPicPr>
+          <p:nvPr>
+            <p:custDataLst>
+              <p:tags r:id="rId6"/>
+            </p:custDataLst>
+          </p:nvPr>
+        </p:nvPicPr>
+        <p:blipFill>
+          <a:blip r:embed="rId24">
+            <a:extLst>
+              <a:ext uri="{28A0092B-C50C-407E-A947-70E740481C1C}">
+                <a14:useLocalDpi xmlns:a14="http://schemas.microsoft.com/office/drawing/2010/main" val="0"/>
+              </a:ext>
+            </a:extLst>
+          </a:blip>
+          <a:stretch>
+            <a:fillRect/>
+          </a:stretch>
+        </p:blipFill>
+        <p:spPr>
+          <a:xfrm>
+            <a:off x="1730464" y="7103815"/>
+            <a:ext cx="4203429" cy="381714"/>
+          </a:xfrm>
+          <a:prstGeom prst="rect">
+            <a:avLst/>
+          </a:prstGeom>
+        </p:spPr>
+      </p:pic>
+      <p:pic>
+        <p:nvPicPr>
+          <p:cNvPr id="80" name="그림 79">
+            <a:extLst>
+              <a:ext uri="{FF2B5EF4-FFF2-40B4-BE49-F238E27FC236}">
+                <a16:creationId xmlns:a16="http://schemas.microsoft.com/office/drawing/2014/main" id="{DA1F62A6-D56E-405E-9890-7CC511788D36}"/>
+              </a:ext>
+            </a:extLst>
+          </p:cNvPr>
+          <p:cNvPicPr>
+            <a:picLocks noChangeAspect="1"/>
+          </p:cNvPicPr>
+          <p:nvPr>
+            <p:custDataLst>
+              <p:tags r:id="rId7"/>
+            </p:custDataLst>
+          </p:nvPr>
+        </p:nvPicPr>
+        <p:blipFill>
+          <a:blip r:embed="rId25">
+            <a:extLst>
+              <a:ext uri="{28A0092B-C50C-407E-A947-70E740481C1C}">
+                <a14:useLocalDpi xmlns:a14="http://schemas.microsoft.com/office/drawing/2010/main" val="0"/>
+              </a:ext>
+            </a:extLst>
+          </a:blip>
+          <a:stretch>
+            <a:fillRect/>
+          </a:stretch>
+        </p:blipFill>
+        <p:spPr>
+          <a:xfrm>
+            <a:off x="1730465" y="7664333"/>
+            <a:ext cx="9264001" cy="397714"/>
+          </a:xfrm>
+          <a:prstGeom prst="rect">
+            <a:avLst/>
+          </a:prstGeom>
+        </p:spPr>
+      </p:pic>
+      <p:pic>
+        <p:nvPicPr>
+          <p:cNvPr id="84" name="그림 83">
+            <a:extLst>
+              <a:ext uri="{FF2B5EF4-FFF2-40B4-BE49-F238E27FC236}">
+                <a16:creationId xmlns:a16="http://schemas.microsoft.com/office/drawing/2014/main" id="{41178DA1-4E99-4CFB-ABFC-3A49F5F69438}"/>
+              </a:ext>
+            </a:extLst>
+          </p:cNvPr>
+          <p:cNvPicPr>
+            <a:picLocks noChangeAspect="1"/>
+          </p:cNvPicPr>
+          <p:nvPr>
+            <p:custDataLst>
+              <p:tags r:id="rId8"/>
+            </p:custDataLst>
+          </p:nvPr>
+        </p:nvPicPr>
+        <p:blipFill>
+          <a:blip r:embed="rId26">
+            <a:extLst>
+              <a:ext uri="{28A0092B-C50C-407E-A947-70E740481C1C}">
+                <a14:useLocalDpi xmlns:a14="http://schemas.microsoft.com/office/drawing/2010/main" val="0"/>
+              </a:ext>
+            </a:extLst>
+          </a:blip>
+          <a:stretch>
+            <a:fillRect/>
+          </a:stretch>
+        </p:blipFill>
+        <p:spPr>
+          <a:xfrm>
+            <a:off x="1748549" y="8233326"/>
+            <a:ext cx="3467428" cy="358857"/>
+          </a:xfrm>
+          <a:prstGeom prst="rect">
+            <a:avLst/>
+          </a:prstGeom>
+        </p:spPr>
+      </p:pic>
+      <p:sp>
+        <p:nvSpPr>
+          <p:cNvPr id="18" name="화살표: 아래쪽 17">
+            <a:extLst>
+              <a:ext uri="{FF2B5EF4-FFF2-40B4-BE49-F238E27FC236}">
+                <a16:creationId xmlns:a16="http://schemas.microsoft.com/office/drawing/2014/main" id="{DB5D907A-0AC5-4C27-BBA5-8775558E8B7E}"/>
+              </a:ext>
+            </a:extLst>
+          </p:cNvPr>
+          <p:cNvSpPr/>
+          <p:nvPr/>
+        </p:nvSpPr>
+        <p:spPr>
+          <a:xfrm>
+            <a:off x="2643251" y="-417683"/>
+            <a:ext cx="499836" cy="854498"/>
+          </a:xfrm>
+          <a:prstGeom prst="downArrow">
+            <a:avLst/>
+          </a:prstGeom>
+          <a:solidFill>
+            <a:srgbClr val="002060"/>
+          </a:solidFill>
+          <a:ln>
+            <a:noFill/>
+          </a:ln>
+        </p:spPr>
+        <p:style>
+          <a:lnRef idx="2">
+            <a:schemeClr val="accent1">
+              <a:shade val="50000"/>
+            </a:schemeClr>
+          </a:lnRef>
+          <a:fillRef idx="1">
+            <a:schemeClr val="accent1"/>
+          </a:fillRef>
+          <a:effectRef idx="0">
+            <a:schemeClr val="accent1"/>
+          </a:effectRef>
+          <a:fontRef idx="minor">
+            <a:schemeClr val="lt1"/>
+          </a:fontRef>
+        </p:style>
+        <p:txBody>
+          <a:bodyPr rtlCol="0" anchor="ctr"/>
+          <a:lstStyle/>
+          <a:p>
+            <a:pPr algn="ctr"/>
+            <a:endParaRPr lang="ko-KR" altLang="en-US" dirty="0"/>
+          </a:p>
+        </p:txBody>
+      </p:sp>
+      <p:pic>
+        <p:nvPicPr>
+          <p:cNvPr id="10" name="그림 9">
+            <a:extLst>
+              <a:ext uri="{FF2B5EF4-FFF2-40B4-BE49-F238E27FC236}">
+                <a16:creationId xmlns:a16="http://schemas.microsoft.com/office/drawing/2014/main" id="{2284FF26-1827-4EBE-B110-CEEE3DC921A0}"/>
+              </a:ext>
+            </a:extLst>
+          </p:cNvPr>
+          <p:cNvPicPr>
+            <a:picLocks noChangeAspect="1"/>
+          </p:cNvPicPr>
+          <p:nvPr>
+            <p:custDataLst>
+              <p:tags r:id="rId9"/>
+            </p:custDataLst>
+          </p:nvPr>
+        </p:nvPicPr>
+        <p:blipFill>
+          <a:blip r:embed="rId27">
+            <a:extLst>
+              <a:ext uri="{28A0092B-C50C-407E-A947-70E740481C1C}">
+                <a14:useLocalDpi xmlns:a14="http://schemas.microsoft.com/office/drawing/2010/main" val="0"/>
+              </a:ext>
+            </a:extLst>
+          </a:blip>
+          <a:stretch>
+            <a:fillRect/>
+          </a:stretch>
+        </p:blipFill>
+        <p:spPr>
+          <a:xfrm>
+            <a:off x="3243182" y="-229447"/>
+            <a:ext cx="969143" cy="381714"/>
+          </a:xfrm>
+          <a:prstGeom prst="rect">
+            <a:avLst/>
+          </a:prstGeom>
+        </p:spPr>
+      </p:pic>
+      <p:sp>
+        <p:nvSpPr>
+          <p:cNvPr id="16" name="직사각형 15">
+            <a:extLst>
+              <a:ext uri="{FF2B5EF4-FFF2-40B4-BE49-F238E27FC236}">
+                <a16:creationId xmlns:a16="http://schemas.microsoft.com/office/drawing/2014/main" id="{6A3DBD35-F0EE-4C1D-B657-F95B188AB1BC}"/>
+              </a:ext>
+            </a:extLst>
+          </p:cNvPr>
+          <p:cNvSpPr/>
+          <p:nvPr/>
+        </p:nvSpPr>
+        <p:spPr>
+          <a:xfrm>
+            <a:off x="3471514" y="2581870"/>
+            <a:ext cx="8216321" cy="3006748"/>
+          </a:xfrm>
+          <a:prstGeom prst="rect">
+            <a:avLst/>
+          </a:prstGeom>
+          <a:noFill/>
+          <a:ln>
+            <a:solidFill>
+              <a:schemeClr val="tx1"/>
+            </a:solidFill>
+          </a:ln>
+        </p:spPr>
+        <p:style>
+          <a:lnRef idx="2">
+            <a:schemeClr val="accent1">
+              <a:shade val="50000"/>
+            </a:schemeClr>
+          </a:lnRef>
+          <a:fillRef idx="1">
+            <a:schemeClr val="accent1"/>
+          </a:fillRef>
+          <a:effectRef idx="0">
+            <a:schemeClr val="accent1"/>
+          </a:effectRef>
+          <a:fontRef idx="minor">
+            <a:schemeClr val="lt1"/>
+          </a:fontRef>
+        </p:style>
+        <p:txBody>
+          <a:bodyPr rtlCol="0" anchor="ctr"/>
+          <a:lstStyle/>
+          <a:p>
+            <a:pPr algn="ctr"/>
+            <a:endParaRPr lang="ko-KR" altLang="en-US"/>
+          </a:p>
+        </p:txBody>
+      </p:sp>
+      <p:pic>
+        <p:nvPicPr>
+          <p:cNvPr id="36" name="그림 35">
+            <a:extLst>
+              <a:ext uri="{FF2B5EF4-FFF2-40B4-BE49-F238E27FC236}">
+                <a16:creationId xmlns:a16="http://schemas.microsoft.com/office/drawing/2014/main" id="{38DA7023-FFFD-423E-9040-3631260BF143}"/>
+              </a:ext>
+            </a:extLst>
+          </p:cNvPr>
+          <p:cNvPicPr>
+            <a:picLocks noChangeAspect="1"/>
+          </p:cNvPicPr>
+          <p:nvPr>
+            <p:custDataLst>
+              <p:tags r:id="rId10"/>
+            </p:custDataLst>
+          </p:nvPr>
+        </p:nvPicPr>
+        <p:blipFill>
+          <a:blip r:embed="rId28">
+            <a:extLst>
+              <a:ext uri="{28A0092B-C50C-407E-A947-70E740481C1C}">
+                <a14:useLocalDpi xmlns:a14="http://schemas.microsoft.com/office/drawing/2010/main" val="0"/>
+              </a:ext>
+            </a:extLst>
+          </a:blip>
+          <a:stretch>
+            <a:fillRect/>
+          </a:stretch>
+        </p:blipFill>
+        <p:spPr>
+          <a:xfrm>
+            <a:off x="4692916" y="4507647"/>
+            <a:ext cx="3210667" cy="381867"/>
+          </a:xfrm>
+          <a:prstGeom prst="rect">
+            <a:avLst/>
+          </a:prstGeom>
+        </p:spPr>
+      </p:pic>
+      <p:sp>
+        <p:nvSpPr>
+          <p:cNvPr id="41" name="직사각형 40">
+            <a:extLst>
+              <a:ext uri="{FF2B5EF4-FFF2-40B4-BE49-F238E27FC236}">
+                <a16:creationId xmlns:a16="http://schemas.microsoft.com/office/drawing/2014/main" id="{7C9452CE-2F60-417F-8129-ED81F2746C3A}"/>
+              </a:ext>
+            </a:extLst>
+          </p:cNvPr>
+          <p:cNvSpPr/>
+          <p:nvPr/>
+        </p:nvSpPr>
+        <p:spPr>
+          <a:xfrm>
+            <a:off x="3561331" y="3657600"/>
+            <a:ext cx="1077700" cy="480962"/>
+          </a:xfrm>
+          <a:prstGeom prst="rect">
+            <a:avLst/>
+          </a:prstGeom>
+          <a:noFill/>
+          <a:ln w="28575">
+            <a:solidFill>
+              <a:srgbClr val="0432FF"/>
+            </a:solidFill>
+          </a:ln>
+        </p:spPr>
+        <p:style>
+          <a:lnRef idx="2">
+            <a:schemeClr val="accent1">
+              <a:shade val="50000"/>
+            </a:schemeClr>
+          </a:lnRef>
+          <a:fillRef idx="1">
+            <a:schemeClr val="accent1"/>
+          </a:fillRef>
+          <a:effectRef idx="0">
+            <a:schemeClr val="accent1"/>
+          </a:effectRef>
+          <a:fontRef idx="minor">
+            <a:schemeClr val="lt1"/>
+          </a:fontRef>
+        </p:style>
+        <p:txBody>
+          <a:bodyPr rtlCol="0" anchor="ctr"/>
+          <a:lstStyle/>
+          <a:p>
+            <a:pPr algn="ctr"/>
+            <a:endParaRPr lang="ko-KR" altLang="en-US"/>
+          </a:p>
+        </p:txBody>
+      </p:sp>
+      <p:sp>
+        <p:nvSpPr>
+          <p:cNvPr id="43" name="직사각형 42">
+            <a:extLst>
+              <a:ext uri="{FF2B5EF4-FFF2-40B4-BE49-F238E27FC236}">
+                <a16:creationId xmlns:a16="http://schemas.microsoft.com/office/drawing/2014/main" id="{71078971-862D-40F3-9375-9A72F1C49F39}"/>
+              </a:ext>
+            </a:extLst>
+          </p:cNvPr>
+          <p:cNvSpPr/>
+          <p:nvPr/>
+        </p:nvSpPr>
+        <p:spPr>
+          <a:xfrm>
+            <a:off x="8665245" y="2781897"/>
+            <a:ext cx="1113304" cy="480962"/>
+          </a:xfrm>
+          <a:prstGeom prst="rect">
+            <a:avLst/>
+          </a:prstGeom>
+          <a:noFill/>
+          <a:ln w="28575">
+            <a:solidFill>
+              <a:srgbClr val="0432FF"/>
+            </a:solidFill>
+          </a:ln>
+        </p:spPr>
+        <p:style>
+          <a:lnRef idx="2">
+            <a:schemeClr val="accent1">
+              <a:shade val="50000"/>
+            </a:schemeClr>
+          </a:lnRef>
+          <a:fillRef idx="1">
+            <a:schemeClr val="accent1"/>
+          </a:fillRef>
+          <a:effectRef idx="0">
+            <a:schemeClr val="accent1"/>
+          </a:effectRef>
+          <a:fontRef idx="minor">
+            <a:schemeClr val="lt1"/>
+          </a:fontRef>
+        </p:style>
+        <p:txBody>
+          <a:bodyPr rtlCol="0" anchor="ctr"/>
+          <a:lstStyle/>
+          <a:p>
+            <a:pPr algn="ctr"/>
+            <a:endParaRPr lang="ko-KR" altLang="en-US"/>
+          </a:p>
+        </p:txBody>
+      </p:sp>
+      <p:cxnSp>
+        <p:nvCxnSpPr>
+          <p:cNvPr id="44" name="직선 연결선 43">
+            <a:extLst>
+              <a:ext uri="{FF2B5EF4-FFF2-40B4-BE49-F238E27FC236}">
+                <a16:creationId xmlns:a16="http://schemas.microsoft.com/office/drawing/2014/main" id="{496DC522-8A04-4E2C-9D60-CE98B796CDD8}"/>
+              </a:ext>
+            </a:extLst>
+          </p:cNvPr>
+          <p:cNvCxnSpPr>
+            <a:cxnSpLocks/>
+          </p:cNvCxnSpPr>
+          <p:nvPr/>
+        </p:nvCxnSpPr>
+        <p:spPr>
+          <a:xfrm flipV="1">
+            <a:off x="5619750" y="3657600"/>
+            <a:ext cx="609600" cy="480962"/>
+          </a:xfrm>
+          <a:prstGeom prst="line">
+            <a:avLst/>
+          </a:prstGeom>
+          <a:ln w="57150">
+            <a:solidFill>
+              <a:schemeClr val="tx1"/>
+            </a:solidFill>
+          </a:ln>
+        </p:spPr>
+        <p:style>
+          <a:lnRef idx="1">
+            <a:schemeClr val="accent1"/>
+          </a:lnRef>
+          <a:fillRef idx="0">
+            <a:schemeClr val="accent1"/>
+          </a:fillRef>
+          <a:effectRef idx="0">
+            <a:schemeClr val="accent1"/>
+          </a:effectRef>
+          <a:fontRef idx="minor">
+            <a:schemeClr val="tx1"/>
+          </a:fontRef>
+        </p:style>
+      </p:cxnSp>
+      <p:cxnSp>
+        <p:nvCxnSpPr>
+          <p:cNvPr id="48" name="직선 연결선 47">
+            <a:extLst>
+              <a:ext uri="{FF2B5EF4-FFF2-40B4-BE49-F238E27FC236}">
+                <a16:creationId xmlns:a16="http://schemas.microsoft.com/office/drawing/2014/main" id="{3E6DCB8D-772E-4314-B63C-416E680C5CE1}"/>
+              </a:ext>
+            </a:extLst>
+          </p:cNvPr>
+          <p:cNvCxnSpPr>
+            <a:cxnSpLocks/>
+          </p:cNvCxnSpPr>
+          <p:nvPr/>
+        </p:nvCxnSpPr>
+        <p:spPr>
+          <a:xfrm flipV="1">
+            <a:off x="6556749" y="3553686"/>
+            <a:ext cx="4826286" cy="677824"/>
+          </a:xfrm>
+          <a:prstGeom prst="line">
+            <a:avLst/>
+          </a:prstGeom>
+          <a:ln w="57150">
+            <a:solidFill>
+              <a:schemeClr val="tx1"/>
+            </a:solidFill>
+          </a:ln>
+        </p:spPr>
+        <p:style>
+          <a:lnRef idx="1">
+            <a:schemeClr val="accent1"/>
+          </a:lnRef>
+          <a:fillRef idx="0">
+            <a:schemeClr val="accent1"/>
+          </a:fillRef>
+          <a:effectRef idx="0">
+            <a:schemeClr val="accent1"/>
+          </a:effectRef>
+          <a:fontRef idx="minor">
+            <a:schemeClr val="tx1"/>
+          </a:fontRef>
+        </p:style>
+      </p:cxnSp>
+      <p:sp>
+        <p:nvSpPr>
+          <p:cNvPr id="51" name="화살표: 아래쪽 50">
+            <a:extLst>
+              <a:ext uri="{FF2B5EF4-FFF2-40B4-BE49-F238E27FC236}">
+                <a16:creationId xmlns:a16="http://schemas.microsoft.com/office/drawing/2014/main" id="{5CC4208D-62AA-4B38-85FF-DB349E650F0D}"/>
+              </a:ext>
+            </a:extLst>
+          </p:cNvPr>
+          <p:cNvSpPr/>
+          <p:nvPr/>
+        </p:nvSpPr>
+        <p:spPr>
+          <a:xfrm>
+            <a:off x="2643251" y="2581871"/>
+            <a:ext cx="499836" cy="3006748"/>
+          </a:xfrm>
+          <a:prstGeom prst="downArrow">
+            <a:avLst/>
+          </a:prstGeom>
+          <a:solidFill>
+            <a:srgbClr val="002060"/>
+          </a:solidFill>
+          <a:ln>
+            <a:noFill/>
+          </a:ln>
+        </p:spPr>
+        <p:style>
+          <a:lnRef idx="2">
+            <a:schemeClr val="accent1">
+              <a:shade val="50000"/>
+            </a:schemeClr>
+          </a:lnRef>
+          <a:fillRef idx="1">
+            <a:schemeClr val="accent1"/>
+          </a:fillRef>
+          <a:effectRef idx="0">
+            <a:schemeClr val="accent1"/>
+          </a:effectRef>
+          <a:fontRef idx="minor">
+            <a:schemeClr val="lt1"/>
+          </a:fontRef>
+        </p:style>
+        <p:txBody>
+          <a:bodyPr rtlCol="0" anchor="ctr"/>
+          <a:lstStyle/>
+          <a:p>
+            <a:pPr algn="ctr"/>
+            <a:endParaRPr lang="ko-KR" altLang="en-US" dirty="0"/>
+          </a:p>
+        </p:txBody>
+      </p:sp>
+      <p:sp>
+        <p:nvSpPr>
+          <p:cNvPr id="52" name="Rectangle 39 2">
+            <a:extLst>
+              <a:ext uri="{FF2B5EF4-FFF2-40B4-BE49-F238E27FC236}">
+                <a16:creationId xmlns:a16="http://schemas.microsoft.com/office/drawing/2014/main" id="{7F9747F5-B877-4080-80C6-E71341E93A14}"/>
+              </a:ext>
+            </a:extLst>
+          </p:cNvPr>
+          <p:cNvSpPr/>
+          <p:nvPr/>
+        </p:nvSpPr>
+        <p:spPr>
+          <a:xfrm>
+            <a:off x="6272849" y="5056197"/>
+            <a:ext cx="1728151" cy="472745"/>
           </a:xfrm>
           <a:prstGeom prst="rect">
             <a:avLst/>
@@ -5359,10 +6049,10 @@
       </p:sp>
       <p:sp>
         <p:nvSpPr>
-          <p:cNvPr id="40" name="Rectangle 39">
+          <p:cNvPr id="53" name="Rectangle 39 3">
             <a:extLst>
               <a:ext uri="{FF2B5EF4-FFF2-40B4-BE49-F238E27FC236}">
-                <a16:creationId xmlns:a16="http://schemas.microsoft.com/office/drawing/2014/main" id="{8CF65083-122F-A04A-8B27-A3B85E6A6CB7}"/>
+                <a16:creationId xmlns:a16="http://schemas.microsoft.com/office/drawing/2014/main" id="{0653F1F9-051B-4426-8D98-5B9E9775A4A2}"/>
               </a:ext>
             </a:extLst>
           </p:cNvPr>
@@ -5371,8 +6061,100 @@
         </p:nvSpPr>
         <p:spPr>
           <a:xfrm>
-            <a:off x="7851427" y="5140349"/>
-            <a:ext cx="2139240" cy="472745"/>
+            <a:off x="4800600" y="5056196"/>
+            <a:ext cx="1428750" cy="472745"/>
+          </a:xfrm>
+          <a:prstGeom prst="rect">
+            <a:avLst/>
+          </a:prstGeom>
+          <a:noFill/>
+          <a:ln w="28575">
+            <a:solidFill>
+              <a:srgbClr val="00B050"/>
+            </a:solidFill>
+          </a:ln>
+        </p:spPr>
+        <p:style>
+          <a:lnRef idx="2">
+            <a:schemeClr val="accent1">
+              <a:shade val="50000"/>
+            </a:schemeClr>
+          </a:lnRef>
+          <a:fillRef idx="1">
+            <a:schemeClr val="accent1"/>
+          </a:fillRef>
+          <a:effectRef idx="0">
+            <a:schemeClr val="accent1"/>
+          </a:effectRef>
+          <a:fontRef idx="minor">
+            <a:schemeClr val="lt1"/>
+          </a:fontRef>
+        </p:style>
+        <p:txBody>
+          <a:bodyPr rtlCol="0" anchor="ctr"/>
+          <a:lstStyle/>
+          <a:p>
+            <a:pPr algn="ctr"/>
+            <a:endParaRPr lang="en-KR"/>
+          </a:p>
+        </p:txBody>
+      </p:sp>
+      <p:pic>
+        <p:nvPicPr>
+          <p:cNvPr id="70" name="그림 69">
+            <a:extLst>
+              <a:ext uri="{FF2B5EF4-FFF2-40B4-BE49-F238E27FC236}">
+                <a16:creationId xmlns:a16="http://schemas.microsoft.com/office/drawing/2014/main" id="{1CD04C35-FF63-4FB0-B71E-DF8E91CCB983}"/>
+              </a:ext>
+            </a:extLst>
+          </p:cNvPr>
+          <p:cNvPicPr>
+            <a:picLocks noChangeAspect="1"/>
+          </p:cNvPicPr>
+          <p:nvPr>
+            <p:custDataLst>
+              <p:tags r:id="rId11"/>
+            </p:custDataLst>
+          </p:nvPr>
+        </p:nvPicPr>
+        <p:blipFill>
+          <a:blip r:embed="rId29">
+            <a:extLst>
+              <a:ext uri="{28A0092B-C50C-407E-A947-70E740481C1C}">
+                <a14:useLocalDpi xmlns:a14="http://schemas.microsoft.com/office/drawing/2010/main" val="0"/>
+              </a:ext>
+            </a:extLst>
+          </a:blip>
+          <a:stretch>
+            <a:fillRect/>
+          </a:stretch>
+        </p:blipFill>
+        <p:spPr>
+          <a:xfrm>
+            <a:off x="6169488" y="6387307"/>
+            <a:ext cx="1955047" cy="254476"/>
+          </a:xfrm>
+          <a:prstGeom prst="rect">
+            <a:avLst/>
+          </a:prstGeom>
+        </p:spPr>
+      </p:pic>
+      <p:sp>
+        <p:nvSpPr>
+          <p:cNvPr id="60" name="Rectangle 38 2 1 1">
+            <a:extLst>
+              <a:ext uri="{FF2B5EF4-FFF2-40B4-BE49-F238E27FC236}">
+                <a16:creationId xmlns:a16="http://schemas.microsoft.com/office/drawing/2014/main" id="{BF72DCAC-3731-48A7-8EF6-8E7ED5B8AF91}"/>
+              </a:ext>
+            </a:extLst>
+          </p:cNvPr>
+          <p:cNvSpPr/>
+          <p:nvPr/>
+        </p:nvSpPr>
+        <p:spPr>
+          <a:xfrm>
+            <a:off x="6812748" y="6362323"/>
+            <a:ext cx="1337692" cy="308718"/>
           </a:xfrm>
           <a:prstGeom prst="rect">
             <a:avLst/>
@@ -5409,12 +6191,436 @@
           </a:p>
         </p:txBody>
       </p:sp>
+      <p:sp>
+        <p:nvSpPr>
+          <p:cNvPr id="61" name="Rectangle 38 3">
+            <a:extLst>
+              <a:ext uri="{FF2B5EF4-FFF2-40B4-BE49-F238E27FC236}">
+                <a16:creationId xmlns:a16="http://schemas.microsoft.com/office/drawing/2014/main" id="{F800910A-37C9-48E2-A55A-093E27F6E386}"/>
+              </a:ext>
+            </a:extLst>
+          </p:cNvPr>
+          <p:cNvSpPr/>
+          <p:nvPr/>
+        </p:nvSpPr>
+        <p:spPr>
+          <a:xfrm>
+            <a:off x="7288435" y="5080137"/>
+            <a:ext cx="550292" cy="435498"/>
+          </a:xfrm>
+          <a:prstGeom prst="rect">
+            <a:avLst/>
+          </a:prstGeom>
+          <a:solidFill>
+            <a:srgbClr val="FFFF00">
+              <a:alpha val="40000"/>
+            </a:srgbClr>
+          </a:solidFill>
+          <a:ln w="28575">
+            <a:noFill/>
+          </a:ln>
+        </p:spPr>
+        <p:style>
+          <a:lnRef idx="2">
+            <a:schemeClr val="accent1">
+              <a:shade val="50000"/>
+            </a:schemeClr>
+          </a:lnRef>
+          <a:fillRef idx="1">
+            <a:schemeClr val="accent1"/>
+          </a:fillRef>
+          <a:effectRef idx="0">
+            <a:schemeClr val="accent1"/>
+          </a:effectRef>
+          <a:fontRef idx="minor">
+            <a:schemeClr val="lt1"/>
+          </a:fontRef>
+        </p:style>
+        <p:txBody>
+          <a:bodyPr rtlCol="0" anchor="ctr"/>
+          <a:lstStyle/>
+          <a:p>
+            <a:pPr algn="ctr"/>
+            <a:endParaRPr lang="en-KR"/>
+          </a:p>
+        </p:txBody>
+      </p:sp>
+      <p:sp>
+        <p:nvSpPr>
+          <p:cNvPr id="62" name="Rectangle 38 4">
+            <a:extLst>
+              <a:ext uri="{FF2B5EF4-FFF2-40B4-BE49-F238E27FC236}">
+                <a16:creationId xmlns:a16="http://schemas.microsoft.com/office/drawing/2014/main" id="{DDEE9569-E914-4E95-9C02-5C52CF867E54}"/>
+              </a:ext>
+            </a:extLst>
+          </p:cNvPr>
+          <p:cNvSpPr/>
+          <p:nvPr/>
+        </p:nvSpPr>
+        <p:spPr>
+          <a:xfrm>
+            <a:off x="9613468" y="5051289"/>
+            <a:ext cx="550292" cy="435498"/>
+          </a:xfrm>
+          <a:prstGeom prst="rect">
+            <a:avLst/>
+          </a:prstGeom>
+          <a:solidFill>
+            <a:srgbClr val="FFFF00">
+              <a:alpha val="40000"/>
+            </a:srgbClr>
+          </a:solidFill>
+          <a:ln w="28575">
+            <a:noFill/>
+          </a:ln>
+        </p:spPr>
+        <p:style>
+          <a:lnRef idx="2">
+            <a:schemeClr val="accent1">
+              <a:shade val="50000"/>
+            </a:schemeClr>
+          </a:lnRef>
+          <a:fillRef idx="1">
+            <a:schemeClr val="accent1"/>
+          </a:fillRef>
+          <a:effectRef idx="0">
+            <a:schemeClr val="accent1"/>
+          </a:effectRef>
+          <a:fontRef idx="minor">
+            <a:schemeClr val="lt1"/>
+          </a:fontRef>
+        </p:style>
+        <p:txBody>
+          <a:bodyPr rtlCol="0" anchor="ctr"/>
+          <a:lstStyle/>
+          <a:p>
+            <a:pPr algn="ctr"/>
+            <a:endParaRPr lang="en-KR"/>
+          </a:p>
+        </p:txBody>
+      </p:sp>
+      <p:sp>
+        <p:nvSpPr>
+          <p:cNvPr id="63" name="Rectangle 38 5 1">
+            <a:extLst>
+              <a:ext uri="{FF2B5EF4-FFF2-40B4-BE49-F238E27FC236}">
+                <a16:creationId xmlns:a16="http://schemas.microsoft.com/office/drawing/2014/main" id="{A6D89278-126E-4D55-9CE6-2A3C0A401CB3}"/>
+              </a:ext>
+            </a:extLst>
+          </p:cNvPr>
+          <p:cNvSpPr/>
+          <p:nvPr/>
+        </p:nvSpPr>
+        <p:spPr>
+          <a:xfrm>
+            <a:off x="7428617" y="6384809"/>
+            <a:ext cx="651165" cy="257769"/>
+          </a:xfrm>
+          <a:prstGeom prst="rect">
+            <a:avLst/>
+          </a:prstGeom>
+          <a:solidFill>
+            <a:srgbClr val="FFFF00">
+              <a:alpha val="40000"/>
+            </a:srgbClr>
+          </a:solidFill>
+          <a:ln w="28575">
+            <a:noFill/>
+          </a:ln>
+        </p:spPr>
+        <p:style>
+          <a:lnRef idx="2">
+            <a:schemeClr val="accent1">
+              <a:shade val="50000"/>
+            </a:schemeClr>
+          </a:lnRef>
+          <a:fillRef idx="1">
+            <a:schemeClr val="accent1"/>
+          </a:fillRef>
+          <a:effectRef idx="0">
+            <a:schemeClr val="accent1"/>
+          </a:effectRef>
+          <a:fontRef idx="minor">
+            <a:schemeClr val="lt1"/>
+          </a:fontRef>
+        </p:style>
+        <p:txBody>
+          <a:bodyPr rtlCol="0" anchor="ctr"/>
+          <a:lstStyle/>
+          <a:p>
+            <a:pPr algn="ctr"/>
+            <a:endParaRPr lang="en-KR"/>
+          </a:p>
+        </p:txBody>
+      </p:sp>
+      <p:sp>
+        <p:nvSpPr>
+          <p:cNvPr id="64" name="Rectangle 38 6">
+            <a:extLst>
+              <a:ext uri="{FF2B5EF4-FFF2-40B4-BE49-F238E27FC236}">
+                <a16:creationId xmlns:a16="http://schemas.microsoft.com/office/drawing/2014/main" id="{B8B7F432-D757-4DEC-9B4A-68D042F74F28}"/>
+              </a:ext>
+            </a:extLst>
+          </p:cNvPr>
+          <p:cNvSpPr/>
+          <p:nvPr/>
+        </p:nvSpPr>
+        <p:spPr>
+          <a:xfrm>
+            <a:off x="2993999" y="6510695"/>
+            <a:ext cx="979592" cy="429768"/>
+          </a:xfrm>
+          <a:prstGeom prst="rect">
+            <a:avLst/>
+          </a:prstGeom>
+          <a:solidFill>
+            <a:srgbClr val="FFFF00">
+              <a:alpha val="40000"/>
+            </a:srgbClr>
+          </a:solidFill>
+          <a:ln w="28575">
+            <a:noFill/>
+          </a:ln>
+        </p:spPr>
+        <p:style>
+          <a:lnRef idx="2">
+            <a:schemeClr val="accent1">
+              <a:shade val="50000"/>
+            </a:schemeClr>
+          </a:lnRef>
+          <a:fillRef idx="1">
+            <a:schemeClr val="accent1"/>
+          </a:fillRef>
+          <a:effectRef idx="0">
+            <a:schemeClr val="accent1"/>
+          </a:effectRef>
+          <a:fontRef idx="minor">
+            <a:schemeClr val="lt1"/>
+          </a:fontRef>
+        </p:style>
+        <p:txBody>
+          <a:bodyPr rtlCol="0" anchor="ctr"/>
+          <a:lstStyle/>
+          <a:p>
+            <a:pPr algn="ctr"/>
+            <a:endParaRPr lang="en-KR" dirty="0"/>
+          </a:p>
+        </p:txBody>
+      </p:sp>
+      <p:sp>
+        <p:nvSpPr>
+          <p:cNvPr id="73" name="Rectangle 38 2 2">
+            <a:extLst>
+              <a:ext uri="{FF2B5EF4-FFF2-40B4-BE49-F238E27FC236}">
+                <a16:creationId xmlns:a16="http://schemas.microsoft.com/office/drawing/2014/main" id="{EA2FA86E-6E24-496C-B29D-62D304183976}"/>
+              </a:ext>
+            </a:extLst>
+          </p:cNvPr>
+          <p:cNvSpPr/>
+          <p:nvPr/>
+        </p:nvSpPr>
+        <p:spPr>
+          <a:xfrm>
+            <a:off x="3832178" y="7071189"/>
+            <a:ext cx="1971722" cy="414340"/>
+          </a:xfrm>
+          <a:prstGeom prst="rect">
+            <a:avLst/>
+          </a:prstGeom>
+          <a:noFill/>
+          <a:ln w="28575">
+            <a:solidFill>
+              <a:srgbClr val="FF0000"/>
+            </a:solidFill>
+          </a:ln>
+        </p:spPr>
+        <p:style>
+          <a:lnRef idx="2">
+            <a:schemeClr val="accent1">
+              <a:shade val="50000"/>
+            </a:schemeClr>
+          </a:lnRef>
+          <a:fillRef idx="1">
+            <a:schemeClr val="accent1"/>
+          </a:fillRef>
+          <a:effectRef idx="0">
+            <a:schemeClr val="accent1"/>
+          </a:effectRef>
+          <a:fontRef idx="minor">
+            <a:schemeClr val="lt1"/>
+          </a:fontRef>
+        </p:style>
+        <p:txBody>
+          <a:bodyPr rtlCol="0" anchor="ctr"/>
+          <a:lstStyle/>
+          <a:p>
+            <a:pPr algn="ctr"/>
+            <a:endParaRPr lang="en-KR"/>
+          </a:p>
+        </p:txBody>
+      </p:sp>
+      <p:sp>
+        <p:nvSpPr>
+          <p:cNvPr id="78" name="Rectangle 39 1 2">
+            <a:extLst>
+              <a:ext uri="{FF2B5EF4-FFF2-40B4-BE49-F238E27FC236}">
+                <a16:creationId xmlns:a16="http://schemas.microsoft.com/office/drawing/2014/main" id="{F0F86303-EB40-4AB0-B2EB-4B65F7DE065B}"/>
+              </a:ext>
+            </a:extLst>
+          </p:cNvPr>
+          <p:cNvSpPr/>
+          <p:nvPr/>
+        </p:nvSpPr>
+        <p:spPr>
+          <a:xfrm>
+            <a:off x="3781425" y="7604573"/>
+            <a:ext cx="7384595" cy="472745"/>
+          </a:xfrm>
+          <a:prstGeom prst="rect">
+            <a:avLst/>
+          </a:prstGeom>
+          <a:noFill/>
+          <a:ln w="28575">
+            <a:solidFill>
+              <a:srgbClr val="FF0000"/>
+            </a:solidFill>
+          </a:ln>
+        </p:spPr>
+        <p:style>
+          <a:lnRef idx="2">
+            <a:schemeClr val="accent1">
+              <a:shade val="50000"/>
+            </a:schemeClr>
+          </a:lnRef>
+          <a:fillRef idx="1">
+            <a:schemeClr val="accent1"/>
+          </a:fillRef>
+          <a:effectRef idx="0">
+            <a:schemeClr val="accent1"/>
+          </a:effectRef>
+          <a:fontRef idx="minor">
+            <a:schemeClr val="lt1"/>
+          </a:fontRef>
+        </p:style>
+        <p:txBody>
+          <a:bodyPr rtlCol="0" anchor="ctr"/>
+          <a:lstStyle/>
+          <a:p>
+            <a:pPr algn="ctr"/>
+            <a:endParaRPr lang="en-KR"/>
+          </a:p>
+        </p:txBody>
+      </p:sp>
+      <p:sp>
+        <p:nvSpPr>
+          <p:cNvPr id="81" name="Rectangle 38 1 2">
+            <a:extLst>
+              <a:ext uri="{FF2B5EF4-FFF2-40B4-BE49-F238E27FC236}">
+                <a16:creationId xmlns:a16="http://schemas.microsoft.com/office/drawing/2014/main" id="{4378D348-E7C6-4A3C-81D1-5929FFC476ED}"/>
+              </a:ext>
+            </a:extLst>
+          </p:cNvPr>
+          <p:cNvSpPr/>
+          <p:nvPr/>
+        </p:nvSpPr>
+        <p:spPr>
+          <a:xfrm>
+            <a:off x="3839761" y="7642088"/>
+            <a:ext cx="2094132" cy="397714"/>
+          </a:xfrm>
+          <a:prstGeom prst="rect">
+            <a:avLst/>
+          </a:prstGeom>
+          <a:noFill/>
+          <a:ln w="28575">
+            <a:solidFill>
+              <a:srgbClr val="00B050"/>
+            </a:solidFill>
+          </a:ln>
+        </p:spPr>
+        <p:style>
+          <a:lnRef idx="2">
+            <a:schemeClr val="accent1">
+              <a:shade val="50000"/>
+            </a:schemeClr>
+          </a:lnRef>
+          <a:fillRef idx="1">
+            <a:schemeClr val="accent1"/>
+          </a:fillRef>
+          <a:effectRef idx="0">
+            <a:schemeClr val="accent1"/>
+          </a:effectRef>
+          <a:fontRef idx="minor">
+            <a:schemeClr val="lt1"/>
+          </a:fontRef>
+        </p:style>
+        <p:txBody>
+          <a:bodyPr rtlCol="0" anchor="ctr"/>
+          <a:lstStyle/>
+          <a:p>
+            <a:pPr algn="ctr"/>
+            <a:endParaRPr lang="en-KR"/>
+          </a:p>
+        </p:txBody>
+      </p:sp>
+      <p:sp>
+        <p:nvSpPr>
+          <p:cNvPr id="82" name="Rectangle 39 1 1 2">
+            <a:extLst>
+              <a:ext uri="{FF2B5EF4-FFF2-40B4-BE49-F238E27FC236}">
+                <a16:creationId xmlns:a16="http://schemas.microsoft.com/office/drawing/2014/main" id="{2744EF73-A8AC-45B6-9816-968896F7C54A}"/>
+              </a:ext>
+            </a:extLst>
+          </p:cNvPr>
+          <p:cNvSpPr/>
+          <p:nvPr/>
+        </p:nvSpPr>
+        <p:spPr>
+          <a:xfrm>
+            <a:off x="6008730" y="7649339"/>
+            <a:ext cx="5076000" cy="383213"/>
+          </a:xfrm>
+          <a:prstGeom prst="rect">
+            <a:avLst/>
+          </a:prstGeom>
+          <a:noFill/>
+          <a:ln w="28575">
+            <a:solidFill>
+              <a:srgbClr val="00B0F0"/>
+            </a:solidFill>
+          </a:ln>
+        </p:spPr>
+        <p:style>
+          <a:lnRef idx="2">
+            <a:schemeClr val="accent1">
+              <a:shade val="50000"/>
+            </a:schemeClr>
+          </a:lnRef>
+          <a:fillRef idx="1">
+            <a:schemeClr val="accent1"/>
+          </a:fillRef>
+          <a:effectRef idx="0">
+            <a:schemeClr val="accent1"/>
+          </a:effectRef>
+          <a:fontRef idx="minor">
+            <a:schemeClr val="lt1"/>
+          </a:fontRef>
+        </p:style>
+        <p:txBody>
+          <a:bodyPr rtlCol="0" anchor="ctr"/>
+          <a:lstStyle/>
+          <a:p>
+            <a:pPr algn="ctr"/>
+            <a:endParaRPr lang="en-KR"/>
+          </a:p>
+        </p:txBody>
+      </p:sp>
       <p:pic>
         <p:nvPicPr>
-          <p:cNvPr id="45" name="Picture 44">
+          <p:cNvPr id="89" name="그림 88">
             <a:extLst>
               <a:ext uri="{FF2B5EF4-FFF2-40B4-BE49-F238E27FC236}">
-                <a16:creationId xmlns:a16="http://schemas.microsoft.com/office/drawing/2014/main" id="{4154A0CC-28AF-474F-ACE4-98D2A07D4593}"/>
+                <a16:creationId xmlns:a16="http://schemas.microsoft.com/office/drawing/2014/main" id="{7809BE32-4838-42EC-AE83-9FE16F444CAC}"/>
               </a:ext>
             </a:extLst>
           </p:cNvPr>
@@ -5423,12 +6629,12 @@
           </p:cNvPicPr>
           <p:nvPr>
             <p:custDataLst>
-              <p:tags r:id="rId5"/>
+              <p:tags r:id="rId12"/>
             </p:custDataLst>
           </p:nvPr>
         </p:nvPicPr>
         <p:blipFill>
-          <a:blip r:embed="rId16">
+          <a:blip r:embed="rId30">
             <a:extLst>
               <a:ext uri="{28A0092B-C50C-407E-A947-70E740481C1C}">
                 <a14:useLocalDpi xmlns:a14="http://schemas.microsoft.com/office/drawing/2010/main" val="0"/>
@@ -5441,20 +6647,180 @@
         </p:blipFill>
         <p:spPr>
           <a:xfrm>
-            <a:off x="1748548" y="5855161"/>
-            <a:ext cx="2944368" cy="381000"/>
+            <a:off x="7528896" y="8196361"/>
+            <a:ext cx="1955047" cy="254476"/>
           </a:xfrm>
           <a:prstGeom prst="rect">
             <a:avLst/>
           </a:prstGeom>
         </p:spPr>
       </p:pic>
+      <p:sp>
+        <p:nvSpPr>
+          <p:cNvPr id="86" name="Rectangle 38 2 1 2">
+            <a:extLst>
+              <a:ext uri="{FF2B5EF4-FFF2-40B4-BE49-F238E27FC236}">
+                <a16:creationId xmlns:a16="http://schemas.microsoft.com/office/drawing/2014/main" id="{9524352A-2C80-47FC-BE2C-B7F7C5199DE7}"/>
+              </a:ext>
+            </a:extLst>
+          </p:cNvPr>
+          <p:cNvSpPr/>
+          <p:nvPr/>
+        </p:nvSpPr>
+        <p:spPr>
+          <a:xfrm>
+            <a:off x="8172156" y="8171378"/>
+            <a:ext cx="1337692" cy="308718"/>
+          </a:xfrm>
+          <a:prstGeom prst="rect">
+            <a:avLst/>
+          </a:prstGeom>
+          <a:noFill/>
+          <a:ln w="28575">
+            <a:solidFill>
+              <a:srgbClr val="00B0F0"/>
+            </a:solidFill>
+          </a:ln>
+        </p:spPr>
+        <p:style>
+          <a:lnRef idx="2">
+            <a:schemeClr val="accent1">
+              <a:shade val="50000"/>
+            </a:schemeClr>
+          </a:lnRef>
+          <a:fillRef idx="1">
+            <a:schemeClr val="accent1"/>
+          </a:fillRef>
+          <a:effectRef idx="0">
+            <a:schemeClr val="accent1"/>
+          </a:effectRef>
+          <a:fontRef idx="minor">
+            <a:schemeClr val="lt1"/>
+          </a:fontRef>
+        </p:style>
+        <p:txBody>
+          <a:bodyPr rtlCol="0" anchor="ctr"/>
+          <a:lstStyle/>
+          <a:p>
+            <a:pPr algn="ctr"/>
+            <a:endParaRPr lang="en-KR"/>
+          </a:p>
+        </p:txBody>
+      </p:sp>
+      <p:sp>
+        <p:nvSpPr>
+          <p:cNvPr id="87" name="Rectangle 38 5 2 1">
+            <a:extLst>
+              <a:ext uri="{FF2B5EF4-FFF2-40B4-BE49-F238E27FC236}">
+                <a16:creationId xmlns:a16="http://schemas.microsoft.com/office/drawing/2014/main" id="{E2DC3B56-DDEA-43DB-9914-4E4009C213C7}"/>
+              </a:ext>
+            </a:extLst>
+          </p:cNvPr>
+          <p:cNvSpPr/>
+          <p:nvPr/>
+        </p:nvSpPr>
+        <p:spPr>
+          <a:xfrm>
+            <a:off x="8773511" y="8193864"/>
+            <a:ext cx="651165" cy="257769"/>
+          </a:xfrm>
+          <a:prstGeom prst="rect">
+            <a:avLst/>
+          </a:prstGeom>
+          <a:solidFill>
+            <a:srgbClr val="FFC000">
+              <a:alpha val="40000"/>
+            </a:srgbClr>
+          </a:solidFill>
+          <a:ln w="28575">
+            <a:noFill/>
+          </a:ln>
+        </p:spPr>
+        <p:style>
+          <a:lnRef idx="2">
+            <a:schemeClr val="accent1">
+              <a:shade val="50000"/>
+            </a:schemeClr>
+          </a:lnRef>
+          <a:fillRef idx="1">
+            <a:schemeClr val="accent1"/>
+          </a:fillRef>
+          <a:effectRef idx="0">
+            <a:schemeClr val="accent1"/>
+          </a:effectRef>
+          <a:fontRef idx="minor">
+            <a:schemeClr val="lt1"/>
+          </a:fontRef>
+        </p:style>
+        <p:txBody>
+          <a:bodyPr rtlCol="0" anchor="ctr"/>
+          <a:lstStyle/>
+          <a:p>
+            <a:pPr algn="ctr"/>
+            <a:endParaRPr lang="en-KR"/>
+          </a:p>
+        </p:txBody>
+      </p:sp>
+      <p:sp>
+        <p:nvSpPr>
+          <p:cNvPr id="90" name="Rectangle 38 5 2 2">
+            <a:extLst>
+              <a:ext uri="{FF2B5EF4-FFF2-40B4-BE49-F238E27FC236}">
+                <a16:creationId xmlns:a16="http://schemas.microsoft.com/office/drawing/2014/main" id="{2F9A4DEF-5CB9-4E03-9598-5A8F96B60B36}"/>
+              </a:ext>
+            </a:extLst>
+          </p:cNvPr>
+          <p:cNvSpPr/>
+          <p:nvPr/>
+        </p:nvSpPr>
+        <p:spPr>
+          <a:xfrm>
+            <a:off x="4252182" y="8185600"/>
+            <a:ext cx="963795" cy="425005"/>
+          </a:xfrm>
+          <a:prstGeom prst="rect">
+            <a:avLst/>
+          </a:prstGeom>
+          <a:solidFill>
+            <a:srgbClr val="FFC000">
+              <a:alpha val="40000"/>
+            </a:srgbClr>
+          </a:solidFill>
+          <a:ln w="28575">
+            <a:noFill/>
+          </a:ln>
+        </p:spPr>
+        <p:style>
+          <a:lnRef idx="2">
+            <a:schemeClr val="accent1">
+              <a:shade val="50000"/>
+            </a:schemeClr>
+          </a:lnRef>
+          <a:fillRef idx="1">
+            <a:schemeClr val="accent1"/>
+          </a:fillRef>
+          <a:effectRef idx="0">
+            <a:schemeClr val="accent1"/>
+          </a:effectRef>
+          <a:fontRef idx="minor">
+            <a:schemeClr val="lt1"/>
+          </a:fontRef>
+        </p:style>
+        <p:txBody>
+          <a:bodyPr rtlCol="0" anchor="ctr"/>
+          <a:lstStyle/>
+          <a:p>
+            <a:pPr algn="ctr"/>
+            <a:endParaRPr lang="en-KR"/>
+          </a:p>
+        </p:txBody>
+      </p:sp>
       <p:pic>
         <p:nvPicPr>
-          <p:cNvPr id="50" name="Picture 49">
+          <p:cNvPr id="98" name="그림 97">
             <a:extLst>
               <a:ext uri="{FF2B5EF4-FFF2-40B4-BE49-F238E27FC236}">
-                <a16:creationId xmlns:a16="http://schemas.microsoft.com/office/drawing/2014/main" id="{640F5BB3-9F75-044B-A908-9172C4C5CA6B}"/>
+                <a16:creationId xmlns:a16="http://schemas.microsoft.com/office/drawing/2014/main" id="{D1266444-D977-44B3-B86A-69C180B94546}"/>
               </a:ext>
             </a:extLst>
           </p:cNvPr>
@@ -5463,12 +6829,12 @@
           </p:cNvPicPr>
           <p:nvPr>
             <p:custDataLst>
-              <p:tags r:id="rId6"/>
+              <p:tags r:id="rId13"/>
             </p:custDataLst>
           </p:nvPr>
         </p:nvPicPr>
         <p:blipFill>
-          <a:blip r:embed="rId17">
+          <a:blip r:embed="rId31">
             <a:extLst>
               <a:ext uri="{28A0092B-C50C-407E-A947-70E740481C1C}">
                 <a14:useLocalDpi xmlns:a14="http://schemas.microsoft.com/office/drawing/2010/main" val="0"/>
@@ -5481,14 +6847,148 @@
         </p:blipFill>
         <p:spPr>
           <a:xfrm>
-            <a:off x="1730462" y="6398965"/>
-            <a:ext cx="5013960" cy="396240"/>
+            <a:off x="2115464" y="8658959"/>
+            <a:ext cx="34286" cy="287619"/>
           </a:xfrm>
           <a:prstGeom prst="rect">
             <a:avLst/>
           </a:prstGeom>
         </p:spPr>
       </p:pic>
+      <p:sp>
+        <p:nvSpPr>
+          <p:cNvPr id="99" name="타원 98">
+            <a:extLst>
+              <a:ext uri="{FF2B5EF4-FFF2-40B4-BE49-F238E27FC236}">
+                <a16:creationId xmlns:a16="http://schemas.microsoft.com/office/drawing/2014/main" id="{4164DE30-29D8-43C3-8950-52439ECF4D1D}"/>
+              </a:ext>
+            </a:extLst>
+          </p:cNvPr>
+          <p:cNvSpPr/>
+          <p:nvPr/>
+        </p:nvSpPr>
+        <p:spPr>
+          <a:xfrm>
+            <a:off x="4994919" y="9051454"/>
+            <a:ext cx="735312" cy="588475"/>
+          </a:xfrm>
+          <a:prstGeom prst="ellipse">
+            <a:avLst/>
+          </a:prstGeom>
+          <a:noFill/>
+          <a:ln w="38100">
+            <a:solidFill>
+              <a:srgbClr val="FF8300"/>
+            </a:solidFill>
+          </a:ln>
+        </p:spPr>
+        <p:style>
+          <a:lnRef idx="2">
+            <a:schemeClr val="accent1">
+              <a:shade val="50000"/>
+            </a:schemeClr>
+          </a:lnRef>
+          <a:fillRef idx="1">
+            <a:schemeClr val="accent1"/>
+          </a:fillRef>
+          <a:effectRef idx="0">
+            <a:schemeClr val="accent1"/>
+          </a:effectRef>
+          <a:fontRef idx="minor">
+            <a:schemeClr val="lt1"/>
+          </a:fontRef>
+        </p:style>
+        <p:txBody>
+          <a:bodyPr rtlCol="0" anchor="ctr"/>
+          <a:lstStyle/>
+          <a:p>
+            <a:pPr algn="ctr"/>
+            <a:endParaRPr lang="ko-KR" altLang="en-US"/>
+          </a:p>
+        </p:txBody>
+      </p:sp>
+      <p:sp>
+        <p:nvSpPr>
+          <p:cNvPr id="100" name="TextBox 99">
+            <a:extLst>
+              <a:ext uri="{FF2B5EF4-FFF2-40B4-BE49-F238E27FC236}">
+                <a16:creationId xmlns:a16="http://schemas.microsoft.com/office/drawing/2014/main" id="{6BB8E909-ED5E-43C4-A349-77EF7A0B48B0}"/>
+              </a:ext>
+            </a:extLst>
+          </p:cNvPr>
+          <p:cNvSpPr txBox="1"/>
+          <p:nvPr/>
+        </p:nvSpPr>
+        <p:spPr>
+          <a:xfrm>
+            <a:off x="5730231" y="9696290"/>
+            <a:ext cx="6328419" cy="523220"/>
+          </a:xfrm>
+          <a:prstGeom prst="rect">
+            <a:avLst/>
+          </a:prstGeom>
+          <a:noFill/>
+        </p:spPr>
+        <p:txBody>
+          <a:bodyPr wrap="square" rtlCol="0">
+            <a:spAutoFit/>
+          </a:bodyPr>
+          <a:lstStyle/>
+          <a:p>
+            <a:r>
+              <a:rPr lang="en-US" altLang="ko-KR" sz="2800" dirty="0"/>
+              <a:t>Gaussian distribution</a:t>
+            </a:r>
+            <a:endParaRPr lang="ko-KR" altLang="en-US" sz="2800" dirty="0"/>
+          </a:p>
+        </p:txBody>
+      </p:sp>
+      <p:cxnSp>
+        <p:nvCxnSpPr>
+          <p:cNvPr id="102" name="연결선: 꺾임 101">
+            <a:extLst>
+              <a:ext uri="{FF2B5EF4-FFF2-40B4-BE49-F238E27FC236}">
+                <a16:creationId xmlns:a16="http://schemas.microsoft.com/office/drawing/2014/main" id="{52AB626F-4F01-4AF2-9762-48D8E12189E3}"/>
+              </a:ext>
+            </a:extLst>
+          </p:cNvPr>
+          <p:cNvCxnSpPr>
+            <a:cxnSpLocks/>
+            <a:stCxn id="100" idx="1"/>
+            <a:endCxn id="99" idx="4"/>
+          </p:cNvCxnSpPr>
+          <p:nvPr/>
+        </p:nvCxnSpPr>
+        <p:spPr>
+          <a:xfrm rot="10800000">
+            <a:off x="5362575" y="9639930"/>
+            <a:ext cx="367656" cy="317971"/>
+          </a:xfrm>
+          <a:prstGeom prst="bentConnector2">
+            <a:avLst/>
+          </a:prstGeom>
+          <a:ln w="28575">
+            <a:solidFill>
+              <a:schemeClr val="tx1"/>
+            </a:solidFill>
+            <a:tailEnd type="triangle"/>
+          </a:ln>
+        </p:spPr>
+        <p:style>
+          <a:lnRef idx="1">
+            <a:schemeClr val="accent1"/>
+          </a:lnRef>
+          <a:fillRef idx="0">
+            <a:schemeClr val="accent1"/>
+          </a:fillRef>
+          <a:effectRef idx="0">
+            <a:schemeClr val="accent1"/>
+          </a:effectRef>
+          <a:fontRef idx="minor">
+            <a:schemeClr val="tx1"/>
+          </a:fontRef>
+        </p:style>
+      </p:cxnSp>
     </p:spTree>
     <p:extLst>
       <p:ext uri="{BB962C8B-B14F-4D97-AF65-F5344CB8AC3E}">
@@ -13879,10 +15379,10 @@
       </p:grpSp>
       <p:grpSp>
         <p:nvGrpSpPr>
-          <p:cNvPr id="2" name="Group 1">
+          <p:cNvPr id="11" name="그룹 10">
             <a:extLst>
               <a:ext uri="{FF2B5EF4-FFF2-40B4-BE49-F238E27FC236}">
-                <a16:creationId xmlns:a16="http://schemas.microsoft.com/office/drawing/2014/main" id="{AECAB368-A844-8445-88C0-06F640D77A2F}"/>
+                <a16:creationId xmlns:a16="http://schemas.microsoft.com/office/drawing/2014/main" id="{AE2EC5D1-AD25-4411-B37A-F406C88154E4}"/>
               </a:ext>
             </a:extLst>
           </p:cNvPr>
@@ -14580,10 +16080,10 @@
         </p:sp>
         <p:pic>
           <p:nvPicPr>
-            <p:cNvPr id="75" name="그림 74">
-              <a:extLst>
-                <a:ext uri="{FF2B5EF4-FFF2-40B4-BE49-F238E27FC236}">
-                  <a16:creationId xmlns:a16="http://schemas.microsoft.com/office/drawing/2014/main" id="{B4904DFE-1716-4A2C-89C5-6BCAD6D6388C}"/>
+            <p:cNvPr id="5" name="그림 4">
+              <a:extLst>
+                <a:ext uri="{FF2B5EF4-FFF2-40B4-BE49-F238E27FC236}">
+                  <a16:creationId xmlns:a16="http://schemas.microsoft.com/office/drawing/2014/main" id="{293480BE-D1AE-4910-8331-AE72F1C29862}"/>
                 </a:ext>
               </a:extLst>
             </p:cNvPr>
@@ -14610,8 +16110,8 @@
           </p:blipFill>
           <p:spPr>
             <a:xfrm>
-              <a:off x="3022219" y="3725591"/>
-              <a:ext cx="1037713" cy="288000"/>
+              <a:off x="3105243" y="3668978"/>
+              <a:ext cx="1297143" cy="360000"/>
             </a:xfrm>
             <a:prstGeom prst="rect">
               <a:avLst/>
@@ -14620,10 +16120,10 @@
         </p:pic>
         <p:pic>
           <p:nvPicPr>
-            <p:cNvPr id="62" name="그림 61">
-              <a:extLst>
-                <a:ext uri="{FF2B5EF4-FFF2-40B4-BE49-F238E27FC236}">
-                  <a16:creationId xmlns:a16="http://schemas.microsoft.com/office/drawing/2014/main" id="{1F896EC2-3022-4B4E-BE6B-46BA0A45B888}"/>
+            <p:cNvPr id="7" name="그림 6">
+              <a:extLst>
+                <a:ext uri="{FF2B5EF4-FFF2-40B4-BE49-F238E27FC236}">
+                  <a16:creationId xmlns:a16="http://schemas.microsoft.com/office/drawing/2014/main" id="{E39AF399-63F6-4B50-8418-A68F610CF7F1}"/>
                 </a:ext>
               </a:extLst>
             </p:cNvPr>
@@ -14650,8 +16150,8 @@
           </p:blipFill>
           <p:spPr>
             <a:xfrm>
-              <a:off x="7689837" y="3725591"/>
-              <a:ext cx="1347047" cy="289524"/>
+              <a:off x="7689837" y="3668026"/>
+              <a:ext cx="1683810" cy="361905"/>
             </a:xfrm>
             <a:prstGeom prst="rect">
               <a:avLst/>
@@ -14660,10 +16160,10 @@
         </p:pic>
         <p:pic>
           <p:nvPicPr>
-            <p:cNvPr id="64" name="그림 63">
-              <a:extLst>
-                <a:ext uri="{FF2B5EF4-FFF2-40B4-BE49-F238E27FC236}">
-                  <a16:creationId xmlns:a16="http://schemas.microsoft.com/office/drawing/2014/main" id="{0E2E5B6F-4336-40FA-99FE-5C08D2AB1497}"/>
+            <p:cNvPr id="9" name="그림 8">
+              <a:extLst>
+                <a:ext uri="{FF2B5EF4-FFF2-40B4-BE49-F238E27FC236}">
+                  <a16:creationId xmlns:a16="http://schemas.microsoft.com/office/drawing/2014/main" id="{47AF5BDB-B817-457A-BACE-C4A6761042C1}"/>
                 </a:ext>
               </a:extLst>
             </p:cNvPr>
@@ -14690,8 +16190,8 @@
           </p:blipFill>
           <p:spPr>
             <a:xfrm>
-              <a:off x="12324335" y="3669875"/>
-              <a:ext cx="1088000" cy="289524"/>
+              <a:off x="12324335" y="3668026"/>
+              <a:ext cx="1360000" cy="361905"/>
             </a:xfrm>
             <a:prstGeom prst="rect">
               <a:avLst/>
@@ -17086,7 +18586,7 @@
   <p:tag name="ORIGINALHEIGHT" val="141.7323"/>
   <p:tag name="ORIGINALWIDTH" val="510.6861"/>
   <p:tag name="LATEXADDIN" val="\documentclass{article}&#10;\usepackage{amsmath}&#10;\usepackage{xcolor}&#10;\pagestyle{empty}&#10;\begin{document}&#10;&#10;&#10;$\textcolor{orange}{=\Delta \tilde{\mathtt{R}}_{i,i+1}}$&#10;&#10;\end{document}"/>
-  <p:tag name="IGUANATEXSIZE" val="20"/>
+  <p:tag name="IGUANATEXSIZE" val="25"/>
   <p:tag name="IGUANATEXCURSOR" val="123"/>
   <p:tag name="TRANSPARENCY" val="True"/>
   <p:tag name="FILENAME" val=""/>
@@ -17105,7 +18605,7 @@
   <p:tag name="ORIGINALHEIGHT" val="142.4822"/>
   <p:tag name="ORIGINALWIDTH" val="662.9172"/>
   <p:tag name="LATEXADDIN" val="\documentclass{article}&#10;\usepackage{amsmath}&#10;\usepackage{xcolor}&#10;\pagestyle{empty}&#10;\begin{document}&#10;&#10;&#10;$\textcolor{orange}{=\Delta \tilde{\mathtt{R}}_{j-2,j-1}}$&#10;&#10;\end{document}"/>
-  <p:tag name="IGUANATEXSIZE" val="20"/>
+  <p:tag name="IGUANATEXSIZE" val="25"/>
   <p:tag name="IGUANATEXCURSOR" val="154"/>
   <p:tag name="TRANSPARENCY" val="True"/>
   <p:tag name="FILENAME" val=""/>
@@ -17124,7 +18624,7 @@
   <p:tag name="ORIGINALHEIGHT" val="142.4822"/>
   <p:tag name="ORIGINALWIDTH" val="535.433"/>
   <p:tag name="LATEXADDIN" val="\documentclass{article}&#10;\usepackage{amsmath}&#10;\usepackage{xcolor}&#10;\pagestyle{empty}&#10;\begin{document}&#10;&#10;&#10;$\textcolor{orange}{=\Delta \tilde{\mathtt{R}}_{j-1,j}}$&#10;&#10;\end{document}"/>
-  <p:tag name="IGUANATEXSIZE" val="20"/>
+  <p:tag name="IGUANATEXSIZE" val="25"/>
   <p:tag name="IGUANATEXCURSOR" val="154"/>
   <p:tag name="TRANSPARENCY" val="True"/>
   <p:tag name="FILENAME" val=""/>
@@ -17441,14 +18941,15 @@
 <file path=ppt/tags/tag42.xml><?xml version="1.0" encoding="utf-8"?>
 <p:tagLst xmlns:a="http://schemas.openxmlformats.org/drawingml/2006/main" xmlns:r="http://schemas.openxmlformats.org/officeDocument/2006/relationships" xmlns:p="http://schemas.openxmlformats.org/presentationml/2006/main">
   <p:tag name="OUTPUTDPI" val="1200"/>
-  <p:tag name="ORIGINALHEIGHT" val="176"/>
-  <p:tag name="ORIGINALWIDTH" val="1180"/>
-  <p:tag name="LATEXADDIN" val="\documentclass{article}&#10;\usepackage{amsmath}&#10;\usepackage{amssymb}&#10;\pagestyle{empty}&#10;\begin{document}&#10;&#10;&#10;$\Psi_k = \Delta \tilde{\mathtt{R}}_{k+1 j}^{\intercal} \mathtt{J}_{r}^{k} \boldsymbol{\eta}_{k}^{g d} \Delta t$&#10;&#10;\end{document}"/>
+  <p:tag name="ORIGINALHEIGHT" val="176.228"/>
+  <p:tag name="ORIGINALWIDTH" val="1406.074"/>
+  <p:tag name="LATEXADDIN" val="\documentclass{article}&#10;\usepackage{amsmath}&#10;\usepackage{amssymb}&#10;\pagestyle{empty}&#10;\begin{document}&#10;&#10;&#10;Let $\Psi_k = \Delta \tilde{\mathtt{R}}_{k+1 j}^{\intercal} \mathtt{J}_{r}^{k} \boldsymbol{\eta}_{k}^{g d} \Delta t$&#10;&#10;\end{document}"/>
   <p:tag name="IGUANATEXSIZE" val="30"/>
-  <p:tag name="IGUANATEXCURSOR" val="166"/>
+  <p:tag name="IGUANATEXCURSOR" val="107"/>
   <p:tag name="TRANSPARENCY" val="True"/>
+  <p:tag name="FILENAME" val=""/>
   <p:tag name="LATEXENGINEID" val="0"/>
-  <p:tag name="TEMPFOLDER" val="/private/var/folders/wh/6xq4nzn968z6nmj8vyhb88hc0000gn/T/com.microsoft.Powerpoint/TemporaryItems/"/>
+  <p:tag name="TEMPFOLDER" val="c:\temp\"/>
   <p:tag name="LATEXFORMHEIGHT" val="312"/>
   <p:tag name="LATEXFORMWIDTH" val="384"/>
   <p:tag name="LATEXFORMWRAP" val="True"/>
@@ -17513,14 +19014,15 @@
 <file path=ppt/tags/tag46.xml><?xml version="1.0" encoding="utf-8"?>
 <p:tagLst xmlns:a="http://schemas.openxmlformats.org/drawingml/2006/main" xmlns:r="http://schemas.openxmlformats.org/officeDocument/2006/relationships" xmlns:p="http://schemas.openxmlformats.org/presentationml/2006/main">
   <p:tag name="OUTPUTDPI" val="1200"/>
-  <p:tag name="ORIGINALHEIGHT" val="125"/>
-  <p:tag name="ORIGINALWIDTH" val="966"/>
-  <p:tag name="LATEXADDIN" val="\documentclass{article}&#10;\usepackage{amsmath}&#10;\usepackage{amssymb}&#10;\pagestyle{empty}&#10;\begin{document}&#10;&#10;$\simeq - \delta \Phi_{j-1} + \Psi_{j-1} $&#10;&#10;\end{document}"/>
+  <p:tag name="ORIGINALHEIGHT" val="117.7353"/>
+  <p:tag name="ORIGINALWIDTH" val="718.4102"/>
+  <p:tag name="LATEXADDIN" val="\documentclass{article}&#10;\usepackage{amsmath}&#10;\usepackage{amssymb}&#10;\pagestyle{empty}&#10;\begin{document}&#10;&#10;$\simeq \Psi_{i} - \delta \Phi_{i+1}  $&#10;&#10;\end{document}"/>
   <p:tag name="IGUANATEXSIZE" val="30"/>
-  <p:tag name="IGUANATEXCURSOR" val="128"/>
+  <p:tag name="IGUANATEXCURSOR" val="137"/>
   <p:tag name="TRANSPARENCY" val="True"/>
+  <p:tag name="FILENAME" val=""/>
   <p:tag name="LATEXENGINEID" val="0"/>
-  <p:tag name="TEMPFOLDER" val="/private/var/folders/wh/6xq4nzn968z6nmj8vyhb88hc0000gn/T/com.microsoft.Powerpoint/TemporaryItems/"/>
+  <p:tag name="TEMPFOLDER" val="c:\temp\"/>
   <p:tag name="LATEXFORMHEIGHT" val="312"/>
   <p:tag name="LATEXFORMWIDTH" val="384"/>
   <p:tag name="LATEXFORMWRAP" val="True"/>
@@ -17531,14 +19033,53 @@
 <file path=ppt/tags/tag47.xml><?xml version="1.0" encoding="utf-8"?>
 <p:tagLst xmlns:a="http://schemas.openxmlformats.org/drawingml/2006/main" xmlns:r="http://schemas.openxmlformats.org/officeDocument/2006/relationships" xmlns:p="http://schemas.openxmlformats.org/presentationml/2006/main">
   <p:tag name="OUTPUTDPI" val="1200"/>
-  <p:tag name="ORIGINALHEIGHT" val="130"/>
-  <p:tag name="ORIGINALWIDTH" val="1645"/>
-  <p:tag name="LATEXADDIN" val="\documentclass{article}&#10;\usepackage{amsmath}&#10;\usepackage{amssymb}&#10;\pagestyle{empty}&#10;\begin{document}&#10;&#10;$\simeq - \operatorname{Log}\left( \operatorname{Exp}\left( \delta \Phi_{j-1} \right) \right) + \Psi_{j-1} $&#10;&#10;\end{document}"/>
+  <p:tag name="ORIGINALHEIGHT" val="125.2343"/>
+  <p:tag name="ORIGINALWIDTH" val="1379.078"/>
+  <p:tag name="LATEXADDIN" val="\documentclass{article}&#10;\usepackage{amsmath}&#10;\usepackage{amssymb}&#10;\pagestyle{empty}&#10;\begin{document}&#10;&#10;$= \Psi_{i} - \operatorname{Log}\left( \operatorname{Exp}\left( \delta \Phi_{i+1} \right) \right) $&#10;&#10;\end{document}"/>
   <p:tag name="IGUANATEXSIZE" val="30"/>
-  <p:tag name="IGUANATEXCURSOR" val="195"/>
+  <p:tag name="IGUANATEXCURSOR" val="181"/>
   <p:tag name="TRANSPARENCY" val="True"/>
+  <p:tag name="FILENAME" val=""/>
   <p:tag name="LATEXENGINEID" val="0"/>
-  <p:tag name="TEMPFOLDER" val="/private/var/folders/wh/6xq4nzn968z6nmj8vyhb88hc0000gn/T/com.microsoft.Powerpoint/TemporaryItems/"/>
+  <p:tag name="TEMPFOLDER" val="c:\temp\"/>
+  <p:tag name="LATEXFORMHEIGHT" val="312"/>
+  <p:tag name="LATEXFORMWIDTH" val="384"/>
+  <p:tag name="LATEXFORMWRAP" val="True"/>
+  <p:tag name="BITMAPVECTOR" val="0"/>
+</p:tagLst>
+</file>
+
+<file path=ppt/tags/tag48.xml><?xml version="1.0" encoding="utf-8"?>
+<p:tagLst xmlns:a="http://schemas.openxmlformats.org/drawingml/2006/main" xmlns:r="http://schemas.openxmlformats.org/officeDocument/2006/relationships" xmlns:p="http://schemas.openxmlformats.org/presentationml/2006/main">
+  <p:tag name="OUTPUTDPI" val="1200"/>
+  <p:tag name="ORIGINALHEIGHT" val="130.4837"/>
+  <p:tag name="ORIGINALWIDTH" val="3039.37"/>
+  <p:tag name="LATEXADDIN" val="\documentclass{article}&#10;\usepackage{amsmath}&#10;\usepackage{amssymb}&#10;\pagestyle{empty}&#10;\begin{document}&#10;&#10;$= \Psi_{i} - \operatorname{Log}\left( \operatorname{Exp}\left(-\Psi_{i+1}\right) \operatorname{Exp}\left(-\Psi_{i+2}\right)\cdots\operatorname{Exp}\left(-\Psi_{j-1}\right)  \right)$&#10;&#10;\end{document}"/>
+  <p:tag name="IGUANATEXSIZE" val="30"/>
+  <p:tag name="IGUANATEXCURSOR" val="176"/>
+  <p:tag name="TRANSPARENCY" val="True"/>
+  <p:tag name="FILENAME" val=""/>
+  <p:tag name="LATEXENGINEID" val="0"/>
+  <p:tag name="TEMPFOLDER" val="c:\temp\"/>
+  <p:tag name="LATEXFORMHEIGHT" val="305.25"/>
+  <p:tag name="LATEXFORMWIDTH" val="384"/>
+  <p:tag name="LATEXFORMWRAP" val="True"/>
+  <p:tag name="BITMAPVECTOR" val="0"/>
+</p:tagLst>
+</file>
+
+<file path=ppt/tags/tag49.xml><?xml version="1.0" encoding="utf-8"?>
+<p:tagLst xmlns:a="http://schemas.openxmlformats.org/drawingml/2006/main" xmlns:r="http://schemas.openxmlformats.org/officeDocument/2006/relationships" xmlns:p="http://schemas.openxmlformats.org/presentationml/2006/main">
+  <p:tag name="OUTPUTDPI" val="1200"/>
+  <p:tag name="ORIGINALHEIGHT" val="117.7353"/>
+  <p:tag name="ORIGINALWIDTH" val="1137.608"/>
+  <p:tag name="LATEXADDIN" val="\documentclass{article}&#10;\usepackage{amsmath}&#10;\usepackage{amssymb}&#10;\pagestyle{empty}&#10;\begin{document}&#10;&#10;$\simeq \Psi_{i} + \Psi_{i+1} - \delta \Phi_{i+2}  $&#10;&#10;\end{document}"/>
+  <p:tag name="IGUANATEXSIZE" val="30"/>
+  <p:tag name="IGUANATEXCURSOR" val="151"/>
+  <p:tag name="TRANSPARENCY" val="True"/>
+  <p:tag name="FILENAME" val=""/>
+  <p:tag name="LATEXENGINEID" val="0"/>
+  <p:tag name="TEMPFOLDER" val="c:\temp\"/>
   <p:tag name="LATEXFORMHEIGHT" val="312"/>
   <p:tag name="LATEXFORMWIDTH" val="384"/>
   <p:tag name="LATEXFORMWRAP" val="True"/>
@@ -17557,6 +19098,101 @@
   <p:tag name="TRANSPARENCY" val="True"/>
   <p:tag name="LATEXENGINEID" val="0"/>
   <p:tag name="TEMPFOLDER" val="/private/var/folders/wh/6xq4nzn968z6nmj8vyhb88hc0000gn/T/com.microsoft.Powerpoint/TemporaryItems/"/>
+  <p:tag name="LATEXFORMHEIGHT" val="312"/>
+  <p:tag name="LATEXFORMWIDTH" val="384"/>
+  <p:tag name="LATEXFORMWRAP" val="True"/>
+  <p:tag name="BITMAPVECTOR" val="0"/>
+</p:tagLst>
+</file>
+
+<file path=ppt/tags/tag50.xml><?xml version="1.0" encoding="utf-8"?>
+<p:tagLst xmlns:a="http://schemas.openxmlformats.org/drawingml/2006/main" xmlns:r="http://schemas.openxmlformats.org/officeDocument/2006/relationships" xmlns:p="http://schemas.openxmlformats.org/presentationml/2006/main">
+  <p:tag name="OUTPUTDPI" val="1200"/>
+  <p:tag name="ORIGINALHEIGHT" val="125.2343"/>
+  <p:tag name="ORIGINALWIDTH" val="317.9602"/>
+  <p:tag name="LATEXADDIN" val="\documentclass{article}&#10;\usepackage{amsmath}&#10;\usepackage{amssymb}&#10;\pagestyle{empty}&#10;\begin{document}&#10;&#10;$\operatorname{Log(\cdot)}$&#10;&#10;&#10;\end{document}"/>
+  <p:tag name="IGUANATEXSIZE" val="30"/>
+  <p:tag name="IGUANATEXCURSOR" val="128"/>
+  <p:tag name="TRANSPARENCY" val="True"/>
+  <p:tag name="FILENAME" val=""/>
+  <p:tag name="LATEXENGINEID" val="0"/>
+  <p:tag name="TEMPFOLDER" val="c:\temp\"/>
+  <p:tag name="LATEXFORMHEIGHT" val="312"/>
+  <p:tag name="LATEXFORMWIDTH" val="384"/>
+  <p:tag name="LATEXFORMWRAP" val="True"/>
+  <p:tag name="BITMAPVECTOR" val="0"/>
+</p:tagLst>
+</file>
+
+<file path=ppt/tags/tag51.xml><?xml version="1.0" encoding="utf-8"?>
+<p:tagLst xmlns:a="http://schemas.openxmlformats.org/drawingml/2006/main" xmlns:r="http://schemas.openxmlformats.org/officeDocument/2006/relationships" xmlns:p="http://schemas.openxmlformats.org/presentationml/2006/main">
+  <p:tag name="OUTPUTDPI" val="1200"/>
+  <p:tag name="ORIGINALHEIGHT" val="134.2332"/>
+  <p:tag name="ORIGINALWIDTH" val="1128.609"/>
+  <p:tag name="LATEXADDIN" val="\documentclass{article}&#10;\usepackage{amsmath}&#10;\usepackage{amssymb}&#10;&#10;\pagestyle{empty}&#10;\begin{document}&#10;&#10;$\approx \mathbf{I} \quad \text{when} \; ||\boldsymbol{\phi}||^2 \approx 0$&#10;&#10;&#10;\end{document}"/>
+  <p:tag name="IGUANATEXSIZE" val="28"/>
+  <p:tag name="IGUANATEXCURSOR" val="143"/>
+  <p:tag name="TRANSPARENCY" val="True"/>
+  <p:tag name="FILENAME" val=""/>
+  <p:tag name="LATEXENGINEID" val="0"/>
+  <p:tag name="TEMPFOLDER" val="c:\temp\"/>
+  <p:tag name="LATEXFORMHEIGHT" val="312"/>
+  <p:tag name="LATEXFORMWIDTH" val="384"/>
+  <p:tag name="LATEXFORMWRAP" val="True"/>
+  <p:tag name="BITMAPVECTOR" val="0"/>
+</p:tagLst>
+</file>
+
+<file path=ppt/tags/tag52.xml><?xml version="1.0" encoding="utf-8"?>
+<p:tagLst xmlns:a="http://schemas.openxmlformats.org/drawingml/2006/main" xmlns:r="http://schemas.openxmlformats.org/officeDocument/2006/relationships" xmlns:p="http://schemas.openxmlformats.org/presentationml/2006/main">
+  <p:tag name="OUTPUTDPI" val="1200"/>
+  <p:tag name="ORIGINALHEIGHT" val="125.2343"/>
+  <p:tag name="ORIGINALWIDTH" val="962.1297"/>
+  <p:tag name="LATEXADDIN" val="\documentclass{article}&#10;\usepackage{amsmath}&#10;\pagestyle{empty}&#10;\begin{document}&#10;&#10;$\Rightarrow $Let $\operatorname{Exp}(\delta \Phi_{i+1})$&#10;&#10;&#10;\end{document}"/>
+  <p:tag name="IGUANATEXSIZE" val="20"/>
+  <p:tag name="IGUANATEXCURSOR" val="134"/>
+  <p:tag name="TRANSPARENCY" val="True"/>
+  <p:tag name="FILENAME" val=""/>
+  <p:tag name="LATEXENGINEID" val="0"/>
+  <p:tag name="TEMPFOLDER" val="c:\temp\"/>
+  <p:tag name="LATEXFORMHEIGHT" val="312"/>
+  <p:tag name="LATEXFORMWIDTH" val="384"/>
+  <p:tag name="LATEXFORMWRAP" val="True"/>
+  <p:tag name="BITMAPVECTOR" val="0"/>
+</p:tagLst>
+</file>
+
+<file path=ppt/tags/tag53.xml><?xml version="1.0" encoding="utf-8"?>
+<p:tagLst xmlns:a="http://schemas.openxmlformats.org/drawingml/2006/main" xmlns:r="http://schemas.openxmlformats.org/officeDocument/2006/relationships" xmlns:p="http://schemas.openxmlformats.org/presentationml/2006/main">
+  <p:tag name="OUTPUTDPI" val="1200"/>
+  <p:tag name="ORIGINALHEIGHT" val="125.2343"/>
+  <p:tag name="ORIGINALWIDTH" val="962.1297"/>
+  <p:tag name="LATEXADDIN" val="\documentclass{article}&#10;\usepackage{amsmath}&#10;\pagestyle{empty}&#10;\begin{document}&#10;&#10;$\Rightarrow $Let $\operatorname{Exp}(\delta \Phi_{i+2})$&#10;&#10;&#10;\end{document}"/>
+  <p:tag name="IGUANATEXSIZE" val="20"/>
+  <p:tag name="IGUANATEXCURSOR" val="135"/>
+  <p:tag name="TRANSPARENCY" val="True"/>
+  <p:tag name="FILENAME" val=""/>
+  <p:tag name="LATEXENGINEID" val="0"/>
+  <p:tag name="TEMPFOLDER" val="c:\temp\"/>
+  <p:tag name="LATEXFORMHEIGHT" val="312"/>
+  <p:tag name="LATEXFORMWIDTH" val="384"/>
+  <p:tag name="LATEXFORMWRAP" val="True"/>
+  <p:tag name="BITMAPVECTOR" val="0"/>
+</p:tagLst>
+</file>
+
+<file path=ppt/tags/tag54.xml><?xml version="1.0" encoding="utf-8"?>
+<p:tagLst xmlns:a="http://schemas.openxmlformats.org/drawingml/2006/main" xmlns:r="http://schemas.openxmlformats.org/officeDocument/2006/relationships" xmlns:p="http://schemas.openxmlformats.org/presentationml/2006/main">
+  <p:tag name="OUTPUTDPI" val="1200"/>
+  <p:tag name="ORIGINALHEIGHT" val="113.2358"/>
+  <p:tag name="ORIGINALWIDTH" val="13.49835"/>
+  <p:tag name="LATEXADDIN" val="\documentclass{article}&#10;\usepackage{amsmath}&#10;\pagestyle{empty}&#10;\begin{document}&#10;&#10;$\boldsymbol{\vdots}$&#10;&#10;&#10;\end{document}"/>
+  <p:tag name="IGUANATEXSIZE" val="25"/>
+  <p:tag name="IGUANATEXCURSOR" val="101"/>
+  <p:tag name="TRANSPARENCY" val="True"/>
+  <p:tag name="FILENAME" val=""/>
+  <p:tag name="LATEXENGINEID" val="0"/>
+  <p:tag name="TEMPFOLDER" val="c:\temp\"/>
   <p:tag name="LATEXFORMHEIGHT" val="312"/>
   <p:tag name="LATEXFORMWIDTH" val="384"/>
   <p:tag name="LATEXFORMWRAP" val="True"/>

--- a/img/preintegration/preintegration_v2.pptx
+++ b/img/preintegration/preintegration_v2.pptx
@@ -16,8 +16,9 @@
     <p:sldId id="262" r:id="rId10"/>
     <p:sldId id="263" r:id="rId11"/>
     <p:sldId id="267" r:id="rId12"/>
-    <p:sldId id="268" r:id="rId13"/>
-    <p:sldId id="261" r:id="rId14"/>
+    <p:sldId id="269" r:id="rId13"/>
+    <p:sldId id="268" r:id="rId14"/>
+    <p:sldId id="261" r:id="rId15"/>
   </p:sldIdLst>
   <p:sldSz cx="12192000" cy="6858000"/>
   <p:notesSz cx="6858000" cy="9144000"/>
@@ -288,7 +289,7 @@
           <a:p>
             <a:fld id="{B79B8510-7E7F-4140-B929-CF74CD005B44}" type="datetimeFigureOut">
               <a:rPr lang="ko-KR" altLang="en-US" smtClean="0"/>
-              <a:t>2022-04-11</a:t>
+              <a:t>2022. 4. 13.</a:t>
             </a:fld>
             <a:endParaRPr lang="ko-KR" altLang="en-US"/>
           </a:p>
@@ -486,7 +487,7 @@
           <a:p>
             <a:fld id="{B79B8510-7E7F-4140-B929-CF74CD005B44}" type="datetimeFigureOut">
               <a:rPr lang="ko-KR" altLang="en-US" smtClean="0"/>
-              <a:t>2022-04-11</a:t>
+              <a:t>2022. 4. 13.</a:t>
             </a:fld>
             <a:endParaRPr lang="ko-KR" altLang="en-US"/>
           </a:p>
@@ -694,7 +695,7 @@
           <a:p>
             <a:fld id="{B79B8510-7E7F-4140-B929-CF74CD005B44}" type="datetimeFigureOut">
               <a:rPr lang="ko-KR" altLang="en-US" smtClean="0"/>
-              <a:t>2022-04-11</a:t>
+              <a:t>2022. 4. 13.</a:t>
             </a:fld>
             <a:endParaRPr lang="ko-KR" altLang="en-US"/>
           </a:p>
@@ -930,7 +931,7 @@
           <a:p>
             <a:fld id="{B79B8510-7E7F-4140-B929-CF74CD005B44}" type="datetimeFigureOut">
               <a:rPr lang="ko-KR" altLang="en-US" smtClean="0"/>
-              <a:t>2022-04-11</a:t>
+              <a:t>2022. 4. 13.</a:t>
             </a:fld>
             <a:endParaRPr lang="ko-KR" altLang="en-US"/>
           </a:p>
@@ -1205,7 +1206,7 @@
           <a:p>
             <a:fld id="{B79B8510-7E7F-4140-B929-CF74CD005B44}" type="datetimeFigureOut">
               <a:rPr lang="ko-KR" altLang="en-US" smtClean="0"/>
-              <a:t>2022-04-11</a:t>
+              <a:t>2022. 4. 13.</a:t>
             </a:fld>
             <a:endParaRPr lang="ko-KR" altLang="en-US"/>
           </a:p>
@@ -1470,7 +1471,7 @@
           <a:p>
             <a:fld id="{B79B8510-7E7F-4140-B929-CF74CD005B44}" type="datetimeFigureOut">
               <a:rPr lang="ko-KR" altLang="en-US" smtClean="0"/>
-              <a:t>2022-04-11</a:t>
+              <a:t>2022. 4. 13.</a:t>
             </a:fld>
             <a:endParaRPr lang="ko-KR" altLang="en-US"/>
           </a:p>
@@ -1882,7 +1883,7 @@
           <a:p>
             <a:fld id="{B79B8510-7E7F-4140-B929-CF74CD005B44}" type="datetimeFigureOut">
               <a:rPr lang="ko-KR" altLang="en-US" smtClean="0"/>
-              <a:t>2022-04-11</a:t>
+              <a:t>2022. 4. 13.</a:t>
             </a:fld>
             <a:endParaRPr lang="ko-KR" altLang="en-US"/>
           </a:p>
@@ -2023,7 +2024,7 @@
           <a:p>
             <a:fld id="{B79B8510-7E7F-4140-B929-CF74CD005B44}" type="datetimeFigureOut">
               <a:rPr lang="ko-KR" altLang="en-US" smtClean="0"/>
-              <a:t>2022-04-11</a:t>
+              <a:t>2022. 4. 13.</a:t>
             </a:fld>
             <a:endParaRPr lang="ko-KR" altLang="en-US"/>
           </a:p>
@@ -2136,7 +2137,7 @@
           <a:p>
             <a:fld id="{B79B8510-7E7F-4140-B929-CF74CD005B44}" type="datetimeFigureOut">
               <a:rPr lang="ko-KR" altLang="en-US" smtClean="0"/>
-              <a:t>2022-04-11</a:t>
+              <a:t>2022. 4. 13.</a:t>
             </a:fld>
             <a:endParaRPr lang="ko-KR" altLang="en-US"/>
           </a:p>
@@ -2447,7 +2448,7 @@
           <a:p>
             <a:fld id="{B79B8510-7E7F-4140-B929-CF74CD005B44}" type="datetimeFigureOut">
               <a:rPr lang="ko-KR" altLang="en-US" smtClean="0"/>
-              <a:t>2022-04-11</a:t>
+              <a:t>2022. 4. 13.</a:t>
             </a:fld>
             <a:endParaRPr lang="ko-KR" altLang="en-US"/>
           </a:p>
@@ -2735,7 +2736,7 @@
           <a:p>
             <a:fld id="{B79B8510-7E7F-4140-B929-CF74CD005B44}" type="datetimeFigureOut">
               <a:rPr lang="ko-KR" altLang="en-US" smtClean="0"/>
-              <a:t>2022-04-11</a:t>
+              <a:t>2022. 4. 13.</a:t>
             </a:fld>
             <a:endParaRPr lang="ko-KR" altLang="en-US"/>
           </a:p>
@@ -2976,7 +2977,7 @@
           <a:p>
             <a:fld id="{B79B8510-7E7F-4140-B929-CF74CD005B44}" type="datetimeFigureOut">
               <a:rPr lang="ko-KR" altLang="en-US" smtClean="0"/>
-              <a:t>2022-04-11</a:t>
+              <a:t>2022. 4. 13.</a:t>
             </a:fld>
             <a:endParaRPr lang="ko-KR" altLang="en-US"/>
           </a:p>
@@ -4927,6 +4928,245 @@
 </file>
 
 <file path=ppt/slides/slide12.xml><?xml version="1.0" encoding="utf-8"?>
+<p:sld xmlns:a="http://schemas.openxmlformats.org/drawingml/2006/main" xmlns:r="http://schemas.openxmlformats.org/officeDocument/2006/relationships" xmlns:p="http://schemas.openxmlformats.org/presentationml/2006/main">
+  <p:cSld>
+    <p:spTree>
+      <p:nvGrpSpPr>
+        <p:cNvPr id="1" name=""/>
+        <p:cNvGrpSpPr/>
+        <p:nvPr/>
+      </p:nvGrpSpPr>
+      <p:grpSpPr>
+        <a:xfrm>
+          <a:off x="0" y="0"/>
+          <a:ext cx="0" cy="0"/>
+          <a:chOff x="0" y="0"/>
+          <a:chExt cx="0" cy="0"/>
+        </a:xfrm>
+      </p:grpSpPr>
+      <p:grpSp>
+        <p:nvGrpSpPr>
+          <p:cNvPr id="6" name="Group 5">
+            <a:extLst>
+              <a:ext uri="{FF2B5EF4-FFF2-40B4-BE49-F238E27FC236}">
+                <a16:creationId xmlns:a16="http://schemas.microsoft.com/office/drawing/2014/main" id="{F763461B-46D0-4440-99D3-0E0D2D106710}"/>
+              </a:ext>
+            </a:extLst>
+          </p:cNvPr>
+          <p:cNvGrpSpPr/>
+          <p:nvPr/>
+        </p:nvGrpSpPr>
+        <p:grpSpPr>
+          <a:xfrm>
+            <a:off x="301498" y="1272209"/>
+            <a:ext cx="11890502" cy="2842592"/>
+            <a:chOff x="301498" y="1272209"/>
+            <a:chExt cx="11890502" cy="2842592"/>
+          </a:xfrm>
+        </p:grpSpPr>
+        <p:pic>
+          <p:nvPicPr>
+            <p:cNvPr id="2" name="Picture 1">
+              <a:extLst>
+                <a:ext uri="{FF2B5EF4-FFF2-40B4-BE49-F238E27FC236}">
+                  <a16:creationId xmlns:a16="http://schemas.microsoft.com/office/drawing/2014/main" id="{CD31DDC7-ED14-1145-8BD1-3810BFACA84E}"/>
+                </a:ext>
+              </a:extLst>
+            </p:cNvPr>
+            <p:cNvPicPr>
+              <a:picLocks noChangeAspect="1"/>
+            </p:cNvPicPr>
+            <p:nvPr/>
+          </p:nvPicPr>
+          <p:blipFill>
+            <a:blip r:embed="rId2"/>
+            <a:stretch>
+              <a:fillRect/>
+            </a:stretch>
+          </p:blipFill>
+          <p:spPr>
+            <a:xfrm>
+              <a:off x="301498" y="1272209"/>
+              <a:ext cx="11890502" cy="2842592"/>
+            </a:xfrm>
+            <a:prstGeom prst="rect">
+              <a:avLst/>
+            </a:prstGeom>
+          </p:spPr>
+        </p:pic>
+        <p:sp>
+          <p:nvSpPr>
+            <p:cNvPr id="3" name="Rectangle 2">
+              <a:extLst>
+                <a:ext uri="{FF2B5EF4-FFF2-40B4-BE49-F238E27FC236}">
+                  <a16:creationId xmlns:a16="http://schemas.microsoft.com/office/drawing/2014/main" id="{470F524E-F9C6-2448-AD85-6412CBFCE4E2}"/>
+                </a:ext>
+              </a:extLst>
+            </p:cNvPr>
+            <p:cNvSpPr/>
+            <p:nvPr/>
+          </p:nvSpPr>
+          <p:spPr>
+            <a:xfrm>
+              <a:off x="4128955" y="1399265"/>
+              <a:ext cx="1078245" cy="567524"/>
+            </a:xfrm>
+            <a:prstGeom prst="rect">
+              <a:avLst/>
+            </a:prstGeom>
+            <a:noFill/>
+            <a:ln w="28575">
+              <a:solidFill>
+                <a:srgbClr val="00B050"/>
+              </a:solidFill>
+            </a:ln>
+          </p:spPr>
+          <p:style>
+            <a:lnRef idx="2">
+              <a:schemeClr val="accent1">
+                <a:shade val="50000"/>
+              </a:schemeClr>
+            </a:lnRef>
+            <a:fillRef idx="1">
+              <a:schemeClr val="accent1"/>
+            </a:fillRef>
+            <a:effectRef idx="0">
+              <a:schemeClr val="accent1"/>
+            </a:effectRef>
+            <a:fontRef idx="minor">
+              <a:schemeClr val="lt1"/>
+            </a:fontRef>
+          </p:style>
+          <p:txBody>
+            <a:bodyPr rtlCol="0" anchor="ctr"/>
+            <a:lstStyle/>
+            <a:p>
+              <a:pPr algn="ctr"/>
+              <a:endParaRPr lang="en-KR"/>
+            </a:p>
+          </p:txBody>
+        </p:sp>
+        <p:sp>
+          <p:nvSpPr>
+            <p:cNvPr id="4" name="Rectangle 3">
+              <a:extLst>
+                <a:ext uri="{FF2B5EF4-FFF2-40B4-BE49-F238E27FC236}">
+                  <a16:creationId xmlns:a16="http://schemas.microsoft.com/office/drawing/2014/main" id="{0DA80A05-FCE1-B046-AC6F-D29F5EDCF1EA}"/>
+                </a:ext>
+              </a:extLst>
+            </p:cNvPr>
+            <p:cNvSpPr/>
+            <p:nvPr/>
+          </p:nvSpPr>
+          <p:spPr>
+            <a:xfrm>
+              <a:off x="6636068" y="2120271"/>
+              <a:ext cx="1032147" cy="739712"/>
+            </a:xfrm>
+            <a:prstGeom prst="rect">
+              <a:avLst/>
+            </a:prstGeom>
+            <a:noFill/>
+            <a:ln w="28575">
+              <a:solidFill>
+                <a:srgbClr val="00B050"/>
+              </a:solidFill>
+              <a:prstDash val="solid"/>
+            </a:ln>
+          </p:spPr>
+          <p:style>
+            <a:lnRef idx="2">
+              <a:schemeClr val="accent1">
+                <a:shade val="50000"/>
+              </a:schemeClr>
+            </a:lnRef>
+            <a:fillRef idx="1">
+              <a:schemeClr val="accent1"/>
+            </a:fillRef>
+            <a:effectRef idx="0">
+              <a:schemeClr val="accent1"/>
+            </a:effectRef>
+            <a:fontRef idx="minor">
+              <a:schemeClr val="lt1"/>
+            </a:fontRef>
+          </p:style>
+          <p:txBody>
+            <a:bodyPr rtlCol="0" anchor="ctr"/>
+            <a:lstStyle/>
+            <a:p>
+              <a:pPr algn="ctr"/>
+              <a:endParaRPr lang="en-KR"/>
+            </a:p>
+          </p:txBody>
+        </p:sp>
+        <p:sp>
+          <p:nvSpPr>
+            <p:cNvPr id="5" name="Rectangle 4">
+              <a:extLst>
+                <a:ext uri="{FF2B5EF4-FFF2-40B4-BE49-F238E27FC236}">
+                  <a16:creationId xmlns:a16="http://schemas.microsoft.com/office/drawing/2014/main" id="{3E6677DA-443B-EC44-A7B4-7581580B768A}"/>
+                </a:ext>
+              </a:extLst>
+            </p:cNvPr>
+            <p:cNvSpPr/>
+            <p:nvPr/>
+          </p:nvSpPr>
+          <p:spPr>
+            <a:xfrm>
+              <a:off x="9649552" y="3162447"/>
+              <a:ext cx="1032147" cy="739712"/>
+            </a:xfrm>
+            <a:prstGeom prst="rect">
+              <a:avLst/>
+            </a:prstGeom>
+            <a:noFill/>
+            <a:ln w="28575">
+              <a:solidFill>
+                <a:srgbClr val="00B050"/>
+              </a:solidFill>
+              <a:prstDash val="solid"/>
+            </a:ln>
+          </p:spPr>
+          <p:style>
+            <a:lnRef idx="2">
+              <a:schemeClr val="accent1">
+                <a:shade val="50000"/>
+              </a:schemeClr>
+            </a:lnRef>
+            <a:fillRef idx="1">
+              <a:schemeClr val="accent1"/>
+            </a:fillRef>
+            <a:effectRef idx="0">
+              <a:schemeClr val="accent1"/>
+            </a:effectRef>
+            <a:fontRef idx="minor">
+              <a:schemeClr val="lt1"/>
+            </a:fontRef>
+          </p:style>
+          <p:txBody>
+            <a:bodyPr rtlCol="0" anchor="ctr"/>
+            <a:lstStyle/>
+            <a:p>
+              <a:pPr algn="ctr"/>
+              <a:endParaRPr lang="en-KR"/>
+            </a:p>
+          </p:txBody>
+        </p:sp>
+      </p:grpSp>
+    </p:spTree>
+    <p:extLst>
+      <p:ext uri="{BB962C8B-B14F-4D97-AF65-F5344CB8AC3E}">
+        <p14:creationId xmlns:p14="http://schemas.microsoft.com/office/powerpoint/2010/main" val="380220341"/>
+      </p:ext>
+    </p:extLst>
+  </p:cSld>
+  <p:clrMapOvr>
+    <a:masterClrMapping/>
+  </p:clrMapOvr>
+</p:sld>
+</file>
+
+<file path=ppt/slides/slide13.xml><?xml version="1.0" encoding="utf-8"?>
 <p:sld xmlns:a="http://schemas.openxmlformats.org/drawingml/2006/main" xmlns:r="http://schemas.openxmlformats.org/officeDocument/2006/relationships" xmlns:p="http://schemas.openxmlformats.org/presentationml/2006/main">
   <p:cSld>
     <p:spTree>
@@ -7002,7 +7242,7 @@
 </p:sld>
 </file>
 
-<file path=ppt/slides/slide13.xml><?xml version="1.0" encoding="utf-8"?>
+<file path=ppt/slides/slide14.xml><?xml version="1.0" encoding="utf-8"?>
 <p:sld xmlns:a="http://schemas.openxmlformats.org/drawingml/2006/main" xmlns:r="http://schemas.openxmlformats.org/officeDocument/2006/relationships" xmlns:p="http://schemas.openxmlformats.org/presentationml/2006/main">
   <p:cSld>
     <p:spTree>
